--- a/figures/figure-HIV-small.pptx
+++ b/figures/figure-HIV-small.pptx
@@ -6,6 +6,7 @@
   </p:sldMasterIdLst>
   <p:sldIdLst>
     <p:sldId id="259" r:id="rId2"/>
+    <p:sldId id="260" r:id="rId3"/>
   </p:sldIdLst>
   <p:sldSz cx="3063875" cy="4022725"/>
   <p:notesSz cx="6858000" cy="9144000"/>
@@ -7743,6 +7744,4723 @@
 </p:sld>
 </file>
 
+<file path=ppt/slides/slide2.xml><?xml version="1.0" encoding="utf-8"?>
+<p:sld xmlns:a="http://schemas.openxmlformats.org/drawingml/2006/main" xmlns:r="http://schemas.openxmlformats.org/officeDocument/2006/relationships" xmlns:p="http://schemas.openxmlformats.org/presentationml/2006/main">
+  <p:cSld>
+    <p:spTree>
+      <p:nvGrpSpPr>
+        <p:cNvPr id="1" name=""/>
+        <p:cNvGrpSpPr/>
+        <p:nvPr/>
+      </p:nvGrpSpPr>
+      <p:grpSpPr>
+        <a:xfrm>
+          <a:off x="0" y="0"/>
+          <a:ext cx="0" cy="0"/>
+          <a:chOff x="0" y="0"/>
+          <a:chExt cx="0" cy="0"/>
+        </a:xfrm>
+      </p:grpSpPr>
+      <p:pic>
+        <p:nvPicPr>
+          <p:cNvPr id="5" name="Picture 4">
+            <a:extLst>
+              <a:ext uri="{FF2B5EF4-FFF2-40B4-BE49-F238E27FC236}">
+                <a16:creationId xmlns:a16="http://schemas.microsoft.com/office/drawing/2014/main" id="{02C2525F-609C-3910-A720-0BDBBB48069E}"/>
+              </a:ext>
+            </a:extLst>
+          </p:cNvPr>
+          <p:cNvPicPr>
+            <a:picLocks noChangeAspect="1"/>
+          </p:cNvPicPr>
+          <p:nvPr/>
+        </p:nvPicPr>
+        <p:blipFill>
+          <a:blip r:embed="rId2"/>
+          <a:stretch>
+            <a:fillRect/>
+          </a:stretch>
+        </p:blipFill>
+        <p:spPr>
+          <a:xfrm>
+            <a:off x="1587" y="4762"/>
+            <a:ext cx="3060700" cy="4013200"/>
+          </a:xfrm>
+          <a:prstGeom prst="rect">
+            <a:avLst/>
+          </a:prstGeom>
+        </p:spPr>
+      </p:pic>
+      <p:grpSp>
+        <p:nvGrpSpPr>
+          <p:cNvPr id="6" name="Group 5">
+            <a:extLst>
+              <a:ext uri="{FF2B5EF4-FFF2-40B4-BE49-F238E27FC236}">
+                <a16:creationId xmlns:a16="http://schemas.microsoft.com/office/drawing/2014/main" id="{BA9CA88F-FD12-730F-8311-9F82F507FC0F}"/>
+              </a:ext>
+            </a:extLst>
+          </p:cNvPr>
+          <p:cNvGrpSpPr/>
+          <p:nvPr/>
+        </p:nvGrpSpPr>
+        <p:grpSpPr>
+          <a:xfrm>
+            <a:off x="2308306" y="95080"/>
+            <a:ext cx="143736" cy="143734"/>
+            <a:chOff x="2719182" y="944085"/>
+            <a:chExt cx="143736" cy="143734"/>
+          </a:xfrm>
+        </p:grpSpPr>
+        <p:sp>
+          <p:nvSpPr>
+            <p:cNvPr id="7" name="Oval 6">
+              <a:extLst>
+                <a:ext uri="{FF2B5EF4-FFF2-40B4-BE49-F238E27FC236}">
+                  <a16:creationId xmlns:a16="http://schemas.microsoft.com/office/drawing/2014/main" id="{77197E11-4328-4F01-DD5C-BF821A699828}"/>
+                </a:ext>
+              </a:extLst>
+            </p:cNvPr>
+            <p:cNvSpPr/>
+            <p:nvPr/>
+          </p:nvSpPr>
+          <p:spPr>
+            <a:xfrm>
+              <a:off x="2719183" y="944085"/>
+              <a:ext cx="143735" cy="143734"/>
+            </a:xfrm>
+            <a:prstGeom prst="ellipse">
+              <a:avLst/>
+            </a:prstGeom>
+            <a:solidFill>
+              <a:srgbClr val="F1AB00"/>
+            </a:solidFill>
+            <a:ln w="12700">
+              <a:solidFill>
+                <a:schemeClr val="tx1"/>
+              </a:solidFill>
+            </a:ln>
+            <a:effectLst/>
+          </p:spPr>
+          <p:style>
+            <a:lnRef idx="1">
+              <a:schemeClr val="accent1"/>
+            </a:lnRef>
+            <a:fillRef idx="3">
+              <a:schemeClr val="accent1"/>
+            </a:fillRef>
+            <a:effectRef idx="2">
+              <a:schemeClr val="accent1"/>
+            </a:effectRef>
+            <a:fontRef idx="minor">
+              <a:schemeClr val="lt1"/>
+            </a:fontRef>
+          </p:style>
+          <p:txBody>
+            <a:bodyPr rtlCol="0" anchor="ctr"/>
+            <a:lstStyle/>
+            <a:p>
+              <a:pPr algn="ctr"/>
+              <a:endParaRPr lang="en-US" sz="800" dirty="0">
+                <a:latin typeface="Arial" panose="020B0604020202020204" pitchFamily="34" charset="0"/>
+                <a:cs typeface="Arial" panose="020B0604020202020204" pitchFamily="34" charset="0"/>
+              </a:endParaRPr>
+            </a:p>
+          </p:txBody>
+        </p:sp>
+        <p:sp>
+          <p:nvSpPr>
+            <p:cNvPr id="8" name="Freeform 7">
+              <a:extLst>
+                <a:ext uri="{FF2B5EF4-FFF2-40B4-BE49-F238E27FC236}">
+                  <a16:creationId xmlns:a16="http://schemas.microsoft.com/office/drawing/2014/main" id="{40A3F6E4-D868-4AE6-5D47-C5B4FDA97C65}"/>
+                </a:ext>
+              </a:extLst>
+            </p:cNvPr>
+            <p:cNvSpPr/>
+            <p:nvPr/>
+          </p:nvSpPr>
+          <p:spPr>
+            <a:xfrm>
+              <a:off x="2748346" y="948240"/>
+              <a:ext cx="114346" cy="113472"/>
+            </a:xfrm>
+            <a:custGeom>
+              <a:avLst/>
+              <a:gdLst>
+                <a:gd name="connsiteX0" fmla="*/ 108741 w 292716"/>
+                <a:gd name="connsiteY0" fmla="*/ 0 h 290478"/>
+                <a:gd name="connsiteX1" fmla="*/ 292716 w 292716"/>
+                <a:gd name="connsiteY1" fmla="*/ 183974 h 290478"/>
+                <a:gd name="connsiteX2" fmla="*/ 278259 w 292716"/>
+                <a:gd name="connsiteY2" fmla="*/ 255585 h 290478"/>
+                <a:gd name="connsiteX3" fmla="*/ 271893 w 292716"/>
+                <a:gd name="connsiteY3" fmla="*/ 265027 h 290478"/>
+                <a:gd name="connsiteX4" fmla="*/ 255587 w 292716"/>
+                <a:gd name="connsiteY4" fmla="*/ 276021 h 290478"/>
+                <a:gd name="connsiteX5" fmla="*/ 183975 w 292716"/>
+                <a:gd name="connsiteY5" fmla="*/ 290478 h 290478"/>
+                <a:gd name="connsiteX6" fmla="*/ 0 w 292716"/>
+                <a:gd name="connsiteY6" fmla="*/ 106504 h 290478"/>
+                <a:gd name="connsiteX7" fmla="*/ 14458 w 292716"/>
+                <a:gd name="connsiteY7" fmla="*/ 34893 h 290478"/>
+                <a:gd name="connsiteX8" fmla="*/ 20824 w 292716"/>
+                <a:gd name="connsiteY8" fmla="*/ 25452 h 290478"/>
+                <a:gd name="connsiteX9" fmla="*/ 37130 w 292716"/>
+                <a:gd name="connsiteY9" fmla="*/ 14458 h 290478"/>
+                <a:gd name="connsiteX10" fmla="*/ 108741 w 292716"/>
+                <a:gd name="connsiteY10" fmla="*/ 0 h 290478"/>
+              </a:gdLst>
+              <a:ahLst/>
+              <a:cxnLst>
+                <a:cxn ang="0">
+                  <a:pos x="connsiteX0" y="connsiteY0"/>
+                </a:cxn>
+                <a:cxn ang="0">
+                  <a:pos x="connsiteX1" y="connsiteY1"/>
+                </a:cxn>
+                <a:cxn ang="0">
+                  <a:pos x="connsiteX2" y="connsiteY2"/>
+                </a:cxn>
+                <a:cxn ang="0">
+                  <a:pos x="connsiteX3" y="connsiteY3"/>
+                </a:cxn>
+                <a:cxn ang="0">
+                  <a:pos x="connsiteX4" y="connsiteY4"/>
+                </a:cxn>
+                <a:cxn ang="0">
+                  <a:pos x="connsiteX5" y="connsiteY5"/>
+                </a:cxn>
+                <a:cxn ang="0">
+                  <a:pos x="connsiteX6" y="connsiteY6"/>
+                </a:cxn>
+                <a:cxn ang="0">
+                  <a:pos x="connsiteX7" y="connsiteY7"/>
+                </a:cxn>
+                <a:cxn ang="0">
+                  <a:pos x="connsiteX8" y="connsiteY8"/>
+                </a:cxn>
+                <a:cxn ang="0">
+                  <a:pos x="connsiteX9" y="connsiteY9"/>
+                </a:cxn>
+                <a:cxn ang="0">
+                  <a:pos x="connsiteX10" y="connsiteY10"/>
+                </a:cxn>
+              </a:cxnLst>
+              <a:rect l="l" t="t" r="r" b="b"/>
+              <a:pathLst>
+                <a:path w="292716" h="290478">
+                  <a:moveTo>
+                    <a:pt x="108741" y="0"/>
+                  </a:moveTo>
+                  <a:cubicBezTo>
+                    <a:pt x="210348" y="0"/>
+                    <a:pt x="292716" y="82368"/>
+                    <a:pt x="292716" y="183974"/>
+                  </a:cubicBezTo>
+                  <a:cubicBezTo>
+                    <a:pt x="292716" y="209376"/>
+                    <a:pt x="287568" y="233575"/>
+                    <a:pt x="278259" y="255585"/>
+                  </a:cubicBezTo>
+                  <a:lnTo>
+                    <a:pt x="271893" y="265027"/>
+                  </a:lnTo>
+                  <a:lnTo>
+                    <a:pt x="255587" y="276021"/>
+                  </a:lnTo>
+                  <a:cubicBezTo>
+                    <a:pt x="233576" y="285330"/>
+                    <a:pt x="209377" y="290478"/>
+                    <a:pt x="183975" y="290478"/>
+                  </a:cubicBezTo>
+                  <a:cubicBezTo>
+                    <a:pt x="82368" y="290478"/>
+                    <a:pt x="0" y="208110"/>
+                    <a:pt x="0" y="106504"/>
+                  </a:cubicBezTo>
+                  <a:cubicBezTo>
+                    <a:pt x="0" y="81103"/>
+                    <a:pt x="5148" y="56904"/>
+                    <a:pt x="14458" y="34893"/>
+                  </a:cubicBezTo>
+                  <a:lnTo>
+                    <a:pt x="20824" y="25452"/>
+                  </a:lnTo>
+                  <a:lnTo>
+                    <a:pt x="37130" y="14458"/>
+                  </a:lnTo>
+                  <a:cubicBezTo>
+                    <a:pt x="59140" y="5148"/>
+                    <a:pt x="83340" y="0"/>
+                    <a:pt x="108741" y="0"/>
+                  </a:cubicBezTo>
+                  <a:close/>
+                </a:path>
+              </a:pathLst>
+            </a:custGeom>
+            <a:solidFill>
+              <a:schemeClr val="accent4">
+                <a:lumMod val="60000"/>
+                <a:lumOff val="40000"/>
+                <a:alpha val="50196"/>
+              </a:schemeClr>
+            </a:solidFill>
+            <a:ln>
+              <a:noFill/>
+            </a:ln>
+            <a:effectLst/>
+          </p:spPr>
+          <p:style>
+            <a:lnRef idx="1">
+              <a:schemeClr val="accent1"/>
+            </a:lnRef>
+            <a:fillRef idx="3">
+              <a:schemeClr val="accent1"/>
+            </a:fillRef>
+            <a:effectRef idx="2">
+              <a:schemeClr val="accent1"/>
+            </a:effectRef>
+            <a:fontRef idx="minor">
+              <a:schemeClr val="lt1"/>
+            </a:fontRef>
+          </p:style>
+          <p:txBody>
+            <a:bodyPr wrap="square" rtlCol="0" anchor="ctr">
+              <a:noAutofit/>
+            </a:bodyPr>
+            <a:lstStyle/>
+            <a:p>
+              <a:pPr algn="ctr"/>
+              <a:endParaRPr lang="en-US" sz="800" dirty="0">
+                <a:latin typeface="Arial" panose="020B0604020202020204" pitchFamily="34" charset="0"/>
+                <a:cs typeface="Arial" panose="020B0604020202020204" pitchFamily="34" charset="0"/>
+              </a:endParaRPr>
+            </a:p>
+          </p:txBody>
+        </p:sp>
+        <p:sp>
+          <p:nvSpPr>
+            <p:cNvPr id="9" name="Oval 8">
+              <a:extLst>
+                <a:ext uri="{FF2B5EF4-FFF2-40B4-BE49-F238E27FC236}">
+                  <a16:creationId xmlns:a16="http://schemas.microsoft.com/office/drawing/2014/main" id="{1A94ED12-B096-37F4-6742-58E88608F760}"/>
+                </a:ext>
+              </a:extLst>
+            </p:cNvPr>
+            <p:cNvSpPr/>
+            <p:nvPr/>
+          </p:nvSpPr>
+          <p:spPr>
+            <a:xfrm>
+              <a:off x="2719182" y="944085"/>
+              <a:ext cx="143735" cy="143734"/>
+            </a:xfrm>
+            <a:prstGeom prst="ellipse">
+              <a:avLst/>
+            </a:prstGeom>
+            <a:noFill/>
+            <a:ln w="12700">
+              <a:solidFill>
+                <a:schemeClr val="tx1"/>
+              </a:solidFill>
+            </a:ln>
+            <a:effectLst/>
+          </p:spPr>
+          <p:style>
+            <a:lnRef idx="1">
+              <a:schemeClr val="accent1"/>
+            </a:lnRef>
+            <a:fillRef idx="3">
+              <a:schemeClr val="accent1"/>
+            </a:fillRef>
+            <a:effectRef idx="2">
+              <a:schemeClr val="accent1"/>
+            </a:effectRef>
+            <a:fontRef idx="minor">
+              <a:schemeClr val="lt1"/>
+            </a:fontRef>
+          </p:style>
+          <p:txBody>
+            <a:bodyPr rtlCol="0" anchor="ctr"/>
+            <a:lstStyle/>
+            <a:p>
+              <a:pPr algn="ctr"/>
+              <a:endParaRPr lang="en-US" sz="800" dirty="0">
+                <a:latin typeface="Arial" panose="020B0604020202020204" pitchFamily="34" charset="0"/>
+                <a:cs typeface="Arial" panose="020B0604020202020204" pitchFamily="34" charset="0"/>
+              </a:endParaRPr>
+            </a:p>
+          </p:txBody>
+        </p:sp>
+      </p:grpSp>
+      <p:grpSp>
+        <p:nvGrpSpPr>
+          <p:cNvPr id="10" name="Group 9">
+            <a:extLst>
+              <a:ext uri="{FF2B5EF4-FFF2-40B4-BE49-F238E27FC236}">
+                <a16:creationId xmlns:a16="http://schemas.microsoft.com/office/drawing/2014/main" id="{A68FD69C-3666-72D7-DDE8-CB501E8C7136}"/>
+              </a:ext>
+            </a:extLst>
+          </p:cNvPr>
+          <p:cNvGrpSpPr/>
+          <p:nvPr/>
+        </p:nvGrpSpPr>
+        <p:grpSpPr>
+          <a:xfrm rot="16200000">
+            <a:off x="1221103" y="500183"/>
+            <a:ext cx="76729" cy="121941"/>
+            <a:chOff x="2264983" y="322819"/>
+            <a:chExt cx="105742" cy="168049"/>
+          </a:xfrm>
+          <a:solidFill>
+            <a:schemeClr val="bg1">
+              <a:lumMod val="75000"/>
+            </a:schemeClr>
+          </a:solidFill>
+        </p:grpSpPr>
+        <p:sp>
+          <p:nvSpPr>
+            <p:cNvPr id="11" name="Rounded Rectangle 10">
+              <a:extLst>
+                <a:ext uri="{FF2B5EF4-FFF2-40B4-BE49-F238E27FC236}">
+                  <a16:creationId xmlns:a16="http://schemas.microsoft.com/office/drawing/2014/main" id="{23FE734A-1EE3-A3FC-ABAE-A05344D6D676}"/>
+                </a:ext>
+              </a:extLst>
+            </p:cNvPr>
+            <p:cNvSpPr/>
+            <p:nvPr/>
+          </p:nvSpPr>
+          <p:spPr>
+            <a:xfrm>
+              <a:off x="2264983" y="377825"/>
+              <a:ext cx="52209" cy="113043"/>
+            </a:xfrm>
+            <a:prstGeom prst="roundRect">
+              <a:avLst/>
+            </a:prstGeom>
+            <a:grpFill/>
+            <a:ln>
+              <a:noFill/>
+            </a:ln>
+            <a:effectLst/>
+          </p:spPr>
+          <p:style>
+            <a:lnRef idx="1">
+              <a:schemeClr val="accent1"/>
+            </a:lnRef>
+            <a:fillRef idx="3">
+              <a:schemeClr val="accent1"/>
+            </a:fillRef>
+            <a:effectRef idx="2">
+              <a:schemeClr val="accent1"/>
+            </a:effectRef>
+            <a:fontRef idx="minor">
+              <a:schemeClr val="lt1"/>
+            </a:fontRef>
+          </p:style>
+          <p:txBody>
+            <a:bodyPr rtlCol="0" anchor="ctr"/>
+            <a:lstStyle/>
+            <a:p>
+              <a:pPr algn="ctr"/>
+              <a:endParaRPr lang="en-US" sz="800">
+                <a:latin typeface="Arial" panose="020B0604020202020204" pitchFamily="34" charset="0"/>
+                <a:cs typeface="Arial" panose="020B0604020202020204" pitchFamily="34" charset="0"/>
+              </a:endParaRPr>
+            </a:p>
+          </p:txBody>
+        </p:sp>
+        <p:sp>
+          <p:nvSpPr>
+            <p:cNvPr id="12" name="Oval 11">
+              <a:extLst>
+                <a:ext uri="{FF2B5EF4-FFF2-40B4-BE49-F238E27FC236}">
+                  <a16:creationId xmlns:a16="http://schemas.microsoft.com/office/drawing/2014/main" id="{9D993E88-BADE-DC16-D528-A5D40F71B148}"/>
+                </a:ext>
+              </a:extLst>
+            </p:cNvPr>
+            <p:cNvSpPr/>
+            <p:nvPr/>
+          </p:nvSpPr>
+          <p:spPr>
+            <a:xfrm>
+              <a:off x="2325006" y="377825"/>
+              <a:ext cx="45719" cy="113043"/>
+            </a:xfrm>
+            <a:prstGeom prst="ellipse">
+              <a:avLst/>
+            </a:prstGeom>
+            <a:grpFill/>
+            <a:ln>
+              <a:noFill/>
+            </a:ln>
+            <a:effectLst/>
+          </p:spPr>
+          <p:style>
+            <a:lnRef idx="1">
+              <a:schemeClr val="accent1"/>
+            </a:lnRef>
+            <a:fillRef idx="3">
+              <a:schemeClr val="accent1"/>
+            </a:fillRef>
+            <a:effectRef idx="2">
+              <a:schemeClr val="accent1"/>
+            </a:effectRef>
+            <a:fontRef idx="minor">
+              <a:schemeClr val="lt1"/>
+            </a:fontRef>
+          </p:style>
+          <p:txBody>
+            <a:bodyPr rot="0" spcFirstLastPara="0" vertOverflow="overflow" horzOverflow="overflow" vert="horz" wrap="square" lIns="91440" tIns="45720" rIns="91440" bIns="45720" numCol="1" spcCol="0" rtlCol="0" fromWordArt="0" anchor="ctr" anchorCtr="0" forceAA="0" compatLnSpc="1">
+              <a:prstTxWarp prst="textNoShape">
+                <a:avLst/>
+              </a:prstTxWarp>
+              <a:noAutofit/>
+            </a:bodyPr>
+            <a:lstStyle/>
+            <a:p>
+              <a:pPr algn="ctr"/>
+              <a:endParaRPr lang="en-US" sz="800">
+                <a:latin typeface="Arial" panose="020B0604020202020204" pitchFamily="34" charset="0"/>
+                <a:cs typeface="Arial" panose="020B0604020202020204" pitchFamily="34" charset="0"/>
+              </a:endParaRPr>
+            </a:p>
+          </p:txBody>
+        </p:sp>
+        <p:sp>
+          <p:nvSpPr>
+            <p:cNvPr id="13" name="Snip and Round Single Corner Rectangle 12">
+              <a:extLst>
+                <a:ext uri="{FF2B5EF4-FFF2-40B4-BE49-F238E27FC236}">
+                  <a16:creationId xmlns:a16="http://schemas.microsoft.com/office/drawing/2014/main" id="{5D688727-FBB6-B64C-9A2D-073296009493}"/>
+                </a:ext>
+              </a:extLst>
+            </p:cNvPr>
+            <p:cNvSpPr/>
+            <p:nvPr/>
+          </p:nvSpPr>
+          <p:spPr>
+            <a:xfrm>
+              <a:off x="2264983" y="322819"/>
+              <a:ext cx="45719" cy="45719"/>
+            </a:xfrm>
+            <a:prstGeom prst="snipRoundRect">
+              <a:avLst>
+                <a:gd name="adj1" fmla="val 16667"/>
+                <a:gd name="adj2" fmla="val 50000"/>
+              </a:avLst>
+            </a:prstGeom>
+            <a:grpFill/>
+            <a:ln>
+              <a:noFill/>
+            </a:ln>
+            <a:effectLst/>
+          </p:spPr>
+          <p:style>
+            <a:lnRef idx="1">
+              <a:schemeClr val="accent1"/>
+            </a:lnRef>
+            <a:fillRef idx="3">
+              <a:schemeClr val="accent1"/>
+            </a:fillRef>
+            <a:effectRef idx="2">
+              <a:schemeClr val="accent1"/>
+            </a:effectRef>
+            <a:fontRef idx="minor">
+              <a:schemeClr val="lt1"/>
+            </a:fontRef>
+          </p:style>
+          <p:txBody>
+            <a:bodyPr rot="0" spcFirstLastPara="0" vertOverflow="overflow" horzOverflow="overflow" vert="horz" wrap="square" lIns="91440" tIns="45720" rIns="91440" bIns="45720" numCol="1" spcCol="0" rtlCol="0" fromWordArt="0" anchor="ctr" anchorCtr="0" forceAA="0" compatLnSpc="1">
+              <a:prstTxWarp prst="textNoShape">
+                <a:avLst/>
+              </a:prstTxWarp>
+              <a:noAutofit/>
+            </a:bodyPr>
+            <a:lstStyle/>
+            <a:p>
+              <a:pPr algn="ctr"/>
+              <a:endParaRPr lang="en-US" sz="800">
+                <a:latin typeface="Arial" panose="020B0604020202020204" pitchFamily="34" charset="0"/>
+                <a:cs typeface="Arial" panose="020B0604020202020204" pitchFamily="34" charset="0"/>
+              </a:endParaRPr>
+            </a:p>
+          </p:txBody>
+        </p:sp>
+        <p:sp>
+          <p:nvSpPr>
+            <p:cNvPr id="14" name="Snip and Round Single Corner Rectangle 13">
+              <a:extLst>
+                <a:ext uri="{FF2B5EF4-FFF2-40B4-BE49-F238E27FC236}">
+                  <a16:creationId xmlns:a16="http://schemas.microsoft.com/office/drawing/2014/main" id="{BFD28C16-445B-ED2B-194D-2A916C3F1EF4}"/>
+                </a:ext>
+              </a:extLst>
+            </p:cNvPr>
+            <p:cNvSpPr/>
+            <p:nvPr/>
+          </p:nvSpPr>
+          <p:spPr>
+            <a:xfrm flipH="1">
+              <a:off x="2325006" y="322819"/>
+              <a:ext cx="45719" cy="45719"/>
+            </a:xfrm>
+            <a:prstGeom prst="snipRoundRect">
+              <a:avLst>
+                <a:gd name="adj1" fmla="val 16667"/>
+                <a:gd name="adj2" fmla="val 50000"/>
+              </a:avLst>
+            </a:prstGeom>
+            <a:grpFill/>
+            <a:ln>
+              <a:noFill/>
+            </a:ln>
+            <a:effectLst/>
+          </p:spPr>
+          <p:style>
+            <a:lnRef idx="1">
+              <a:schemeClr val="accent1"/>
+            </a:lnRef>
+            <a:fillRef idx="3">
+              <a:schemeClr val="accent1"/>
+            </a:fillRef>
+            <a:effectRef idx="2">
+              <a:schemeClr val="accent1"/>
+            </a:effectRef>
+            <a:fontRef idx="minor">
+              <a:schemeClr val="lt1"/>
+            </a:fontRef>
+          </p:style>
+          <p:txBody>
+            <a:bodyPr rot="0" spcFirstLastPara="0" vertOverflow="overflow" horzOverflow="overflow" vert="horz" wrap="square" lIns="91440" tIns="45720" rIns="91440" bIns="45720" numCol="1" spcCol="0" rtlCol="0" fromWordArt="0" anchor="ctr" anchorCtr="0" forceAA="0" compatLnSpc="1">
+              <a:prstTxWarp prst="textNoShape">
+                <a:avLst/>
+              </a:prstTxWarp>
+              <a:noAutofit/>
+            </a:bodyPr>
+            <a:lstStyle/>
+            <a:p>
+              <a:pPr algn="ctr"/>
+              <a:endParaRPr lang="en-US" sz="800">
+                <a:latin typeface="Arial" panose="020B0604020202020204" pitchFamily="34" charset="0"/>
+                <a:cs typeface="Arial" panose="020B0604020202020204" pitchFamily="34" charset="0"/>
+              </a:endParaRPr>
+            </a:p>
+          </p:txBody>
+        </p:sp>
+      </p:grpSp>
+      <p:grpSp>
+        <p:nvGrpSpPr>
+          <p:cNvPr id="15" name="Group 14">
+            <a:extLst>
+              <a:ext uri="{FF2B5EF4-FFF2-40B4-BE49-F238E27FC236}">
+                <a16:creationId xmlns:a16="http://schemas.microsoft.com/office/drawing/2014/main" id="{3773E0A4-8015-7B5E-E8CF-CF18B5B697E5}"/>
+              </a:ext>
+            </a:extLst>
+          </p:cNvPr>
+          <p:cNvGrpSpPr/>
+          <p:nvPr/>
+        </p:nvGrpSpPr>
+        <p:grpSpPr>
+          <a:xfrm>
+            <a:off x="1307444" y="190128"/>
+            <a:ext cx="1234004" cy="705359"/>
+            <a:chOff x="4271303" y="2133077"/>
+            <a:chExt cx="3158954" cy="1805664"/>
+          </a:xfrm>
+        </p:grpSpPr>
+        <p:sp>
+          <p:nvSpPr>
+            <p:cNvPr id="16" name="Rounded Rectangle 15">
+              <a:extLst>
+                <a:ext uri="{FF2B5EF4-FFF2-40B4-BE49-F238E27FC236}">
+                  <a16:creationId xmlns:a16="http://schemas.microsoft.com/office/drawing/2014/main" id="{70CC2E54-7382-1FBA-7DB3-50D93BACB48A}"/>
+                </a:ext>
+              </a:extLst>
+            </p:cNvPr>
+            <p:cNvSpPr/>
+            <p:nvPr/>
+          </p:nvSpPr>
+          <p:spPr>
+            <a:xfrm>
+              <a:off x="4271303" y="2135051"/>
+              <a:ext cx="3158954" cy="1803690"/>
+            </a:xfrm>
+            <a:prstGeom prst="roundRect">
+              <a:avLst>
+                <a:gd name="adj" fmla="val 50000"/>
+              </a:avLst>
+            </a:prstGeom>
+            <a:solidFill>
+              <a:schemeClr val="bg1">
+                <a:lumMod val="75000"/>
+              </a:schemeClr>
+            </a:solidFill>
+            <a:ln w="12700">
+              <a:noFill/>
+            </a:ln>
+            <a:effectLst/>
+          </p:spPr>
+          <p:style>
+            <a:lnRef idx="1">
+              <a:schemeClr val="accent1"/>
+            </a:lnRef>
+            <a:fillRef idx="3">
+              <a:schemeClr val="accent1"/>
+            </a:fillRef>
+            <a:effectRef idx="2">
+              <a:schemeClr val="accent1"/>
+            </a:effectRef>
+            <a:fontRef idx="minor">
+              <a:schemeClr val="lt1"/>
+            </a:fontRef>
+          </p:style>
+          <p:txBody>
+            <a:bodyPr rtlCol="0" anchor="ctr"/>
+            <a:lstStyle/>
+            <a:p>
+              <a:pPr algn="ctr"/>
+              <a:endParaRPr lang="en-US" sz="800">
+                <a:latin typeface="Arial" panose="020B0604020202020204" pitchFamily="34" charset="0"/>
+                <a:cs typeface="Arial" panose="020B0604020202020204" pitchFamily="34" charset="0"/>
+              </a:endParaRPr>
+            </a:p>
+          </p:txBody>
+        </p:sp>
+        <p:sp>
+          <p:nvSpPr>
+            <p:cNvPr id="17" name="Freeform 16">
+              <a:extLst>
+                <a:ext uri="{FF2B5EF4-FFF2-40B4-BE49-F238E27FC236}">
+                  <a16:creationId xmlns:a16="http://schemas.microsoft.com/office/drawing/2014/main" id="{CCAF4A36-B54A-F468-1F04-D7F03716E3B7}"/>
+                </a:ext>
+              </a:extLst>
+            </p:cNvPr>
+            <p:cNvSpPr/>
+            <p:nvPr/>
+          </p:nvSpPr>
+          <p:spPr>
+            <a:xfrm>
+              <a:off x="4581494" y="2143313"/>
+              <a:ext cx="2845097" cy="1478779"/>
+            </a:xfrm>
+            <a:custGeom>
+              <a:avLst/>
+              <a:gdLst>
+                <a:gd name="connsiteX0" fmla="*/ 587988 w 2845097"/>
+                <a:gd name="connsiteY0" fmla="*/ 0 h 1478779"/>
+                <a:gd name="connsiteX1" fmla="*/ 1943252 w 2845097"/>
+                <a:gd name="connsiteY1" fmla="*/ 0 h 1478779"/>
+                <a:gd name="connsiteX2" fmla="*/ 2845097 w 2845097"/>
+                <a:gd name="connsiteY2" fmla="*/ 901845 h 1478779"/>
+                <a:gd name="connsiteX3" fmla="*/ 2774226 w 2845097"/>
+                <a:gd name="connsiteY3" fmla="*/ 1252884 h 1478779"/>
+                <a:gd name="connsiteX4" fmla="*/ 2722360 w 2845097"/>
+                <a:gd name="connsiteY4" fmla="*/ 1348438 h 1478779"/>
+                <a:gd name="connsiteX5" fmla="*/ 2686982 w 2845097"/>
+                <a:gd name="connsiteY5" fmla="*/ 1369931 h 1478779"/>
+                <a:gd name="connsiteX6" fmla="*/ 2257109 w 2845097"/>
+                <a:gd name="connsiteY6" fmla="*/ 1478779 h 1478779"/>
+                <a:gd name="connsiteX7" fmla="*/ 901845 w 2845097"/>
+                <a:gd name="connsiteY7" fmla="*/ 1478779 h 1478779"/>
+                <a:gd name="connsiteX8" fmla="*/ 0 w 2845097"/>
+                <a:gd name="connsiteY8" fmla="*/ 576934 h 1478779"/>
+                <a:gd name="connsiteX9" fmla="*/ 70872 w 2845097"/>
+                <a:gd name="connsiteY9" fmla="*/ 225895 h 1478779"/>
+                <a:gd name="connsiteX10" fmla="*/ 122737 w 2845097"/>
+                <a:gd name="connsiteY10" fmla="*/ 130341 h 1478779"/>
+                <a:gd name="connsiteX11" fmla="*/ 158116 w 2845097"/>
+                <a:gd name="connsiteY11" fmla="*/ 108848 h 1478779"/>
+                <a:gd name="connsiteX12" fmla="*/ 587988 w 2845097"/>
+                <a:gd name="connsiteY12" fmla="*/ 0 h 1478779"/>
+              </a:gdLst>
+              <a:ahLst/>
+              <a:cxnLst>
+                <a:cxn ang="0">
+                  <a:pos x="connsiteX0" y="connsiteY0"/>
+                </a:cxn>
+                <a:cxn ang="0">
+                  <a:pos x="connsiteX1" y="connsiteY1"/>
+                </a:cxn>
+                <a:cxn ang="0">
+                  <a:pos x="connsiteX2" y="connsiteY2"/>
+                </a:cxn>
+                <a:cxn ang="0">
+                  <a:pos x="connsiteX3" y="connsiteY3"/>
+                </a:cxn>
+                <a:cxn ang="0">
+                  <a:pos x="connsiteX4" y="connsiteY4"/>
+                </a:cxn>
+                <a:cxn ang="0">
+                  <a:pos x="connsiteX5" y="connsiteY5"/>
+                </a:cxn>
+                <a:cxn ang="0">
+                  <a:pos x="connsiteX6" y="connsiteY6"/>
+                </a:cxn>
+                <a:cxn ang="0">
+                  <a:pos x="connsiteX7" y="connsiteY7"/>
+                </a:cxn>
+                <a:cxn ang="0">
+                  <a:pos x="connsiteX8" y="connsiteY8"/>
+                </a:cxn>
+                <a:cxn ang="0">
+                  <a:pos x="connsiteX9" y="connsiteY9"/>
+                </a:cxn>
+                <a:cxn ang="0">
+                  <a:pos x="connsiteX10" y="connsiteY10"/>
+                </a:cxn>
+                <a:cxn ang="0">
+                  <a:pos x="connsiteX11" y="connsiteY11"/>
+                </a:cxn>
+                <a:cxn ang="0">
+                  <a:pos x="connsiteX12" y="connsiteY12"/>
+                </a:cxn>
+              </a:cxnLst>
+              <a:rect l="l" t="t" r="r" b="b"/>
+              <a:pathLst>
+                <a:path w="2845097" h="1478779">
+                  <a:moveTo>
+                    <a:pt x="587988" y="0"/>
+                  </a:moveTo>
+                  <a:lnTo>
+                    <a:pt x="1943252" y="0"/>
+                  </a:lnTo>
+                  <a:cubicBezTo>
+                    <a:pt x="2441327" y="0"/>
+                    <a:pt x="2845097" y="403770"/>
+                    <a:pt x="2845097" y="901845"/>
+                  </a:cubicBezTo>
+                  <a:cubicBezTo>
+                    <a:pt x="2845097" y="1026364"/>
+                    <a:pt x="2819862" y="1144989"/>
+                    <a:pt x="2774226" y="1252884"/>
+                  </a:cubicBezTo>
+                  <a:lnTo>
+                    <a:pt x="2722360" y="1348438"/>
+                  </a:lnTo>
+                  <a:lnTo>
+                    <a:pt x="2686982" y="1369931"/>
+                  </a:lnTo>
+                  <a:cubicBezTo>
+                    <a:pt x="2559197" y="1439348"/>
+                    <a:pt x="2412758" y="1478779"/>
+                    <a:pt x="2257109" y="1478779"/>
+                  </a:cubicBezTo>
+                  <a:lnTo>
+                    <a:pt x="901845" y="1478779"/>
+                  </a:lnTo>
+                  <a:cubicBezTo>
+                    <a:pt x="403770" y="1478779"/>
+                    <a:pt x="0" y="1075009"/>
+                    <a:pt x="0" y="576934"/>
+                  </a:cubicBezTo>
+                  <a:cubicBezTo>
+                    <a:pt x="0" y="452415"/>
+                    <a:pt x="25236" y="333791"/>
+                    <a:pt x="70872" y="225895"/>
+                  </a:cubicBezTo>
+                  <a:lnTo>
+                    <a:pt x="122737" y="130341"/>
+                  </a:lnTo>
+                  <a:lnTo>
+                    <a:pt x="158116" y="108848"/>
+                  </a:lnTo>
+                  <a:cubicBezTo>
+                    <a:pt x="285901" y="39431"/>
+                    <a:pt x="432340" y="0"/>
+                    <a:pt x="587988" y="0"/>
+                  </a:cubicBezTo>
+                  <a:close/>
+                </a:path>
+              </a:pathLst>
+            </a:custGeom>
+            <a:solidFill>
+              <a:srgbClr val="D9D9D9"/>
+            </a:solidFill>
+            <a:ln>
+              <a:noFill/>
+            </a:ln>
+            <a:effectLst/>
+          </p:spPr>
+          <p:style>
+            <a:lnRef idx="1">
+              <a:schemeClr val="accent1"/>
+            </a:lnRef>
+            <a:fillRef idx="3">
+              <a:schemeClr val="accent1"/>
+            </a:fillRef>
+            <a:effectRef idx="2">
+              <a:schemeClr val="accent1"/>
+            </a:effectRef>
+            <a:fontRef idx="minor">
+              <a:schemeClr val="lt1"/>
+            </a:fontRef>
+          </p:style>
+          <p:txBody>
+            <a:bodyPr wrap="square" rtlCol="0" anchor="ctr">
+              <a:noAutofit/>
+            </a:bodyPr>
+            <a:lstStyle/>
+            <a:p>
+              <a:pPr algn="ctr"/>
+              <a:endParaRPr lang="en-US" sz="800">
+                <a:latin typeface="Arial" panose="020B0604020202020204" pitchFamily="34" charset="0"/>
+                <a:cs typeface="Arial" panose="020B0604020202020204" pitchFamily="34" charset="0"/>
+              </a:endParaRPr>
+            </a:p>
+          </p:txBody>
+        </p:sp>
+        <p:sp>
+          <p:nvSpPr>
+            <p:cNvPr id="18" name="Rounded Rectangle 17">
+              <a:extLst>
+                <a:ext uri="{FF2B5EF4-FFF2-40B4-BE49-F238E27FC236}">
+                  <a16:creationId xmlns:a16="http://schemas.microsoft.com/office/drawing/2014/main" id="{B59D1F5F-E2C3-8C9D-B6C2-AF0C54012BCA}"/>
+                </a:ext>
+              </a:extLst>
+            </p:cNvPr>
+            <p:cNvSpPr/>
+            <p:nvPr/>
+          </p:nvSpPr>
+          <p:spPr>
+            <a:xfrm>
+              <a:off x="4271303" y="2133077"/>
+              <a:ext cx="3158954" cy="1803690"/>
+            </a:xfrm>
+            <a:prstGeom prst="roundRect">
+              <a:avLst>
+                <a:gd name="adj" fmla="val 50000"/>
+              </a:avLst>
+            </a:prstGeom>
+            <a:noFill/>
+            <a:ln w="12700">
+              <a:solidFill>
+                <a:schemeClr val="tx1"/>
+              </a:solidFill>
+            </a:ln>
+            <a:effectLst/>
+          </p:spPr>
+          <p:style>
+            <a:lnRef idx="1">
+              <a:schemeClr val="accent1"/>
+            </a:lnRef>
+            <a:fillRef idx="3">
+              <a:schemeClr val="accent1"/>
+            </a:fillRef>
+            <a:effectRef idx="2">
+              <a:schemeClr val="accent1"/>
+            </a:effectRef>
+            <a:fontRef idx="minor">
+              <a:schemeClr val="lt1"/>
+            </a:fontRef>
+          </p:style>
+          <p:txBody>
+            <a:bodyPr rtlCol="0" anchor="ctr"/>
+            <a:lstStyle/>
+            <a:p>
+              <a:pPr algn="ctr"/>
+              <a:endParaRPr lang="en-US" sz="800">
+                <a:latin typeface="Arial" panose="020B0604020202020204" pitchFamily="34" charset="0"/>
+                <a:cs typeface="Arial" panose="020B0604020202020204" pitchFamily="34" charset="0"/>
+              </a:endParaRPr>
+            </a:p>
+          </p:txBody>
+        </p:sp>
+      </p:grpSp>
+      <p:grpSp>
+        <p:nvGrpSpPr>
+          <p:cNvPr id="19" name="Group 18">
+            <a:extLst>
+              <a:ext uri="{FF2B5EF4-FFF2-40B4-BE49-F238E27FC236}">
+                <a16:creationId xmlns:a16="http://schemas.microsoft.com/office/drawing/2014/main" id="{EDEBC860-5BBD-91EE-5F17-4BFC5B359B1E}"/>
+              </a:ext>
+            </a:extLst>
+          </p:cNvPr>
+          <p:cNvGrpSpPr/>
+          <p:nvPr/>
+        </p:nvGrpSpPr>
+        <p:grpSpPr>
+          <a:xfrm rot="10800000">
+            <a:off x="1040593" y="516416"/>
+            <a:ext cx="136885" cy="88245"/>
+            <a:chOff x="2154113" y="444410"/>
+            <a:chExt cx="149762" cy="96546"/>
+          </a:xfrm>
+        </p:grpSpPr>
+        <p:sp>
+          <p:nvSpPr>
+            <p:cNvPr id="20" name="Rounded Rectangle 19">
+              <a:extLst>
+                <a:ext uri="{FF2B5EF4-FFF2-40B4-BE49-F238E27FC236}">
+                  <a16:creationId xmlns:a16="http://schemas.microsoft.com/office/drawing/2014/main" id="{586B829C-D108-4789-D356-9AF107F75848}"/>
+                </a:ext>
+              </a:extLst>
+            </p:cNvPr>
+            <p:cNvSpPr/>
+            <p:nvPr/>
+          </p:nvSpPr>
+          <p:spPr>
+            <a:xfrm rot="16200000">
+              <a:off x="2238279" y="472185"/>
+              <a:ext cx="41448" cy="89743"/>
+            </a:xfrm>
+            <a:prstGeom prst="roundRect">
+              <a:avLst/>
+            </a:prstGeom>
+            <a:solidFill>
+              <a:schemeClr val="bg1">
+                <a:lumMod val="75000"/>
+              </a:schemeClr>
+            </a:solidFill>
+            <a:ln>
+              <a:noFill/>
+            </a:ln>
+            <a:effectLst/>
+          </p:spPr>
+          <p:style>
+            <a:lnRef idx="1">
+              <a:schemeClr val="accent1"/>
+            </a:lnRef>
+            <a:fillRef idx="3">
+              <a:schemeClr val="accent1"/>
+            </a:fillRef>
+            <a:effectRef idx="2">
+              <a:schemeClr val="accent1"/>
+            </a:effectRef>
+            <a:fontRef idx="minor">
+              <a:schemeClr val="lt1"/>
+            </a:fontRef>
+          </p:style>
+          <p:txBody>
+            <a:bodyPr rtlCol="0" anchor="ctr"/>
+            <a:lstStyle/>
+            <a:p>
+              <a:pPr algn="ctr"/>
+              <a:endParaRPr lang="en-US" sz="800">
+                <a:latin typeface="Arial" panose="020B0604020202020204" pitchFamily="34" charset="0"/>
+                <a:cs typeface="Arial" panose="020B0604020202020204" pitchFamily="34" charset="0"/>
+              </a:endParaRPr>
+            </a:p>
+          </p:txBody>
+        </p:sp>
+        <p:sp>
+          <p:nvSpPr>
+            <p:cNvPr id="21" name="Rounded Rectangle 20">
+              <a:extLst>
+                <a:ext uri="{FF2B5EF4-FFF2-40B4-BE49-F238E27FC236}">
+                  <a16:creationId xmlns:a16="http://schemas.microsoft.com/office/drawing/2014/main" id="{0442DB4C-9AF2-741D-1C49-C64C867872E5}"/>
+                </a:ext>
+              </a:extLst>
+            </p:cNvPr>
+            <p:cNvSpPr/>
+            <p:nvPr/>
+          </p:nvSpPr>
+          <p:spPr>
+            <a:xfrm rot="16200000">
+              <a:off x="2238280" y="424533"/>
+              <a:ext cx="41448" cy="89743"/>
+            </a:xfrm>
+            <a:prstGeom prst="roundRect">
+              <a:avLst/>
+            </a:prstGeom>
+            <a:solidFill>
+              <a:schemeClr val="bg1">
+                <a:lumMod val="75000"/>
+              </a:schemeClr>
+            </a:solidFill>
+            <a:ln>
+              <a:noFill/>
+            </a:ln>
+            <a:effectLst/>
+          </p:spPr>
+          <p:style>
+            <a:lnRef idx="1">
+              <a:schemeClr val="accent1"/>
+            </a:lnRef>
+            <a:fillRef idx="3">
+              <a:schemeClr val="accent1"/>
+            </a:fillRef>
+            <a:effectRef idx="2">
+              <a:schemeClr val="accent1"/>
+            </a:effectRef>
+            <a:fontRef idx="minor">
+              <a:schemeClr val="lt1"/>
+            </a:fontRef>
+          </p:style>
+          <p:txBody>
+            <a:bodyPr rtlCol="0" anchor="ctr"/>
+            <a:lstStyle/>
+            <a:p>
+              <a:pPr algn="ctr"/>
+              <a:endParaRPr lang="en-US" sz="800">
+                <a:latin typeface="Arial" panose="020B0604020202020204" pitchFamily="34" charset="0"/>
+                <a:cs typeface="Arial" panose="020B0604020202020204" pitchFamily="34" charset="0"/>
+              </a:endParaRPr>
+            </a:p>
+          </p:txBody>
+        </p:sp>
+        <p:grpSp>
+          <p:nvGrpSpPr>
+            <p:cNvPr id="22" name="Group 21">
+              <a:extLst>
+                <a:ext uri="{FF2B5EF4-FFF2-40B4-BE49-F238E27FC236}">
+                  <a16:creationId xmlns:a16="http://schemas.microsoft.com/office/drawing/2014/main" id="{99607D81-F69D-58D5-6649-D22D4534FE72}"/>
+                </a:ext>
+              </a:extLst>
+            </p:cNvPr>
+            <p:cNvGrpSpPr/>
+            <p:nvPr/>
+          </p:nvGrpSpPr>
+          <p:grpSpPr>
+            <a:xfrm>
+              <a:off x="2154113" y="495237"/>
+              <a:ext cx="52646" cy="45719"/>
+              <a:chOff x="2585811" y="1161964"/>
+              <a:chExt cx="52646" cy="45719"/>
+            </a:xfrm>
+          </p:grpSpPr>
+          <p:sp>
+            <p:nvSpPr>
+              <p:cNvPr id="26" name="Rounded Rectangle 25">
+                <a:extLst>
+                  <a:ext uri="{FF2B5EF4-FFF2-40B4-BE49-F238E27FC236}">
+                    <a16:creationId xmlns:a16="http://schemas.microsoft.com/office/drawing/2014/main" id="{2DDBE736-003C-B5AD-ADCF-A4D2C0717F93}"/>
+                  </a:ext>
+                </a:extLst>
+              </p:cNvPr>
+              <p:cNvSpPr/>
+              <p:nvPr/>
+            </p:nvSpPr>
+            <p:spPr>
+              <a:xfrm>
+                <a:off x="2592738" y="1161964"/>
+                <a:ext cx="45719" cy="45719"/>
+              </a:xfrm>
+              <a:prstGeom prst="roundRect">
+                <a:avLst/>
+              </a:prstGeom>
+              <a:solidFill>
+                <a:schemeClr val="bg1">
+                  <a:lumMod val="75000"/>
+                </a:schemeClr>
+              </a:solidFill>
+              <a:ln>
+                <a:noFill/>
+              </a:ln>
+              <a:effectLst/>
+            </p:spPr>
+            <p:style>
+              <a:lnRef idx="1">
+                <a:schemeClr val="accent1"/>
+              </a:lnRef>
+              <a:fillRef idx="3">
+                <a:schemeClr val="accent1"/>
+              </a:fillRef>
+              <a:effectRef idx="2">
+                <a:schemeClr val="accent1"/>
+              </a:effectRef>
+              <a:fontRef idx="minor">
+                <a:schemeClr val="lt1"/>
+              </a:fontRef>
+            </p:style>
+            <p:txBody>
+              <a:bodyPr rot="0" spcFirstLastPara="0" vertOverflow="overflow" horzOverflow="overflow" vert="horz" wrap="square" lIns="91440" tIns="45720" rIns="91440" bIns="45720" numCol="1" spcCol="0" rtlCol="0" fromWordArt="0" anchor="ctr" anchorCtr="0" forceAA="0" compatLnSpc="1">
+                <a:prstTxWarp prst="textNoShape">
+                  <a:avLst/>
+                </a:prstTxWarp>
+                <a:noAutofit/>
+              </a:bodyPr>
+              <a:lstStyle/>
+              <a:p>
+                <a:pPr algn="ctr"/>
+                <a:endParaRPr lang="en-US" sz="800">
+                  <a:latin typeface="Arial" panose="020B0604020202020204" pitchFamily="34" charset="0"/>
+                  <a:cs typeface="Arial" panose="020B0604020202020204" pitchFamily="34" charset="0"/>
+                </a:endParaRPr>
+              </a:p>
+            </p:txBody>
+          </p:sp>
+          <p:sp>
+            <p:nvSpPr>
+              <p:cNvPr id="27" name="Rounded Rectangle 26">
+                <a:extLst>
+                  <a:ext uri="{FF2B5EF4-FFF2-40B4-BE49-F238E27FC236}">
+                    <a16:creationId xmlns:a16="http://schemas.microsoft.com/office/drawing/2014/main" id="{2B04CCF5-F277-F1A8-79C1-B5E25989C36E}"/>
+                  </a:ext>
+                </a:extLst>
+              </p:cNvPr>
+              <p:cNvSpPr/>
+              <p:nvPr/>
+            </p:nvSpPr>
+            <p:spPr>
+              <a:xfrm>
+                <a:off x="2585811" y="1173327"/>
+                <a:ext cx="27486" cy="19540"/>
+              </a:xfrm>
+              <a:prstGeom prst="roundRect">
+                <a:avLst/>
+              </a:prstGeom>
+              <a:solidFill>
+                <a:schemeClr val="bg1"/>
+              </a:solidFill>
+              <a:ln>
+                <a:noFill/>
+              </a:ln>
+              <a:effectLst/>
+            </p:spPr>
+            <p:style>
+              <a:lnRef idx="1">
+                <a:schemeClr val="accent1"/>
+              </a:lnRef>
+              <a:fillRef idx="3">
+                <a:schemeClr val="accent1"/>
+              </a:fillRef>
+              <a:effectRef idx="2">
+                <a:schemeClr val="accent1"/>
+              </a:effectRef>
+              <a:fontRef idx="minor">
+                <a:schemeClr val="lt1"/>
+              </a:fontRef>
+            </p:style>
+            <p:txBody>
+              <a:bodyPr rot="0" spcFirstLastPara="0" vertOverflow="overflow" horzOverflow="overflow" vert="horz" wrap="square" lIns="91440" tIns="45720" rIns="91440" bIns="45720" numCol="1" spcCol="0" rtlCol="0" fromWordArt="0" anchor="ctr" anchorCtr="0" forceAA="0" compatLnSpc="1">
+                <a:prstTxWarp prst="textNoShape">
+                  <a:avLst/>
+                </a:prstTxWarp>
+                <a:noAutofit/>
+              </a:bodyPr>
+              <a:lstStyle/>
+              <a:p>
+                <a:pPr algn="ctr"/>
+                <a:endParaRPr lang="en-US" sz="800">
+                  <a:latin typeface="Arial" panose="020B0604020202020204" pitchFamily="34" charset="0"/>
+                  <a:cs typeface="Arial" panose="020B0604020202020204" pitchFamily="34" charset="0"/>
+                </a:endParaRPr>
+              </a:p>
+            </p:txBody>
+          </p:sp>
+        </p:grpSp>
+        <p:grpSp>
+          <p:nvGrpSpPr>
+            <p:cNvPr id="23" name="Group 22">
+              <a:extLst>
+                <a:ext uri="{FF2B5EF4-FFF2-40B4-BE49-F238E27FC236}">
+                  <a16:creationId xmlns:a16="http://schemas.microsoft.com/office/drawing/2014/main" id="{C8C08233-42DA-92C0-BCBD-B5790AE2B5E4}"/>
+                </a:ext>
+              </a:extLst>
+            </p:cNvPr>
+            <p:cNvGrpSpPr/>
+            <p:nvPr/>
+          </p:nvGrpSpPr>
+          <p:grpSpPr>
+            <a:xfrm>
+              <a:off x="2154113" y="444410"/>
+              <a:ext cx="52869" cy="45719"/>
+              <a:chOff x="2585588" y="1161964"/>
+              <a:chExt cx="52869" cy="45719"/>
+            </a:xfrm>
+          </p:grpSpPr>
+          <p:sp>
+            <p:nvSpPr>
+              <p:cNvPr id="24" name="Rounded Rectangle 23">
+                <a:extLst>
+                  <a:ext uri="{FF2B5EF4-FFF2-40B4-BE49-F238E27FC236}">
+                    <a16:creationId xmlns:a16="http://schemas.microsoft.com/office/drawing/2014/main" id="{7A4BEE44-7C02-52BB-48DC-E89261E3A7B0}"/>
+                  </a:ext>
+                </a:extLst>
+              </p:cNvPr>
+              <p:cNvSpPr/>
+              <p:nvPr/>
+            </p:nvSpPr>
+            <p:spPr>
+              <a:xfrm>
+                <a:off x="2592738" y="1161964"/>
+                <a:ext cx="45719" cy="45719"/>
+              </a:xfrm>
+              <a:prstGeom prst="roundRect">
+                <a:avLst/>
+              </a:prstGeom>
+              <a:solidFill>
+                <a:schemeClr val="bg1">
+                  <a:lumMod val="75000"/>
+                </a:schemeClr>
+              </a:solidFill>
+              <a:ln>
+                <a:noFill/>
+              </a:ln>
+              <a:effectLst/>
+            </p:spPr>
+            <p:style>
+              <a:lnRef idx="1">
+                <a:schemeClr val="accent1"/>
+              </a:lnRef>
+              <a:fillRef idx="3">
+                <a:schemeClr val="accent1"/>
+              </a:fillRef>
+              <a:effectRef idx="2">
+                <a:schemeClr val="accent1"/>
+              </a:effectRef>
+              <a:fontRef idx="minor">
+                <a:schemeClr val="lt1"/>
+              </a:fontRef>
+            </p:style>
+            <p:txBody>
+              <a:bodyPr rot="0" spcFirstLastPara="0" vertOverflow="overflow" horzOverflow="overflow" vert="horz" wrap="square" lIns="91440" tIns="45720" rIns="91440" bIns="45720" numCol="1" spcCol="0" rtlCol="0" fromWordArt="0" anchor="ctr" anchorCtr="0" forceAA="0" compatLnSpc="1">
+                <a:prstTxWarp prst="textNoShape">
+                  <a:avLst/>
+                </a:prstTxWarp>
+                <a:noAutofit/>
+              </a:bodyPr>
+              <a:lstStyle/>
+              <a:p>
+                <a:pPr algn="ctr"/>
+                <a:endParaRPr lang="en-US" sz="800">
+                  <a:latin typeface="Arial" panose="020B0604020202020204" pitchFamily="34" charset="0"/>
+                  <a:cs typeface="Arial" panose="020B0604020202020204" pitchFamily="34" charset="0"/>
+                </a:endParaRPr>
+              </a:p>
+            </p:txBody>
+          </p:sp>
+          <p:sp>
+            <p:nvSpPr>
+              <p:cNvPr id="25" name="Rounded Rectangle 24">
+                <a:extLst>
+                  <a:ext uri="{FF2B5EF4-FFF2-40B4-BE49-F238E27FC236}">
+                    <a16:creationId xmlns:a16="http://schemas.microsoft.com/office/drawing/2014/main" id="{40CC9F17-FB66-677C-10A7-CAC61AE192E7}"/>
+                  </a:ext>
+                </a:extLst>
+              </p:cNvPr>
+              <p:cNvSpPr/>
+              <p:nvPr/>
+            </p:nvSpPr>
+            <p:spPr>
+              <a:xfrm>
+                <a:off x="2585588" y="1174578"/>
+                <a:ext cx="27709" cy="19540"/>
+              </a:xfrm>
+              <a:prstGeom prst="roundRect">
+                <a:avLst/>
+              </a:prstGeom>
+              <a:solidFill>
+                <a:schemeClr val="bg1"/>
+              </a:solidFill>
+              <a:ln>
+                <a:noFill/>
+              </a:ln>
+              <a:effectLst/>
+            </p:spPr>
+            <p:style>
+              <a:lnRef idx="1">
+                <a:schemeClr val="accent1"/>
+              </a:lnRef>
+              <a:fillRef idx="3">
+                <a:schemeClr val="accent1"/>
+              </a:fillRef>
+              <a:effectRef idx="2">
+                <a:schemeClr val="accent1"/>
+              </a:effectRef>
+              <a:fontRef idx="minor">
+                <a:schemeClr val="lt1"/>
+              </a:fontRef>
+            </p:style>
+            <p:txBody>
+              <a:bodyPr rot="0" spcFirstLastPara="0" vertOverflow="overflow" horzOverflow="overflow" vert="horz" wrap="square" lIns="91440" tIns="45720" rIns="91440" bIns="45720" numCol="1" spcCol="0" rtlCol="0" fromWordArt="0" anchor="ctr" anchorCtr="0" forceAA="0" compatLnSpc="1">
+                <a:prstTxWarp prst="textNoShape">
+                  <a:avLst/>
+                </a:prstTxWarp>
+                <a:noAutofit/>
+              </a:bodyPr>
+              <a:lstStyle/>
+              <a:p>
+                <a:pPr algn="ctr"/>
+                <a:endParaRPr lang="en-US" sz="800">
+                  <a:latin typeface="Arial" panose="020B0604020202020204" pitchFamily="34" charset="0"/>
+                  <a:cs typeface="Arial" panose="020B0604020202020204" pitchFamily="34" charset="0"/>
+                </a:endParaRPr>
+              </a:p>
+            </p:txBody>
+          </p:sp>
+        </p:grpSp>
+      </p:grpSp>
+      <p:grpSp>
+        <p:nvGrpSpPr>
+          <p:cNvPr id="28" name="Group 27">
+            <a:extLst>
+              <a:ext uri="{FF2B5EF4-FFF2-40B4-BE49-F238E27FC236}">
+                <a16:creationId xmlns:a16="http://schemas.microsoft.com/office/drawing/2014/main" id="{E21D5614-CD2D-1BF4-0453-8CD2E3B54D30}"/>
+              </a:ext>
+            </a:extLst>
+          </p:cNvPr>
+          <p:cNvGrpSpPr/>
+          <p:nvPr/>
+        </p:nvGrpSpPr>
+        <p:grpSpPr>
+          <a:xfrm>
+            <a:off x="1482285" y="423401"/>
+            <a:ext cx="671796" cy="157175"/>
+            <a:chOff x="4748780" y="2582308"/>
+            <a:chExt cx="1719745" cy="402355"/>
+          </a:xfrm>
+        </p:grpSpPr>
+        <p:sp>
+          <p:nvSpPr>
+            <p:cNvPr id="29" name="Arc 28">
+              <a:extLst>
+                <a:ext uri="{FF2B5EF4-FFF2-40B4-BE49-F238E27FC236}">
+                  <a16:creationId xmlns:a16="http://schemas.microsoft.com/office/drawing/2014/main" id="{E7E48681-BA74-ACC3-9BEC-0E0D9A57245B}"/>
+                </a:ext>
+              </a:extLst>
+            </p:cNvPr>
+            <p:cNvSpPr/>
+            <p:nvPr/>
+          </p:nvSpPr>
+          <p:spPr>
+            <a:xfrm rot="10800000" flipH="1">
+              <a:off x="5471687" y="2582308"/>
+              <a:ext cx="996838" cy="402354"/>
+            </a:xfrm>
+            <a:prstGeom prst="arc">
+              <a:avLst/>
+            </a:prstGeom>
+            <a:ln w="19050">
+              <a:solidFill>
+                <a:schemeClr val="tx1">
+                  <a:lumMod val="75000"/>
+                  <a:lumOff val="25000"/>
+                </a:schemeClr>
+              </a:solidFill>
+            </a:ln>
+            <a:effectLst/>
+          </p:spPr>
+          <p:style>
+            <a:lnRef idx="2">
+              <a:schemeClr val="accent1"/>
+            </a:lnRef>
+            <a:fillRef idx="0">
+              <a:schemeClr val="accent1"/>
+            </a:fillRef>
+            <a:effectRef idx="1">
+              <a:schemeClr val="accent1"/>
+            </a:effectRef>
+            <a:fontRef idx="minor">
+              <a:schemeClr val="tx1"/>
+            </a:fontRef>
+          </p:style>
+          <p:txBody>
+            <a:bodyPr rtlCol="0" anchor="ctr"/>
+            <a:lstStyle/>
+            <a:p>
+              <a:pPr algn="ctr"/>
+              <a:endParaRPr lang="en-US" sz="800">
+                <a:latin typeface="Arial" panose="020B0604020202020204" pitchFamily="34" charset="0"/>
+                <a:cs typeface="Arial" panose="020B0604020202020204" pitchFamily="34" charset="0"/>
+              </a:endParaRPr>
+            </a:p>
+          </p:txBody>
+        </p:sp>
+        <p:cxnSp>
+          <p:nvCxnSpPr>
+            <p:cNvPr id="30" name="Straight Connector 29">
+              <a:extLst>
+                <a:ext uri="{FF2B5EF4-FFF2-40B4-BE49-F238E27FC236}">
+                  <a16:creationId xmlns:a16="http://schemas.microsoft.com/office/drawing/2014/main" id="{7A1AF99F-4882-89D4-1A92-CF6B1B6C498B}"/>
+                </a:ext>
+              </a:extLst>
+            </p:cNvPr>
+            <p:cNvCxnSpPr>
+              <a:cxnSpLocks/>
+            </p:cNvCxnSpPr>
+            <p:nvPr/>
+          </p:nvCxnSpPr>
+          <p:spPr>
+            <a:xfrm flipH="1">
+              <a:off x="4748780" y="2984663"/>
+              <a:ext cx="1238225" cy="0"/>
+            </a:xfrm>
+            <a:prstGeom prst="line">
+              <a:avLst/>
+            </a:prstGeom>
+            <a:ln w="19050">
+              <a:solidFill>
+                <a:schemeClr val="tx1">
+                  <a:lumMod val="75000"/>
+                  <a:lumOff val="25000"/>
+                </a:schemeClr>
+              </a:solidFill>
+              <a:headEnd type="none"/>
+              <a:tailEnd type="triangle" w="sm" len="sm"/>
+            </a:ln>
+            <a:effectLst/>
+          </p:spPr>
+          <p:style>
+            <a:lnRef idx="2">
+              <a:schemeClr val="accent1"/>
+            </a:lnRef>
+            <a:fillRef idx="0">
+              <a:schemeClr val="accent1"/>
+            </a:fillRef>
+            <a:effectRef idx="1">
+              <a:schemeClr val="accent1"/>
+            </a:effectRef>
+            <a:fontRef idx="minor">
+              <a:schemeClr val="tx1"/>
+            </a:fontRef>
+          </p:style>
+        </p:cxnSp>
+      </p:grpSp>
+      <p:sp>
+        <p:nvSpPr>
+          <p:cNvPr id="31" name="TextBox 30">
+            <a:extLst>
+              <a:ext uri="{FF2B5EF4-FFF2-40B4-BE49-F238E27FC236}">
+                <a16:creationId xmlns:a16="http://schemas.microsoft.com/office/drawing/2014/main" id="{A25E24A0-74E1-8728-FA95-E39B1511C89E}"/>
+              </a:ext>
+            </a:extLst>
+          </p:cNvPr>
+          <p:cNvSpPr txBox="1"/>
+          <p:nvPr/>
+        </p:nvSpPr>
+        <p:spPr>
+          <a:xfrm>
+            <a:off x="2378786" y="20885"/>
+            <a:ext cx="397896" cy="184666"/>
+          </a:xfrm>
+          <a:prstGeom prst="rect">
+            <a:avLst/>
+          </a:prstGeom>
+          <a:noFill/>
+        </p:spPr>
+        <p:txBody>
+          <a:bodyPr wrap="square" rtlCol="0">
+            <a:spAutoFit/>
+          </a:bodyPr>
+          <a:lstStyle/>
+          <a:p>
+            <a:r>
+              <a:rPr lang="en-US" sz="600" dirty="0">
+                <a:solidFill>
+                  <a:schemeClr val="tx1">
+                    <a:lumMod val="85000"/>
+                    <a:lumOff val="15000"/>
+                  </a:schemeClr>
+                </a:solidFill>
+                <a:latin typeface="Arial" panose="020B0604020202020204" pitchFamily="34" charset="0"/>
+                <a:cs typeface="Arial" panose="020B0604020202020204" pitchFamily="34" charset="0"/>
+              </a:rPr>
+              <a:t>Virus</a:t>
+            </a:r>
+          </a:p>
+        </p:txBody>
+      </p:sp>
+      <p:sp>
+        <p:nvSpPr>
+          <p:cNvPr id="32" name="TextBox 31">
+            <a:extLst>
+              <a:ext uri="{FF2B5EF4-FFF2-40B4-BE49-F238E27FC236}">
+                <a16:creationId xmlns:a16="http://schemas.microsoft.com/office/drawing/2014/main" id="{3F5363E5-DA99-88E4-2767-D59D200D78E6}"/>
+              </a:ext>
+            </a:extLst>
+          </p:cNvPr>
+          <p:cNvSpPr txBox="1"/>
+          <p:nvPr/>
+        </p:nvSpPr>
+        <p:spPr>
+          <a:xfrm>
+            <a:off x="1466337" y="175097"/>
+            <a:ext cx="973615" cy="184666"/>
+          </a:xfrm>
+          <a:prstGeom prst="rect">
+            <a:avLst/>
+          </a:prstGeom>
+          <a:noFill/>
+        </p:spPr>
+        <p:txBody>
+          <a:bodyPr wrap="square" rtlCol="0">
+            <a:spAutoFit/>
+          </a:bodyPr>
+          <a:lstStyle/>
+          <a:p>
+            <a:pPr algn="ctr"/>
+            <a:r>
+              <a:rPr lang="en-US" sz="600" dirty="0">
+                <a:solidFill>
+                  <a:schemeClr val="tx1">
+                    <a:lumMod val="85000"/>
+                    <a:lumOff val="15000"/>
+                  </a:schemeClr>
+                </a:solidFill>
+                <a:latin typeface="Arial" panose="020B0604020202020204" pitchFamily="34" charset="0"/>
+                <a:cs typeface="Arial" panose="020B0604020202020204" pitchFamily="34" charset="0"/>
+              </a:rPr>
+              <a:t>Infected cell</a:t>
+            </a:r>
+          </a:p>
+        </p:txBody>
+      </p:sp>
+      <p:grpSp>
+        <p:nvGrpSpPr>
+          <p:cNvPr id="33" name="Group 32">
+            <a:extLst>
+              <a:ext uri="{FF2B5EF4-FFF2-40B4-BE49-F238E27FC236}">
+                <a16:creationId xmlns:a16="http://schemas.microsoft.com/office/drawing/2014/main" id="{1C05FEC6-5F18-46D0-671D-E2486903143E}"/>
+              </a:ext>
+            </a:extLst>
+          </p:cNvPr>
+          <p:cNvGrpSpPr/>
+          <p:nvPr/>
+        </p:nvGrpSpPr>
+        <p:grpSpPr>
+          <a:xfrm>
+            <a:off x="2216565" y="356803"/>
+            <a:ext cx="143735" cy="143734"/>
+            <a:chOff x="6598570" y="2559764"/>
+            <a:chExt cx="367950" cy="367947"/>
+          </a:xfrm>
+        </p:grpSpPr>
+        <p:sp>
+          <p:nvSpPr>
+            <p:cNvPr id="34" name="Oval 33">
+              <a:extLst>
+                <a:ext uri="{FF2B5EF4-FFF2-40B4-BE49-F238E27FC236}">
+                  <a16:creationId xmlns:a16="http://schemas.microsoft.com/office/drawing/2014/main" id="{91CE2BF9-6CFD-35B9-710C-089EB823B4B3}"/>
+                </a:ext>
+              </a:extLst>
+            </p:cNvPr>
+            <p:cNvSpPr/>
+            <p:nvPr/>
+          </p:nvSpPr>
+          <p:spPr>
+            <a:xfrm>
+              <a:off x="6598570" y="2559764"/>
+              <a:ext cx="367950" cy="367947"/>
+            </a:xfrm>
+            <a:prstGeom prst="ellipse">
+              <a:avLst/>
+            </a:prstGeom>
+            <a:solidFill>
+              <a:srgbClr val="F1AB00">
+                <a:alpha val="50196"/>
+              </a:srgbClr>
+            </a:solidFill>
+            <a:ln w="12700">
+              <a:noFill/>
+            </a:ln>
+            <a:effectLst/>
+          </p:spPr>
+          <p:style>
+            <a:lnRef idx="1">
+              <a:schemeClr val="accent1"/>
+            </a:lnRef>
+            <a:fillRef idx="3">
+              <a:schemeClr val="accent1"/>
+            </a:fillRef>
+            <a:effectRef idx="2">
+              <a:schemeClr val="accent1"/>
+            </a:effectRef>
+            <a:fontRef idx="minor">
+              <a:schemeClr val="lt1"/>
+            </a:fontRef>
+          </p:style>
+          <p:txBody>
+            <a:bodyPr rtlCol="0" anchor="ctr"/>
+            <a:lstStyle/>
+            <a:p>
+              <a:pPr algn="ctr"/>
+              <a:endParaRPr lang="en-US" sz="800" dirty="0">
+                <a:latin typeface="Arial" panose="020B0604020202020204" pitchFamily="34" charset="0"/>
+                <a:cs typeface="Arial" panose="020B0604020202020204" pitchFamily="34" charset="0"/>
+              </a:endParaRPr>
+            </a:p>
+          </p:txBody>
+        </p:sp>
+        <p:cxnSp>
+          <p:nvCxnSpPr>
+            <p:cNvPr id="35" name="Curved Connector 34">
+              <a:extLst>
+                <a:ext uri="{FF2B5EF4-FFF2-40B4-BE49-F238E27FC236}">
+                  <a16:creationId xmlns:a16="http://schemas.microsoft.com/office/drawing/2014/main" id="{4C542570-FB73-C4DA-8B49-5CEA7FA99CF6}"/>
+                </a:ext>
+              </a:extLst>
+            </p:cNvPr>
+            <p:cNvCxnSpPr>
+              <a:cxnSpLocks/>
+            </p:cNvCxnSpPr>
+            <p:nvPr/>
+          </p:nvCxnSpPr>
+          <p:spPr>
+            <a:xfrm rot="2700000" flipV="1">
+              <a:off x="6631554" y="2596649"/>
+              <a:ext cx="313947" cy="307328"/>
+            </a:xfrm>
+            <a:prstGeom prst="curvedConnector3">
+              <a:avLst/>
+            </a:prstGeom>
+            <a:ln w="19050">
+              <a:solidFill>
+                <a:srgbClr val="F1AB00"/>
+              </a:solidFill>
+            </a:ln>
+            <a:effectLst/>
+          </p:spPr>
+          <p:style>
+            <a:lnRef idx="2">
+              <a:schemeClr val="accent1"/>
+            </a:lnRef>
+            <a:fillRef idx="0">
+              <a:schemeClr val="accent1"/>
+            </a:fillRef>
+            <a:effectRef idx="1">
+              <a:schemeClr val="accent1"/>
+            </a:effectRef>
+            <a:fontRef idx="minor">
+              <a:schemeClr val="tx1"/>
+            </a:fontRef>
+          </p:style>
+        </p:cxnSp>
+      </p:grpSp>
+      <p:cxnSp>
+        <p:nvCxnSpPr>
+          <p:cNvPr id="36" name="Straight Connector 35">
+            <a:extLst>
+              <a:ext uri="{FF2B5EF4-FFF2-40B4-BE49-F238E27FC236}">
+                <a16:creationId xmlns:a16="http://schemas.microsoft.com/office/drawing/2014/main" id="{7B3C8E03-096E-05D9-37FF-D8F2F2AF3545}"/>
+              </a:ext>
+            </a:extLst>
+          </p:cNvPr>
+          <p:cNvCxnSpPr>
+            <a:cxnSpLocks/>
+          </p:cNvCxnSpPr>
+          <p:nvPr/>
+        </p:nvCxnSpPr>
+        <p:spPr>
+          <a:xfrm>
+            <a:off x="2290764" y="542078"/>
+            <a:ext cx="0" cy="155731"/>
+          </a:xfrm>
+          <a:prstGeom prst="line">
+            <a:avLst/>
+          </a:prstGeom>
+          <a:ln w="19050">
+            <a:solidFill>
+              <a:schemeClr val="tx1">
+                <a:lumMod val="75000"/>
+                <a:lumOff val="25000"/>
+              </a:schemeClr>
+            </a:solidFill>
+            <a:headEnd type="none"/>
+            <a:tailEnd type="triangle" w="sm" len="sm"/>
+          </a:ln>
+          <a:effectLst/>
+        </p:spPr>
+        <p:style>
+          <a:lnRef idx="2">
+            <a:schemeClr val="accent1"/>
+          </a:lnRef>
+          <a:fillRef idx="0">
+            <a:schemeClr val="accent1"/>
+          </a:fillRef>
+          <a:effectRef idx="1">
+            <a:schemeClr val="accent1"/>
+          </a:effectRef>
+          <a:fontRef idx="minor">
+            <a:schemeClr val="tx1"/>
+          </a:fontRef>
+        </p:style>
+      </p:cxnSp>
+      <p:sp>
+        <p:nvSpPr>
+          <p:cNvPr id="37" name="Arc 36">
+            <a:extLst>
+              <a:ext uri="{FF2B5EF4-FFF2-40B4-BE49-F238E27FC236}">
+                <a16:creationId xmlns:a16="http://schemas.microsoft.com/office/drawing/2014/main" id="{04D274B0-62E2-4B6B-4AC9-CA99DAA840A1}"/>
+              </a:ext>
+            </a:extLst>
+          </p:cNvPr>
+          <p:cNvSpPr/>
+          <p:nvPr/>
+        </p:nvSpPr>
+        <p:spPr>
+          <a:xfrm rot="8100000">
+            <a:off x="853845" y="336470"/>
+            <a:ext cx="647254" cy="647254"/>
+          </a:xfrm>
+          <a:prstGeom prst="arc">
+            <a:avLst/>
+          </a:prstGeom>
+          <a:ln w="19050">
+            <a:solidFill>
+              <a:schemeClr val="tx1"/>
+            </a:solidFill>
+            <a:headEnd type="triangle" w="sm" len="sm"/>
+          </a:ln>
+        </p:spPr>
+        <p:style>
+          <a:lnRef idx="1">
+            <a:schemeClr val="accent1"/>
+          </a:lnRef>
+          <a:fillRef idx="0">
+            <a:schemeClr val="accent1"/>
+          </a:fillRef>
+          <a:effectRef idx="0">
+            <a:schemeClr val="accent1"/>
+          </a:effectRef>
+          <a:fontRef idx="minor">
+            <a:schemeClr val="tx1"/>
+          </a:fontRef>
+        </p:style>
+        <p:txBody>
+          <a:bodyPr rtlCol="0" anchor="ctr"/>
+          <a:lstStyle/>
+          <a:p>
+            <a:pPr algn="ctr"/>
+            <a:endParaRPr lang="en-US" sz="800">
+              <a:latin typeface="Arial" panose="020B0604020202020204" pitchFamily="34" charset="0"/>
+              <a:cs typeface="Arial" panose="020B0604020202020204" pitchFamily="34" charset="0"/>
+            </a:endParaRPr>
+          </a:p>
+        </p:txBody>
+      </p:sp>
+      <p:sp>
+        <p:nvSpPr>
+          <p:cNvPr id="38" name="TextBox 37">
+            <a:extLst>
+              <a:ext uri="{FF2B5EF4-FFF2-40B4-BE49-F238E27FC236}">
+                <a16:creationId xmlns:a16="http://schemas.microsoft.com/office/drawing/2014/main" id="{A0BAA002-4AE8-1C62-9E34-B041F52D2F26}"/>
+              </a:ext>
+            </a:extLst>
+          </p:cNvPr>
+          <p:cNvSpPr txBox="1"/>
+          <p:nvPr/>
+        </p:nvSpPr>
+        <p:spPr>
+          <a:xfrm>
+            <a:off x="793909" y="994479"/>
+            <a:ext cx="767126" cy="184666"/>
+          </a:xfrm>
+          <a:prstGeom prst="rect">
+            <a:avLst/>
+          </a:prstGeom>
+          <a:noFill/>
+        </p:spPr>
+        <p:txBody>
+          <a:bodyPr wrap="square" rtlCol="0">
+            <a:spAutoFit/>
+          </a:bodyPr>
+          <a:lstStyle/>
+          <a:p>
+            <a:pPr algn="ctr"/>
+            <a:r>
+              <a:rPr lang="en-US" sz="600" dirty="0">
+                <a:latin typeface="Arial" panose="020B0604020202020204" pitchFamily="34" charset="0"/>
+                <a:cs typeface="Arial" panose="020B0604020202020204" pitchFamily="34" charset="0"/>
+              </a:rPr>
+              <a:t>Cytotoxicity</a:t>
+            </a:r>
+          </a:p>
+        </p:txBody>
+      </p:sp>
+      <p:grpSp>
+        <p:nvGrpSpPr>
+          <p:cNvPr id="39" name="Group 38">
+            <a:extLst>
+              <a:ext uri="{FF2B5EF4-FFF2-40B4-BE49-F238E27FC236}">
+                <a16:creationId xmlns:a16="http://schemas.microsoft.com/office/drawing/2014/main" id="{D827D7FF-0887-BF51-4920-962F28C5F0AA}"/>
+              </a:ext>
+            </a:extLst>
+          </p:cNvPr>
+          <p:cNvGrpSpPr/>
+          <p:nvPr/>
+        </p:nvGrpSpPr>
+        <p:grpSpPr>
+          <a:xfrm>
+            <a:off x="340070" y="289467"/>
+            <a:ext cx="714315" cy="574863"/>
+            <a:chOff x="1794888" y="2387378"/>
+            <a:chExt cx="1828590" cy="1471604"/>
+          </a:xfrm>
+        </p:grpSpPr>
+        <p:sp>
+          <p:nvSpPr>
+            <p:cNvPr id="40" name="Rounded Rectangle 39">
+              <a:extLst>
+                <a:ext uri="{FF2B5EF4-FFF2-40B4-BE49-F238E27FC236}">
+                  <a16:creationId xmlns:a16="http://schemas.microsoft.com/office/drawing/2014/main" id="{0D770253-6870-0626-B23E-47FCB2FCE163}"/>
+                </a:ext>
+              </a:extLst>
+            </p:cNvPr>
+            <p:cNvSpPr/>
+            <p:nvPr/>
+          </p:nvSpPr>
+          <p:spPr>
+            <a:xfrm>
+              <a:off x="1794888" y="2387378"/>
+              <a:ext cx="1828590" cy="1469132"/>
+            </a:xfrm>
+            <a:prstGeom prst="roundRect">
+              <a:avLst>
+                <a:gd name="adj" fmla="val 50000"/>
+              </a:avLst>
+            </a:prstGeom>
+            <a:solidFill>
+              <a:schemeClr val="bg1">
+                <a:lumMod val="75000"/>
+              </a:schemeClr>
+            </a:solidFill>
+            <a:ln w="12700">
+              <a:noFill/>
+            </a:ln>
+            <a:effectLst/>
+          </p:spPr>
+          <p:style>
+            <a:lnRef idx="1">
+              <a:schemeClr val="accent1"/>
+            </a:lnRef>
+            <a:fillRef idx="3">
+              <a:schemeClr val="accent1"/>
+            </a:fillRef>
+            <a:effectRef idx="2">
+              <a:schemeClr val="accent1"/>
+            </a:effectRef>
+            <a:fontRef idx="minor">
+              <a:schemeClr val="lt1"/>
+            </a:fontRef>
+          </p:style>
+          <p:txBody>
+            <a:bodyPr rtlCol="0" anchor="ctr"/>
+            <a:lstStyle/>
+            <a:p>
+              <a:pPr algn="ctr"/>
+              <a:endParaRPr lang="en-US" sz="600">
+                <a:latin typeface="Arial" panose="020B0604020202020204" pitchFamily="34" charset="0"/>
+                <a:cs typeface="Arial" panose="020B0604020202020204" pitchFamily="34" charset="0"/>
+              </a:endParaRPr>
+            </a:p>
+          </p:txBody>
+        </p:sp>
+        <p:sp>
+          <p:nvSpPr>
+            <p:cNvPr id="41" name="Freeform 40">
+              <a:extLst>
+                <a:ext uri="{FF2B5EF4-FFF2-40B4-BE49-F238E27FC236}">
+                  <a16:creationId xmlns:a16="http://schemas.microsoft.com/office/drawing/2014/main" id="{F92C27C7-EBEB-C1A7-1139-AB1029726356}"/>
+                </a:ext>
+              </a:extLst>
+            </p:cNvPr>
+            <p:cNvSpPr/>
+            <p:nvPr/>
+          </p:nvSpPr>
+          <p:spPr>
+            <a:xfrm>
+              <a:off x="2038264" y="2393515"/>
+              <a:ext cx="1575516" cy="1196758"/>
+            </a:xfrm>
+            <a:custGeom>
+              <a:avLst/>
+              <a:gdLst>
+                <a:gd name="connsiteX0" fmla="*/ 481492 w 1575516"/>
+                <a:gd name="connsiteY0" fmla="*/ 0 h 1196758"/>
+                <a:gd name="connsiteX1" fmla="*/ 840950 w 1575516"/>
+                <a:gd name="connsiteY1" fmla="*/ 0 h 1196758"/>
+                <a:gd name="connsiteX2" fmla="*/ 1575516 w 1575516"/>
+                <a:gd name="connsiteY2" fmla="*/ 734566 h 1196758"/>
+                <a:gd name="connsiteX3" fmla="*/ 1517790 w 1575516"/>
+                <a:gd name="connsiteY3" fmla="*/ 1020493 h 1196758"/>
+                <a:gd name="connsiteX4" fmla="*/ 1484146 w 1575516"/>
+                <a:gd name="connsiteY4" fmla="*/ 1082477 h 1196758"/>
+                <a:gd name="connsiteX5" fmla="*/ 1379951 w 1575516"/>
+                <a:gd name="connsiteY5" fmla="*/ 1139032 h 1196758"/>
+                <a:gd name="connsiteX6" fmla="*/ 1094024 w 1575516"/>
+                <a:gd name="connsiteY6" fmla="*/ 1196758 h 1196758"/>
+                <a:gd name="connsiteX7" fmla="*/ 734566 w 1575516"/>
+                <a:gd name="connsiteY7" fmla="*/ 1196758 h 1196758"/>
+                <a:gd name="connsiteX8" fmla="*/ 0 w 1575516"/>
+                <a:gd name="connsiteY8" fmla="*/ 462192 h 1196758"/>
+                <a:gd name="connsiteX9" fmla="*/ 57726 w 1575516"/>
+                <a:gd name="connsiteY9" fmla="*/ 176266 h 1196758"/>
+                <a:gd name="connsiteX10" fmla="*/ 91370 w 1575516"/>
+                <a:gd name="connsiteY10" fmla="*/ 114282 h 1196758"/>
+                <a:gd name="connsiteX11" fmla="*/ 195566 w 1575516"/>
+                <a:gd name="connsiteY11" fmla="*/ 57726 h 1196758"/>
+                <a:gd name="connsiteX12" fmla="*/ 481492 w 1575516"/>
+                <a:gd name="connsiteY12" fmla="*/ 0 h 1196758"/>
+              </a:gdLst>
+              <a:ahLst/>
+              <a:cxnLst>
+                <a:cxn ang="0">
+                  <a:pos x="connsiteX0" y="connsiteY0"/>
+                </a:cxn>
+                <a:cxn ang="0">
+                  <a:pos x="connsiteX1" y="connsiteY1"/>
+                </a:cxn>
+                <a:cxn ang="0">
+                  <a:pos x="connsiteX2" y="connsiteY2"/>
+                </a:cxn>
+                <a:cxn ang="0">
+                  <a:pos x="connsiteX3" y="connsiteY3"/>
+                </a:cxn>
+                <a:cxn ang="0">
+                  <a:pos x="connsiteX4" y="connsiteY4"/>
+                </a:cxn>
+                <a:cxn ang="0">
+                  <a:pos x="connsiteX5" y="connsiteY5"/>
+                </a:cxn>
+                <a:cxn ang="0">
+                  <a:pos x="connsiteX6" y="connsiteY6"/>
+                </a:cxn>
+                <a:cxn ang="0">
+                  <a:pos x="connsiteX7" y="connsiteY7"/>
+                </a:cxn>
+                <a:cxn ang="0">
+                  <a:pos x="connsiteX8" y="connsiteY8"/>
+                </a:cxn>
+                <a:cxn ang="0">
+                  <a:pos x="connsiteX9" y="connsiteY9"/>
+                </a:cxn>
+                <a:cxn ang="0">
+                  <a:pos x="connsiteX10" y="connsiteY10"/>
+                </a:cxn>
+                <a:cxn ang="0">
+                  <a:pos x="connsiteX11" y="connsiteY11"/>
+                </a:cxn>
+                <a:cxn ang="0">
+                  <a:pos x="connsiteX12" y="connsiteY12"/>
+                </a:cxn>
+              </a:cxnLst>
+              <a:rect l="l" t="t" r="r" b="b"/>
+              <a:pathLst>
+                <a:path w="1575516" h="1196758">
+                  <a:moveTo>
+                    <a:pt x="481492" y="0"/>
+                  </a:moveTo>
+                  <a:lnTo>
+                    <a:pt x="840950" y="0"/>
+                  </a:lnTo>
+                  <a:cubicBezTo>
+                    <a:pt x="1246640" y="0"/>
+                    <a:pt x="1575516" y="328876"/>
+                    <a:pt x="1575516" y="734566"/>
+                  </a:cubicBezTo>
+                  <a:cubicBezTo>
+                    <a:pt x="1575516" y="835989"/>
+                    <a:pt x="1554961" y="932610"/>
+                    <a:pt x="1517790" y="1020493"/>
+                  </a:cubicBezTo>
+                  <a:lnTo>
+                    <a:pt x="1484146" y="1082477"/>
+                  </a:lnTo>
+                  <a:lnTo>
+                    <a:pt x="1379951" y="1139032"/>
+                  </a:lnTo>
+                  <a:cubicBezTo>
+                    <a:pt x="1292068" y="1176203"/>
+                    <a:pt x="1195447" y="1196758"/>
+                    <a:pt x="1094024" y="1196758"/>
+                  </a:cubicBezTo>
+                  <a:lnTo>
+                    <a:pt x="734566" y="1196758"/>
+                  </a:lnTo>
+                  <a:cubicBezTo>
+                    <a:pt x="328876" y="1196758"/>
+                    <a:pt x="0" y="867882"/>
+                    <a:pt x="0" y="462192"/>
+                  </a:cubicBezTo>
+                  <a:cubicBezTo>
+                    <a:pt x="0" y="360770"/>
+                    <a:pt x="20555" y="264148"/>
+                    <a:pt x="57726" y="176266"/>
+                  </a:cubicBezTo>
+                  <a:lnTo>
+                    <a:pt x="91370" y="114282"/>
+                  </a:lnTo>
+                  <a:lnTo>
+                    <a:pt x="195566" y="57726"/>
+                  </a:lnTo>
+                  <a:cubicBezTo>
+                    <a:pt x="283448" y="20555"/>
+                    <a:pt x="380070" y="0"/>
+                    <a:pt x="481492" y="0"/>
+                  </a:cubicBezTo>
+                  <a:close/>
+                </a:path>
+              </a:pathLst>
+            </a:custGeom>
+            <a:solidFill>
+              <a:srgbClr val="D9D9D9"/>
+            </a:solidFill>
+            <a:ln>
+              <a:noFill/>
+            </a:ln>
+            <a:effectLst/>
+          </p:spPr>
+          <p:style>
+            <a:lnRef idx="1">
+              <a:schemeClr val="accent1"/>
+            </a:lnRef>
+            <a:fillRef idx="3">
+              <a:schemeClr val="accent1"/>
+            </a:fillRef>
+            <a:effectRef idx="2">
+              <a:schemeClr val="accent1"/>
+            </a:effectRef>
+            <a:fontRef idx="minor">
+              <a:schemeClr val="lt1"/>
+            </a:fontRef>
+          </p:style>
+          <p:txBody>
+            <a:bodyPr wrap="square" rtlCol="0" anchor="ctr">
+              <a:noAutofit/>
+            </a:bodyPr>
+            <a:lstStyle/>
+            <a:p>
+              <a:pPr algn="ctr"/>
+              <a:endParaRPr lang="en-US" sz="600">
+                <a:latin typeface="Arial" panose="020B0604020202020204" pitchFamily="34" charset="0"/>
+                <a:cs typeface="Arial" panose="020B0604020202020204" pitchFamily="34" charset="0"/>
+              </a:endParaRPr>
+            </a:p>
+          </p:txBody>
+        </p:sp>
+        <p:sp>
+          <p:nvSpPr>
+            <p:cNvPr id="42" name="TextBox 41">
+              <a:extLst>
+                <a:ext uri="{FF2B5EF4-FFF2-40B4-BE49-F238E27FC236}">
+                  <a16:creationId xmlns:a16="http://schemas.microsoft.com/office/drawing/2014/main" id="{68FF1F48-3EB5-9C05-2F4D-96447061AD83}"/>
+                </a:ext>
+              </a:extLst>
+            </p:cNvPr>
+            <p:cNvSpPr txBox="1"/>
+            <p:nvPr/>
+          </p:nvSpPr>
+          <p:spPr>
+            <a:xfrm>
+              <a:off x="2224130" y="2811516"/>
+              <a:ext cx="972153" cy="472730"/>
+            </a:xfrm>
+            <a:prstGeom prst="rect">
+              <a:avLst/>
+            </a:prstGeom>
+            <a:noFill/>
+          </p:spPr>
+          <p:txBody>
+            <a:bodyPr wrap="square" rtlCol="0">
+              <a:spAutoFit/>
+            </a:bodyPr>
+            <a:lstStyle/>
+            <a:p>
+              <a:pPr algn="ctr"/>
+              <a:r>
+                <a:rPr lang="en-US" sz="600" dirty="0">
+                  <a:solidFill>
+                    <a:schemeClr val="tx1">
+                      <a:lumMod val="85000"/>
+                      <a:lumOff val="15000"/>
+                    </a:schemeClr>
+                  </a:solidFill>
+                  <a:latin typeface="Arial" panose="020B0604020202020204" pitchFamily="34" charset="0"/>
+                  <a:cs typeface="Arial" panose="020B0604020202020204" pitchFamily="34" charset="0"/>
+                </a:rPr>
+                <a:t>CTL</a:t>
+              </a:r>
+            </a:p>
+          </p:txBody>
+        </p:sp>
+        <p:sp>
+          <p:nvSpPr>
+            <p:cNvPr id="43" name="Rounded Rectangle 42">
+              <a:extLst>
+                <a:ext uri="{FF2B5EF4-FFF2-40B4-BE49-F238E27FC236}">
+                  <a16:creationId xmlns:a16="http://schemas.microsoft.com/office/drawing/2014/main" id="{8603338B-41E1-D1B9-9512-F54DD6FA8D3A}"/>
+                </a:ext>
+              </a:extLst>
+            </p:cNvPr>
+            <p:cNvSpPr/>
+            <p:nvPr/>
+          </p:nvSpPr>
+          <p:spPr>
+            <a:xfrm>
+              <a:off x="1794888" y="2389850"/>
+              <a:ext cx="1828590" cy="1469132"/>
+            </a:xfrm>
+            <a:prstGeom prst="roundRect">
+              <a:avLst>
+                <a:gd name="adj" fmla="val 50000"/>
+              </a:avLst>
+            </a:prstGeom>
+            <a:noFill/>
+            <a:ln w="12700">
+              <a:solidFill>
+                <a:schemeClr val="tx1"/>
+              </a:solidFill>
+            </a:ln>
+            <a:effectLst/>
+          </p:spPr>
+          <p:style>
+            <a:lnRef idx="1">
+              <a:schemeClr val="accent1"/>
+            </a:lnRef>
+            <a:fillRef idx="3">
+              <a:schemeClr val="accent1"/>
+            </a:fillRef>
+            <a:effectRef idx="2">
+              <a:schemeClr val="accent1"/>
+            </a:effectRef>
+            <a:fontRef idx="minor">
+              <a:schemeClr val="lt1"/>
+            </a:fontRef>
+          </p:style>
+          <p:txBody>
+            <a:bodyPr rtlCol="0" anchor="ctr"/>
+            <a:lstStyle/>
+            <a:p>
+              <a:pPr algn="ctr"/>
+              <a:endParaRPr lang="en-US" sz="600">
+                <a:latin typeface="Arial" panose="020B0604020202020204" pitchFamily="34" charset="0"/>
+                <a:cs typeface="Arial" panose="020B0604020202020204" pitchFamily="34" charset="0"/>
+              </a:endParaRPr>
+            </a:p>
+          </p:txBody>
+        </p:sp>
+      </p:grpSp>
+      <p:sp>
+        <p:nvSpPr>
+          <p:cNvPr id="44" name="Rectangle 43">
+            <a:extLst>
+              <a:ext uri="{FF2B5EF4-FFF2-40B4-BE49-F238E27FC236}">
+                <a16:creationId xmlns:a16="http://schemas.microsoft.com/office/drawing/2014/main" id="{04807B99-EA7B-6861-B5C7-C413DC637FDB}"/>
+              </a:ext>
+            </a:extLst>
+          </p:cNvPr>
+          <p:cNvSpPr/>
+          <p:nvPr/>
+        </p:nvSpPr>
+        <p:spPr>
+          <a:xfrm>
+            <a:off x="1178744" y="538178"/>
+            <a:ext cx="45719" cy="45719"/>
+          </a:xfrm>
+          <a:prstGeom prst="rect">
+            <a:avLst/>
+          </a:prstGeom>
+          <a:solidFill>
+            <a:srgbClr val="F1AB00"/>
+          </a:solidFill>
+          <a:ln>
+            <a:noFill/>
+          </a:ln>
+        </p:spPr>
+        <p:style>
+          <a:lnRef idx="2">
+            <a:schemeClr val="accent1">
+              <a:shade val="15000"/>
+            </a:schemeClr>
+          </a:lnRef>
+          <a:fillRef idx="1">
+            <a:schemeClr val="accent1"/>
+          </a:fillRef>
+          <a:effectRef idx="0">
+            <a:schemeClr val="accent1"/>
+          </a:effectRef>
+          <a:fontRef idx="minor">
+            <a:schemeClr val="lt1"/>
+          </a:fontRef>
+        </p:style>
+        <p:txBody>
+          <a:bodyPr rtlCol="0" anchor="ctr"/>
+          <a:lstStyle/>
+          <a:p>
+            <a:pPr algn="ctr"/>
+            <a:endParaRPr lang="en-US"/>
+          </a:p>
+        </p:txBody>
+      </p:sp>
+      <p:cxnSp>
+        <p:nvCxnSpPr>
+          <p:cNvPr id="45" name="Straight Connector 44">
+            <a:extLst>
+              <a:ext uri="{FF2B5EF4-FFF2-40B4-BE49-F238E27FC236}">
+                <a16:creationId xmlns:a16="http://schemas.microsoft.com/office/drawing/2014/main" id="{7917A63F-642B-82FA-A407-781025FD8781}"/>
+              </a:ext>
+            </a:extLst>
+          </p:cNvPr>
+          <p:cNvCxnSpPr>
+            <a:cxnSpLocks/>
+          </p:cNvCxnSpPr>
+          <p:nvPr/>
+        </p:nvCxnSpPr>
+        <p:spPr>
+          <a:xfrm>
+            <a:off x="1198670" y="344810"/>
+            <a:ext cx="0" cy="155731"/>
+          </a:xfrm>
+          <a:prstGeom prst="line">
+            <a:avLst/>
+          </a:prstGeom>
+          <a:ln w="19050">
+            <a:solidFill>
+              <a:schemeClr val="tx1">
+                <a:lumMod val="75000"/>
+                <a:lumOff val="25000"/>
+              </a:schemeClr>
+            </a:solidFill>
+            <a:headEnd type="none"/>
+            <a:tailEnd type="triangle" w="sm" len="sm"/>
+          </a:ln>
+          <a:effectLst/>
+        </p:spPr>
+        <p:style>
+          <a:lnRef idx="2">
+            <a:schemeClr val="accent1"/>
+          </a:lnRef>
+          <a:fillRef idx="0">
+            <a:schemeClr val="accent1"/>
+          </a:fillRef>
+          <a:effectRef idx="1">
+            <a:schemeClr val="accent1"/>
+          </a:effectRef>
+          <a:fontRef idx="minor">
+            <a:schemeClr val="tx1"/>
+          </a:fontRef>
+        </p:style>
+      </p:cxnSp>
+      <p:sp>
+        <p:nvSpPr>
+          <p:cNvPr id="46" name="TextBox 45">
+            <a:extLst>
+              <a:ext uri="{FF2B5EF4-FFF2-40B4-BE49-F238E27FC236}">
+                <a16:creationId xmlns:a16="http://schemas.microsoft.com/office/drawing/2014/main" id="{18DD8B94-3570-8A56-FE85-69C6CB5C67CB}"/>
+              </a:ext>
+            </a:extLst>
+          </p:cNvPr>
+          <p:cNvSpPr txBox="1"/>
+          <p:nvPr/>
+        </p:nvSpPr>
+        <p:spPr>
+          <a:xfrm>
+            <a:off x="971816" y="161614"/>
+            <a:ext cx="447559" cy="184666"/>
+          </a:xfrm>
+          <a:prstGeom prst="rect">
+            <a:avLst/>
+          </a:prstGeom>
+          <a:noFill/>
+        </p:spPr>
+        <p:txBody>
+          <a:bodyPr wrap="none" rtlCol="0">
+            <a:spAutoFit/>
+          </a:bodyPr>
+          <a:lstStyle/>
+          <a:p>
+            <a:pPr algn="ctr"/>
+            <a:r>
+              <a:rPr lang="en-US" sz="600" dirty="0">
+                <a:latin typeface="Arial" panose="020B0604020202020204" pitchFamily="34" charset="0"/>
+                <a:cs typeface="Arial" panose="020B0604020202020204" pitchFamily="34" charset="0"/>
+              </a:rPr>
+              <a:t>Epitope</a:t>
+            </a:r>
+          </a:p>
+        </p:txBody>
+      </p:sp>
+      <p:sp>
+        <p:nvSpPr>
+          <p:cNvPr id="47" name="Oval 46">
+            <a:extLst>
+              <a:ext uri="{FF2B5EF4-FFF2-40B4-BE49-F238E27FC236}">
+                <a16:creationId xmlns:a16="http://schemas.microsoft.com/office/drawing/2014/main" id="{D8795FB2-5F70-5496-5C4B-18663F6B3C88}"/>
+              </a:ext>
+            </a:extLst>
+          </p:cNvPr>
+          <p:cNvSpPr/>
+          <p:nvPr/>
+        </p:nvSpPr>
+        <p:spPr>
+          <a:xfrm>
+            <a:off x="2587520" y="243637"/>
+            <a:ext cx="154212" cy="154212"/>
+          </a:xfrm>
+          <a:prstGeom prst="ellipse">
+            <a:avLst/>
+          </a:prstGeom>
+          <a:noFill/>
+          <a:ln w="6350">
+            <a:solidFill>
+              <a:schemeClr val="tx1"/>
+            </a:solidFill>
+          </a:ln>
+        </p:spPr>
+        <p:style>
+          <a:lnRef idx="2">
+            <a:schemeClr val="accent1">
+              <a:shade val="15000"/>
+            </a:schemeClr>
+          </a:lnRef>
+          <a:fillRef idx="1">
+            <a:schemeClr val="accent1"/>
+          </a:fillRef>
+          <a:effectRef idx="0">
+            <a:schemeClr val="accent1"/>
+          </a:effectRef>
+          <a:fontRef idx="minor">
+            <a:schemeClr val="lt1"/>
+          </a:fontRef>
+        </p:style>
+        <p:txBody>
+          <a:bodyPr rtlCol="0" anchor="ctr"/>
+          <a:lstStyle/>
+          <a:p>
+            <a:pPr algn="ctr"/>
+            <a:endParaRPr lang="en-US"/>
+          </a:p>
+        </p:txBody>
+      </p:sp>
+      <p:sp>
+        <p:nvSpPr>
+          <p:cNvPr id="48" name="TextBox 47">
+            <a:extLst>
+              <a:ext uri="{FF2B5EF4-FFF2-40B4-BE49-F238E27FC236}">
+                <a16:creationId xmlns:a16="http://schemas.microsoft.com/office/drawing/2014/main" id="{92000DE9-AE79-9092-AD1F-2F4DE55DC8C6}"/>
+              </a:ext>
+            </a:extLst>
+          </p:cNvPr>
+          <p:cNvSpPr txBox="1"/>
+          <p:nvPr/>
+        </p:nvSpPr>
+        <p:spPr>
+          <a:xfrm>
+            <a:off x="2551136" y="222229"/>
+            <a:ext cx="227947" cy="184666"/>
+          </a:xfrm>
+          <a:prstGeom prst="rect">
+            <a:avLst/>
+          </a:prstGeom>
+          <a:noFill/>
+        </p:spPr>
+        <p:txBody>
+          <a:bodyPr wrap="none" rtlCol="0">
+            <a:spAutoFit/>
+          </a:bodyPr>
+          <a:lstStyle/>
+          <a:p>
+            <a:pPr algn="ctr"/>
+            <a:r>
+              <a:rPr lang="en-US" sz="600" dirty="0">
+                <a:latin typeface="Arial" panose="020B0604020202020204" pitchFamily="34" charset="0"/>
+                <a:cs typeface="Arial" panose="020B0604020202020204" pitchFamily="34" charset="0"/>
+              </a:rPr>
+              <a:t>1</a:t>
+            </a:r>
+          </a:p>
+        </p:txBody>
+      </p:sp>
+      <p:sp>
+        <p:nvSpPr>
+          <p:cNvPr id="49" name="Oval 48">
+            <a:extLst>
+              <a:ext uri="{FF2B5EF4-FFF2-40B4-BE49-F238E27FC236}">
+                <a16:creationId xmlns:a16="http://schemas.microsoft.com/office/drawing/2014/main" id="{11C1808D-D1BC-A387-A302-B89E77FE776D}"/>
+              </a:ext>
+            </a:extLst>
+          </p:cNvPr>
+          <p:cNvSpPr/>
+          <p:nvPr/>
+        </p:nvSpPr>
+        <p:spPr>
+          <a:xfrm>
+            <a:off x="2761339" y="709149"/>
+            <a:ext cx="154212" cy="154212"/>
+          </a:xfrm>
+          <a:prstGeom prst="ellipse">
+            <a:avLst/>
+          </a:prstGeom>
+          <a:noFill/>
+          <a:ln w="6350">
+            <a:solidFill>
+              <a:schemeClr val="tx1"/>
+            </a:solidFill>
+          </a:ln>
+        </p:spPr>
+        <p:style>
+          <a:lnRef idx="2">
+            <a:schemeClr val="accent1">
+              <a:shade val="15000"/>
+            </a:schemeClr>
+          </a:lnRef>
+          <a:fillRef idx="1">
+            <a:schemeClr val="accent1"/>
+          </a:fillRef>
+          <a:effectRef idx="0">
+            <a:schemeClr val="accent1"/>
+          </a:effectRef>
+          <a:fontRef idx="minor">
+            <a:schemeClr val="lt1"/>
+          </a:fontRef>
+        </p:style>
+        <p:txBody>
+          <a:bodyPr rtlCol="0" anchor="ctr"/>
+          <a:lstStyle/>
+          <a:p>
+            <a:pPr algn="ctr"/>
+            <a:endParaRPr lang="en-US"/>
+          </a:p>
+        </p:txBody>
+      </p:sp>
+      <p:sp>
+        <p:nvSpPr>
+          <p:cNvPr id="50" name="TextBox 49">
+            <a:extLst>
+              <a:ext uri="{FF2B5EF4-FFF2-40B4-BE49-F238E27FC236}">
+                <a16:creationId xmlns:a16="http://schemas.microsoft.com/office/drawing/2014/main" id="{B474FB40-4721-2EC1-F1EF-491D5DCCF496}"/>
+              </a:ext>
+            </a:extLst>
+          </p:cNvPr>
+          <p:cNvSpPr txBox="1"/>
+          <p:nvPr/>
+        </p:nvSpPr>
+        <p:spPr>
+          <a:xfrm>
+            <a:off x="2726612" y="691283"/>
+            <a:ext cx="227947" cy="184666"/>
+          </a:xfrm>
+          <a:prstGeom prst="rect">
+            <a:avLst/>
+          </a:prstGeom>
+          <a:noFill/>
+        </p:spPr>
+        <p:txBody>
+          <a:bodyPr wrap="none" rtlCol="0">
+            <a:spAutoFit/>
+          </a:bodyPr>
+          <a:lstStyle/>
+          <a:p>
+            <a:pPr algn="ctr"/>
+            <a:r>
+              <a:rPr lang="en-US" sz="600" dirty="0">
+                <a:latin typeface="Arial" panose="020B0604020202020204" pitchFamily="34" charset="0"/>
+                <a:cs typeface="Arial" panose="020B0604020202020204" pitchFamily="34" charset="0"/>
+              </a:rPr>
+              <a:t>2</a:t>
+            </a:r>
+          </a:p>
+        </p:txBody>
+      </p:sp>
+      <p:sp>
+        <p:nvSpPr>
+          <p:cNvPr id="51" name="Oval 50">
+            <a:extLst>
+              <a:ext uri="{FF2B5EF4-FFF2-40B4-BE49-F238E27FC236}">
+                <a16:creationId xmlns:a16="http://schemas.microsoft.com/office/drawing/2014/main" id="{24318836-F52C-6EDF-88E6-2BBDE60753DB}"/>
+              </a:ext>
+            </a:extLst>
+          </p:cNvPr>
+          <p:cNvSpPr/>
+          <p:nvPr/>
+        </p:nvSpPr>
+        <p:spPr>
+          <a:xfrm>
+            <a:off x="621132" y="922042"/>
+            <a:ext cx="154212" cy="154212"/>
+          </a:xfrm>
+          <a:prstGeom prst="ellipse">
+            <a:avLst/>
+          </a:prstGeom>
+          <a:noFill/>
+          <a:ln w="6350">
+            <a:solidFill>
+              <a:schemeClr val="tx1"/>
+            </a:solidFill>
+          </a:ln>
+        </p:spPr>
+        <p:style>
+          <a:lnRef idx="2">
+            <a:schemeClr val="accent1">
+              <a:shade val="15000"/>
+            </a:schemeClr>
+          </a:lnRef>
+          <a:fillRef idx="1">
+            <a:schemeClr val="accent1"/>
+          </a:fillRef>
+          <a:effectRef idx="0">
+            <a:schemeClr val="accent1"/>
+          </a:effectRef>
+          <a:fontRef idx="minor">
+            <a:schemeClr val="lt1"/>
+          </a:fontRef>
+        </p:style>
+        <p:txBody>
+          <a:bodyPr rtlCol="0" anchor="ctr"/>
+          <a:lstStyle/>
+          <a:p>
+            <a:pPr algn="ctr"/>
+            <a:endParaRPr lang="en-US"/>
+          </a:p>
+        </p:txBody>
+      </p:sp>
+      <p:sp>
+        <p:nvSpPr>
+          <p:cNvPr id="52" name="TextBox 51">
+            <a:extLst>
+              <a:ext uri="{FF2B5EF4-FFF2-40B4-BE49-F238E27FC236}">
+                <a16:creationId xmlns:a16="http://schemas.microsoft.com/office/drawing/2014/main" id="{80C17052-8EF8-04EA-5BA7-7C629E51E52C}"/>
+              </a:ext>
+            </a:extLst>
+          </p:cNvPr>
+          <p:cNvSpPr txBox="1"/>
+          <p:nvPr/>
+        </p:nvSpPr>
+        <p:spPr>
+          <a:xfrm>
+            <a:off x="587107" y="905851"/>
+            <a:ext cx="227947" cy="184666"/>
+          </a:xfrm>
+          <a:prstGeom prst="rect">
+            <a:avLst/>
+          </a:prstGeom>
+          <a:noFill/>
+        </p:spPr>
+        <p:txBody>
+          <a:bodyPr wrap="none" rtlCol="0">
+            <a:spAutoFit/>
+          </a:bodyPr>
+          <a:lstStyle/>
+          <a:p>
+            <a:pPr algn="ctr"/>
+            <a:r>
+              <a:rPr lang="en-US" sz="600" dirty="0">
+                <a:latin typeface="Arial" panose="020B0604020202020204" pitchFamily="34" charset="0"/>
+                <a:cs typeface="Arial" panose="020B0604020202020204" pitchFamily="34" charset="0"/>
+              </a:rPr>
+              <a:t>3</a:t>
+            </a:r>
+          </a:p>
+        </p:txBody>
+      </p:sp>
+      <p:grpSp>
+        <p:nvGrpSpPr>
+          <p:cNvPr id="53" name="Group 52">
+            <a:extLst>
+              <a:ext uri="{FF2B5EF4-FFF2-40B4-BE49-F238E27FC236}">
+                <a16:creationId xmlns:a16="http://schemas.microsoft.com/office/drawing/2014/main" id="{8758566D-6BC5-1004-9AAD-4629678B6C33}"/>
+              </a:ext>
+            </a:extLst>
+          </p:cNvPr>
+          <p:cNvGrpSpPr/>
+          <p:nvPr/>
+        </p:nvGrpSpPr>
+        <p:grpSpPr>
+          <a:xfrm>
+            <a:off x="2719182" y="944085"/>
+            <a:ext cx="143736" cy="143734"/>
+            <a:chOff x="2719182" y="944085"/>
+            <a:chExt cx="143736" cy="143734"/>
+          </a:xfrm>
+        </p:grpSpPr>
+        <p:sp>
+          <p:nvSpPr>
+            <p:cNvPr id="54" name="Oval 53">
+              <a:extLst>
+                <a:ext uri="{FF2B5EF4-FFF2-40B4-BE49-F238E27FC236}">
+                  <a16:creationId xmlns:a16="http://schemas.microsoft.com/office/drawing/2014/main" id="{37E0B76D-43D4-C00E-54DA-DD594543D074}"/>
+                </a:ext>
+              </a:extLst>
+            </p:cNvPr>
+            <p:cNvSpPr/>
+            <p:nvPr/>
+          </p:nvSpPr>
+          <p:spPr>
+            <a:xfrm>
+              <a:off x="2719183" y="944085"/>
+              <a:ext cx="143735" cy="143734"/>
+            </a:xfrm>
+            <a:prstGeom prst="ellipse">
+              <a:avLst/>
+            </a:prstGeom>
+            <a:solidFill>
+              <a:srgbClr val="F1AB00"/>
+            </a:solidFill>
+            <a:ln w="12700">
+              <a:solidFill>
+                <a:schemeClr val="tx1"/>
+              </a:solidFill>
+            </a:ln>
+            <a:effectLst/>
+          </p:spPr>
+          <p:style>
+            <a:lnRef idx="1">
+              <a:schemeClr val="accent1"/>
+            </a:lnRef>
+            <a:fillRef idx="3">
+              <a:schemeClr val="accent1"/>
+            </a:fillRef>
+            <a:effectRef idx="2">
+              <a:schemeClr val="accent1"/>
+            </a:effectRef>
+            <a:fontRef idx="minor">
+              <a:schemeClr val="lt1"/>
+            </a:fontRef>
+          </p:style>
+          <p:txBody>
+            <a:bodyPr rtlCol="0" anchor="ctr"/>
+            <a:lstStyle/>
+            <a:p>
+              <a:pPr algn="ctr"/>
+              <a:endParaRPr lang="en-US" sz="800" dirty="0">
+                <a:latin typeface="Arial" panose="020B0604020202020204" pitchFamily="34" charset="0"/>
+                <a:cs typeface="Arial" panose="020B0604020202020204" pitchFamily="34" charset="0"/>
+              </a:endParaRPr>
+            </a:p>
+          </p:txBody>
+        </p:sp>
+        <p:sp>
+          <p:nvSpPr>
+            <p:cNvPr id="55" name="Freeform 54">
+              <a:extLst>
+                <a:ext uri="{FF2B5EF4-FFF2-40B4-BE49-F238E27FC236}">
+                  <a16:creationId xmlns:a16="http://schemas.microsoft.com/office/drawing/2014/main" id="{E1224C85-D31C-741F-C64E-633A86ECDAF2}"/>
+                </a:ext>
+              </a:extLst>
+            </p:cNvPr>
+            <p:cNvSpPr/>
+            <p:nvPr/>
+          </p:nvSpPr>
+          <p:spPr>
+            <a:xfrm>
+              <a:off x="2748346" y="948240"/>
+              <a:ext cx="114346" cy="113472"/>
+            </a:xfrm>
+            <a:custGeom>
+              <a:avLst/>
+              <a:gdLst>
+                <a:gd name="connsiteX0" fmla="*/ 108741 w 292716"/>
+                <a:gd name="connsiteY0" fmla="*/ 0 h 290478"/>
+                <a:gd name="connsiteX1" fmla="*/ 292716 w 292716"/>
+                <a:gd name="connsiteY1" fmla="*/ 183974 h 290478"/>
+                <a:gd name="connsiteX2" fmla="*/ 278259 w 292716"/>
+                <a:gd name="connsiteY2" fmla="*/ 255585 h 290478"/>
+                <a:gd name="connsiteX3" fmla="*/ 271893 w 292716"/>
+                <a:gd name="connsiteY3" fmla="*/ 265027 h 290478"/>
+                <a:gd name="connsiteX4" fmla="*/ 255587 w 292716"/>
+                <a:gd name="connsiteY4" fmla="*/ 276021 h 290478"/>
+                <a:gd name="connsiteX5" fmla="*/ 183975 w 292716"/>
+                <a:gd name="connsiteY5" fmla="*/ 290478 h 290478"/>
+                <a:gd name="connsiteX6" fmla="*/ 0 w 292716"/>
+                <a:gd name="connsiteY6" fmla="*/ 106504 h 290478"/>
+                <a:gd name="connsiteX7" fmla="*/ 14458 w 292716"/>
+                <a:gd name="connsiteY7" fmla="*/ 34893 h 290478"/>
+                <a:gd name="connsiteX8" fmla="*/ 20824 w 292716"/>
+                <a:gd name="connsiteY8" fmla="*/ 25452 h 290478"/>
+                <a:gd name="connsiteX9" fmla="*/ 37130 w 292716"/>
+                <a:gd name="connsiteY9" fmla="*/ 14458 h 290478"/>
+                <a:gd name="connsiteX10" fmla="*/ 108741 w 292716"/>
+                <a:gd name="connsiteY10" fmla="*/ 0 h 290478"/>
+              </a:gdLst>
+              <a:ahLst/>
+              <a:cxnLst>
+                <a:cxn ang="0">
+                  <a:pos x="connsiteX0" y="connsiteY0"/>
+                </a:cxn>
+                <a:cxn ang="0">
+                  <a:pos x="connsiteX1" y="connsiteY1"/>
+                </a:cxn>
+                <a:cxn ang="0">
+                  <a:pos x="connsiteX2" y="connsiteY2"/>
+                </a:cxn>
+                <a:cxn ang="0">
+                  <a:pos x="connsiteX3" y="connsiteY3"/>
+                </a:cxn>
+                <a:cxn ang="0">
+                  <a:pos x="connsiteX4" y="connsiteY4"/>
+                </a:cxn>
+                <a:cxn ang="0">
+                  <a:pos x="connsiteX5" y="connsiteY5"/>
+                </a:cxn>
+                <a:cxn ang="0">
+                  <a:pos x="connsiteX6" y="connsiteY6"/>
+                </a:cxn>
+                <a:cxn ang="0">
+                  <a:pos x="connsiteX7" y="connsiteY7"/>
+                </a:cxn>
+                <a:cxn ang="0">
+                  <a:pos x="connsiteX8" y="connsiteY8"/>
+                </a:cxn>
+                <a:cxn ang="0">
+                  <a:pos x="connsiteX9" y="connsiteY9"/>
+                </a:cxn>
+                <a:cxn ang="0">
+                  <a:pos x="connsiteX10" y="connsiteY10"/>
+                </a:cxn>
+              </a:cxnLst>
+              <a:rect l="l" t="t" r="r" b="b"/>
+              <a:pathLst>
+                <a:path w="292716" h="290478">
+                  <a:moveTo>
+                    <a:pt x="108741" y="0"/>
+                  </a:moveTo>
+                  <a:cubicBezTo>
+                    <a:pt x="210348" y="0"/>
+                    <a:pt x="292716" y="82368"/>
+                    <a:pt x="292716" y="183974"/>
+                  </a:cubicBezTo>
+                  <a:cubicBezTo>
+                    <a:pt x="292716" y="209376"/>
+                    <a:pt x="287568" y="233575"/>
+                    <a:pt x="278259" y="255585"/>
+                  </a:cubicBezTo>
+                  <a:lnTo>
+                    <a:pt x="271893" y="265027"/>
+                  </a:lnTo>
+                  <a:lnTo>
+                    <a:pt x="255587" y="276021"/>
+                  </a:lnTo>
+                  <a:cubicBezTo>
+                    <a:pt x="233576" y="285330"/>
+                    <a:pt x="209377" y="290478"/>
+                    <a:pt x="183975" y="290478"/>
+                  </a:cubicBezTo>
+                  <a:cubicBezTo>
+                    <a:pt x="82368" y="290478"/>
+                    <a:pt x="0" y="208110"/>
+                    <a:pt x="0" y="106504"/>
+                  </a:cubicBezTo>
+                  <a:cubicBezTo>
+                    <a:pt x="0" y="81103"/>
+                    <a:pt x="5148" y="56904"/>
+                    <a:pt x="14458" y="34893"/>
+                  </a:cubicBezTo>
+                  <a:lnTo>
+                    <a:pt x="20824" y="25452"/>
+                  </a:lnTo>
+                  <a:lnTo>
+                    <a:pt x="37130" y="14458"/>
+                  </a:lnTo>
+                  <a:cubicBezTo>
+                    <a:pt x="59140" y="5148"/>
+                    <a:pt x="83340" y="0"/>
+                    <a:pt x="108741" y="0"/>
+                  </a:cubicBezTo>
+                  <a:close/>
+                </a:path>
+              </a:pathLst>
+            </a:custGeom>
+            <a:solidFill>
+              <a:schemeClr val="accent4">
+                <a:lumMod val="60000"/>
+                <a:lumOff val="40000"/>
+                <a:alpha val="50196"/>
+              </a:schemeClr>
+            </a:solidFill>
+            <a:ln>
+              <a:noFill/>
+            </a:ln>
+            <a:effectLst/>
+          </p:spPr>
+          <p:style>
+            <a:lnRef idx="1">
+              <a:schemeClr val="accent1"/>
+            </a:lnRef>
+            <a:fillRef idx="3">
+              <a:schemeClr val="accent1"/>
+            </a:fillRef>
+            <a:effectRef idx="2">
+              <a:schemeClr val="accent1"/>
+            </a:effectRef>
+            <a:fontRef idx="minor">
+              <a:schemeClr val="lt1"/>
+            </a:fontRef>
+          </p:style>
+          <p:txBody>
+            <a:bodyPr wrap="square" rtlCol="0" anchor="ctr">
+              <a:noAutofit/>
+            </a:bodyPr>
+            <a:lstStyle/>
+            <a:p>
+              <a:pPr algn="ctr"/>
+              <a:endParaRPr lang="en-US" sz="800" dirty="0">
+                <a:latin typeface="Arial" panose="020B0604020202020204" pitchFamily="34" charset="0"/>
+                <a:cs typeface="Arial" panose="020B0604020202020204" pitchFamily="34" charset="0"/>
+              </a:endParaRPr>
+            </a:p>
+          </p:txBody>
+        </p:sp>
+        <p:sp>
+          <p:nvSpPr>
+            <p:cNvPr id="56" name="Oval 55">
+              <a:extLst>
+                <a:ext uri="{FF2B5EF4-FFF2-40B4-BE49-F238E27FC236}">
+                  <a16:creationId xmlns:a16="http://schemas.microsoft.com/office/drawing/2014/main" id="{75BEFC47-5100-8176-4548-121AAA0057B9}"/>
+                </a:ext>
+              </a:extLst>
+            </p:cNvPr>
+            <p:cNvSpPr/>
+            <p:nvPr/>
+          </p:nvSpPr>
+          <p:spPr>
+            <a:xfrm>
+              <a:off x="2719182" y="944085"/>
+              <a:ext cx="143735" cy="143734"/>
+            </a:xfrm>
+            <a:prstGeom prst="ellipse">
+              <a:avLst/>
+            </a:prstGeom>
+            <a:noFill/>
+            <a:ln w="12700">
+              <a:solidFill>
+                <a:schemeClr val="tx1"/>
+              </a:solidFill>
+            </a:ln>
+            <a:effectLst/>
+          </p:spPr>
+          <p:style>
+            <a:lnRef idx="1">
+              <a:schemeClr val="accent1"/>
+            </a:lnRef>
+            <a:fillRef idx="3">
+              <a:schemeClr val="accent1"/>
+            </a:fillRef>
+            <a:effectRef idx="2">
+              <a:schemeClr val="accent1"/>
+            </a:effectRef>
+            <a:fontRef idx="minor">
+              <a:schemeClr val="lt1"/>
+            </a:fontRef>
+          </p:style>
+          <p:txBody>
+            <a:bodyPr rtlCol="0" anchor="ctr"/>
+            <a:lstStyle/>
+            <a:p>
+              <a:pPr algn="ctr"/>
+              <a:endParaRPr lang="en-US" sz="800" dirty="0">
+                <a:latin typeface="Arial" panose="020B0604020202020204" pitchFamily="34" charset="0"/>
+                <a:cs typeface="Arial" panose="020B0604020202020204" pitchFamily="34" charset="0"/>
+              </a:endParaRPr>
+            </a:p>
+          </p:txBody>
+        </p:sp>
+      </p:grpSp>
+      <p:grpSp>
+        <p:nvGrpSpPr>
+          <p:cNvPr id="57" name="Group 56">
+            <a:extLst>
+              <a:ext uri="{FF2B5EF4-FFF2-40B4-BE49-F238E27FC236}">
+                <a16:creationId xmlns:a16="http://schemas.microsoft.com/office/drawing/2014/main" id="{A993B810-F63E-DFC4-E6F5-7CB681FF40C3}"/>
+              </a:ext>
+            </a:extLst>
+          </p:cNvPr>
+          <p:cNvGrpSpPr/>
+          <p:nvPr/>
+        </p:nvGrpSpPr>
+        <p:grpSpPr>
+          <a:xfrm>
+            <a:off x="2536438" y="811329"/>
+            <a:ext cx="143736" cy="143734"/>
+            <a:chOff x="2719182" y="944085"/>
+            <a:chExt cx="143736" cy="143734"/>
+          </a:xfrm>
+        </p:grpSpPr>
+        <p:sp>
+          <p:nvSpPr>
+            <p:cNvPr id="58" name="Oval 57">
+              <a:extLst>
+                <a:ext uri="{FF2B5EF4-FFF2-40B4-BE49-F238E27FC236}">
+                  <a16:creationId xmlns:a16="http://schemas.microsoft.com/office/drawing/2014/main" id="{FD1B4B31-FB89-BC8F-541F-05B88F046748}"/>
+                </a:ext>
+              </a:extLst>
+            </p:cNvPr>
+            <p:cNvSpPr/>
+            <p:nvPr/>
+          </p:nvSpPr>
+          <p:spPr>
+            <a:xfrm>
+              <a:off x="2719183" y="944085"/>
+              <a:ext cx="143735" cy="143734"/>
+            </a:xfrm>
+            <a:prstGeom prst="ellipse">
+              <a:avLst/>
+            </a:prstGeom>
+            <a:solidFill>
+              <a:srgbClr val="F1AB00"/>
+            </a:solidFill>
+            <a:ln w="12700">
+              <a:solidFill>
+                <a:schemeClr val="tx1"/>
+              </a:solidFill>
+            </a:ln>
+            <a:effectLst/>
+          </p:spPr>
+          <p:style>
+            <a:lnRef idx="1">
+              <a:schemeClr val="accent1"/>
+            </a:lnRef>
+            <a:fillRef idx="3">
+              <a:schemeClr val="accent1"/>
+            </a:fillRef>
+            <a:effectRef idx="2">
+              <a:schemeClr val="accent1"/>
+            </a:effectRef>
+            <a:fontRef idx="minor">
+              <a:schemeClr val="lt1"/>
+            </a:fontRef>
+          </p:style>
+          <p:txBody>
+            <a:bodyPr rtlCol="0" anchor="ctr"/>
+            <a:lstStyle/>
+            <a:p>
+              <a:pPr algn="ctr"/>
+              <a:endParaRPr lang="en-US" sz="800" dirty="0">
+                <a:latin typeface="Arial" panose="020B0604020202020204" pitchFamily="34" charset="0"/>
+                <a:cs typeface="Arial" panose="020B0604020202020204" pitchFamily="34" charset="0"/>
+              </a:endParaRPr>
+            </a:p>
+          </p:txBody>
+        </p:sp>
+        <p:sp>
+          <p:nvSpPr>
+            <p:cNvPr id="59" name="Freeform 58">
+              <a:extLst>
+                <a:ext uri="{FF2B5EF4-FFF2-40B4-BE49-F238E27FC236}">
+                  <a16:creationId xmlns:a16="http://schemas.microsoft.com/office/drawing/2014/main" id="{11E309A3-4AE3-9297-A1C0-78C9E50B5FA9}"/>
+                </a:ext>
+              </a:extLst>
+            </p:cNvPr>
+            <p:cNvSpPr/>
+            <p:nvPr/>
+          </p:nvSpPr>
+          <p:spPr>
+            <a:xfrm>
+              <a:off x="2748346" y="948240"/>
+              <a:ext cx="114346" cy="113472"/>
+            </a:xfrm>
+            <a:custGeom>
+              <a:avLst/>
+              <a:gdLst>
+                <a:gd name="connsiteX0" fmla="*/ 108741 w 292716"/>
+                <a:gd name="connsiteY0" fmla="*/ 0 h 290478"/>
+                <a:gd name="connsiteX1" fmla="*/ 292716 w 292716"/>
+                <a:gd name="connsiteY1" fmla="*/ 183974 h 290478"/>
+                <a:gd name="connsiteX2" fmla="*/ 278259 w 292716"/>
+                <a:gd name="connsiteY2" fmla="*/ 255585 h 290478"/>
+                <a:gd name="connsiteX3" fmla="*/ 271893 w 292716"/>
+                <a:gd name="connsiteY3" fmla="*/ 265027 h 290478"/>
+                <a:gd name="connsiteX4" fmla="*/ 255587 w 292716"/>
+                <a:gd name="connsiteY4" fmla="*/ 276021 h 290478"/>
+                <a:gd name="connsiteX5" fmla="*/ 183975 w 292716"/>
+                <a:gd name="connsiteY5" fmla="*/ 290478 h 290478"/>
+                <a:gd name="connsiteX6" fmla="*/ 0 w 292716"/>
+                <a:gd name="connsiteY6" fmla="*/ 106504 h 290478"/>
+                <a:gd name="connsiteX7" fmla="*/ 14458 w 292716"/>
+                <a:gd name="connsiteY7" fmla="*/ 34893 h 290478"/>
+                <a:gd name="connsiteX8" fmla="*/ 20824 w 292716"/>
+                <a:gd name="connsiteY8" fmla="*/ 25452 h 290478"/>
+                <a:gd name="connsiteX9" fmla="*/ 37130 w 292716"/>
+                <a:gd name="connsiteY9" fmla="*/ 14458 h 290478"/>
+                <a:gd name="connsiteX10" fmla="*/ 108741 w 292716"/>
+                <a:gd name="connsiteY10" fmla="*/ 0 h 290478"/>
+              </a:gdLst>
+              <a:ahLst/>
+              <a:cxnLst>
+                <a:cxn ang="0">
+                  <a:pos x="connsiteX0" y="connsiteY0"/>
+                </a:cxn>
+                <a:cxn ang="0">
+                  <a:pos x="connsiteX1" y="connsiteY1"/>
+                </a:cxn>
+                <a:cxn ang="0">
+                  <a:pos x="connsiteX2" y="connsiteY2"/>
+                </a:cxn>
+                <a:cxn ang="0">
+                  <a:pos x="connsiteX3" y="connsiteY3"/>
+                </a:cxn>
+                <a:cxn ang="0">
+                  <a:pos x="connsiteX4" y="connsiteY4"/>
+                </a:cxn>
+                <a:cxn ang="0">
+                  <a:pos x="connsiteX5" y="connsiteY5"/>
+                </a:cxn>
+                <a:cxn ang="0">
+                  <a:pos x="connsiteX6" y="connsiteY6"/>
+                </a:cxn>
+                <a:cxn ang="0">
+                  <a:pos x="connsiteX7" y="connsiteY7"/>
+                </a:cxn>
+                <a:cxn ang="0">
+                  <a:pos x="connsiteX8" y="connsiteY8"/>
+                </a:cxn>
+                <a:cxn ang="0">
+                  <a:pos x="connsiteX9" y="connsiteY9"/>
+                </a:cxn>
+                <a:cxn ang="0">
+                  <a:pos x="connsiteX10" y="connsiteY10"/>
+                </a:cxn>
+              </a:cxnLst>
+              <a:rect l="l" t="t" r="r" b="b"/>
+              <a:pathLst>
+                <a:path w="292716" h="290478">
+                  <a:moveTo>
+                    <a:pt x="108741" y="0"/>
+                  </a:moveTo>
+                  <a:cubicBezTo>
+                    <a:pt x="210348" y="0"/>
+                    <a:pt x="292716" y="82368"/>
+                    <a:pt x="292716" y="183974"/>
+                  </a:cubicBezTo>
+                  <a:cubicBezTo>
+                    <a:pt x="292716" y="209376"/>
+                    <a:pt x="287568" y="233575"/>
+                    <a:pt x="278259" y="255585"/>
+                  </a:cubicBezTo>
+                  <a:lnTo>
+                    <a:pt x="271893" y="265027"/>
+                  </a:lnTo>
+                  <a:lnTo>
+                    <a:pt x="255587" y="276021"/>
+                  </a:lnTo>
+                  <a:cubicBezTo>
+                    <a:pt x="233576" y="285330"/>
+                    <a:pt x="209377" y="290478"/>
+                    <a:pt x="183975" y="290478"/>
+                  </a:cubicBezTo>
+                  <a:cubicBezTo>
+                    <a:pt x="82368" y="290478"/>
+                    <a:pt x="0" y="208110"/>
+                    <a:pt x="0" y="106504"/>
+                  </a:cubicBezTo>
+                  <a:cubicBezTo>
+                    <a:pt x="0" y="81103"/>
+                    <a:pt x="5148" y="56904"/>
+                    <a:pt x="14458" y="34893"/>
+                  </a:cubicBezTo>
+                  <a:lnTo>
+                    <a:pt x="20824" y="25452"/>
+                  </a:lnTo>
+                  <a:lnTo>
+                    <a:pt x="37130" y="14458"/>
+                  </a:lnTo>
+                  <a:cubicBezTo>
+                    <a:pt x="59140" y="5148"/>
+                    <a:pt x="83340" y="0"/>
+                    <a:pt x="108741" y="0"/>
+                  </a:cubicBezTo>
+                  <a:close/>
+                </a:path>
+              </a:pathLst>
+            </a:custGeom>
+            <a:solidFill>
+              <a:schemeClr val="accent4">
+                <a:lumMod val="60000"/>
+                <a:lumOff val="40000"/>
+                <a:alpha val="50196"/>
+              </a:schemeClr>
+            </a:solidFill>
+            <a:ln>
+              <a:noFill/>
+            </a:ln>
+            <a:effectLst/>
+          </p:spPr>
+          <p:style>
+            <a:lnRef idx="1">
+              <a:schemeClr val="accent1"/>
+            </a:lnRef>
+            <a:fillRef idx="3">
+              <a:schemeClr val="accent1"/>
+            </a:fillRef>
+            <a:effectRef idx="2">
+              <a:schemeClr val="accent1"/>
+            </a:effectRef>
+            <a:fontRef idx="minor">
+              <a:schemeClr val="lt1"/>
+            </a:fontRef>
+          </p:style>
+          <p:txBody>
+            <a:bodyPr wrap="square" rtlCol="0" anchor="ctr">
+              <a:noAutofit/>
+            </a:bodyPr>
+            <a:lstStyle/>
+            <a:p>
+              <a:pPr algn="ctr"/>
+              <a:endParaRPr lang="en-US" sz="800" dirty="0">
+                <a:latin typeface="Arial" panose="020B0604020202020204" pitchFamily="34" charset="0"/>
+                <a:cs typeface="Arial" panose="020B0604020202020204" pitchFamily="34" charset="0"/>
+              </a:endParaRPr>
+            </a:p>
+          </p:txBody>
+        </p:sp>
+        <p:sp>
+          <p:nvSpPr>
+            <p:cNvPr id="60" name="Oval 59">
+              <a:extLst>
+                <a:ext uri="{FF2B5EF4-FFF2-40B4-BE49-F238E27FC236}">
+                  <a16:creationId xmlns:a16="http://schemas.microsoft.com/office/drawing/2014/main" id="{C9A9A9CB-B60E-E2BB-8493-440E1FC67AE2}"/>
+                </a:ext>
+              </a:extLst>
+            </p:cNvPr>
+            <p:cNvSpPr/>
+            <p:nvPr/>
+          </p:nvSpPr>
+          <p:spPr>
+            <a:xfrm>
+              <a:off x="2719182" y="944085"/>
+              <a:ext cx="143735" cy="143734"/>
+            </a:xfrm>
+            <a:prstGeom prst="ellipse">
+              <a:avLst/>
+            </a:prstGeom>
+            <a:noFill/>
+            <a:ln w="12700">
+              <a:solidFill>
+                <a:schemeClr val="tx1"/>
+              </a:solidFill>
+            </a:ln>
+            <a:effectLst/>
+          </p:spPr>
+          <p:style>
+            <a:lnRef idx="1">
+              <a:schemeClr val="accent1"/>
+            </a:lnRef>
+            <a:fillRef idx="3">
+              <a:schemeClr val="accent1"/>
+            </a:fillRef>
+            <a:effectRef idx="2">
+              <a:schemeClr val="accent1"/>
+            </a:effectRef>
+            <a:fontRef idx="minor">
+              <a:schemeClr val="lt1"/>
+            </a:fontRef>
+          </p:style>
+          <p:txBody>
+            <a:bodyPr rtlCol="0" anchor="ctr"/>
+            <a:lstStyle/>
+            <a:p>
+              <a:pPr algn="ctr"/>
+              <a:endParaRPr lang="en-US" sz="800" dirty="0">
+                <a:latin typeface="Arial" panose="020B0604020202020204" pitchFamily="34" charset="0"/>
+                <a:cs typeface="Arial" panose="020B0604020202020204" pitchFamily="34" charset="0"/>
+              </a:endParaRPr>
+            </a:p>
+          </p:txBody>
+        </p:sp>
+      </p:grpSp>
+      <p:grpSp>
+        <p:nvGrpSpPr>
+          <p:cNvPr id="61" name="Group 60">
+            <a:extLst>
+              <a:ext uri="{FF2B5EF4-FFF2-40B4-BE49-F238E27FC236}">
+                <a16:creationId xmlns:a16="http://schemas.microsoft.com/office/drawing/2014/main" id="{8D23630B-EA37-C098-44BA-EDDB6DBE5B9D}"/>
+              </a:ext>
+            </a:extLst>
+          </p:cNvPr>
+          <p:cNvGrpSpPr/>
+          <p:nvPr/>
+        </p:nvGrpSpPr>
+        <p:grpSpPr>
+          <a:xfrm>
+            <a:off x="2519813" y="1061712"/>
+            <a:ext cx="143736" cy="143734"/>
+            <a:chOff x="2719182" y="944085"/>
+            <a:chExt cx="143736" cy="143734"/>
+          </a:xfrm>
+        </p:grpSpPr>
+        <p:sp>
+          <p:nvSpPr>
+            <p:cNvPr id="62" name="Oval 61">
+              <a:extLst>
+                <a:ext uri="{FF2B5EF4-FFF2-40B4-BE49-F238E27FC236}">
+                  <a16:creationId xmlns:a16="http://schemas.microsoft.com/office/drawing/2014/main" id="{5EE323C6-4D5D-028F-9070-312DF183B3BE}"/>
+                </a:ext>
+              </a:extLst>
+            </p:cNvPr>
+            <p:cNvSpPr/>
+            <p:nvPr/>
+          </p:nvSpPr>
+          <p:spPr>
+            <a:xfrm>
+              <a:off x="2719183" y="944085"/>
+              <a:ext cx="143735" cy="143734"/>
+            </a:xfrm>
+            <a:prstGeom prst="ellipse">
+              <a:avLst/>
+            </a:prstGeom>
+            <a:solidFill>
+              <a:srgbClr val="F1AB00"/>
+            </a:solidFill>
+            <a:ln w="12700">
+              <a:solidFill>
+                <a:schemeClr val="tx1"/>
+              </a:solidFill>
+            </a:ln>
+            <a:effectLst/>
+          </p:spPr>
+          <p:style>
+            <a:lnRef idx="1">
+              <a:schemeClr val="accent1"/>
+            </a:lnRef>
+            <a:fillRef idx="3">
+              <a:schemeClr val="accent1"/>
+            </a:fillRef>
+            <a:effectRef idx="2">
+              <a:schemeClr val="accent1"/>
+            </a:effectRef>
+            <a:fontRef idx="minor">
+              <a:schemeClr val="lt1"/>
+            </a:fontRef>
+          </p:style>
+          <p:txBody>
+            <a:bodyPr rtlCol="0" anchor="ctr"/>
+            <a:lstStyle/>
+            <a:p>
+              <a:pPr algn="ctr"/>
+              <a:endParaRPr lang="en-US" sz="800" dirty="0">
+                <a:latin typeface="Arial" panose="020B0604020202020204" pitchFamily="34" charset="0"/>
+                <a:cs typeface="Arial" panose="020B0604020202020204" pitchFamily="34" charset="0"/>
+              </a:endParaRPr>
+            </a:p>
+          </p:txBody>
+        </p:sp>
+        <p:sp>
+          <p:nvSpPr>
+            <p:cNvPr id="63" name="Freeform 62">
+              <a:extLst>
+                <a:ext uri="{FF2B5EF4-FFF2-40B4-BE49-F238E27FC236}">
+                  <a16:creationId xmlns:a16="http://schemas.microsoft.com/office/drawing/2014/main" id="{69A3334E-49C5-6067-791F-5815C10B86EA}"/>
+                </a:ext>
+              </a:extLst>
+            </p:cNvPr>
+            <p:cNvSpPr/>
+            <p:nvPr/>
+          </p:nvSpPr>
+          <p:spPr>
+            <a:xfrm>
+              <a:off x="2748346" y="948240"/>
+              <a:ext cx="114346" cy="113472"/>
+            </a:xfrm>
+            <a:custGeom>
+              <a:avLst/>
+              <a:gdLst>
+                <a:gd name="connsiteX0" fmla="*/ 108741 w 292716"/>
+                <a:gd name="connsiteY0" fmla="*/ 0 h 290478"/>
+                <a:gd name="connsiteX1" fmla="*/ 292716 w 292716"/>
+                <a:gd name="connsiteY1" fmla="*/ 183974 h 290478"/>
+                <a:gd name="connsiteX2" fmla="*/ 278259 w 292716"/>
+                <a:gd name="connsiteY2" fmla="*/ 255585 h 290478"/>
+                <a:gd name="connsiteX3" fmla="*/ 271893 w 292716"/>
+                <a:gd name="connsiteY3" fmla="*/ 265027 h 290478"/>
+                <a:gd name="connsiteX4" fmla="*/ 255587 w 292716"/>
+                <a:gd name="connsiteY4" fmla="*/ 276021 h 290478"/>
+                <a:gd name="connsiteX5" fmla="*/ 183975 w 292716"/>
+                <a:gd name="connsiteY5" fmla="*/ 290478 h 290478"/>
+                <a:gd name="connsiteX6" fmla="*/ 0 w 292716"/>
+                <a:gd name="connsiteY6" fmla="*/ 106504 h 290478"/>
+                <a:gd name="connsiteX7" fmla="*/ 14458 w 292716"/>
+                <a:gd name="connsiteY7" fmla="*/ 34893 h 290478"/>
+                <a:gd name="connsiteX8" fmla="*/ 20824 w 292716"/>
+                <a:gd name="connsiteY8" fmla="*/ 25452 h 290478"/>
+                <a:gd name="connsiteX9" fmla="*/ 37130 w 292716"/>
+                <a:gd name="connsiteY9" fmla="*/ 14458 h 290478"/>
+                <a:gd name="connsiteX10" fmla="*/ 108741 w 292716"/>
+                <a:gd name="connsiteY10" fmla="*/ 0 h 290478"/>
+              </a:gdLst>
+              <a:ahLst/>
+              <a:cxnLst>
+                <a:cxn ang="0">
+                  <a:pos x="connsiteX0" y="connsiteY0"/>
+                </a:cxn>
+                <a:cxn ang="0">
+                  <a:pos x="connsiteX1" y="connsiteY1"/>
+                </a:cxn>
+                <a:cxn ang="0">
+                  <a:pos x="connsiteX2" y="connsiteY2"/>
+                </a:cxn>
+                <a:cxn ang="0">
+                  <a:pos x="connsiteX3" y="connsiteY3"/>
+                </a:cxn>
+                <a:cxn ang="0">
+                  <a:pos x="connsiteX4" y="connsiteY4"/>
+                </a:cxn>
+                <a:cxn ang="0">
+                  <a:pos x="connsiteX5" y="connsiteY5"/>
+                </a:cxn>
+                <a:cxn ang="0">
+                  <a:pos x="connsiteX6" y="connsiteY6"/>
+                </a:cxn>
+                <a:cxn ang="0">
+                  <a:pos x="connsiteX7" y="connsiteY7"/>
+                </a:cxn>
+                <a:cxn ang="0">
+                  <a:pos x="connsiteX8" y="connsiteY8"/>
+                </a:cxn>
+                <a:cxn ang="0">
+                  <a:pos x="connsiteX9" y="connsiteY9"/>
+                </a:cxn>
+                <a:cxn ang="0">
+                  <a:pos x="connsiteX10" y="connsiteY10"/>
+                </a:cxn>
+              </a:cxnLst>
+              <a:rect l="l" t="t" r="r" b="b"/>
+              <a:pathLst>
+                <a:path w="292716" h="290478">
+                  <a:moveTo>
+                    <a:pt x="108741" y="0"/>
+                  </a:moveTo>
+                  <a:cubicBezTo>
+                    <a:pt x="210348" y="0"/>
+                    <a:pt x="292716" y="82368"/>
+                    <a:pt x="292716" y="183974"/>
+                  </a:cubicBezTo>
+                  <a:cubicBezTo>
+                    <a:pt x="292716" y="209376"/>
+                    <a:pt x="287568" y="233575"/>
+                    <a:pt x="278259" y="255585"/>
+                  </a:cubicBezTo>
+                  <a:lnTo>
+                    <a:pt x="271893" y="265027"/>
+                  </a:lnTo>
+                  <a:lnTo>
+                    <a:pt x="255587" y="276021"/>
+                  </a:lnTo>
+                  <a:cubicBezTo>
+                    <a:pt x="233576" y="285330"/>
+                    <a:pt x="209377" y="290478"/>
+                    <a:pt x="183975" y="290478"/>
+                  </a:cubicBezTo>
+                  <a:cubicBezTo>
+                    <a:pt x="82368" y="290478"/>
+                    <a:pt x="0" y="208110"/>
+                    <a:pt x="0" y="106504"/>
+                  </a:cubicBezTo>
+                  <a:cubicBezTo>
+                    <a:pt x="0" y="81103"/>
+                    <a:pt x="5148" y="56904"/>
+                    <a:pt x="14458" y="34893"/>
+                  </a:cubicBezTo>
+                  <a:lnTo>
+                    <a:pt x="20824" y="25452"/>
+                  </a:lnTo>
+                  <a:lnTo>
+                    <a:pt x="37130" y="14458"/>
+                  </a:lnTo>
+                  <a:cubicBezTo>
+                    <a:pt x="59140" y="5148"/>
+                    <a:pt x="83340" y="0"/>
+                    <a:pt x="108741" y="0"/>
+                  </a:cubicBezTo>
+                  <a:close/>
+                </a:path>
+              </a:pathLst>
+            </a:custGeom>
+            <a:solidFill>
+              <a:schemeClr val="accent4">
+                <a:lumMod val="60000"/>
+                <a:lumOff val="40000"/>
+                <a:alpha val="50196"/>
+              </a:schemeClr>
+            </a:solidFill>
+            <a:ln>
+              <a:noFill/>
+            </a:ln>
+            <a:effectLst/>
+          </p:spPr>
+          <p:style>
+            <a:lnRef idx="1">
+              <a:schemeClr val="accent1"/>
+            </a:lnRef>
+            <a:fillRef idx="3">
+              <a:schemeClr val="accent1"/>
+            </a:fillRef>
+            <a:effectRef idx="2">
+              <a:schemeClr val="accent1"/>
+            </a:effectRef>
+            <a:fontRef idx="minor">
+              <a:schemeClr val="lt1"/>
+            </a:fontRef>
+          </p:style>
+          <p:txBody>
+            <a:bodyPr wrap="square" rtlCol="0" anchor="ctr">
+              <a:noAutofit/>
+            </a:bodyPr>
+            <a:lstStyle/>
+            <a:p>
+              <a:pPr algn="ctr"/>
+              <a:endParaRPr lang="en-US" sz="800" dirty="0">
+                <a:latin typeface="Arial" panose="020B0604020202020204" pitchFamily="34" charset="0"/>
+                <a:cs typeface="Arial" panose="020B0604020202020204" pitchFamily="34" charset="0"/>
+              </a:endParaRPr>
+            </a:p>
+          </p:txBody>
+        </p:sp>
+        <p:sp>
+          <p:nvSpPr>
+            <p:cNvPr id="64" name="Oval 63">
+              <a:extLst>
+                <a:ext uri="{FF2B5EF4-FFF2-40B4-BE49-F238E27FC236}">
+                  <a16:creationId xmlns:a16="http://schemas.microsoft.com/office/drawing/2014/main" id="{91D591ED-86DC-1D83-F058-FBB8C6B4FC03}"/>
+                </a:ext>
+              </a:extLst>
+            </p:cNvPr>
+            <p:cNvSpPr/>
+            <p:nvPr/>
+          </p:nvSpPr>
+          <p:spPr>
+            <a:xfrm>
+              <a:off x="2719182" y="944085"/>
+              <a:ext cx="143735" cy="143734"/>
+            </a:xfrm>
+            <a:prstGeom prst="ellipse">
+              <a:avLst/>
+            </a:prstGeom>
+            <a:noFill/>
+            <a:ln w="12700">
+              <a:solidFill>
+                <a:schemeClr val="tx1"/>
+              </a:solidFill>
+            </a:ln>
+            <a:effectLst/>
+          </p:spPr>
+          <p:style>
+            <a:lnRef idx="1">
+              <a:schemeClr val="accent1"/>
+            </a:lnRef>
+            <a:fillRef idx="3">
+              <a:schemeClr val="accent1"/>
+            </a:fillRef>
+            <a:effectRef idx="2">
+              <a:schemeClr val="accent1"/>
+            </a:effectRef>
+            <a:fontRef idx="minor">
+              <a:schemeClr val="lt1"/>
+            </a:fontRef>
+          </p:style>
+          <p:txBody>
+            <a:bodyPr rtlCol="0" anchor="ctr"/>
+            <a:lstStyle/>
+            <a:p>
+              <a:pPr algn="ctr"/>
+              <a:endParaRPr lang="en-US" sz="800" dirty="0">
+                <a:latin typeface="Arial" panose="020B0604020202020204" pitchFamily="34" charset="0"/>
+                <a:cs typeface="Arial" panose="020B0604020202020204" pitchFamily="34" charset="0"/>
+              </a:endParaRPr>
+            </a:p>
+          </p:txBody>
+        </p:sp>
+      </p:grpSp>
+      <p:grpSp>
+        <p:nvGrpSpPr>
+          <p:cNvPr id="65" name="Group 64">
+            <a:extLst>
+              <a:ext uri="{FF2B5EF4-FFF2-40B4-BE49-F238E27FC236}">
+                <a16:creationId xmlns:a16="http://schemas.microsoft.com/office/drawing/2014/main" id="{FE86316A-9891-6A26-28A9-37210C3593E5}"/>
+              </a:ext>
+            </a:extLst>
+          </p:cNvPr>
+          <p:cNvGrpSpPr/>
+          <p:nvPr/>
+        </p:nvGrpSpPr>
+        <p:grpSpPr>
+          <a:xfrm>
+            <a:off x="2268777" y="976084"/>
+            <a:ext cx="143736" cy="143734"/>
+            <a:chOff x="2719182" y="944085"/>
+            <a:chExt cx="143736" cy="143734"/>
+          </a:xfrm>
+        </p:grpSpPr>
+        <p:sp>
+          <p:nvSpPr>
+            <p:cNvPr id="66" name="Oval 65">
+              <a:extLst>
+                <a:ext uri="{FF2B5EF4-FFF2-40B4-BE49-F238E27FC236}">
+                  <a16:creationId xmlns:a16="http://schemas.microsoft.com/office/drawing/2014/main" id="{5E0B987C-0A13-A458-A7DF-61088CF221DC}"/>
+                </a:ext>
+              </a:extLst>
+            </p:cNvPr>
+            <p:cNvSpPr/>
+            <p:nvPr/>
+          </p:nvSpPr>
+          <p:spPr>
+            <a:xfrm>
+              <a:off x="2719183" y="944085"/>
+              <a:ext cx="143735" cy="143734"/>
+            </a:xfrm>
+            <a:prstGeom prst="ellipse">
+              <a:avLst/>
+            </a:prstGeom>
+            <a:solidFill>
+              <a:srgbClr val="F1AB00"/>
+            </a:solidFill>
+            <a:ln w="12700">
+              <a:solidFill>
+                <a:schemeClr val="tx1"/>
+              </a:solidFill>
+            </a:ln>
+            <a:effectLst/>
+          </p:spPr>
+          <p:style>
+            <a:lnRef idx="1">
+              <a:schemeClr val="accent1"/>
+            </a:lnRef>
+            <a:fillRef idx="3">
+              <a:schemeClr val="accent1"/>
+            </a:fillRef>
+            <a:effectRef idx="2">
+              <a:schemeClr val="accent1"/>
+            </a:effectRef>
+            <a:fontRef idx="minor">
+              <a:schemeClr val="lt1"/>
+            </a:fontRef>
+          </p:style>
+          <p:txBody>
+            <a:bodyPr rtlCol="0" anchor="ctr"/>
+            <a:lstStyle/>
+            <a:p>
+              <a:pPr algn="ctr"/>
+              <a:endParaRPr lang="en-US" sz="800" dirty="0">
+                <a:latin typeface="Arial" panose="020B0604020202020204" pitchFamily="34" charset="0"/>
+                <a:cs typeface="Arial" panose="020B0604020202020204" pitchFamily="34" charset="0"/>
+              </a:endParaRPr>
+            </a:p>
+          </p:txBody>
+        </p:sp>
+        <p:sp>
+          <p:nvSpPr>
+            <p:cNvPr id="67" name="Freeform 66">
+              <a:extLst>
+                <a:ext uri="{FF2B5EF4-FFF2-40B4-BE49-F238E27FC236}">
+                  <a16:creationId xmlns:a16="http://schemas.microsoft.com/office/drawing/2014/main" id="{E06DDAB0-8A3C-30E9-A1B2-CD20505FC904}"/>
+                </a:ext>
+              </a:extLst>
+            </p:cNvPr>
+            <p:cNvSpPr/>
+            <p:nvPr/>
+          </p:nvSpPr>
+          <p:spPr>
+            <a:xfrm>
+              <a:off x="2748346" y="948240"/>
+              <a:ext cx="114346" cy="113472"/>
+            </a:xfrm>
+            <a:custGeom>
+              <a:avLst/>
+              <a:gdLst>
+                <a:gd name="connsiteX0" fmla="*/ 108741 w 292716"/>
+                <a:gd name="connsiteY0" fmla="*/ 0 h 290478"/>
+                <a:gd name="connsiteX1" fmla="*/ 292716 w 292716"/>
+                <a:gd name="connsiteY1" fmla="*/ 183974 h 290478"/>
+                <a:gd name="connsiteX2" fmla="*/ 278259 w 292716"/>
+                <a:gd name="connsiteY2" fmla="*/ 255585 h 290478"/>
+                <a:gd name="connsiteX3" fmla="*/ 271893 w 292716"/>
+                <a:gd name="connsiteY3" fmla="*/ 265027 h 290478"/>
+                <a:gd name="connsiteX4" fmla="*/ 255587 w 292716"/>
+                <a:gd name="connsiteY4" fmla="*/ 276021 h 290478"/>
+                <a:gd name="connsiteX5" fmla="*/ 183975 w 292716"/>
+                <a:gd name="connsiteY5" fmla="*/ 290478 h 290478"/>
+                <a:gd name="connsiteX6" fmla="*/ 0 w 292716"/>
+                <a:gd name="connsiteY6" fmla="*/ 106504 h 290478"/>
+                <a:gd name="connsiteX7" fmla="*/ 14458 w 292716"/>
+                <a:gd name="connsiteY7" fmla="*/ 34893 h 290478"/>
+                <a:gd name="connsiteX8" fmla="*/ 20824 w 292716"/>
+                <a:gd name="connsiteY8" fmla="*/ 25452 h 290478"/>
+                <a:gd name="connsiteX9" fmla="*/ 37130 w 292716"/>
+                <a:gd name="connsiteY9" fmla="*/ 14458 h 290478"/>
+                <a:gd name="connsiteX10" fmla="*/ 108741 w 292716"/>
+                <a:gd name="connsiteY10" fmla="*/ 0 h 290478"/>
+              </a:gdLst>
+              <a:ahLst/>
+              <a:cxnLst>
+                <a:cxn ang="0">
+                  <a:pos x="connsiteX0" y="connsiteY0"/>
+                </a:cxn>
+                <a:cxn ang="0">
+                  <a:pos x="connsiteX1" y="connsiteY1"/>
+                </a:cxn>
+                <a:cxn ang="0">
+                  <a:pos x="connsiteX2" y="connsiteY2"/>
+                </a:cxn>
+                <a:cxn ang="0">
+                  <a:pos x="connsiteX3" y="connsiteY3"/>
+                </a:cxn>
+                <a:cxn ang="0">
+                  <a:pos x="connsiteX4" y="connsiteY4"/>
+                </a:cxn>
+                <a:cxn ang="0">
+                  <a:pos x="connsiteX5" y="connsiteY5"/>
+                </a:cxn>
+                <a:cxn ang="0">
+                  <a:pos x="connsiteX6" y="connsiteY6"/>
+                </a:cxn>
+                <a:cxn ang="0">
+                  <a:pos x="connsiteX7" y="connsiteY7"/>
+                </a:cxn>
+                <a:cxn ang="0">
+                  <a:pos x="connsiteX8" y="connsiteY8"/>
+                </a:cxn>
+                <a:cxn ang="0">
+                  <a:pos x="connsiteX9" y="connsiteY9"/>
+                </a:cxn>
+                <a:cxn ang="0">
+                  <a:pos x="connsiteX10" y="connsiteY10"/>
+                </a:cxn>
+              </a:cxnLst>
+              <a:rect l="l" t="t" r="r" b="b"/>
+              <a:pathLst>
+                <a:path w="292716" h="290478">
+                  <a:moveTo>
+                    <a:pt x="108741" y="0"/>
+                  </a:moveTo>
+                  <a:cubicBezTo>
+                    <a:pt x="210348" y="0"/>
+                    <a:pt x="292716" y="82368"/>
+                    <a:pt x="292716" y="183974"/>
+                  </a:cubicBezTo>
+                  <a:cubicBezTo>
+                    <a:pt x="292716" y="209376"/>
+                    <a:pt x="287568" y="233575"/>
+                    <a:pt x="278259" y="255585"/>
+                  </a:cubicBezTo>
+                  <a:lnTo>
+                    <a:pt x="271893" y="265027"/>
+                  </a:lnTo>
+                  <a:lnTo>
+                    <a:pt x="255587" y="276021"/>
+                  </a:lnTo>
+                  <a:cubicBezTo>
+                    <a:pt x="233576" y="285330"/>
+                    <a:pt x="209377" y="290478"/>
+                    <a:pt x="183975" y="290478"/>
+                  </a:cubicBezTo>
+                  <a:cubicBezTo>
+                    <a:pt x="82368" y="290478"/>
+                    <a:pt x="0" y="208110"/>
+                    <a:pt x="0" y="106504"/>
+                  </a:cubicBezTo>
+                  <a:cubicBezTo>
+                    <a:pt x="0" y="81103"/>
+                    <a:pt x="5148" y="56904"/>
+                    <a:pt x="14458" y="34893"/>
+                  </a:cubicBezTo>
+                  <a:lnTo>
+                    <a:pt x="20824" y="25452"/>
+                  </a:lnTo>
+                  <a:lnTo>
+                    <a:pt x="37130" y="14458"/>
+                  </a:lnTo>
+                  <a:cubicBezTo>
+                    <a:pt x="59140" y="5148"/>
+                    <a:pt x="83340" y="0"/>
+                    <a:pt x="108741" y="0"/>
+                  </a:cubicBezTo>
+                  <a:close/>
+                </a:path>
+              </a:pathLst>
+            </a:custGeom>
+            <a:solidFill>
+              <a:schemeClr val="accent4">
+                <a:lumMod val="60000"/>
+                <a:lumOff val="40000"/>
+                <a:alpha val="50196"/>
+              </a:schemeClr>
+            </a:solidFill>
+            <a:ln>
+              <a:noFill/>
+            </a:ln>
+            <a:effectLst/>
+          </p:spPr>
+          <p:style>
+            <a:lnRef idx="1">
+              <a:schemeClr val="accent1"/>
+            </a:lnRef>
+            <a:fillRef idx="3">
+              <a:schemeClr val="accent1"/>
+            </a:fillRef>
+            <a:effectRef idx="2">
+              <a:schemeClr val="accent1"/>
+            </a:effectRef>
+            <a:fontRef idx="minor">
+              <a:schemeClr val="lt1"/>
+            </a:fontRef>
+          </p:style>
+          <p:txBody>
+            <a:bodyPr wrap="square" rtlCol="0" anchor="ctr">
+              <a:noAutofit/>
+            </a:bodyPr>
+            <a:lstStyle/>
+            <a:p>
+              <a:pPr algn="ctr"/>
+              <a:endParaRPr lang="en-US" sz="800" dirty="0">
+                <a:latin typeface="Arial" panose="020B0604020202020204" pitchFamily="34" charset="0"/>
+                <a:cs typeface="Arial" panose="020B0604020202020204" pitchFamily="34" charset="0"/>
+              </a:endParaRPr>
+            </a:p>
+          </p:txBody>
+        </p:sp>
+        <p:sp>
+          <p:nvSpPr>
+            <p:cNvPr id="68" name="Oval 67">
+              <a:extLst>
+                <a:ext uri="{FF2B5EF4-FFF2-40B4-BE49-F238E27FC236}">
+                  <a16:creationId xmlns:a16="http://schemas.microsoft.com/office/drawing/2014/main" id="{CDB76E7C-5946-3697-4D1D-D47F005E94C0}"/>
+                </a:ext>
+              </a:extLst>
+            </p:cNvPr>
+            <p:cNvSpPr/>
+            <p:nvPr/>
+          </p:nvSpPr>
+          <p:spPr>
+            <a:xfrm>
+              <a:off x="2719182" y="944085"/>
+              <a:ext cx="143735" cy="143734"/>
+            </a:xfrm>
+            <a:prstGeom prst="ellipse">
+              <a:avLst/>
+            </a:prstGeom>
+            <a:noFill/>
+            <a:ln w="12700">
+              <a:solidFill>
+                <a:schemeClr val="tx1"/>
+              </a:solidFill>
+            </a:ln>
+            <a:effectLst/>
+          </p:spPr>
+          <p:style>
+            <a:lnRef idx="1">
+              <a:schemeClr val="accent1"/>
+            </a:lnRef>
+            <a:fillRef idx="3">
+              <a:schemeClr val="accent1"/>
+            </a:fillRef>
+            <a:effectRef idx="2">
+              <a:schemeClr val="accent1"/>
+            </a:effectRef>
+            <a:fontRef idx="minor">
+              <a:schemeClr val="lt1"/>
+            </a:fontRef>
+          </p:style>
+          <p:txBody>
+            <a:bodyPr rtlCol="0" anchor="ctr"/>
+            <a:lstStyle/>
+            <a:p>
+              <a:pPr algn="ctr"/>
+              <a:endParaRPr lang="en-US" sz="800" dirty="0">
+                <a:latin typeface="Arial" panose="020B0604020202020204" pitchFamily="34" charset="0"/>
+                <a:cs typeface="Arial" panose="020B0604020202020204" pitchFamily="34" charset="0"/>
+              </a:endParaRPr>
+            </a:p>
+          </p:txBody>
+        </p:sp>
+      </p:grpSp>
+      <p:grpSp>
+        <p:nvGrpSpPr>
+          <p:cNvPr id="69" name="Group 68">
+            <a:extLst>
+              <a:ext uri="{FF2B5EF4-FFF2-40B4-BE49-F238E27FC236}">
+                <a16:creationId xmlns:a16="http://schemas.microsoft.com/office/drawing/2014/main" id="{0053B9B5-E088-E64F-B287-AF147D31E1ED}"/>
+              </a:ext>
+            </a:extLst>
+          </p:cNvPr>
+          <p:cNvGrpSpPr/>
+          <p:nvPr/>
+        </p:nvGrpSpPr>
+        <p:grpSpPr>
+          <a:xfrm>
+            <a:off x="2010759" y="1061712"/>
+            <a:ext cx="143736" cy="143734"/>
+            <a:chOff x="2719182" y="944085"/>
+            <a:chExt cx="143736" cy="143734"/>
+          </a:xfrm>
+        </p:grpSpPr>
+        <p:sp>
+          <p:nvSpPr>
+            <p:cNvPr id="70" name="Oval 69">
+              <a:extLst>
+                <a:ext uri="{FF2B5EF4-FFF2-40B4-BE49-F238E27FC236}">
+                  <a16:creationId xmlns:a16="http://schemas.microsoft.com/office/drawing/2014/main" id="{2EB9451A-BB32-24CD-77CF-0D19EF489E1C}"/>
+                </a:ext>
+              </a:extLst>
+            </p:cNvPr>
+            <p:cNvSpPr/>
+            <p:nvPr/>
+          </p:nvSpPr>
+          <p:spPr>
+            <a:xfrm>
+              <a:off x="2719183" y="944085"/>
+              <a:ext cx="143735" cy="143734"/>
+            </a:xfrm>
+            <a:prstGeom prst="ellipse">
+              <a:avLst/>
+            </a:prstGeom>
+            <a:solidFill>
+              <a:srgbClr val="F1AB00"/>
+            </a:solidFill>
+            <a:ln w="12700">
+              <a:solidFill>
+                <a:schemeClr val="tx1"/>
+              </a:solidFill>
+            </a:ln>
+            <a:effectLst/>
+          </p:spPr>
+          <p:style>
+            <a:lnRef idx="1">
+              <a:schemeClr val="accent1"/>
+            </a:lnRef>
+            <a:fillRef idx="3">
+              <a:schemeClr val="accent1"/>
+            </a:fillRef>
+            <a:effectRef idx="2">
+              <a:schemeClr val="accent1"/>
+            </a:effectRef>
+            <a:fontRef idx="minor">
+              <a:schemeClr val="lt1"/>
+            </a:fontRef>
+          </p:style>
+          <p:txBody>
+            <a:bodyPr rtlCol="0" anchor="ctr"/>
+            <a:lstStyle/>
+            <a:p>
+              <a:pPr algn="ctr"/>
+              <a:endParaRPr lang="en-US" sz="800" dirty="0">
+                <a:latin typeface="Arial" panose="020B0604020202020204" pitchFamily="34" charset="0"/>
+                <a:cs typeface="Arial" panose="020B0604020202020204" pitchFamily="34" charset="0"/>
+              </a:endParaRPr>
+            </a:p>
+          </p:txBody>
+        </p:sp>
+        <p:sp>
+          <p:nvSpPr>
+            <p:cNvPr id="71" name="Freeform 70">
+              <a:extLst>
+                <a:ext uri="{FF2B5EF4-FFF2-40B4-BE49-F238E27FC236}">
+                  <a16:creationId xmlns:a16="http://schemas.microsoft.com/office/drawing/2014/main" id="{D36FDB1B-6501-824B-3604-9F792314FA51}"/>
+                </a:ext>
+              </a:extLst>
+            </p:cNvPr>
+            <p:cNvSpPr/>
+            <p:nvPr/>
+          </p:nvSpPr>
+          <p:spPr>
+            <a:xfrm>
+              <a:off x="2748346" y="948240"/>
+              <a:ext cx="114346" cy="113472"/>
+            </a:xfrm>
+            <a:custGeom>
+              <a:avLst/>
+              <a:gdLst>
+                <a:gd name="connsiteX0" fmla="*/ 108741 w 292716"/>
+                <a:gd name="connsiteY0" fmla="*/ 0 h 290478"/>
+                <a:gd name="connsiteX1" fmla="*/ 292716 w 292716"/>
+                <a:gd name="connsiteY1" fmla="*/ 183974 h 290478"/>
+                <a:gd name="connsiteX2" fmla="*/ 278259 w 292716"/>
+                <a:gd name="connsiteY2" fmla="*/ 255585 h 290478"/>
+                <a:gd name="connsiteX3" fmla="*/ 271893 w 292716"/>
+                <a:gd name="connsiteY3" fmla="*/ 265027 h 290478"/>
+                <a:gd name="connsiteX4" fmla="*/ 255587 w 292716"/>
+                <a:gd name="connsiteY4" fmla="*/ 276021 h 290478"/>
+                <a:gd name="connsiteX5" fmla="*/ 183975 w 292716"/>
+                <a:gd name="connsiteY5" fmla="*/ 290478 h 290478"/>
+                <a:gd name="connsiteX6" fmla="*/ 0 w 292716"/>
+                <a:gd name="connsiteY6" fmla="*/ 106504 h 290478"/>
+                <a:gd name="connsiteX7" fmla="*/ 14458 w 292716"/>
+                <a:gd name="connsiteY7" fmla="*/ 34893 h 290478"/>
+                <a:gd name="connsiteX8" fmla="*/ 20824 w 292716"/>
+                <a:gd name="connsiteY8" fmla="*/ 25452 h 290478"/>
+                <a:gd name="connsiteX9" fmla="*/ 37130 w 292716"/>
+                <a:gd name="connsiteY9" fmla="*/ 14458 h 290478"/>
+                <a:gd name="connsiteX10" fmla="*/ 108741 w 292716"/>
+                <a:gd name="connsiteY10" fmla="*/ 0 h 290478"/>
+              </a:gdLst>
+              <a:ahLst/>
+              <a:cxnLst>
+                <a:cxn ang="0">
+                  <a:pos x="connsiteX0" y="connsiteY0"/>
+                </a:cxn>
+                <a:cxn ang="0">
+                  <a:pos x="connsiteX1" y="connsiteY1"/>
+                </a:cxn>
+                <a:cxn ang="0">
+                  <a:pos x="connsiteX2" y="connsiteY2"/>
+                </a:cxn>
+                <a:cxn ang="0">
+                  <a:pos x="connsiteX3" y="connsiteY3"/>
+                </a:cxn>
+                <a:cxn ang="0">
+                  <a:pos x="connsiteX4" y="connsiteY4"/>
+                </a:cxn>
+                <a:cxn ang="0">
+                  <a:pos x="connsiteX5" y="connsiteY5"/>
+                </a:cxn>
+                <a:cxn ang="0">
+                  <a:pos x="connsiteX6" y="connsiteY6"/>
+                </a:cxn>
+                <a:cxn ang="0">
+                  <a:pos x="connsiteX7" y="connsiteY7"/>
+                </a:cxn>
+                <a:cxn ang="0">
+                  <a:pos x="connsiteX8" y="connsiteY8"/>
+                </a:cxn>
+                <a:cxn ang="0">
+                  <a:pos x="connsiteX9" y="connsiteY9"/>
+                </a:cxn>
+                <a:cxn ang="0">
+                  <a:pos x="connsiteX10" y="connsiteY10"/>
+                </a:cxn>
+              </a:cxnLst>
+              <a:rect l="l" t="t" r="r" b="b"/>
+              <a:pathLst>
+                <a:path w="292716" h="290478">
+                  <a:moveTo>
+                    <a:pt x="108741" y="0"/>
+                  </a:moveTo>
+                  <a:cubicBezTo>
+                    <a:pt x="210348" y="0"/>
+                    <a:pt x="292716" y="82368"/>
+                    <a:pt x="292716" y="183974"/>
+                  </a:cubicBezTo>
+                  <a:cubicBezTo>
+                    <a:pt x="292716" y="209376"/>
+                    <a:pt x="287568" y="233575"/>
+                    <a:pt x="278259" y="255585"/>
+                  </a:cubicBezTo>
+                  <a:lnTo>
+                    <a:pt x="271893" y="265027"/>
+                  </a:lnTo>
+                  <a:lnTo>
+                    <a:pt x="255587" y="276021"/>
+                  </a:lnTo>
+                  <a:cubicBezTo>
+                    <a:pt x="233576" y="285330"/>
+                    <a:pt x="209377" y="290478"/>
+                    <a:pt x="183975" y="290478"/>
+                  </a:cubicBezTo>
+                  <a:cubicBezTo>
+                    <a:pt x="82368" y="290478"/>
+                    <a:pt x="0" y="208110"/>
+                    <a:pt x="0" y="106504"/>
+                  </a:cubicBezTo>
+                  <a:cubicBezTo>
+                    <a:pt x="0" y="81103"/>
+                    <a:pt x="5148" y="56904"/>
+                    <a:pt x="14458" y="34893"/>
+                  </a:cubicBezTo>
+                  <a:lnTo>
+                    <a:pt x="20824" y="25452"/>
+                  </a:lnTo>
+                  <a:lnTo>
+                    <a:pt x="37130" y="14458"/>
+                  </a:lnTo>
+                  <a:cubicBezTo>
+                    <a:pt x="59140" y="5148"/>
+                    <a:pt x="83340" y="0"/>
+                    <a:pt x="108741" y="0"/>
+                  </a:cubicBezTo>
+                  <a:close/>
+                </a:path>
+              </a:pathLst>
+            </a:custGeom>
+            <a:solidFill>
+              <a:schemeClr val="accent4">
+                <a:lumMod val="60000"/>
+                <a:lumOff val="40000"/>
+                <a:alpha val="50196"/>
+              </a:schemeClr>
+            </a:solidFill>
+            <a:ln>
+              <a:noFill/>
+            </a:ln>
+            <a:effectLst/>
+          </p:spPr>
+          <p:style>
+            <a:lnRef idx="1">
+              <a:schemeClr val="accent1"/>
+            </a:lnRef>
+            <a:fillRef idx="3">
+              <a:schemeClr val="accent1"/>
+            </a:fillRef>
+            <a:effectRef idx="2">
+              <a:schemeClr val="accent1"/>
+            </a:effectRef>
+            <a:fontRef idx="minor">
+              <a:schemeClr val="lt1"/>
+            </a:fontRef>
+          </p:style>
+          <p:txBody>
+            <a:bodyPr wrap="square" rtlCol="0" anchor="ctr">
+              <a:noAutofit/>
+            </a:bodyPr>
+            <a:lstStyle/>
+            <a:p>
+              <a:pPr algn="ctr"/>
+              <a:endParaRPr lang="en-US" sz="800" dirty="0">
+                <a:latin typeface="Arial" panose="020B0604020202020204" pitchFamily="34" charset="0"/>
+                <a:cs typeface="Arial" panose="020B0604020202020204" pitchFamily="34" charset="0"/>
+              </a:endParaRPr>
+            </a:p>
+          </p:txBody>
+        </p:sp>
+        <p:sp>
+          <p:nvSpPr>
+            <p:cNvPr id="72" name="Oval 71">
+              <a:extLst>
+                <a:ext uri="{FF2B5EF4-FFF2-40B4-BE49-F238E27FC236}">
+                  <a16:creationId xmlns:a16="http://schemas.microsoft.com/office/drawing/2014/main" id="{8062C75B-142E-6604-F1CD-0DF6C199F6C1}"/>
+                </a:ext>
+              </a:extLst>
+            </p:cNvPr>
+            <p:cNvSpPr/>
+            <p:nvPr/>
+          </p:nvSpPr>
+          <p:spPr>
+            <a:xfrm>
+              <a:off x="2719182" y="944085"/>
+              <a:ext cx="143735" cy="143734"/>
+            </a:xfrm>
+            <a:prstGeom prst="ellipse">
+              <a:avLst/>
+            </a:prstGeom>
+            <a:noFill/>
+            <a:ln w="12700">
+              <a:solidFill>
+                <a:schemeClr val="tx1"/>
+              </a:solidFill>
+            </a:ln>
+            <a:effectLst/>
+          </p:spPr>
+          <p:style>
+            <a:lnRef idx="1">
+              <a:schemeClr val="accent1"/>
+            </a:lnRef>
+            <a:fillRef idx="3">
+              <a:schemeClr val="accent1"/>
+            </a:fillRef>
+            <a:effectRef idx="2">
+              <a:schemeClr val="accent1"/>
+            </a:effectRef>
+            <a:fontRef idx="minor">
+              <a:schemeClr val="lt1"/>
+            </a:fontRef>
+          </p:style>
+          <p:txBody>
+            <a:bodyPr rtlCol="0" anchor="ctr"/>
+            <a:lstStyle/>
+            <a:p>
+              <a:pPr algn="ctr"/>
+              <a:endParaRPr lang="en-US" sz="800" dirty="0">
+                <a:latin typeface="Arial" panose="020B0604020202020204" pitchFamily="34" charset="0"/>
+                <a:cs typeface="Arial" panose="020B0604020202020204" pitchFamily="34" charset="0"/>
+              </a:endParaRPr>
+            </a:p>
+          </p:txBody>
+        </p:sp>
+      </p:grpSp>
+      <p:grpSp>
+        <p:nvGrpSpPr>
+          <p:cNvPr id="73" name="Group 72">
+            <a:extLst>
+              <a:ext uri="{FF2B5EF4-FFF2-40B4-BE49-F238E27FC236}">
+                <a16:creationId xmlns:a16="http://schemas.microsoft.com/office/drawing/2014/main" id="{D52CF812-1C55-39F0-98AA-2BB3F56C7A72}"/>
+              </a:ext>
+            </a:extLst>
+          </p:cNvPr>
+          <p:cNvGrpSpPr/>
+          <p:nvPr/>
+        </p:nvGrpSpPr>
+        <p:grpSpPr>
+          <a:xfrm>
+            <a:off x="2320834" y="756022"/>
+            <a:ext cx="143736" cy="143734"/>
+            <a:chOff x="2719182" y="944085"/>
+            <a:chExt cx="143736" cy="143734"/>
+          </a:xfrm>
+        </p:grpSpPr>
+        <p:sp>
+          <p:nvSpPr>
+            <p:cNvPr id="74" name="Oval 73">
+              <a:extLst>
+                <a:ext uri="{FF2B5EF4-FFF2-40B4-BE49-F238E27FC236}">
+                  <a16:creationId xmlns:a16="http://schemas.microsoft.com/office/drawing/2014/main" id="{32DB922E-F862-04F3-1D9C-B6A86D0D7261}"/>
+                </a:ext>
+              </a:extLst>
+            </p:cNvPr>
+            <p:cNvSpPr/>
+            <p:nvPr/>
+          </p:nvSpPr>
+          <p:spPr>
+            <a:xfrm>
+              <a:off x="2719183" y="944085"/>
+              <a:ext cx="143735" cy="143734"/>
+            </a:xfrm>
+            <a:prstGeom prst="ellipse">
+              <a:avLst/>
+            </a:prstGeom>
+            <a:solidFill>
+              <a:srgbClr val="F1AB00"/>
+            </a:solidFill>
+            <a:ln w="12700">
+              <a:solidFill>
+                <a:schemeClr val="tx1"/>
+              </a:solidFill>
+            </a:ln>
+            <a:effectLst/>
+          </p:spPr>
+          <p:style>
+            <a:lnRef idx="1">
+              <a:schemeClr val="accent1"/>
+            </a:lnRef>
+            <a:fillRef idx="3">
+              <a:schemeClr val="accent1"/>
+            </a:fillRef>
+            <a:effectRef idx="2">
+              <a:schemeClr val="accent1"/>
+            </a:effectRef>
+            <a:fontRef idx="minor">
+              <a:schemeClr val="lt1"/>
+            </a:fontRef>
+          </p:style>
+          <p:txBody>
+            <a:bodyPr rtlCol="0" anchor="ctr"/>
+            <a:lstStyle/>
+            <a:p>
+              <a:pPr algn="ctr"/>
+              <a:endParaRPr lang="en-US" sz="800" dirty="0">
+                <a:latin typeface="Arial" panose="020B0604020202020204" pitchFamily="34" charset="0"/>
+                <a:cs typeface="Arial" panose="020B0604020202020204" pitchFamily="34" charset="0"/>
+              </a:endParaRPr>
+            </a:p>
+          </p:txBody>
+        </p:sp>
+        <p:sp>
+          <p:nvSpPr>
+            <p:cNvPr id="75" name="Freeform 74">
+              <a:extLst>
+                <a:ext uri="{FF2B5EF4-FFF2-40B4-BE49-F238E27FC236}">
+                  <a16:creationId xmlns:a16="http://schemas.microsoft.com/office/drawing/2014/main" id="{A80ED62A-944F-A18A-9959-B83BF3A63089}"/>
+                </a:ext>
+              </a:extLst>
+            </p:cNvPr>
+            <p:cNvSpPr/>
+            <p:nvPr/>
+          </p:nvSpPr>
+          <p:spPr>
+            <a:xfrm>
+              <a:off x="2748346" y="948240"/>
+              <a:ext cx="114346" cy="113472"/>
+            </a:xfrm>
+            <a:custGeom>
+              <a:avLst/>
+              <a:gdLst>
+                <a:gd name="connsiteX0" fmla="*/ 108741 w 292716"/>
+                <a:gd name="connsiteY0" fmla="*/ 0 h 290478"/>
+                <a:gd name="connsiteX1" fmla="*/ 292716 w 292716"/>
+                <a:gd name="connsiteY1" fmla="*/ 183974 h 290478"/>
+                <a:gd name="connsiteX2" fmla="*/ 278259 w 292716"/>
+                <a:gd name="connsiteY2" fmla="*/ 255585 h 290478"/>
+                <a:gd name="connsiteX3" fmla="*/ 271893 w 292716"/>
+                <a:gd name="connsiteY3" fmla="*/ 265027 h 290478"/>
+                <a:gd name="connsiteX4" fmla="*/ 255587 w 292716"/>
+                <a:gd name="connsiteY4" fmla="*/ 276021 h 290478"/>
+                <a:gd name="connsiteX5" fmla="*/ 183975 w 292716"/>
+                <a:gd name="connsiteY5" fmla="*/ 290478 h 290478"/>
+                <a:gd name="connsiteX6" fmla="*/ 0 w 292716"/>
+                <a:gd name="connsiteY6" fmla="*/ 106504 h 290478"/>
+                <a:gd name="connsiteX7" fmla="*/ 14458 w 292716"/>
+                <a:gd name="connsiteY7" fmla="*/ 34893 h 290478"/>
+                <a:gd name="connsiteX8" fmla="*/ 20824 w 292716"/>
+                <a:gd name="connsiteY8" fmla="*/ 25452 h 290478"/>
+                <a:gd name="connsiteX9" fmla="*/ 37130 w 292716"/>
+                <a:gd name="connsiteY9" fmla="*/ 14458 h 290478"/>
+                <a:gd name="connsiteX10" fmla="*/ 108741 w 292716"/>
+                <a:gd name="connsiteY10" fmla="*/ 0 h 290478"/>
+              </a:gdLst>
+              <a:ahLst/>
+              <a:cxnLst>
+                <a:cxn ang="0">
+                  <a:pos x="connsiteX0" y="connsiteY0"/>
+                </a:cxn>
+                <a:cxn ang="0">
+                  <a:pos x="connsiteX1" y="connsiteY1"/>
+                </a:cxn>
+                <a:cxn ang="0">
+                  <a:pos x="connsiteX2" y="connsiteY2"/>
+                </a:cxn>
+                <a:cxn ang="0">
+                  <a:pos x="connsiteX3" y="connsiteY3"/>
+                </a:cxn>
+                <a:cxn ang="0">
+                  <a:pos x="connsiteX4" y="connsiteY4"/>
+                </a:cxn>
+                <a:cxn ang="0">
+                  <a:pos x="connsiteX5" y="connsiteY5"/>
+                </a:cxn>
+                <a:cxn ang="0">
+                  <a:pos x="connsiteX6" y="connsiteY6"/>
+                </a:cxn>
+                <a:cxn ang="0">
+                  <a:pos x="connsiteX7" y="connsiteY7"/>
+                </a:cxn>
+                <a:cxn ang="0">
+                  <a:pos x="connsiteX8" y="connsiteY8"/>
+                </a:cxn>
+                <a:cxn ang="0">
+                  <a:pos x="connsiteX9" y="connsiteY9"/>
+                </a:cxn>
+                <a:cxn ang="0">
+                  <a:pos x="connsiteX10" y="connsiteY10"/>
+                </a:cxn>
+              </a:cxnLst>
+              <a:rect l="l" t="t" r="r" b="b"/>
+              <a:pathLst>
+                <a:path w="292716" h="290478">
+                  <a:moveTo>
+                    <a:pt x="108741" y="0"/>
+                  </a:moveTo>
+                  <a:cubicBezTo>
+                    <a:pt x="210348" y="0"/>
+                    <a:pt x="292716" y="82368"/>
+                    <a:pt x="292716" y="183974"/>
+                  </a:cubicBezTo>
+                  <a:cubicBezTo>
+                    <a:pt x="292716" y="209376"/>
+                    <a:pt x="287568" y="233575"/>
+                    <a:pt x="278259" y="255585"/>
+                  </a:cubicBezTo>
+                  <a:lnTo>
+                    <a:pt x="271893" y="265027"/>
+                  </a:lnTo>
+                  <a:lnTo>
+                    <a:pt x="255587" y="276021"/>
+                  </a:lnTo>
+                  <a:cubicBezTo>
+                    <a:pt x="233576" y="285330"/>
+                    <a:pt x="209377" y="290478"/>
+                    <a:pt x="183975" y="290478"/>
+                  </a:cubicBezTo>
+                  <a:cubicBezTo>
+                    <a:pt x="82368" y="290478"/>
+                    <a:pt x="0" y="208110"/>
+                    <a:pt x="0" y="106504"/>
+                  </a:cubicBezTo>
+                  <a:cubicBezTo>
+                    <a:pt x="0" y="81103"/>
+                    <a:pt x="5148" y="56904"/>
+                    <a:pt x="14458" y="34893"/>
+                  </a:cubicBezTo>
+                  <a:lnTo>
+                    <a:pt x="20824" y="25452"/>
+                  </a:lnTo>
+                  <a:lnTo>
+                    <a:pt x="37130" y="14458"/>
+                  </a:lnTo>
+                  <a:cubicBezTo>
+                    <a:pt x="59140" y="5148"/>
+                    <a:pt x="83340" y="0"/>
+                    <a:pt x="108741" y="0"/>
+                  </a:cubicBezTo>
+                  <a:close/>
+                </a:path>
+              </a:pathLst>
+            </a:custGeom>
+            <a:solidFill>
+              <a:schemeClr val="accent4">
+                <a:lumMod val="60000"/>
+                <a:lumOff val="40000"/>
+                <a:alpha val="50196"/>
+              </a:schemeClr>
+            </a:solidFill>
+            <a:ln>
+              <a:noFill/>
+            </a:ln>
+            <a:effectLst/>
+          </p:spPr>
+          <p:style>
+            <a:lnRef idx="1">
+              <a:schemeClr val="accent1"/>
+            </a:lnRef>
+            <a:fillRef idx="3">
+              <a:schemeClr val="accent1"/>
+            </a:fillRef>
+            <a:effectRef idx="2">
+              <a:schemeClr val="accent1"/>
+            </a:effectRef>
+            <a:fontRef idx="minor">
+              <a:schemeClr val="lt1"/>
+            </a:fontRef>
+          </p:style>
+          <p:txBody>
+            <a:bodyPr wrap="square" rtlCol="0" anchor="ctr">
+              <a:noAutofit/>
+            </a:bodyPr>
+            <a:lstStyle/>
+            <a:p>
+              <a:pPr algn="ctr"/>
+              <a:endParaRPr lang="en-US" sz="800" dirty="0">
+                <a:latin typeface="Arial" panose="020B0604020202020204" pitchFamily="34" charset="0"/>
+                <a:cs typeface="Arial" panose="020B0604020202020204" pitchFamily="34" charset="0"/>
+              </a:endParaRPr>
+            </a:p>
+          </p:txBody>
+        </p:sp>
+        <p:sp>
+          <p:nvSpPr>
+            <p:cNvPr id="76" name="Oval 75">
+              <a:extLst>
+                <a:ext uri="{FF2B5EF4-FFF2-40B4-BE49-F238E27FC236}">
+                  <a16:creationId xmlns:a16="http://schemas.microsoft.com/office/drawing/2014/main" id="{86AC9801-37DB-EE5E-CD87-DA7097FEC24E}"/>
+                </a:ext>
+              </a:extLst>
+            </p:cNvPr>
+            <p:cNvSpPr/>
+            <p:nvPr/>
+          </p:nvSpPr>
+          <p:spPr>
+            <a:xfrm>
+              <a:off x="2719182" y="944085"/>
+              <a:ext cx="143735" cy="143734"/>
+            </a:xfrm>
+            <a:prstGeom prst="ellipse">
+              <a:avLst/>
+            </a:prstGeom>
+            <a:noFill/>
+            <a:ln w="12700">
+              <a:solidFill>
+                <a:schemeClr val="tx1"/>
+              </a:solidFill>
+            </a:ln>
+            <a:effectLst/>
+          </p:spPr>
+          <p:style>
+            <a:lnRef idx="1">
+              <a:schemeClr val="accent1"/>
+            </a:lnRef>
+            <a:fillRef idx="3">
+              <a:schemeClr val="accent1"/>
+            </a:fillRef>
+            <a:effectRef idx="2">
+              <a:schemeClr val="accent1"/>
+            </a:effectRef>
+            <a:fontRef idx="minor">
+              <a:schemeClr val="lt1"/>
+            </a:fontRef>
+          </p:style>
+          <p:txBody>
+            <a:bodyPr rtlCol="0" anchor="ctr"/>
+            <a:lstStyle/>
+            <a:p>
+              <a:pPr algn="ctr"/>
+              <a:endParaRPr lang="en-US" sz="800" dirty="0">
+                <a:latin typeface="Arial" panose="020B0604020202020204" pitchFamily="34" charset="0"/>
+                <a:cs typeface="Arial" panose="020B0604020202020204" pitchFamily="34" charset="0"/>
+              </a:endParaRPr>
+            </a:p>
+          </p:txBody>
+        </p:sp>
+      </p:grpSp>
+      <p:grpSp>
+        <p:nvGrpSpPr>
+          <p:cNvPr id="77" name="Group 76">
+            <a:extLst>
+              <a:ext uri="{FF2B5EF4-FFF2-40B4-BE49-F238E27FC236}">
+                <a16:creationId xmlns:a16="http://schemas.microsoft.com/office/drawing/2014/main" id="{67F69A5C-CAD2-C195-389F-919B640EB718}"/>
+              </a:ext>
+            </a:extLst>
+          </p:cNvPr>
+          <p:cNvGrpSpPr/>
+          <p:nvPr/>
+        </p:nvGrpSpPr>
+        <p:grpSpPr>
+          <a:xfrm>
+            <a:off x="2087566" y="842134"/>
+            <a:ext cx="143736" cy="143734"/>
+            <a:chOff x="2719182" y="944085"/>
+            <a:chExt cx="143736" cy="143734"/>
+          </a:xfrm>
+        </p:grpSpPr>
+        <p:sp>
+          <p:nvSpPr>
+            <p:cNvPr id="78" name="Oval 77">
+              <a:extLst>
+                <a:ext uri="{FF2B5EF4-FFF2-40B4-BE49-F238E27FC236}">
+                  <a16:creationId xmlns:a16="http://schemas.microsoft.com/office/drawing/2014/main" id="{0DCDF677-4F55-7616-DBA1-760D5BB0C54B}"/>
+                </a:ext>
+              </a:extLst>
+            </p:cNvPr>
+            <p:cNvSpPr/>
+            <p:nvPr/>
+          </p:nvSpPr>
+          <p:spPr>
+            <a:xfrm>
+              <a:off x="2719183" y="944085"/>
+              <a:ext cx="143735" cy="143734"/>
+            </a:xfrm>
+            <a:prstGeom prst="ellipse">
+              <a:avLst/>
+            </a:prstGeom>
+            <a:solidFill>
+              <a:srgbClr val="F1AB00"/>
+            </a:solidFill>
+            <a:ln w="12700">
+              <a:solidFill>
+                <a:schemeClr val="tx1"/>
+              </a:solidFill>
+            </a:ln>
+            <a:effectLst/>
+          </p:spPr>
+          <p:style>
+            <a:lnRef idx="1">
+              <a:schemeClr val="accent1"/>
+            </a:lnRef>
+            <a:fillRef idx="3">
+              <a:schemeClr val="accent1"/>
+            </a:fillRef>
+            <a:effectRef idx="2">
+              <a:schemeClr val="accent1"/>
+            </a:effectRef>
+            <a:fontRef idx="minor">
+              <a:schemeClr val="lt1"/>
+            </a:fontRef>
+          </p:style>
+          <p:txBody>
+            <a:bodyPr rtlCol="0" anchor="ctr"/>
+            <a:lstStyle/>
+            <a:p>
+              <a:pPr algn="ctr"/>
+              <a:endParaRPr lang="en-US" sz="800" dirty="0">
+                <a:latin typeface="Arial" panose="020B0604020202020204" pitchFamily="34" charset="0"/>
+                <a:cs typeface="Arial" panose="020B0604020202020204" pitchFamily="34" charset="0"/>
+              </a:endParaRPr>
+            </a:p>
+          </p:txBody>
+        </p:sp>
+        <p:sp>
+          <p:nvSpPr>
+            <p:cNvPr id="79" name="Freeform 78">
+              <a:extLst>
+                <a:ext uri="{FF2B5EF4-FFF2-40B4-BE49-F238E27FC236}">
+                  <a16:creationId xmlns:a16="http://schemas.microsoft.com/office/drawing/2014/main" id="{D08A6B36-B4BE-D61D-7EB7-A74E458EFEA6}"/>
+                </a:ext>
+              </a:extLst>
+            </p:cNvPr>
+            <p:cNvSpPr/>
+            <p:nvPr/>
+          </p:nvSpPr>
+          <p:spPr>
+            <a:xfrm>
+              <a:off x="2748346" y="948240"/>
+              <a:ext cx="114346" cy="113472"/>
+            </a:xfrm>
+            <a:custGeom>
+              <a:avLst/>
+              <a:gdLst>
+                <a:gd name="connsiteX0" fmla="*/ 108741 w 292716"/>
+                <a:gd name="connsiteY0" fmla="*/ 0 h 290478"/>
+                <a:gd name="connsiteX1" fmla="*/ 292716 w 292716"/>
+                <a:gd name="connsiteY1" fmla="*/ 183974 h 290478"/>
+                <a:gd name="connsiteX2" fmla="*/ 278259 w 292716"/>
+                <a:gd name="connsiteY2" fmla="*/ 255585 h 290478"/>
+                <a:gd name="connsiteX3" fmla="*/ 271893 w 292716"/>
+                <a:gd name="connsiteY3" fmla="*/ 265027 h 290478"/>
+                <a:gd name="connsiteX4" fmla="*/ 255587 w 292716"/>
+                <a:gd name="connsiteY4" fmla="*/ 276021 h 290478"/>
+                <a:gd name="connsiteX5" fmla="*/ 183975 w 292716"/>
+                <a:gd name="connsiteY5" fmla="*/ 290478 h 290478"/>
+                <a:gd name="connsiteX6" fmla="*/ 0 w 292716"/>
+                <a:gd name="connsiteY6" fmla="*/ 106504 h 290478"/>
+                <a:gd name="connsiteX7" fmla="*/ 14458 w 292716"/>
+                <a:gd name="connsiteY7" fmla="*/ 34893 h 290478"/>
+                <a:gd name="connsiteX8" fmla="*/ 20824 w 292716"/>
+                <a:gd name="connsiteY8" fmla="*/ 25452 h 290478"/>
+                <a:gd name="connsiteX9" fmla="*/ 37130 w 292716"/>
+                <a:gd name="connsiteY9" fmla="*/ 14458 h 290478"/>
+                <a:gd name="connsiteX10" fmla="*/ 108741 w 292716"/>
+                <a:gd name="connsiteY10" fmla="*/ 0 h 290478"/>
+              </a:gdLst>
+              <a:ahLst/>
+              <a:cxnLst>
+                <a:cxn ang="0">
+                  <a:pos x="connsiteX0" y="connsiteY0"/>
+                </a:cxn>
+                <a:cxn ang="0">
+                  <a:pos x="connsiteX1" y="connsiteY1"/>
+                </a:cxn>
+                <a:cxn ang="0">
+                  <a:pos x="connsiteX2" y="connsiteY2"/>
+                </a:cxn>
+                <a:cxn ang="0">
+                  <a:pos x="connsiteX3" y="connsiteY3"/>
+                </a:cxn>
+                <a:cxn ang="0">
+                  <a:pos x="connsiteX4" y="connsiteY4"/>
+                </a:cxn>
+                <a:cxn ang="0">
+                  <a:pos x="connsiteX5" y="connsiteY5"/>
+                </a:cxn>
+                <a:cxn ang="0">
+                  <a:pos x="connsiteX6" y="connsiteY6"/>
+                </a:cxn>
+                <a:cxn ang="0">
+                  <a:pos x="connsiteX7" y="connsiteY7"/>
+                </a:cxn>
+                <a:cxn ang="0">
+                  <a:pos x="connsiteX8" y="connsiteY8"/>
+                </a:cxn>
+                <a:cxn ang="0">
+                  <a:pos x="connsiteX9" y="connsiteY9"/>
+                </a:cxn>
+                <a:cxn ang="0">
+                  <a:pos x="connsiteX10" y="connsiteY10"/>
+                </a:cxn>
+              </a:cxnLst>
+              <a:rect l="l" t="t" r="r" b="b"/>
+              <a:pathLst>
+                <a:path w="292716" h="290478">
+                  <a:moveTo>
+                    <a:pt x="108741" y="0"/>
+                  </a:moveTo>
+                  <a:cubicBezTo>
+                    <a:pt x="210348" y="0"/>
+                    <a:pt x="292716" y="82368"/>
+                    <a:pt x="292716" y="183974"/>
+                  </a:cubicBezTo>
+                  <a:cubicBezTo>
+                    <a:pt x="292716" y="209376"/>
+                    <a:pt x="287568" y="233575"/>
+                    <a:pt x="278259" y="255585"/>
+                  </a:cubicBezTo>
+                  <a:lnTo>
+                    <a:pt x="271893" y="265027"/>
+                  </a:lnTo>
+                  <a:lnTo>
+                    <a:pt x="255587" y="276021"/>
+                  </a:lnTo>
+                  <a:cubicBezTo>
+                    <a:pt x="233576" y="285330"/>
+                    <a:pt x="209377" y="290478"/>
+                    <a:pt x="183975" y="290478"/>
+                  </a:cubicBezTo>
+                  <a:cubicBezTo>
+                    <a:pt x="82368" y="290478"/>
+                    <a:pt x="0" y="208110"/>
+                    <a:pt x="0" y="106504"/>
+                  </a:cubicBezTo>
+                  <a:cubicBezTo>
+                    <a:pt x="0" y="81103"/>
+                    <a:pt x="5148" y="56904"/>
+                    <a:pt x="14458" y="34893"/>
+                  </a:cubicBezTo>
+                  <a:lnTo>
+                    <a:pt x="20824" y="25452"/>
+                  </a:lnTo>
+                  <a:lnTo>
+                    <a:pt x="37130" y="14458"/>
+                  </a:lnTo>
+                  <a:cubicBezTo>
+                    <a:pt x="59140" y="5148"/>
+                    <a:pt x="83340" y="0"/>
+                    <a:pt x="108741" y="0"/>
+                  </a:cubicBezTo>
+                  <a:close/>
+                </a:path>
+              </a:pathLst>
+            </a:custGeom>
+            <a:solidFill>
+              <a:schemeClr val="accent4">
+                <a:lumMod val="60000"/>
+                <a:lumOff val="40000"/>
+                <a:alpha val="50196"/>
+              </a:schemeClr>
+            </a:solidFill>
+            <a:ln>
+              <a:noFill/>
+            </a:ln>
+            <a:effectLst/>
+          </p:spPr>
+          <p:style>
+            <a:lnRef idx="1">
+              <a:schemeClr val="accent1"/>
+            </a:lnRef>
+            <a:fillRef idx="3">
+              <a:schemeClr val="accent1"/>
+            </a:fillRef>
+            <a:effectRef idx="2">
+              <a:schemeClr val="accent1"/>
+            </a:effectRef>
+            <a:fontRef idx="minor">
+              <a:schemeClr val="lt1"/>
+            </a:fontRef>
+          </p:style>
+          <p:txBody>
+            <a:bodyPr wrap="square" rtlCol="0" anchor="ctr">
+              <a:noAutofit/>
+            </a:bodyPr>
+            <a:lstStyle/>
+            <a:p>
+              <a:pPr algn="ctr"/>
+              <a:endParaRPr lang="en-US" sz="800" dirty="0">
+                <a:latin typeface="Arial" panose="020B0604020202020204" pitchFamily="34" charset="0"/>
+                <a:cs typeface="Arial" panose="020B0604020202020204" pitchFamily="34" charset="0"/>
+              </a:endParaRPr>
+            </a:p>
+          </p:txBody>
+        </p:sp>
+        <p:sp>
+          <p:nvSpPr>
+            <p:cNvPr id="80" name="Oval 79">
+              <a:extLst>
+                <a:ext uri="{FF2B5EF4-FFF2-40B4-BE49-F238E27FC236}">
+                  <a16:creationId xmlns:a16="http://schemas.microsoft.com/office/drawing/2014/main" id="{CD5A7027-ACAE-1C7A-B315-06C1285D94CC}"/>
+                </a:ext>
+              </a:extLst>
+            </p:cNvPr>
+            <p:cNvSpPr/>
+            <p:nvPr/>
+          </p:nvSpPr>
+          <p:spPr>
+            <a:xfrm>
+              <a:off x="2719182" y="944085"/>
+              <a:ext cx="143735" cy="143734"/>
+            </a:xfrm>
+            <a:prstGeom prst="ellipse">
+              <a:avLst/>
+            </a:prstGeom>
+            <a:noFill/>
+            <a:ln w="12700">
+              <a:solidFill>
+                <a:schemeClr val="tx1"/>
+              </a:solidFill>
+            </a:ln>
+            <a:effectLst/>
+          </p:spPr>
+          <p:style>
+            <a:lnRef idx="1">
+              <a:schemeClr val="accent1"/>
+            </a:lnRef>
+            <a:fillRef idx="3">
+              <a:schemeClr val="accent1"/>
+            </a:fillRef>
+            <a:effectRef idx="2">
+              <a:schemeClr val="accent1"/>
+            </a:effectRef>
+            <a:fontRef idx="minor">
+              <a:schemeClr val="lt1"/>
+            </a:fontRef>
+          </p:style>
+          <p:txBody>
+            <a:bodyPr rtlCol="0" anchor="ctr"/>
+            <a:lstStyle/>
+            <a:p>
+              <a:pPr algn="ctr"/>
+              <a:endParaRPr lang="en-US" sz="800" dirty="0">
+                <a:latin typeface="Arial" panose="020B0604020202020204" pitchFamily="34" charset="0"/>
+                <a:cs typeface="Arial" panose="020B0604020202020204" pitchFamily="34" charset="0"/>
+              </a:endParaRPr>
+            </a:p>
+          </p:txBody>
+        </p:sp>
+      </p:grpSp>
+    </p:spTree>
+    <p:extLst>
+      <p:ext uri="{BB962C8B-B14F-4D97-AF65-F5344CB8AC3E}">
+        <p14:creationId xmlns:p14="http://schemas.microsoft.com/office/powerpoint/2010/main" val="2364872360"/>
+      </p:ext>
+    </p:extLst>
+  </p:cSld>
+  <p:clrMapOvr>
+    <a:masterClrMapping/>
+  </p:clrMapOvr>
+</p:sld>
+</file>
+
 <file path=ppt/theme/theme1.xml><?xml version="1.0" encoding="utf-8"?>
 <a:theme xmlns:a="http://schemas.openxmlformats.org/drawingml/2006/main" name="Office 2013 - 2022 Theme">
   <a:themeElements>

--- a/figures/figure-HIV-small.pptx
+++ b/figures/figure-HIV-small.pptx
@@ -6,7 +6,6 @@
   </p:sldMasterIdLst>
   <p:sldIdLst>
     <p:sldId id="259" r:id="rId2"/>
-    <p:sldId id="260" r:id="rId3"/>
   </p:sldIdLst>
   <p:sldSz cx="3063875" cy="4022725"/>
   <p:notesSz cx="6858000" cy="9144000"/>
@@ -310,7 +309,7 @@
           <a:p>
             <a:fld id="{CB3CF827-E184-EA44-906F-7572569D29C6}" type="datetimeFigureOut">
               <a:rPr lang="en-US" smtClean="0"/>
-              <a:t>5/7/25</a:t>
+              <a:t>5/9/25</a:t>
             </a:fld>
             <a:endParaRPr lang="en-US"/>
           </a:p>
@@ -480,7 +479,7 @@
           <a:p>
             <a:fld id="{CB3CF827-E184-EA44-906F-7572569D29C6}" type="datetimeFigureOut">
               <a:rPr lang="en-US" smtClean="0"/>
-              <a:t>5/7/25</a:t>
+              <a:t>5/9/25</a:t>
             </a:fld>
             <a:endParaRPr lang="en-US"/>
           </a:p>
@@ -660,7 +659,7 @@
           <a:p>
             <a:fld id="{CB3CF827-E184-EA44-906F-7572569D29C6}" type="datetimeFigureOut">
               <a:rPr lang="en-US" smtClean="0"/>
-              <a:t>5/7/25</a:t>
+              <a:t>5/9/25</a:t>
             </a:fld>
             <a:endParaRPr lang="en-US"/>
           </a:p>
@@ -830,7 +829,7 @@
           <a:p>
             <a:fld id="{CB3CF827-E184-EA44-906F-7572569D29C6}" type="datetimeFigureOut">
               <a:rPr lang="en-US" smtClean="0"/>
-              <a:t>5/7/25</a:t>
+              <a:t>5/9/25</a:t>
             </a:fld>
             <a:endParaRPr lang="en-US"/>
           </a:p>
@@ -1074,7 +1073,7 @@
           <a:p>
             <a:fld id="{CB3CF827-E184-EA44-906F-7572569D29C6}" type="datetimeFigureOut">
               <a:rPr lang="en-US" smtClean="0"/>
-              <a:t>5/7/25</a:t>
+              <a:t>5/9/25</a:t>
             </a:fld>
             <a:endParaRPr lang="en-US"/>
           </a:p>
@@ -1306,7 +1305,7 @@
           <a:p>
             <a:fld id="{CB3CF827-E184-EA44-906F-7572569D29C6}" type="datetimeFigureOut">
               <a:rPr lang="en-US" smtClean="0"/>
-              <a:t>5/7/25</a:t>
+              <a:t>5/9/25</a:t>
             </a:fld>
             <a:endParaRPr lang="en-US"/>
           </a:p>
@@ -1673,7 +1672,7 @@
           <a:p>
             <a:fld id="{CB3CF827-E184-EA44-906F-7572569D29C6}" type="datetimeFigureOut">
               <a:rPr lang="en-US" smtClean="0"/>
-              <a:t>5/7/25</a:t>
+              <a:t>5/9/25</a:t>
             </a:fld>
             <a:endParaRPr lang="en-US"/>
           </a:p>
@@ -1791,7 +1790,7 @@
           <a:p>
             <a:fld id="{CB3CF827-E184-EA44-906F-7572569D29C6}" type="datetimeFigureOut">
               <a:rPr lang="en-US" smtClean="0"/>
-              <a:t>5/7/25</a:t>
+              <a:t>5/9/25</a:t>
             </a:fld>
             <a:endParaRPr lang="en-US"/>
           </a:p>
@@ -1886,7 +1885,7 @@
           <a:p>
             <a:fld id="{CB3CF827-E184-EA44-906F-7572569D29C6}" type="datetimeFigureOut">
               <a:rPr lang="en-US" smtClean="0"/>
-              <a:t>5/7/25</a:t>
+              <a:t>5/9/25</a:t>
             </a:fld>
             <a:endParaRPr lang="en-US"/>
           </a:p>
@@ -2163,7 +2162,7 @@
           <a:p>
             <a:fld id="{CB3CF827-E184-EA44-906F-7572569D29C6}" type="datetimeFigureOut">
               <a:rPr lang="en-US" smtClean="0"/>
-              <a:t>5/7/25</a:t>
+              <a:t>5/9/25</a:t>
             </a:fld>
             <a:endParaRPr lang="en-US"/>
           </a:p>
@@ -2420,7 +2419,7 @@
           <a:p>
             <a:fld id="{CB3CF827-E184-EA44-906F-7572569D29C6}" type="datetimeFigureOut">
               <a:rPr lang="en-US" smtClean="0"/>
-              <a:t>5/7/25</a:t>
+              <a:t>5/9/25</a:t>
             </a:fld>
             <a:endParaRPr lang="en-US"/>
           </a:p>
@@ -2633,7 +2632,7 @@
           <a:p>
             <a:fld id="{CB3CF827-E184-EA44-906F-7572569D29C6}" type="datetimeFigureOut">
               <a:rPr lang="en-US" smtClean="0"/>
-              <a:t>5/7/25</a:t>
+              <a:t>5/9/25</a:t>
             </a:fld>
             <a:endParaRPr lang="en-US"/>
           </a:p>
@@ -3046,10 +3045,10 @@
       </p:grpSpPr>
       <p:pic>
         <p:nvPicPr>
-          <p:cNvPr id="5" name="Picture 4">
+          <p:cNvPr id="6" name="Picture 5">
             <a:extLst>
               <a:ext uri="{FF2B5EF4-FFF2-40B4-BE49-F238E27FC236}">
-                <a16:creationId xmlns:a16="http://schemas.microsoft.com/office/drawing/2014/main" id="{D576AEEB-3A49-B1BC-F08D-5C2292AC8FD2}"/>
+                <a16:creationId xmlns:a16="http://schemas.microsoft.com/office/drawing/2014/main" id="{A70A4864-27E7-7E67-B58D-E0EC3517BAA4}"/>
               </a:ext>
             </a:extLst>
           </p:cNvPr>
@@ -3066,7 +3065,7 @@
         </p:blipFill>
         <p:spPr>
           <a:xfrm>
-            <a:off x="1587" y="-19462"/>
+            <a:off x="1587" y="22930"/>
             <a:ext cx="3060700" cy="4013200"/>
           </a:xfrm>
           <a:prstGeom prst="rect">
@@ -7744,4723 +7743,6 @@
 </p:sld>
 </file>
 
-<file path=ppt/slides/slide2.xml><?xml version="1.0" encoding="utf-8"?>
-<p:sld xmlns:a="http://schemas.openxmlformats.org/drawingml/2006/main" xmlns:r="http://schemas.openxmlformats.org/officeDocument/2006/relationships" xmlns:p="http://schemas.openxmlformats.org/presentationml/2006/main">
-  <p:cSld>
-    <p:spTree>
-      <p:nvGrpSpPr>
-        <p:cNvPr id="1" name=""/>
-        <p:cNvGrpSpPr/>
-        <p:nvPr/>
-      </p:nvGrpSpPr>
-      <p:grpSpPr>
-        <a:xfrm>
-          <a:off x="0" y="0"/>
-          <a:ext cx="0" cy="0"/>
-          <a:chOff x="0" y="0"/>
-          <a:chExt cx="0" cy="0"/>
-        </a:xfrm>
-      </p:grpSpPr>
-      <p:pic>
-        <p:nvPicPr>
-          <p:cNvPr id="5" name="Picture 4">
-            <a:extLst>
-              <a:ext uri="{FF2B5EF4-FFF2-40B4-BE49-F238E27FC236}">
-                <a16:creationId xmlns:a16="http://schemas.microsoft.com/office/drawing/2014/main" id="{02C2525F-609C-3910-A720-0BDBBB48069E}"/>
-              </a:ext>
-            </a:extLst>
-          </p:cNvPr>
-          <p:cNvPicPr>
-            <a:picLocks noChangeAspect="1"/>
-          </p:cNvPicPr>
-          <p:nvPr/>
-        </p:nvPicPr>
-        <p:blipFill>
-          <a:blip r:embed="rId2"/>
-          <a:stretch>
-            <a:fillRect/>
-          </a:stretch>
-        </p:blipFill>
-        <p:spPr>
-          <a:xfrm>
-            <a:off x="1587" y="4762"/>
-            <a:ext cx="3060700" cy="4013200"/>
-          </a:xfrm>
-          <a:prstGeom prst="rect">
-            <a:avLst/>
-          </a:prstGeom>
-        </p:spPr>
-      </p:pic>
-      <p:grpSp>
-        <p:nvGrpSpPr>
-          <p:cNvPr id="6" name="Group 5">
-            <a:extLst>
-              <a:ext uri="{FF2B5EF4-FFF2-40B4-BE49-F238E27FC236}">
-                <a16:creationId xmlns:a16="http://schemas.microsoft.com/office/drawing/2014/main" id="{BA9CA88F-FD12-730F-8311-9F82F507FC0F}"/>
-              </a:ext>
-            </a:extLst>
-          </p:cNvPr>
-          <p:cNvGrpSpPr/>
-          <p:nvPr/>
-        </p:nvGrpSpPr>
-        <p:grpSpPr>
-          <a:xfrm>
-            <a:off x="2308306" y="95080"/>
-            <a:ext cx="143736" cy="143734"/>
-            <a:chOff x="2719182" y="944085"/>
-            <a:chExt cx="143736" cy="143734"/>
-          </a:xfrm>
-        </p:grpSpPr>
-        <p:sp>
-          <p:nvSpPr>
-            <p:cNvPr id="7" name="Oval 6">
-              <a:extLst>
-                <a:ext uri="{FF2B5EF4-FFF2-40B4-BE49-F238E27FC236}">
-                  <a16:creationId xmlns:a16="http://schemas.microsoft.com/office/drawing/2014/main" id="{77197E11-4328-4F01-DD5C-BF821A699828}"/>
-                </a:ext>
-              </a:extLst>
-            </p:cNvPr>
-            <p:cNvSpPr/>
-            <p:nvPr/>
-          </p:nvSpPr>
-          <p:spPr>
-            <a:xfrm>
-              <a:off x="2719183" y="944085"/>
-              <a:ext cx="143735" cy="143734"/>
-            </a:xfrm>
-            <a:prstGeom prst="ellipse">
-              <a:avLst/>
-            </a:prstGeom>
-            <a:solidFill>
-              <a:srgbClr val="F1AB00"/>
-            </a:solidFill>
-            <a:ln w="12700">
-              <a:solidFill>
-                <a:schemeClr val="tx1"/>
-              </a:solidFill>
-            </a:ln>
-            <a:effectLst/>
-          </p:spPr>
-          <p:style>
-            <a:lnRef idx="1">
-              <a:schemeClr val="accent1"/>
-            </a:lnRef>
-            <a:fillRef idx="3">
-              <a:schemeClr val="accent1"/>
-            </a:fillRef>
-            <a:effectRef idx="2">
-              <a:schemeClr val="accent1"/>
-            </a:effectRef>
-            <a:fontRef idx="minor">
-              <a:schemeClr val="lt1"/>
-            </a:fontRef>
-          </p:style>
-          <p:txBody>
-            <a:bodyPr rtlCol="0" anchor="ctr"/>
-            <a:lstStyle/>
-            <a:p>
-              <a:pPr algn="ctr"/>
-              <a:endParaRPr lang="en-US" sz="800" dirty="0">
-                <a:latin typeface="Arial" panose="020B0604020202020204" pitchFamily="34" charset="0"/>
-                <a:cs typeface="Arial" panose="020B0604020202020204" pitchFamily="34" charset="0"/>
-              </a:endParaRPr>
-            </a:p>
-          </p:txBody>
-        </p:sp>
-        <p:sp>
-          <p:nvSpPr>
-            <p:cNvPr id="8" name="Freeform 7">
-              <a:extLst>
-                <a:ext uri="{FF2B5EF4-FFF2-40B4-BE49-F238E27FC236}">
-                  <a16:creationId xmlns:a16="http://schemas.microsoft.com/office/drawing/2014/main" id="{40A3F6E4-D868-4AE6-5D47-C5B4FDA97C65}"/>
-                </a:ext>
-              </a:extLst>
-            </p:cNvPr>
-            <p:cNvSpPr/>
-            <p:nvPr/>
-          </p:nvSpPr>
-          <p:spPr>
-            <a:xfrm>
-              <a:off x="2748346" y="948240"/>
-              <a:ext cx="114346" cy="113472"/>
-            </a:xfrm>
-            <a:custGeom>
-              <a:avLst/>
-              <a:gdLst>
-                <a:gd name="connsiteX0" fmla="*/ 108741 w 292716"/>
-                <a:gd name="connsiteY0" fmla="*/ 0 h 290478"/>
-                <a:gd name="connsiteX1" fmla="*/ 292716 w 292716"/>
-                <a:gd name="connsiteY1" fmla="*/ 183974 h 290478"/>
-                <a:gd name="connsiteX2" fmla="*/ 278259 w 292716"/>
-                <a:gd name="connsiteY2" fmla="*/ 255585 h 290478"/>
-                <a:gd name="connsiteX3" fmla="*/ 271893 w 292716"/>
-                <a:gd name="connsiteY3" fmla="*/ 265027 h 290478"/>
-                <a:gd name="connsiteX4" fmla="*/ 255587 w 292716"/>
-                <a:gd name="connsiteY4" fmla="*/ 276021 h 290478"/>
-                <a:gd name="connsiteX5" fmla="*/ 183975 w 292716"/>
-                <a:gd name="connsiteY5" fmla="*/ 290478 h 290478"/>
-                <a:gd name="connsiteX6" fmla="*/ 0 w 292716"/>
-                <a:gd name="connsiteY6" fmla="*/ 106504 h 290478"/>
-                <a:gd name="connsiteX7" fmla="*/ 14458 w 292716"/>
-                <a:gd name="connsiteY7" fmla="*/ 34893 h 290478"/>
-                <a:gd name="connsiteX8" fmla="*/ 20824 w 292716"/>
-                <a:gd name="connsiteY8" fmla="*/ 25452 h 290478"/>
-                <a:gd name="connsiteX9" fmla="*/ 37130 w 292716"/>
-                <a:gd name="connsiteY9" fmla="*/ 14458 h 290478"/>
-                <a:gd name="connsiteX10" fmla="*/ 108741 w 292716"/>
-                <a:gd name="connsiteY10" fmla="*/ 0 h 290478"/>
-              </a:gdLst>
-              <a:ahLst/>
-              <a:cxnLst>
-                <a:cxn ang="0">
-                  <a:pos x="connsiteX0" y="connsiteY0"/>
-                </a:cxn>
-                <a:cxn ang="0">
-                  <a:pos x="connsiteX1" y="connsiteY1"/>
-                </a:cxn>
-                <a:cxn ang="0">
-                  <a:pos x="connsiteX2" y="connsiteY2"/>
-                </a:cxn>
-                <a:cxn ang="0">
-                  <a:pos x="connsiteX3" y="connsiteY3"/>
-                </a:cxn>
-                <a:cxn ang="0">
-                  <a:pos x="connsiteX4" y="connsiteY4"/>
-                </a:cxn>
-                <a:cxn ang="0">
-                  <a:pos x="connsiteX5" y="connsiteY5"/>
-                </a:cxn>
-                <a:cxn ang="0">
-                  <a:pos x="connsiteX6" y="connsiteY6"/>
-                </a:cxn>
-                <a:cxn ang="0">
-                  <a:pos x="connsiteX7" y="connsiteY7"/>
-                </a:cxn>
-                <a:cxn ang="0">
-                  <a:pos x="connsiteX8" y="connsiteY8"/>
-                </a:cxn>
-                <a:cxn ang="0">
-                  <a:pos x="connsiteX9" y="connsiteY9"/>
-                </a:cxn>
-                <a:cxn ang="0">
-                  <a:pos x="connsiteX10" y="connsiteY10"/>
-                </a:cxn>
-              </a:cxnLst>
-              <a:rect l="l" t="t" r="r" b="b"/>
-              <a:pathLst>
-                <a:path w="292716" h="290478">
-                  <a:moveTo>
-                    <a:pt x="108741" y="0"/>
-                  </a:moveTo>
-                  <a:cubicBezTo>
-                    <a:pt x="210348" y="0"/>
-                    <a:pt x="292716" y="82368"/>
-                    <a:pt x="292716" y="183974"/>
-                  </a:cubicBezTo>
-                  <a:cubicBezTo>
-                    <a:pt x="292716" y="209376"/>
-                    <a:pt x="287568" y="233575"/>
-                    <a:pt x="278259" y="255585"/>
-                  </a:cubicBezTo>
-                  <a:lnTo>
-                    <a:pt x="271893" y="265027"/>
-                  </a:lnTo>
-                  <a:lnTo>
-                    <a:pt x="255587" y="276021"/>
-                  </a:lnTo>
-                  <a:cubicBezTo>
-                    <a:pt x="233576" y="285330"/>
-                    <a:pt x="209377" y="290478"/>
-                    <a:pt x="183975" y="290478"/>
-                  </a:cubicBezTo>
-                  <a:cubicBezTo>
-                    <a:pt x="82368" y="290478"/>
-                    <a:pt x="0" y="208110"/>
-                    <a:pt x="0" y="106504"/>
-                  </a:cubicBezTo>
-                  <a:cubicBezTo>
-                    <a:pt x="0" y="81103"/>
-                    <a:pt x="5148" y="56904"/>
-                    <a:pt x="14458" y="34893"/>
-                  </a:cubicBezTo>
-                  <a:lnTo>
-                    <a:pt x="20824" y="25452"/>
-                  </a:lnTo>
-                  <a:lnTo>
-                    <a:pt x="37130" y="14458"/>
-                  </a:lnTo>
-                  <a:cubicBezTo>
-                    <a:pt x="59140" y="5148"/>
-                    <a:pt x="83340" y="0"/>
-                    <a:pt x="108741" y="0"/>
-                  </a:cubicBezTo>
-                  <a:close/>
-                </a:path>
-              </a:pathLst>
-            </a:custGeom>
-            <a:solidFill>
-              <a:schemeClr val="accent4">
-                <a:lumMod val="60000"/>
-                <a:lumOff val="40000"/>
-                <a:alpha val="50196"/>
-              </a:schemeClr>
-            </a:solidFill>
-            <a:ln>
-              <a:noFill/>
-            </a:ln>
-            <a:effectLst/>
-          </p:spPr>
-          <p:style>
-            <a:lnRef idx="1">
-              <a:schemeClr val="accent1"/>
-            </a:lnRef>
-            <a:fillRef idx="3">
-              <a:schemeClr val="accent1"/>
-            </a:fillRef>
-            <a:effectRef idx="2">
-              <a:schemeClr val="accent1"/>
-            </a:effectRef>
-            <a:fontRef idx="minor">
-              <a:schemeClr val="lt1"/>
-            </a:fontRef>
-          </p:style>
-          <p:txBody>
-            <a:bodyPr wrap="square" rtlCol="0" anchor="ctr">
-              <a:noAutofit/>
-            </a:bodyPr>
-            <a:lstStyle/>
-            <a:p>
-              <a:pPr algn="ctr"/>
-              <a:endParaRPr lang="en-US" sz="800" dirty="0">
-                <a:latin typeface="Arial" panose="020B0604020202020204" pitchFamily="34" charset="0"/>
-                <a:cs typeface="Arial" panose="020B0604020202020204" pitchFamily="34" charset="0"/>
-              </a:endParaRPr>
-            </a:p>
-          </p:txBody>
-        </p:sp>
-        <p:sp>
-          <p:nvSpPr>
-            <p:cNvPr id="9" name="Oval 8">
-              <a:extLst>
-                <a:ext uri="{FF2B5EF4-FFF2-40B4-BE49-F238E27FC236}">
-                  <a16:creationId xmlns:a16="http://schemas.microsoft.com/office/drawing/2014/main" id="{1A94ED12-B096-37F4-6742-58E88608F760}"/>
-                </a:ext>
-              </a:extLst>
-            </p:cNvPr>
-            <p:cNvSpPr/>
-            <p:nvPr/>
-          </p:nvSpPr>
-          <p:spPr>
-            <a:xfrm>
-              <a:off x="2719182" y="944085"/>
-              <a:ext cx="143735" cy="143734"/>
-            </a:xfrm>
-            <a:prstGeom prst="ellipse">
-              <a:avLst/>
-            </a:prstGeom>
-            <a:noFill/>
-            <a:ln w="12700">
-              <a:solidFill>
-                <a:schemeClr val="tx1"/>
-              </a:solidFill>
-            </a:ln>
-            <a:effectLst/>
-          </p:spPr>
-          <p:style>
-            <a:lnRef idx="1">
-              <a:schemeClr val="accent1"/>
-            </a:lnRef>
-            <a:fillRef idx="3">
-              <a:schemeClr val="accent1"/>
-            </a:fillRef>
-            <a:effectRef idx="2">
-              <a:schemeClr val="accent1"/>
-            </a:effectRef>
-            <a:fontRef idx="minor">
-              <a:schemeClr val="lt1"/>
-            </a:fontRef>
-          </p:style>
-          <p:txBody>
-            <a:bodyPr rtlCol="0" anchor="ctr"/>
-            <a:lstStyle/>
-            <a:p>
-              <a:pPr algn="ctr"/>
-              <a:endParaRPr lang="en-US" sz="800" dirty="0">
-                <a:latin typeface="Arial" panose="020B0604020202020204" pitchFamily="34" charset="0"/>
-                <a:cs typeface="Arial" panose="020B0604020202020204" pitchFamily="34" charset="0"/>
-              </a:endParaRPr>
-            </a:p>
-          </p:txBody>
-        </p:sp>
-      </p:grpSp>
-      <p:grpSp>
-        <p:nvGrpSpPr>
-          <p:cNvPr id="10" name="Group 9">
-            <a:extLst>
-              <a:ext uri="{FF2B5EF4-FFF2-40B4-BE49-F238E27FC236}">
-                <a16:creationId xmlns:a16="http://schemas.microsoft.com/office/drawing/2014/main" id="{A68FD69C-3666-72D7-DDE8-CB501E8C7136}"/>
-              </a:ext>
-            </a:extLst>
-          </p:cNvPr>
-          <p:cNvGrpSpPr/>
-          <p:nvPr/>
-        </p:nvGrpSpPr>
-        <p:grpSpPr>
-          <a:xfrm rot="16200000">
-            <a:off x="1221103" y="500183"/>
-            <a:ext cx="76729" cy="121941"/>
-            <a:chOff x="2264983" y="322819"/>
-            <a:chExt cx="105742" cy="168049"/>
-          </a:xfrm>
-          <a:solidFill>
-            <a:schemeClr val="bg1">
-              <a:lumMod val="75000"/>
-            </a:schemeClr>
-          </a:solidFill>
-        </p:grpSpPr>
-        <p:sp>
-          <p:nvSpPr>
-            <p:cNvPr id="11" name="Rounded Rectangle 10">
-              <a:extLst>
-                <a:ext uri="{FF2B5EF4-FFF2-40B4-BE49-F238E27FC236}">
-                  <a16:creationId xmlns:a16="http://schemas.microsoft.com/office/drawing/2014/main" id="{23FE734A-1EE3-A3FC-ABAE-A05344D6D676}"/>
-                </a:ext>
-              </a:extLst>
-            </p:cNvPr>
-            <p:cNvSpPr/>
-            <p:nvPr/>
-          </p:nvSpPr>
-          <p:spPr>
-            <a:xfrm>
-              <a:off x="2264983" y="377825"/>
-              <a:ext cx="52209" cy="113043"/>
-            </a:xfrm>
-            <a:prstGeom prst="roundRect">
-              <a:avLst/>
-            </a:prstGeom>
-            <a:grpFill/>
-            <a:ln>
-              <a:noFill/>
-            </a:ln>
-            <a:effectLst/>
-          </p:spPr>
-          <p:style>
-            <a:lnRef idx="1">
-              <a:schemeClr val="accent1"/>
-            </a:lnRef>
-            <a:fillRef idx="3">
-              <a:schemeClr val="accent1"/>
-            </a:fillRef>
-            <a:effectRef idx="2">
-              <a:schemeClr val="accent1"/>
-            </a:effectRef>
-            <a:fontRef idx="minor">
-              <a:schemeClr val="lt1"/>
-            </a:fontRef>
-          </p:style>
-          <p:txBody>
-            <a:bodyPr rtlCol="0" anchor="ctr"/>
-            <a:lstStyle/>
-            <a:p>
-              <a:pPr algn="ctr"/>
-              <a:endParaRPr lang="en-US" sz="800">
-                <a:latin typeface="Arial" panose="020B0604020202020204" pitchFamily="34" charset="0"/>
-                <a:cs typeface="Arial" panose="020B0604020202020204" pitchFamily="34" charset="0"/>
-              </a:endParaRPr>
-            </a:p>
-          </p:txBody>
-        </p:sp>
-        <p:sp>
-          <p:nvSpPr>
-            <p:cNvPr id="12" name="Oval 11">
-              <a:extLst>
-                <a:ext uri="{FF2B5EF4-FFF2-40B4-BE49-F238E27FC236}">
-                  <a16:creationId xmlns:a16="http://schemas.microsoft.com/office/drawing/2014/main" id="{9D993E88-BADE-DC16-D528-A5D40F71B148}"/>
-                </a:ext>
-              </a:extLst>
-            </p:cNvPr>
-            <p:cNvSpPr/>
-            <p:nvPr/>
-          </p:nvSpPr>
-          <p:spPr>
-            <a:xfrm>
-              <a:off x="2325006" y="377825"/>
-              <a:ext cx="45719" cy="113043"/>
-            </a:xfrm>
-            <a:prstGeom prst="ellipse">
-              <a:avLst/>
-            </a:prstGeom>
-            <a:grpFill/>
-            <a:ln>
-              <a:noFill/>
-            </a:ln>
-            <a:effectLst/>
-          </p:spPr>
-          <p:style>
-            <a:lnRef idx="1">
-              <a:schemeClr val="accent1"/>
-            </a:lnRef>
-            <a:fillRef idx="3">
-              <a:schemeClr val="accent1"/>
-            </a:fillRef>
-            <a:effectRef idx="2">
-              <a:schemeClr val="accent1"/>
-            </a:effectRef>
-            <a:fontRef idx="minor">
-              <a:schemeClr val="lt1"/>
-            </a:fontRef>
-          </p:style>
-          <p:txBody>
-            <a:bodyPr rot="0" spcFirstLastPara="0" vertOverflow="overflow" horzOverflow="overflow" vert="horz" wrap="square" lIns="91440" tIns="45720" rIns="91440" bIns="45720" numCol="1" spcCol="0" rtlCol="0" fromWordArt="0" anchor="ctr" anchorCtr="0" forceAA="0" compatLnSpc="1">
-              <a:prstTxWarp prst="textNoShape">
-                <a:avLst/>
-              </a:prstTxWarp>
-              <a:noAutofit/>
-            </a:bodyPr>
-            <a:lstStyle/>
-            <a:p>
-              <a:pPr algn="ctr"/>
-              <a:endParaRPr lang="en-US" sz="800">
-                <a:latin typeface="Arial" panose="020B0604020202020204" pitchFamily="34" charset="0"/>
-                <a:cs typeface="Arial" panose="020B0604020202020204" pitchFamily="34" charset="0"/>
-              </a:endParaRPr>
-            </a:p>
-          </p:txBody>
-        </p:sp>
-        <p:sp>
-          <p:nvSpPr>
-            <p:cNvPr id="13" name="Snip and Round Single Corner Rectangle 12">
-              <a:extLst>
-                <a:ext uri="{FF2B5EF4-FFF2-40B4-BE49-F238E27FC236}">
-                  <a16:creationId xmlns:a16="http://schemas.microsoft.com/office/drawing/2014/main" id="{5D688727-FBB6-B64C-9A2D-073296009493}"/>
-                </a:ext>
-              </a:extLst>
-            </p:cNvPr>
-            <p:cNvSpPr/>
-            <p:nvPr/>
-          </p:nvSpPr>
-          <p:spPr>
-            <a:xfrm>
-              <a:off x="2264983" y="322819"/>
-              <a:ext cx="45719" cy="45719"/>
-            </a:xfrm>
-            <a:prstGeom prst="snipRoundRect">
-              <a:avLst>
-                <a:gd name="adj1" fmla="val 16667"/>
-                <a:gd name="adj2" fmla="val 50000"/>
-              </a:avLst>
-            </a:prstGeom>
-            <a:grpFill/>
-            <a:ln>
-              <a:noFill/>
-            </a:ln>
-            <a:effectLst/>
-          </p:spPr>
-          <p:style>
-            <a:lnRef idx="1">
-              <a:schemeClr val="accent1"/>
-            </a:lnRef>
-            <a:fillRef idx="3">
-              <a:schemeClr val="accent1"/>
-            </a:fillRef>
-            <a:effectRef idx="2">
-              <a:schemeClr val="accent1"/>
-            </a:effectRef>
-            <a:fontRef idx="minor">
-              <a:schemeClr val="lt1"/>
-            </a:fontRef>
-          </p:style>
-          <p:txBody>
-            <a:bodyPr rot="0" spcFirstLastPara="0" vertOverflow="overflow" horzOverflow="overflow" vert="horz" wrap="square" lIns="91440" tIns="45720" rIns="91440" bIns="45720" numCol="1" spcCol="0" rtlCol="0" fromWordArt="0" anchor="ctr" anchorCtr="0" forceAA="0" compatLnSpc="1">
-              <a:prstTxWarp prst="textNoShape">
-                <a:avLst/>
-              </a:prstTxWarp>
-              <a:noAutofit/>
-            </a:bodyPr>
-            <a:lstStyle/>
-            <a:p>
-              <a:pPr algn="ctr"/>
-              <a:endParaRPr lang="en-US" sz="800">
-                <a:latin typeface="Arial" panose="020B0604020202020204" pitchFamily="34" charset="0"/>
-                <a:cs typeface="Arial" panose="020B0604020202020204" pitchFamily="34" charset="0"/>
-              </a:endParaRPr>
-            </a:p>
-          </p:txBody>
-        </p:sp>
-        <p:sp>
-          <p:nvSpPr>
-            <p:cNvPr id="14" name="Snip and Round Single Corner Rectangle 13">
-              <a:extLst>
-                <a:ext uri="{FF2B5EF4-FFF2-40B4-BE49-F238E27FC236}">
-                  <a16:creationId xmlns:a16="http://schemas.microsoft.com/office/drawing/2014/main" id="{BFD28C16-445B-ED2B-194D-2A916C3F1EF4}"/>
-                </a:ext>
-              </a:extLst>
-            </p:cNvPr>
-            <p:cNvSpPr/>
-            <p:nvPr/>
-          </p:nvSpPr>
-          <p:spPr>
-            <a:xfrm flipH="1">
-              <a:off x="2325006" y="322819"/>
-              <a:ext cx="45719" cy="45719"/>
-            </a:xfrm>
-            <a:prstGeom prst="snipRoundRect">
-              <a:avLst>
-                <a:gd name="adj1" fmla="val 16667"/>
-                <a:gd name="adj2" fmla="val 50000"/>
-              </a:avLst>
-            </a:prstGeom>
-            <a:grpFill/>
-            <a:ln>
-              <a:noFill/>
-            </a:ln>
-            <a:effectLst/>
-          </p:spPr>
-          <p:style>
-            <a:lnRef idx="1">
-              <a:schemeClr val="accent1"/>
-            </a:lnRef>
-            <a:fillRef idx="3">
-              <a:schemeClr val="accent1"/>
-            </a:fillRef>
-            <a:effectRef idx="2">
-              <a:schemeClr val="accent1"/>
-            </a:effectRef>
-            <a:fontRef idx="minor">
-              <a:schemeClr val="lt1"/>
-            </a:fontRef>
-          </p:style>
-          <p:txBody>
-            <a:bodyPr rot="0" spcFirstLastPara="0" vertOverflow="overflow" horzOverflow="overflow" vert="horz" wrap="square" lIns="91440" tIns="45720" rIns="91440" bIns="45720" numCol="1" spcCol="0" rtlCol="0" fromWordArt="0" anchor="ctr" anchorCtr="0" forceAA="0" compatLnSpc="1">
-              <a:prstTxWarp prst="textNoShape">
-                <a:avLst/>
-              </a:prstTxWarp>
-              <a:noAutofit/>
-            </a:bodyPr>
-            <a:lstStyle/>
-            <a:p>
-              <a:pPr algn="ctr"/>
-              <a:endParaRPr lang="en-US" sz="800">
-                <a:latin typeface="Arial" panose="020B0604020202020204" pitchFamily="34" charset="0"/>
-                <a:cs typeface="Arial" panose="020B0604020202020204" pitchFamily="34" charset="0"/>
-              </a:endParaRPr>
-            </a:p>
-          </p:txBody>
-        </p:sp>
-      </p:grpSp>
-      <p:grpSp>
-        <p:nvGrpSpPr>
-          <p:cNvPr id="15" name="Group 14">
-            <a:extLst>
-              <a:ext uri="{FF2B5EF4-FFF2-40B4-BE49-F238E27FC236}">
-                <a16:creationId xmlns:a16="http://schemas.microsoft.com/office/drawing/2014/main" id="{3773E0A4-8015-7B5E-E8CF-CF18B5B697E5}"/>
-              </a:ext>
-            </a:extLst>
-          </p:cNvPr>
-          <p:cNvGrpSpPr/>
-          <p:nvPr/>
-        </p:nvGrpSpPr>
-        <p:grpSpPr>
-          <a:xfrm>
-            <a:off x="1307444" y="190128"/>
-            <a:ext cx="1234004" cy="705359"/>
-            <a:chOff x="4271303" y="2133077"/>
-            <a:chExt cx="3158954" cy="1805664"/>
-          </a:xfrm>
-        </p:grpSpPr>
-        <p:sp>
-          <p:nvSpPr>
-            <p:cNvPr id="16" name="Rounded Rectangle 15">
-              <a:extLst>
-                <a:ext uri="{FF2B5EF4-FFF2-40B4-BE49-F238E27FC236}">
-                  <a16:creationId xmlns:a16="http://schemas.microsoft.com/office/drawing/2014/main" id="{70CC2E54-7382-1FBA-7DB3-50D93BACB48A}"/>
-                </a:ext>
-              </a:extLst>
-            </p:cNvPr>
-            <p:cNvSpPr/>
-            <p:nvPr/>
-          </p:nvSpPr>
-          <p:spPr>
-            <a:xfrm>
-              <a:off x="4271303" y="2135051"/>
-              <a:ext cx="3158954" cy="1803690"/>
-            </a:xfrm>
-            <a:prstGeom prst="roundRect">
-              <a:avLst>
-                <a:gd name="adj" fmla="val 50000"/>
-              </a:avLst>
-            </a:prstGeom>
-            <a:solidFill>
-              <a:schemeClr val="bg1">
-                <a:lumMod val="75000"/>
-              </a:schemeClr>
-            </a:solidFill>
-            <a:ln w="12700">
-              <a:noFill/>
-            </a:ln>
-            <a:effectLst/>
-          </p:spPr>
-          <p:style>
-            <a:lnRef idx="1">
-              <a:schemeClr val="accent1"/>
-            </a:lnRef>
-            <a:fillRef idx="3">
-              <a:schemeClr val="accent1"/>
-            </a:fillRef>
-            <a:effectRef idx="2">
-              <a:schemeClr val="accent1"/>
-            </a:effectRef>
-            <a:fontRef idx="minor">
-              <a:schemeClr val="lt1"/>
-            </a:fontRef>
-          </p:style>
-          <p:txBody>
-            <a:bodyPr rtlCol="0" anchor="ctr"/>
-            <a:lstStyle/>
-            <a:p>
-              <a:pPr algn="ctr"/>
-              <a:endParaRPr lang="en-US" sz="800">
-                <a:latin typeface="Arial" panose="020B0604020202020204" pitchFamily="34" charset="0"/>
-                <a:cs typeface="Arial" panose="020B0604020202020204" pitchFamily="34" charset="0"/>
-              </a:endParaRPr>
-            </a:p>
-          </p:txBody>
-        </p:sp>
-        <p:sp>
-          <p:nvSpPr>
-            <p:cNvPr id="17" name="Freeform 16">
-              <a:extLst>
-                <a:ext uri="{FF2B5EF4-FFF2-40B4-BE49-F238E27FC236}">
-                  <a16:creationId xmlns:a16="http://schemas.microsoft.com/office/drawing/2014/main" id="{CCAF4A36-B54A-F468-1F04-D7F03716E3B7}"/>
-                </a:ext>
-              </a:extLst>
-            </p:cNvPr>
-            <p:cNvSpPr/>
-            <p:nvPr/>
-          </p:nvSpPr>
-          <p:spPr>
-            <a:xfrm>
-              <a:off x="4581494" y="2143313"/>
-              <a:ext cx="2845097" cy="1478779"/>
-            </a:xfrm>
-            <a:custGeom>
-              <a:avLst/>
-              <a:gdLst>
-                <a:gd name="connsiteX0" fmla="*/ 587988 w 2845097"/>
-                <a:gd name="connsiteY0" fmla="*/ 0 h 1478779"/>
-                <a:gd name="connsiteX1" fmla="*/ 1943252 w 2845097"/>
-                <a:gd name="connsiteY1" fmla="*/ 0 h 1478779"/>
-                <a:gd name="connsiteX2" fmla="*/ 2845097 w 2845097"/>
-                <a:gd name="connsiteY2" fmla="*/ 901845 h 1478779"/>
-                <a:gd name="connsiteX3" fmla="*/ 2774226 w 2845097"/>
-                <a:gd name="connsiteY3" fmla="*/ 1252884 h 1478779"/>
-                <a:gd name="connsiteX4" fmla="*/ 2722360 w 2845097"/>
-                <a:gd name="connsiteY4" fmla="*/ 1348438 h 1478779"/>
-                <a:gd name="connsiteX5" fmla="*/ 2686982 w 2845097"/>
-                <a:gd name="connsiteY5" fmla="*/ 1369931 h 1478779"/>
-                <a:gd name="connsiteX6" fmla="*/ 2257109 w 2845097"/>
-                <a:gd name="connsiteY6" fmla="*/ 1478779 h 1478779"/>
-                <a:gd name="connsiteX7" fmla="*/ 901845 w 2845097"/>
-                <a:gd name="connsiteY7" fmla="*/ 1478779 h 1478779"/>
-                <a:gd name="connsiteX8" fmla="*/ 0 w 2845097"/>
-                <a:gd name="connsiteY8" fmla="*/ 576934 h 1478779"/>
-                <a:gd name="connsiteX9" fmla="*/ 70872 w 2845097"/>
-                <a:gd name="connsiteY9" fmla="*/ 225895 h 1478779"/>
-                <a:gd name="connsiteX10" fmla="*/ 122737 w 2845097"/>
-                <a:gd name="connsiteY10" fmla="*/ 130341 h 1478779"/>
-                <a:gd name="connsiteX11" fmla="*/ 158116 w 2845097"/>
-                <a:gd name="connsiteY11" fmla="*/ 108848 h 1478779"/>
-                <a:gd name="connsiteX12" fmla="*/ 587988 w 2845097"/>
-                <a:gd name="connsiteY12" fmla="*/ 0 h 1478779"/>
-              </a:gdLst>
-              <a:ahLst/>
-              <a:cxnLst>
-                <a:cxn ang="0">
-                  <a:pos x="connsiteX0" y="connsiteY0"/>
-                </a:cxn>
-                <a:cxn ang="0">
-                  <a:pos x="connsiteX1" y="connsiteY1"/>
-                </a:cxn>
-                <a:cxn ang="0">
-                  <a:pos x="connsiteX2" y="connsiteY2"/>
-                </a:cxn>
-                <a:cxn ang="0">
-                  <a:pos x="connsiteX3" y="connsiteY3"/>
-                </a:cxn>
-                <a:cxn ang="0">
-                  <a:pos x="connsiteX4" y="connsiteY4"/>
-                </a:cxn>
-                <a:cxn ang="0">
-                  <a:pos x="connsiteX5" y="connsiteY5"/>
-                </a:cxn>
-                <a:cxn ang="0">
-                  <a:pos x="connsiteX6" y="connsiteY6"/>
-                </a:cxn>
-                <a:cxn ang="0">
-                  <a:pos x="connsiteX7" y="connsiteY7"/>
-                </a:cxn>
-                <a:cxn ang="0">
-                  <a:pos x="connsiteX8" y="connsiteY8"/>
-                </a:cxn>
-                <a:cxn ang="0">
-                  <a:pos x="connsiteX9" y="connsiteY9"/>
-                </a:cxn>
-                <a:cxn ang="0">
-                  <a:pos x="connsiteX10" y="connsiteY10"/>
-                </a:cxn>
-                <a:cxn ang="0">
-                  <a:pos x="connsiteX11" y="connsiteY11"/>
-                </a:cxn>
-                <a:cxn ang="0">
-                  <a:pos x="connsiteX12" y="connsiteY12"/>
-                </a:cxn>
-              </a:cxnLst>
-              <a:rect l="l" t="t" r="r" b="b"/>
-              <a:pathLst>
-                <a:path w="2845097" h="1478779">
-                  <a:moveTo>
-                    <a:pt x="587988" y="0"/>
-                  </a:moveTo>
-                  <a:lnTo>
-                    <a:pt x="1943252" y="0"/>
-                  </a:lnTo>
-                  <a:cubicBezTo>
-                    <a:pt x="2441327" y="0"/>
-                    <a:pt x="2845097" y="403770"/>
-                    <a:pt x="2845097" y="901845"/>
-                  </a:cubicBezTo>
-                  <a:cubicBezTo>
-                    <a:pt x="2845097" y="1026364"/>
-                    <a:pt x="2819862" y="1144989"/>
-                    <a:pt x="2774226" y="1252884"/>
-                  </a:cubicBezTo>
-                  <a:lnTo>
-                    <a:pt x="2722360" y="1348438"/>
-                  </a:lnTo>
-                  <a:lnTo>
-                    <a:pt x="2686982" y="1369931"/>
-                  </a:lnTo>
-                  <a:cubicBezTo>
-                    <a:pt x="2559197" y="1439348"/>
-                    <a:pt x="2412758" y="1478779"/>
-                    <a:pt x="2257109" y="1478779"/>
-                  </a:cubicBezTo>
-                  <a:lnTo>
-                    <a:pt x="901845" y="1478779"/>
-                  </a:lnTo>
-                  <a:cubicBezTo>
-                    <a:pt x="403770" y="1478779"/>
-                    <a:pt x="0" y="1075009"/>
-                    <a:pt x="0" y="576934"/>
-                  </a:cubicBezTo>
-                  <a:cubicBezTo>
-                    <a:pt x="0" y="452415"/>
-                    <a:pt x="25236" y="333791"/>
-                    <a:pt x="70872" y="225895"/>
-                  </a:cubicBezTo>
-                  <a:lnTo>
-                    <a:pt x="122737" y="130341"/>
-                  </a:lnTo>
-                  <a:lnTo>
-                    <a:pt x="158116" y="108848"/>
-                  </a:lnTo>
-                  <a:cubicBezTo>
-                    <a:pt x="285901" y="39431"/>
-                    <a:pt x="432340" y="0"/>
-                    <a:pt x="587988" y="0"/>
-                  </a:cubicBezTo>
-                  <a:close/>
-                </a:path>
-              </a:pathLst>
-            </a:custGeom>
-            <a:solidFill>
-              <a:srgbClr val="D9D9D9"/>
-            </a:solidFill>
-            <a:ln>
-              <a:noFill/>
-            </a:ln>
-            <a:effectLst/>
-          </p:spPr>
-          <p:style>
-            <a:lnRef idx="1">
-              <a:schemeClr val="accent1"/>
-            </a:lnRef>
-            <a:fillRef idx="3">
-              <a:schemeClr val="accent1"/>
-            </a:fillRef>
-            <a:effectRef idx="2">
-              <a:schemeClr val="accent1"/>
-            </a:effectRef>
-            <a:fontRef idx="minor">
-              <a:schemeClr val="lt1"/>
-            </a:fontRef>
-          </p:style>
-          <p:txBody>
-            <a:bodyPr wrap="square" rtlCol="0" anchor="ctr">
-              <a:noAutofit/>
-            </a:bodyPr>
-            <a:lstStyle/>
-            <a:p>
-              <a:pPr algn="ctr"/>
-              <a:endParaRPr lang="en-US" sz="800">
-                <a:latin typeface="Arial" panose="020B0604020202020204" pitchFamily="34" charset="0"/>
-                <a:cs typeface="Arial" panose="020B0604020202020204" pitchFamily="34" charset="0"/>
-              </a:endParaRPr>
-            </a:p>
-          </p:txBody>
-        </p:sp>
-        <p:sp>
-          <p:nvSpPr>
-            <p:cNvPr id="18" name="Rounded Rectangle 17">
-              <a:extLst>
-                <a:ext uri="{FF2B5EF4-FFF2-40B4-BE49-F238E27FC236}">
-                  <a16:creationId xmlns:a16="http://schemas.microsoft.com/office/drawing/2014/main" id="{B59D1F5F-E2C3-8C9D-B6C2-AF0C54012BCA}"/>
-                </a:ext>
-              </a:extLst>
-            </p:cNvPr>
-            <p:cNvSpPr/>
-            <p:nvPr/>
-          </p:nvSpPr>
-          <p:spPr>
-            <a:xfrm>
-              <a:off x="4271303" y="2133077"/>
-              <a:ext cx="3158954" cy="1803690"/>
-            </a:xfrm>
-            <a:prstGeom prst="roundRect">
-              <a:avLst>
-                <a:gd name="adj" fmla="val 50000"/>
-              </a:avLst>
-            </a:prstGeom>
-            <a:noFill/>
-            <a:ln w="12700">
-              <a:solidFill>
-                <a:schemeClr val="tx1"/>
-              </a:solidFill>
-            </a:ln>
-            <a:effectLst/>
-          </p:spPr>
-          <p:style>
-            <a:lnRef idx="1">
-              <a:schemeClr val="accent1"/>
-            </a:lnRef>
-            <a:fillRef idx="3">
-              <a:schemeClr val="accent1"/>
-            </a:fillRef>
-            <a:effectRef idx="2">
-              <a:schemeClr val="accent1"/>
-            </a:effectRef>
-            <a:fontRef idx="minor">
-              <a:schemeClr val="lt1"/>
-            </a:fontRef>
-          </p:style>
-          <p:txBody>
-            <a:bodyPr rtlCol="0" anchor="ctr"/>
-            <a:lstStyle/>
-            <a:p>
-              <a:pPr algn="ctr"/>
-              <a:endParaRPr lang="en-US" sz="800">
-                <a:latin typeface="Arial" panose="020B0604020202020204" pitchFamily="34" charset="0"/>
-                <a:cs typeface="Arial" panose="020B0604020202020204" pitchFamily="34" charset="0"/>
-              </a:endParaRPr>
-            </a:p>
-          </p:txBody>
-        </p:sp>
-      </p:grpSp>
-      <p:grpSp>
-        <p:nvGrpSpPr>
-          <p:cNvPr id="19" name="Group 18">
-            <a:extLst>
-              <a:ext uri="{FF2B5EF4-FFF2-40B4-BE49-F238E27FC236}">
-                <a16:creationId xmlns:a16="http://schemas.microsoft.com/office/drawing/2014/main" id="{EDEBC860-5BBD-91EE-5F17-4BFC5B359B1E}"/>
-              </a:ext>
-            </a:extLst>
-          </p:cNvPr>
-          <p:cNvGrpSpPr/>
-          <p:nvPr/>
-        </p:nvGrpSpPr>
-        <p:grpSpPr>
-          <a:xfrm rot="10800000">
-            <a:off x="1040593" y="516416"/>
-            <a:ext cx="136885" cy="88245"/>
-            <a:chOff x="2154113" y="444410"/>
-            <a:chExt cx="149762" cy="96546"/>
-          </a:xfrm>
-        </p:grpSpPr>
-        <p:sp>
-          <p:nvSpPr>
-            <p:cNvPr id="20" name="Rounded Rectangle 19">
-              <a:extLst>
-                <a:ext uri="{FF2B5EF4-FFF2-40B4-BE49-F238E27FC236}">
-                  <a16:creationId xmlns:a16="http://schemas.microsoft.com/office/drawing/2014/main" id="{586B829C-D108-4789-D356-9AF107F75848}"/>
-                </a:ext>
-              </a:extLst>
-            </p:cNvPr>
-            <p:cNvSpPr/>
-            <p:nvPr/>
-          </p:nvSpPr>
-          <p:spPr>
-            <a:xfrm rot="16200000">
-              <a:off x="2238279" y="472185"/>
-              <a:ext cx="41448" cy="89743"/>
-            </a:xfrm>
-            <a:prstGeom prst="roundRect">
-              <a:avLst/>
-            </a:prstGeom>
-            <a:solidFill>
-              <a:schemeClr val="bg1">
-                <a:lumMod val="75000"/>
-              </a:schemeClr>
-            </a:solidFill>
-            <a:ln>
-              <a:noFill/>
-            </a:ln>
-            <a:effectLst/>
-          </p:spPr>
-          <p:style>
-            <a:lnRef idx="1">
-              <a:schemeClr val="accent1"/>
-            </a:lnRef>
-            <a:fillRef idx="3">
-              <a:schemeClr val="accent1"/>
-            </a:fillRef>
-            <a:effectRef idx="2">
-              <a:schemeClr val="accent1"/>
-            </a:effectRef>
-            <a:fontRef idx="minor">
-              <a:schemeClr val="lt1"/>
-            </a:fontRef>
-          </p:style>
-          <p:txBody>
-            <a:bodyPr rtlCol="0" anchor="ctr"/>
-            <a:lstStyle/>
-            <a:p>
-              <a:pPr algn="ctr"/>
-              <a:endParaRPr lang="en-US" sz="800">
-                <a:latin typeface="Arial" panose="020B0604020202020204" pitchFamily="34" charset="0"/>
-                <a:cs typeface="Arial" panose="020B0604020202020204" pitchFamily="34" charset="0"/>
-              </a:endParaRPr>
-            </a:p>
-          </p:txBody>
-        </p:sp>
-        <p:sp>
-          <p:nvSpPr>
-            <p:cNvPr id="21" name="Rounded Rectangle 20">
-              <a:extLst>
-                <a:ext uri="{FF2B5EF4-FFF2-40B4-BE49-F238E27FC236}">
-                  <a16:creationId xmlns:a16="http://schemas.microsoft.com/office/drawing/2014/main" id="{0442DB4C-9AF2-741D-1C49-C64C867872E5}"/>
-                </a:ext>
-              </a:extLst>
-            </p:cNvPr>
-            <p:cNvSpPr/>
-            <p:nvPr/>
-          </p:nvSpPr>
-          <p:spPr>
-            <a:xfrm rot="16200000">
-              <a:off x="2238280" y="424533"/>
-              <a:ext cx="41448" cy="89743"/>
-            </a:xfrm>
-            <a:prstGeom prst="roundRect">
-              <a:avLst/>
-            </a:prstGeom>
-            <a:solidFill>
-              <a:schemeClr val="bg1">
-                <a:lumMod val="75000"/>
-              </a:schemeClr>
-            </a:solidFill>
-            <a:ln>
-              <a:noFill/>
-            </a:ln>
-            <a:effectLst/>
-          </p:spPr>
-          <p:style>
-            <a:lnRef idx="1">
-              <a:schemeClr val="accent1"/>
-            </a:lnRef>
-            <a:fillRef idx="3">
-              <a:schemeClr val="accent1"/>
-            </a:fillRef>
-            <a:effectRef idx="2">
-              <a:schemeClr val="accent1"/>
-            </a:effectRef>
-            <a:fontRef idx="minor">
-              <a:schemeClr val="lt1"/>
-            </a:fontRef>
-          </p:style>
-          <p:txBody>
-            <a:bodyPr rtlCol="0" anchor="ctr"/>
-            <a:lstStyle/>
-            <a:p>
-              <a:pPr algn="ctr"/>
-              <a:endParaRPr lang="en-US" sz="800">
-                <a:latin typeface="Arial" panose="020B0604020202020204" pitchFamily="34" charset="0"/>
-                <a:cs typeface="Arial" panose="020B0604020202020204" pitchFamily="34" charset="0"/>
-              </a:endParaRPr>
-            </a:p>
-          </p:txBody>
-        </p:sp>
-        <p:grpSp>
-          <p:nvGrpSpPr>
-            <p:cNvPr id="22" name="Group 21">
-              <a:extLst>
-                <a:ext uri="{FF2B5EF4-FFF2-40B4-BE49-F238E27FC236}">
-                  <a16:creationId xmlns:a16="http://schemas.microsoft.com/office/drawing/2014/main" id="{99607D81-F69D-58D5-6649-D22D4534FE72}"/>
-                </a:ext>
-              </a:extLst>
-            </p:cNvPr>
-            <p:cNvGrpSpPr/>
-            <p:nvPr/>
-          </p:nvGrpSpPr>
-          <p:grpSpPr>
-            <a:xfrm>
-              <a:off x="2154113" y="495237"/>
-              <a:ext cx="52646" cy="45719"/>
-              <a:chOff x="2585811" y="1161964"/>
-              <a:chExt cx="52646" cy="45719"/>
-            </a:xfrm>
-          </p:grpSpPr>
-          <p:sp>
-            <p:nvSpPr>
-              <p:cNvPr id="26" name="Rounded Rectangle 25">
-                <a:extLst>
-                  <a:ext uri="{FF2B5EF4-FFF2-40B4-BE49-F238E27FC236}">
-                    <a16:creationId xmlns:a16="http://schemas.microsoft.com/office/drawing/2014/main" id="{2DDBE736-003C-B5AD-ADCF-A4D2C0717F93}"/>
-                  </a:ext>
-                </a:extLst>
-              </p:cNvPr>
-              <p:cNvSpPr/>
-              <p:nvPr/>
-            </p:nvSpPr>
-            <p:spPr>
-              <a:xfrm>
-                <a:off x="2592738" y="1161964"/>
-                <a:ext cx="45719" cy="45719"/>
-              </a:xfrm>
-              <a:prstGeom prst="roundRect">
-                <a:avLst/>
-              </a:prstGeom>
-              <a:solidFill>
-                <a:schemeClr val="bg1">
-                  <a:lumMod val="75000"/>
-                </a:schemeClr>
-              </a:solidFill>
-              <a:ln>
-                <a:noFill/>
-              </a:ln>
-              <a:effectLst/>
-            </p:spPr>
-            <p:style>
-              <a:lnRef idx="1">
-                <a:schemeClr val="accent1"/>
-              </a:lnRef>
-              <a:fillRef idx="3">
-                <a:schemeClr val="accent1"/>
-              </a:fillRef>
-              <a:effectRef idx="2">
-                <a:schemeClr val="accent1"/>
-              </a:effectRef>
-              <a:fontRef idx="minor">
-                <a:schemeClr val="lt1"/>
-              </a:fontRef>
-            </p:style>
-            <p:txBody>
-              <a:bodyPr rot="0" spcFirstLastPara="0" vertOverflow="overflow" horzOverflow="overflow" vert="horz" wrap="square" lIns="91440" tIns="45720" rIns="91440" bIns="45720" numCol="1" spcCol="0" rtlCol="0" fromWordArt="0" anchor="ctr" anchorCtr="0" forceAA="0" compatLnSpc="1">
-                <a:prstTxWarp prst="textNoShape">
-                  <a:avLst/>
-                </a:prstTxWarp>
-                <a:noAutofit/>
-              </a:bodyPr>
-              <a:lstStyle/>
-              <a:p>
-                <a:pPr algn="ctr"/>
-                <a:endParaRPr lang="en-US" sz="800">
-                  <a:latin typeface="Arial" panose="020B0604020202020204" pitchFamily="34" charset="0"/>
-                  <a:cs typeface="Arial" panose="020B0604020202020204" pitchFamily="34" charset="0"/>
-                </a:endParaRPr>
-              </a:p>
-            </p:txBody>
-          </p:sp>
-          <p:sp>
-            <p:nvSpPr>
-              <p:cNvPr id="27" name="Rounded Rectangle 26">
-                <a:extLst>
-                  <a:ext uri="{FF2B5EF4-FFF2-40B4-BE49-F238E27FC236}">
-                    <a16:creationId xmlns:a16="http://schemas.microsoft.com/office/drawing/2014/main" id="{2B04CCF5-F277-F1A8-79C1-B5E25989C36E}"/>
-                  </a:ext>
-                </a:extLst>
-              </p:cNvPr>
-              <p:cNvSpPr/>
-              <p:nvPr/>
-            </p:nvSpPr>
-            <p:spPr>
-              <a:xfrm>
-                <a:off x="2585811" y="1173327"/>
-                <a:ext cx="27486" cy="19540"/>
-              </a:xfrm>
-              <a:prstGeom prst="roundRect">
-                <a:avLst/>
-              </a:prstGeom>
-              <a:solidFill>
-                <a:schemeClr val="bg1"/>
-              </a:solidFill>
-              <a:ln>
-                <a:noFill/>
-              </a:ln>
-              <a:effectLst/>
-            </p:spPr>
-            <p:style>
-              <a:lnRef idx="1">
-                <a:schemeClr val="accent1"/>
-              </a:lnRef>
-              <a:fillRef idx="3">
-                <a:schemeClr val="accent1"/>
-              </a:fillRef>
-              <a:effectRef idx="2">
-                <a:schemeClr val="accent1"/>
-              </a:effectRef>
-              <a:fontRef idx="minor">
-                <a:schemeClr val="lt1"/>
-              </a:fontRef>
-            </p:style>
-            <p:txBody>
-              <a:bodyPr rot="0" spcFirstLastPara="0" vertOverflow="overflow" horzOverflow="overflow" vert="horz" wrap="square" lIns="91440" tIns="45720" rIns="91440" bIns="45720" numCol="1" spcCol="0" rtlCol="0" fromWordArt="0" anchor="ctr" anchorCtr="0" forceAA="0" compatLnSpc="1">
-                <a:prstTxWarp prst="textNoShape">
-                  <a:avLst/>
-                </a:prstTxWarp>
-                <a:noAutofit/>
-              </a:bodyPr>
-              <a:lstStyle/>
-              <a:p>
-                <a:pPr algn="ctr"/>
-                <a:endParaRPr lang="en-US" sz="800">
-                  <a:latin typeface="Arial" panose="020B0604020202020204" pitchFamily="34" charset="0"/>
-                  <a:cs typeface="Arial" panose="020B0604020202020204" pitchFamily="34" charset="0"/>
-                </a:endParaRPr>
-              </a:p>
-            </p:txBody>
-          </p:sp>
-        </p:grpSp>
-        <p:grpSp>
-          <p:nvGrpSpPr>
-            <p:cNvPr id="23" name="Group 22">
-              <a:extLst>
-                <a:ext uri="{FF2B5EF4-FFF2-40B4-BE49-F238E27FC236}">
-                  <a16:creationId xmlns:a16="http://schemas.microsoft.com/office/drawing/2014/main" id="{C8C08233-42DA-92C0-BCBD-B5790AE2B5E4}"/>
-                </a:ext>
-              </a:extLst>
-            </p:cNvPr>
-            <p:cNvGrpSpPr/>
-            <p:nvPr/>
-          </p:nvGrpSpPr>
-          <p:grpSpPr>
-            <a:xfrm>
-              <a:off x="2154113" y="444410"/>
-              <a:ext cx="52869" cy="45719"/>
-              <a:chOff x="2585588" y="1161964"/>
-              <a:chExt cx="52869" cy="45719"/>
-            </a:xfrm>
-          </p:grpSpPr>
-          <p:sp>
-            <p:nvSpPr>
-              <p:cNvPr id="24" name="Rounded Rectangle 23">
-                <a:extLst>
-                  <a:ext uri="{FF2B5EF4-FFF2-40B4-BE49-F238E27FC236}">
-                    <a16:creationId xmlns:a16="http://schemas.microsoft.com/office/drawing/2014/main" id="{7A4BEE44-7C02-52BB-48DC-E89261E3A7B0}"/>
-                  </a:ext>
-                </a:extLst>
-              </p:cNvPr>
-              <p:cNvSpPr/>
-              <p:nvPr/>
-            </p:nvSpPr>
-            <p:spPr>
-              <a:xfrm>
-                <a:off x="2592738" y="1161964"/>
-                <a:ext cx="45719" cy="45719"/>
-              </a:xfrm>
-              <a:prstGeom prst="roundRect">
-                <a:avLst/>
-              </a:prstGeom>
-              <a:solidFill>
-                <a:schemeClr val="bg1">
-                  <a:lumMod val="75000"/>
-                </a:schemeClr>
-              </a:solidFill>
-              <a:ln>
-                <a:noFill/>
-              </a:ln>
-              <a:effectLst/>
-            </p:spPr>
-            <p:style>
-              <a:lnRef idx="1">
-                <a:schemeClr val="accent1"/>
-              </a:lnRef>
-              <a:fillRef idx="3">
-                <a:schemeClr val="accent1"/>
-              </a:fillRef>
-              <a:effectRef idx="2">
-                <a:schemeClr val="accent1"/>
-              </a:effectRef>
-              <a:fontRef idx="minor">
-                <a:schemeClr val="lt1"/>
-              </a:fontRef>
-            </p:style>
-            <p:txBody>
-              <a:bodyPr rot="0" spcFirstLastPara="0" vertOverflow="overflow" horzOverflow="overflow" vert="horz" wrap="square" lIns="91440" tIns="45720" rIns="91440" bIns="45720" numCol="1" spcCol="0" rtlCol="0" fromWordArt="0" anchor="ctr" anchorCtr="0" forceAA="0" compatLnSpc="1">
-                <a:prstTxWarp prst="textNoShape">
-                  <a:avLst/>
-                </a:prstTxWarp>
-                <a:noAutofit/>
-              </a:bodyPr>
-              <a:lstStyle/>
-              <a:p>
-                <a:pPr algn="ctr"/>
-                <a:endParaRPr lang="en-US" sz="800">
-                  <a:latin typeface="Arial" panose="020B0604020202020204" pitchFamily="34" charset="0"/>
-                  <a:cs typeface="Arial" panose="020B0604020202020204" pitchFamily="34" charset="0"/>
-                </a:endParaRPr>
-              </a:p>
-            </p:txBody>
-          </p:sp>
-          <p:sp>
-            <p:nvSpPr>
-              <p:cNvPr id="25" name="Rounded Rectangle 24">
-                <a:extLst>
-                  <a:ext uri="{FF2B5EF4-FFF2-40B4-BE49-F238E27FC236}">
-                    <a16:creationId xmlns:a16="http://schemas.microsoft.com/office/drawing/2014/main" id="{40CC9F17-FB66-677C-10A7-CAC61AE192E7}"/>
-                  </a:ext>
-                </a:extLst>
-              </p:cNvPr>
-              <p:cNvSpPr/>
-              <p:nvPr/>
-            </p:nvSpPr>
-            <p:spPr>
-              <a:xfrm>
-                <a:off x="2585588" y="1174578"/>
-                <a:ext cx="27709" cy="19540"/>
-              </a:xfrm>
-              <a:prstGeom prst="roundRect">
-                <a:avLst/>
-              </a:prstGeom>
-              <a:solidFill>
-                <a:schemeClr val="bg1"/>
-              </a:solidFill>
-              <a:ln>
-                <a:noFill/>
-              </a:ln>
-              <a:effectLst/>
-            </p:spPr>
-            <p:style>
-              <a:lnRef idx="1">
-                <a:schemeClr val="accent1"/>
-              </a:lnRef>
-              <a:fillRef idx="3">
-                <a:schemeClr val="accent1"/>
-              </a:fillRef>
-              <a:effectRef idx="2">
-                <a:schemeClr val="accent1"/>
-              </a:effectRef>
-              <a:fontRef idx="minor">
-                <a:schemeClr val="lt1"/>
-              </a:fontRef>
-            </p:style>
-            <p:txBody>
-              <a:bodyPr rot="0" spcFirstLastPara="0" vertOverflow="overflow" horzOverflow="overflow" vert="horz" wrap="square" lIns="91440" tIns="45720" rIns="91440" bIns="45720" numCol="1" spcCol="0" rtlCol="0" fromWordArt="0" anchor="ctr" anchorCtr="0" forceAA="0" compatLnSpc="1">
-                <a:prstTxWarp prst="textNoShape">
-                  <a:avLst/>
-                </a:prstTxWarp>
-                <a:noAutofit/>
-              </a:bodyPr>
-              <a:lstStyle/>
-              <a:p>
-                <a:pPr algn="ctr"/>
-                <a:endParaRPr lang="en-US" sz="800">
-                  <a:latin typeface="Arial" panose="020B0604020202020204" pitchFamily="34" charset="0"/>
-                  <a:cs typeface="Arial" panose="020B0604020202020204" pitchFamily="34" charset="0"/>
-                </a:endParaRPr>
-              </a:p>
-            </p:txBody>
-          </p:sp>
-        </p:grpSp>
-      </p:grpSp>
-      <p:grpSp>
-        <p:nvGrpSpPr>
-          <p:cNvPr id="28" name="Group 27">
-            <a:extLst>
-              <a:ext uri="{FF2B5EF4-FFF2-40B4-BE49-F238E27FC236}">
-                <a16:creationId xmlns:a16="http://schemas.microsoft.com/office/drawing/2014/main" id="{E21D5614-CD2D-1BF4-0453-8CD2E3B54D30}"/>
-              </a:ext>
-            </a:extLst>
-          </p:cNvPr>
-          <p:cNvGrpSpPr/>
-          <p:nvPr/>
-        </p:nvGrpSpPr>
-        <p:grpSpPr>
-          <a:xfrm>
-            <a:off x="1482285" y="423401"/>
-            <a:ext cx="671796" cy="157175"/>
-            <a:chOff x="4748780" y="2582308"/>
-            <a:chExt cx="1719745" cy="402355"/>
-          </a:xfrm>
-        </p:grpSpPr>
-        <p:sp>
-          <p:nvSpPr>
-            <p:cNvPr id="29" name="Arc 28">
-              <a:extLst>
-                <a:ext uri="{FF2B5EF4-FFF2-40B4-BE49-F238E27FC236}">
-                  <a16:creationId xmlns:a16="http://schemas.microsoft.com/office/drawing/2014/main" id="{E7E48681-BA74-ACC3-9BEC-0E0D9A57245B}"/>
-                </a:ext>
-              </a:extLst>
-            </p:cNvPr>
-            <p:cNvSpPr/>
-            <p:nvPr/>
-          </p:nvSpPr>
-          <p:spPr>
-            <a:xfrm rot="10800000" flipH="1">
-              <a:off x="5471687" y="2582308"/>
-              <a:ext cx="996838" cy="402354"/>
-            </a:xfrm>
-            <a:prstGeom prst="arc">
-              <a:avLst/>
-            </a:prstGeom>
-            <a:ln w="19050">
-              <a:solidFill>
-                <a:schemeClr val="tx1">
-                  <a:lumMod val="75000"/>
-                  <a:lumOff val="25000"/>
-                </a:schemeClr>
-              </a:solidFill>
-            </a:ln>
-            <a:effectLst/>
-          </p:spPr>
-          <p:style>
-            <a:lnRef idx="2">
-              <a:schemeClr val="accent1"/>
-            </a:lnRef>
-            <a:fillRef idx="0">
-              <a:schemeClr val="accent1"/>
-            </a:fillRef>
-            <a:effectRef idx="1">
-              <a:schemeClr val="accent1"/>
-            </a:effectRef>
-            <a:fontRef idx="minor">
-              <a:schemeClr val="tx1"/>
-            </a:fontRef>
-          </p:style>
-          <p:txBody>
-            <a:bodyPr rtlCol="0" anchor="ctr"/>
-            <a:lstStyle/>
-            <a:p>
-              <a:pPr algn="ctr"/>
-              <a:endParaRPr lang="en-US" sz="800">
-                <a:latin typeface="Arial" panose="020B0604020202020204" pitchFamily="34" charset="0"/>
-                <a:cs typeface="Arial" panose="020B0604020202020204" pitchFamily="34" charset="0"/>
-              </a:endParaRPr>
-            </a:p>
-          </p:txBody>
-        </p:sp>
-        <p:cxnSp>
-          <p:nvCxnSpPr>
-            <p:cNvPr id="30" name="Straight Connector 29">
-              <a:extLst>
-                <a:ext uri="{FF2B5EF4-FFF2-40B4-BE49-F238E27FC236}">
-                  <a16:creationId xmlns:a16="http://schemas.microsoft.com/office/drawing/2014/main" id="{7A1AF99F-4882-89D4-1A92-CF6B1B6C498B}"/>
-                </a:ext>
-              </a:extLst>
-            </p:cNvPr>
-            <p:cNvCxnSpPr>
-              <a:cxnSpLocks/>
-            </p:cNvCxnSpPr>
-            <p:nvPr/>
-          </p:nvCxnSpPr>
-          <p:spPr>
-            <a:xfrm flipH="1">
-              <a:off x="4748780" y="2984663"/>
-              <a:ext cx="1238225" cy="0"/>
-            </a:xfrm>
-            <a:prstGeom prst="line">
-              <a:avLst/>
-            </a:prstGeom>
-            <a:ln w="19050">
-              <a:solidFill>
-                <a:schemeClr val="tx1">
-                  <a:lumMod val="75000"/>
-                  <a:lumOff val="25000"/>
-                </a:schemeClr>
-              </a:solidFill>
-              <a:headEnd type="none"/>
-              <a:tailEnd type="triangle" w="sm" len="sm"/>
-            </a:ln>
-            <a:effectLst/>
-          </p:spPr>
-          <p:style>
-            <a:lnRef idx="2">
-              <a:schemeClr val="accent1"/>
-            </a:lnRef>
-            <a:fillRef idx="0">
-              <a:schemeClr val="accent1"/>
-            </a:fillRef>
-            <a:effectRef idx="1">
-              <a:schemeClr val="accent1"/>
-            </a:effectRef>
-            <a:fontRef idx="minor">
-              <a:schemeClr val="tx1"/>
-            </a:fontRef>
-          </p:style>
-        </p:cxnSp>
-      </p:grpSp>
-      <p:sp>
-        <p:nvSpPr>
-          <p:cNvPr id="31" name="TextBox 30">
-            <a:extLst>
-              <a:ext uri="{FF2B5EF4-FFF2-40B4-BE49-F238E27FC236}">
-                <a16:creationId xmlns:a16="http://schemas.microsoft.com/office/drawing/2014/main" id="{A25E24A0-74E1-8728-FA95-E39B1511C89E}"/>
-              </a:ext>
-            </a:extLst>
-          </p:cNvPr>
-          <p:cNvSpPr txBox="1"/>
-          <p:nvPr/>
-        </p:nvSpPr>
-        <p:spPr>
-          <a:xfrm>
-            <a:off x="2378786" y="20885"/>
-            <a:ext cx="397896" cy="184666"/>
-          </a:xfrm>
-          <a:prstGeom prst="rect">
-            <a:avLst/>
-          </a:prstGeom>
-          <a:noFill/>
-        </p:spPr>
-        <p:txBody>
-          <a:bodyPr wrap="square" rtlCol="0">
-            <a:spAutoFit/>
-          </a:bodyPr>
-          <a:lstStyle/>
-          <a:p>
-            <a:r>
-              <a:rPr lang="en-US" sz="600" dirty="0">
-                <a:solidFill>
-                  <a:schemeClr val="tx1">
-                    <a:lumMod val="85000"/>
-                    <a:lumOff val="15000"/>
-                  </a:schemeClr>
-                </a:solidFill>
-                <a:latin typeface="Arial" panose="020B0604020202020204" pitchFamily="34" charset="0"/>
-                <a:cs typeface="Arial" panose="020B0604020202020204" pitchFamily="34" charset="0"/>
-              </a:rPr>
-              <a:t>Virus</a:t>
-            </a:r>
-          </a:p>
-        </p:txBody>
-      </p:sp>
-      <p:sp>
-        <p:nvSpPr>
-          <p:cNvPr id="32" name="TextBox 31">
-            <a:extLst>
-              <a:ext uri="{FF2B5EF4-FFF2-40B4-BE49-F238E27FC236}">
-                <a16:creationId xmlns:a16="http://schemas.microsoft.com/office/drawing/2014/main" id="{3F5363E5-DA99-88E4-2767-D59D200D78E6}"/>
-              </a:ext>
-            </a:extLst>
-          </p:cNvPr>
-          <p:cNvSpPr txBox="1"/>
-          <p:nvPr/>
-        </p:nvSpPr>
-        <p:spPr>
-          <a:xfrm>
-            <a:off x="1466337" y="175097"/>
-            <a:ext cx="973615" cy="184666"/>
-          </a:xfrm>
-          <a:prstGeom prst="rect">
-            <a:avLst/>
-          </a:prstGeom>
-          <a:noFill/>
-        </p:spPr>
-        <p:txBody>
-          <a:bodyPr wrap="square" rtlCol="0">
-            <a:spAutoFit/>
-          </a:bodyPr>
-          <a:lstStyle/>
-          <a:p>
-            <a:pPr algn="ctr"/>
-            <a:r>
-              <a:rPr lang="en-US" sz="600" dirty="0">
-                <a:solidFill>
-                  <a:schemeClr val="tx1">
-                    <a:lumMod val="85000"/>
-                    <a:lumOff val="15000"/>
-                  </a:schemeClr>
-                </a:solidFill>
-                <a:latin typeface="Arial" panose="020B0604020202020204" pitchFamily="34" charset="0"/>
-                <a:cs typeface="Arial" panose="020B0604020202020204" pitchFamily="34" charset="0"/>
-              </a:rPr>
-              <a:t>Infected cell</a:t>
-            </a:r>
-          </a:p>
-        </p:txBody>
-      </p:sp>
-      <p:grpSp>
-        <p:nvGrpSpPr>
-          <p:cNvPr id="33" name="Group 32">
-            <a:extLst>
-              <a:ext uri="{FF2B5EF4-FFF2-40B4-BE49-F238E27FC236}">
-                <a16:creationId xmlns:a16="http://schemas.microsoft.com/office/drawing/2014/main" id="{1C05FEC6-5F18-46D0-671D-E2486903143E}"/>
-              </a:ext>
-            </a:extLst>
-          </p:cNvPr>
-          <p:cNvGrpSpPr/>
-          <p:nvPr/>
-        </p:nvGrpSpPr>
-        <p:grpSpPr>
-          <a:xfrm>
-            <a:off x="2216565" y="356803"/>
-            <a:ext cx="143735" cy="143734"/>
-            <a:chOff x="6598570" y="2559764"/>
-            <a:chExt cx="367950" cy="367947"/>
-          </a:xfrm>
-        </p:grpSpPr>
-        <p:sp>
-          <p:nvSpPr>
-            <p:cNvPr id="34" name="Oval 33">
-              <a:extLst>
-                <a:ext uri="{FF2B5EF4-FFF2-40B4-BE49-F238E27FC236}">
-                  <a16:creationId xmlns:a16="http://schemas.microsoft.com/office/drawing/2014/main" id="{91CE2BF9-6CFD-35B9-710C-089EB823B4B3}"/>
-                </a:ext>
-              </a:extLst>
-            </p:cNvPr>
-            <p:cNvSpPr/>
-            <p:nvPr/>
-          </p:nvSpPr>
-          <p:spPr>
-            <a:xfrm>
-              <a:off x="6598570" y="2559764"/>
-              <a:ext cx="367950" cy="367947"/>
-            </a:xfrm>
-            <a:prstGeom prst="ellipse">
-              <a:avLst/>
-            </a:prstGeom>
-            <a:solidFill>
-              <a:srgbClr val="F1AB00">
-                <a:alpha val="50196"/>
-              </a:srgbClr>
-            </a:solidFill>
-            <a:ln w="12700">
-              <a:noFill/>
-            </a:ln>
-            <a:effectLst/>
-          </p:spPr>
-          <p:style>
-            <a:lnRef idx="1">
-              <a:schemeClr val="accent1"/>
-            </a:lnRef>
-            <a:fillRef idx="3">
-              <a:schemeClr val="accent1"/>
-            </a:fillRef>
-            <a:effectRef idx="2">
-              <a:schemeClr val="accent1"/>
-            </a:effectRef>
-            <a:fontRef idx="minor">
-              <a:schemeClr val="lt1"/>
-            </a:fontRef>
-          </p:style>
-          <p:txBody>
-            <a:bodyPr rtlCol="0" anchor="ctr"/>
-            <a:lstStyle/>
-            <a:p>
-              <a:pPr algn="ctr"/>
-              <a:endParaRPr lang="en-US" sz="800" dirty="0">
-                <a:latin typeface="Arial" panose="020B0604020202020204" pitchFamily="34" charset="0"/>
-                <a:cs typeface="Arial" panose="020B0604020202020204" pitchFamily="34" charset="0"/>
-              </a:endParaRPr>
-            </a:p>
-          </p:txBody>
-        </p:sp>
-        <p:cxnSp>
-          <p:nvCxnSpPr>
-            <p:cNvPr id="35" name="Curved Connector 34">
-              <a:extLst>
-                <a:ext uri="{FF2B5EF4-FFF2-40B4-BE49-F238E27FC236}">
-                  <a16:creationId xmlns:a16="http://schemas.microsoft.com/office/drawing/2014/main" id="{4C542570-FB73-C4DA-8B49-5CEA7FA99CF6}"/>
-                </a:ext>
-              </a:extLst>
-            </p:cNvPr>
-            <p:cNvCxnSpPr>
-              <a:cxnSpLocks/>
-            </p:cNvCxnSpPr>
-            <p:nvPr/>
-          </p:nvCxnSpPr>
-          <p:spPr>
-            <a:xfrm rot="2700000" flipV="1">
-              <a:off x="6631554" y="2596649"/>
-              <a:ext cx="313947" cy="307328"/>
-            </a:xfrm>
-            <a:prstGeom prst="curvedConnector3">
-              <a:avLst/>
-            </a:prstGeom>
-            <a:ln w="19050">
-              <a:solidFill>
-                <a:srgbClr val="F1AB00"/>
-              </a:solidFill>
-            </a:ln>
-            <a:effectLst/>
-          </p:spPr>
-          <p:style>
-            <a:lnRef idx="2">
-              <a:schemeClr val="accent1"/>
-            </a:lnRef>
-            <a:fillRef idx="0">
-              <a:schemeClr val="accent1"/>
-            </a:fillRef>
-            <a:effectRef idx="1">
-              <a:schemeClr val="accent1"/>
-            </a:effectRef>
-            <a:fontRef idx="minor">
-              <a:schemeClr val="tx1"/>
-            </a:fontRef>
-          </p:style>
-        </p:cxnSp>
-      </p:grpSp>
-      <p:cxnSp>
-        <p:nvCxnSpPr>
-          <p:cNvPr id="36" name="Straight Connector 35">
-            <a:extLst>
-              <a:ext uri="{FF2B5EF4-FFF2-40B4-BE49-F238E27FC236}">
-                <a16:creationId xmlns:a16="http://schemas.microsoft.com/office/drawing/2014/main" id="{7B3C8E03-096E-05D9-37FF-D8F2F2AF3545}"/>
-              </a:ext>
-            </a:extLst>
-          </p:cNvPr>
-          <p:cNvCxnSpPr>
-            <a:cxnSpLocks/>
-          </p:cNvCxnSpPr>
-          <p:nvPr/>
-        </p:nvCxnSpPr>
-        <p:spPr>
-          <a:xfrm>
-            <a:off x="2290764" y="542078"/>
-            <a:ext cx="0" cy="155731"/>
-          </a:xfrm>
-          <a:prstGeom prst="line">
-            <a:avLst/>
-          </a:prstGeom>
-          <a:ln w="19050">
-            <a:solidFill>
-              <a:schemeClr val="tx1">
-                <a:lumMod val="75000"/>
-                <a:lumOff val="25000"/>
-              </a:schemeClr>
-            </a:solidFill>
-            <a:headEnd type="none"/>
-            <a:tailEnd type="triangle" w="sm" len="sm"/>
-          </a:ln>
-          <a:effectLst/>
-        </p:spPr>
-        <p:style>
-          <a:lnRef idx="2">
-            <a:schemeClr val="accent1"/>
-          </a:lnRef>
-          <a:fillRef idx="0">
-            <a:schemeClr val="accent1"/>
-          </a:fillRef>
-          <a:effectRef idx="1">
-            <a:schemeClr val="accent1"/>
-          </a:effectRef>
-          <a:fontRef idx="minor">
-            <a:schemeClr val="tx1"/>
-          </a:fontRef>
-        </p:style>
-      </p:cxnSp>
-      <p:sp>
-        <p:nvSpPr>
-          <p:cNvPr id="37" name="Arc 36">
-            <a:extLst>
-              <a:ext uri="{FF2B5EF4-FFF2-40B4-BE49-F238E27FC236}">
-                <a16:creationId xmlns:a16="http://schemas.microsoft.com/office/drawing/2014/main" id="{04D274B0-62E2-4B6B-4AC9-CA99DAA840A1}"/>
-              </a:ext>
-            </a:extLst>
-          </p:cNvPr>
-          <p:cNvSpPr/>
-          <p:nvPr/>
-        </p:nvSpPr>
-        <p:spPr>
-          <a:xfrm rot="8100000">
-            <a:off x="853845" y="336470"/>
-            <a:ext cx="647254" cy="647254"/>
-          </a:xfrm>
-          <a:prstGeom prst="arc">
-            <a:avLst/>
-          </a:prstGeom>
-          <a:ln w="19050">
-            <a:solidFill>
-              <a:schemeClr val="tx1"/>
-            </a:solidFill>
-            <a:headEnd type="triangle" w="sm" len="sm"/>
-          </a:ln>
-        </p:spPr>
-        <p:style>
-          <a:lnRef idx="1">
-            <a:schemeClr val="accent1"/>
-          </a:lnRef>
-          <a:fillRef idx="0">
-            <a:schemeClr val="accent1"/>
-          </a:fillRef>
-          <a:effectRef idx="0">
-            <a:schemeClr val="accent1"/>
-          </a:effectRef>
-          <a:fontRef idx="minor">
-            <a:schemeClr val="tx1"/>
-          </a:fontRef>
-        </p:style>
-        <p:txBody>
-          <a:bodyPr rtlCol="0" anchor="ctr"/>
-          <a:lstStyle/>
-          <a:p>
-            <a:pPr algn="ctr"/>
-            <a:endParaRPr lang="en-US" sz="800">
-              <a:latin typeface="Arial" panose="020B0604020202020204" pitchFamily="34" charset="0"/>
-              <a:cs typeface="Arial" panose="020B0604020202020204" pitchFamily="34" charset="0"/>
-            </a:endParaRPr>
-          </a:p>
-        </p:txBody>
-      </p:sp>
-      <p:sp>
-        <p:nvSpPr>
-          <p:cNvPr id="38" name="TextBox 37">
-            <a:extLst>
-              <a:ext uri="{FF2B5EF4-FFF2-40B4-BE49-F238E27FC236}">
-                <a16:creationId xmlns:a16="http://schemas.microsoft.com/office/drawing/2014/main" id="{A0BAA002-4AE8-1C62-9E34-B041F52D2F26}"/>
-              </a:ext>
-            </a:extLst>
-          </p:cNvPr>
-          <p:cNvSpPr txBox="1"/>
-          <p:nvPr/>
-        </p:nvSpPr>
-        <p:spPr>
-          <a:xfrm>
-            <a:off x="793909" y="994479"/>
-            <a:ext cx="767126" cy="184666"/>
-          </a:xfrm>
-          <a:prstGeom prst="rect">
-            <a:avLst/>
-          </a:prstGeom>
-          <a:noFill/>
-        </p:spPr>
-        <p:txBody>
-          <a:bodyPr wrap="square" rtlCol="0">
-            <a:spAutoFit/>
-          </a:bodyPr>
-          <a:lstStyle/>
-          <a:p>
-            <a:pPr algn="ctr"/>
-            <a:r>
-              <a:rPr lang="en-US" sz="600" dirty="0">
-                <a:latin typeface="Arial" panose="020B0604020202020204" pitchFamily="34" charset="0"/>
-                <a:cs typeface="Arial" panose="020B0604020202020204" pitchFamily="34" charset="0"/>
-              </a:rPr>
-              <a:t>Cytotoxicity</a:t>
-            </a:r>
-          </a:p>
-        </p:txBody>
-      </p:sp>
-      <p:grpSp>
-        <p:nvGrpSpPr>
-          <p:cNvPr id="39" name="Group 38">
-            <a:extLst>
-              <a:ext uri="{FF2B5EF4-FFF2-40B4-BE49-F238E27FC236}">
-                <a16:creationId xmlns:a16="http://schemas.microsoft.com/office/drawing/2014/main" id="{D827D7FF-0887-BF51-4920-962F28C5F0AA}"/>
-              </a:ext>
-            </a:extLst>
-          </p:cNvPr>
-          <p:cNvGrpSpPr/>
-          <p:nvPr/>
-        </p:nvGrpSpPr>
-        <p:grpSpPr>
-          <a:xfrm>
-            <a:off x="340070" y="289467"/>
-            <a:ext cx="714315" cy="574863"/>
-            <a:chOff x="1794888" y="2387378"/>
-            <a:chExt cx="1828590" cy="1471604"/>
-          </a:xfrm>
-        </p:grpSpPr>
-        <p:sp>
-          <p:nvSpPr>
-            <p:cNvPr id="40" name="Rounded Rectangle 39">
-              <a:extLst>
-                <a:ext uri="{FF2B5EF4-FFF2-40B4-BE49-F238E27FC236}">
-                  <a16:creationId xmlns:a16="http://schemas.microsoft.com/office/drawing/2014/main" id="{0D770253-6870-0626-B23E-47FCB2FCE163}"/>
-                </a:ext>
-              </a:extLst>
-            </p:cNvPr>
-            <p:cNvSpPr/>
-            <p:nvPr/>
-          </p:nvSpPr>
-          <p:spPr>
-            <a:xfrm>
-              <a:off x="1794888" y="2387378"/>
-              <a:ext cx="1828590" cy="1469132"/>
-            </a:xfrm>
-            <a:prstGeom prst="roundRect">
-              <a:avLst>
-                <a:gd name="adj" fmla="val 50000"/>
-              </a:avLst>
-            </a:prstGeom>
-            <a:solidFill>
-              <a:schemeClr val="bg1">
-                <a:lumMod val="75000"/>
-              </a:schemeClr>
-            </a:solidFill>
-            <a:ln w="12700">
-              <a:noFill/>
-            </a:ln>
-            <a:effectLst/>
-          </p:spPr>
-          <p:style>
-            <a:lnRef idx="1">
-              <a:schemeClr val="accent1"/>
-            </a:lnRef>
-            <a:fillRef idx="3">
-              <a:schemeClr val="accent1"/>
-            </a:fillRef>
-            <a:effectRef idx="2">
-              <a:schemeClr val="accent1"/>
-            </a:effectRef>
-            <a:fontRef idx="minor">
-              <a:schemeClr val="lt1"/>
-            </a:fontRef>
-          </p:style>
-          <p:txBody>
-            <a:bodyPr rtlCol="0" anchor="ctr"/>
-            <a:lstStyle/>
-            <a:p>
-              <a:pPr algn="ctr"/>
-              <a:endParaRPr lang="en-US" sz="600">
-                <a:latin typeface="Arial" panose="020B0604020202020204" pitchFamily="34" charset="0"/>
-                <a:cs typeface="Arial" panose="020B0604020202020204" pitchFamily="34" charset="0"/>
-              </a:endParaRPr>
-            </a:p>
-          </p:txBody>
-        </p:sp>
-        <p:sp>
-          <p:nvSpPr>
-            <p:cNvPr id="41" name="Freeform 40">
-              <a:extLst>
-                <a:ext uri="{FF2B5EF4-FFF2-40B4-BE49-F238E27FC236}">
-                  <a16:creationId xmlns:a16="http://schemas.microsoft.com/office/drawing/2014/main" id="{F92C27C7-EBEB-C1A7-1139-AB1029726356}"/>
-                </a:ext>
-              </a:extLst>
-            </p:cNvPr>
-            <p:cNvSpPr/>
-            <p:nvPr/>
-          </p:nvSpPr>
-          <p:spPr>
-            <a:xfrm>
-              <a:off x="2038264" y="2393515"/>
-              <a:ext cx="1575516" cy="1196758"/>
-            </a:xfrm>
-            <a:custGeom>
-              <a:avLst/>
-              <a:gdLst>
-                <a:gd name="connsiteX0" fmla="*/ 481492 w 1575516"/>
-                <a:gd name="connsiteY0" fmla="*/ 0 h 1196758"/>
-                <a:gd name="connsiteX1" fmla="*/ 840950 w 1575516"/>
-                <a:gd name="connsiteY1" fmla="*/ 0 h 1196758"/>
-                <a:gd name="connsiteX2" fmla="*/ 1575516 w 1575516"/>
-                <a:gd name="connsiteY2" fmla="*/ 734566 h 1196758"/>
-                <a:gd name="connsiteX3" fmla="*/ 1517790 w 1575516"/>
-                <a:gd name="connsiteY3" fmla="*/ 1020493 h 1196758"/>
-                <a:gd name="connsiteX4" fmla="*/ 1484146 w 1575516"/>
-                <a:gd name="connsiteY4" fmla="*/ 1082477 h 1196758"/>
-                <a:gd name="connsiteX5" fmla="*/ 1379951 w 1575516"/>
-                <a:gd name="connsiteY5" fmla="*/ 1139032 h 1196758"/>
-                <a:gd name="connsiteX6" fmla="*/ 1094024 w 1575516"/>
-                <a:gd name="connsiteY6" fmla="*/ 1196758 h 1196758"/>
-                <a:gd name="connsiteX7" fmla="*/ 734566 w 1575516"/>
-                <a:gd name="connsiteY7" fmla="*/ 1196758 h 1196758"/>
-                <a:gd name="connsiteX8" fmla="*/ 0 w 1575516"/>
-                <a:gd name="connsiteY8" fmla="*/ 462192 h 1196758"/>
-                <a:gd name="connsiteX9" fmla="*/ 57726 w 1575516"/>
-                <a:gd name="connsiteY9" fmla="*/ 176266 h 1196758"/>
-                <a:gd name="connsiteX10" fmla="*/ 91370 w 1575516"/>
-                <a:gd name="connsiteY10" fmla="*/ 114282 h 1196758"/>
-                <a:gd name="connsiteX11" fmla="*/ 195566 w 1575516"/>
-                <a:gd name="connsiteY11" fmla="*/ 57726 h 1196758"/>
-                <a:gd name="connsiteX12" fmla="*/ 481492 w 1575516"/>
-                <a:gd name="connsiteY12" fmla="*/ 0 h 1196758"/>
-              </a:gdLst>
-              <a:ahLst/>
-              <a:cxnLst>
-                <a:cxn ang="0">
-                  <a:pos x="connsiteX0" y="connsiteY0"/>
-                </a:cxn>
-                <a:cxn ang="0">
-                  <a:pos x="connsiteX1" y="connsiteY1"/>
-                </a:cxn>
-                <a:cxn ang="0">
-                  <a:pos x="connsiteX2" y="connsiteY2"/>
-                </a:cxn>
-                <a:cxn ang="0">
-                  <a:pos x="connsiteX3" y="connsiteY3"/>
-                </a:cxn>
-                <a:cxn ang="0">
-                  <a:pos x="connsiteX4" y="connsiteY4"/>
-                </a:cxn>
-                <a:cxn ang="0">
-                  <a:pos x="connsiteX5" y="connsiteY5"/>
-                </a:cxn>
-                <a:cxn ang="0">
-                  <a:pos x="connsiteX6" y="connsiteY6"/>
-                </a:cxn>
-                <a:cxn ang="0">
-                  <a:pos x="connsiteX7" y="connsiteY7"/>
-                </a:cxn>
-                <a:cxn ang="0">
-                  <a:pos x="connsiteX8" y="connsiteY8"/>
-                </a:cxn>
-                <a:cxn ang="0">
-                  <a:pos x="connsiteX9" y="connsiteY9"/>
-                </a:cxn>
-                <a:cxn ang="0">
-                  <a:pos x="connsiteX10" y="connsiteY10"/>
-                </a:cxn>
-                <a:cxn ang="0">
-                  <a:pos x="connsiteX11" y="connsiteY11"/>
-                </a:cxn>
-                <a:cxn ang="0">
-                  <a:pos x="connsiteX12" y="connsiteY12"/>
-                </a:cxn>
-              </a:cxnLst>
-              <a:rect l="l" t="t" r="r" b="b"/>
-              <a:pathLst>
-                <a:path w="1575516" h="1196758">
-                  <a:moveTo>
-                    <a:pt x="481492" y="0"/>
-                  </a:moveTo>
-                  <a:lnTo>
-                    <a:pt x="840950" y="0"/>
-                  </a:lnTo>
-                  <a:cubicBezTo>
-                    <a:pt x="1246640" y="0"/>
-                    <a:pt x="1575516" y="328876"/>
-                    <a:pt x="1575516" y="734566"/>
-                  </a:cubicBezTo>
-                  <a:cubicBezTo>
-                    <a:pt x="1575516" y="835989"/>
-                    <a:pt x="1554961" y="932610"/>
-                    <a:pt x="1517790" y="1020493"/>
-                  </a:cubicBezTo>
-                  <a:lnTo>
-                    <a:pt x="1484146" y="1082477"/>
-                  </a:lnTo>
-                  <a:lnTo>
-                    <a:pt x="1379951" y="1139032"/>
-                  </a:lnTo>
-                  <a:cubicBezTo>
-                    <a:pt x="1292068" y="1176203"/>
-                    <a:pt x="1195447" y="1196758"/>
-                    <a:pt x="1094024" y="1196758"/>
-                  </a:cubicBezTo>
-                  <a:lnTo>
-                    <a:pt x="734566" y="1196758"/>
-                  </a:lnTo>
-                  <a:cubicBezTo>
-                    <a:pt x="328876" y="1196758"/>
-                    <a:pt x="0" y="867882"/>
-                    <a:pt x="0" y="462192"/>
-                  </a:cubicBezTo>
-                  <a:cubicBezTo>
-                    <a:pt x="0" y="360770"/>
-                    <a:pt x="20555" y="264148"/>
-                    <a:pt x="57726" y="176266"/>
-                  </a:cubicBezTo>
-                  <a:lnTo>
-                    <a:pt x="91370" y="114282"/>
-                  </a:lnTo>
-                  <a:lnTo>
-                    <a:pt x="195566" y="57726"/>
-                  </a:lnTo>
-                  <a:cubicBezTo>
-                    <a:pt x="283448" y="20555"/>
-                    <a:pt x="380070" y="0"/>
-                    <a:pt x="481492" y="0"/>
-                  </a:cubicBezTo>
-                  <a:close/>
-                </a:path>
-              </a:pathLst>
-            </a:custGeom>
-            <a:solidFill>
-              <a:srgbClr val="D9D9D9"/>
-            </a:solidFill>
-            <a:ln>
-              <a:noFill/>
-            </a:ln>
-            <a:effectLst/>
-          </p:spPr>
-          <p:style>
-            <a:lnRef idx="1">
-              <a:schemeClr val="accent1"/>
-            </a:lnRef>
-            <a:fillRef idx="3">
-              <a:schemeClr val="accent1"/>
-            </a:fillRef>
-            <a:effectRef idx="2">
-              <a:schemeClr val="accent1"/>
-            </a:effectRef>
-            <a:fontRef idx="minor">
-              <a:schemeClr val="lt1"/>
-            </a:fontRef>
-          </p:style>
-          <p:txBody>
-            <a:bodyPr wrap="square" rtlCol="0" anchor="ctr">
-              <a:noAutofit/>
-            </a:bodyPr>
-            <a:lstStyle/>
-            <a:p>
-              <a:pPr algn="ctr"/>
-              <a:endParaRPr lang="en-US" sz="600">
-                <a:latin typeface="Arial" panose="020B0604020202020204" pitchFamily="34" charset="0"/>
-                <a:cs typeface="Arial" panose="020B0604020202020204" pitchFamily="34" charset="0"/>
-              </a:endParaRPr>
-            </a:p>
-          </p:txBody>
-        </p:sp>
-        <p:sp>
-          <p:nvSpPr>
-            <p:cNvPr id="42" name="TextBox 41">
-              <a:extLst>
-                <a:ext uri="{FF2B5EF4-FFF2-40B4-BE49-F238E27FC236}">
-                  <a16:creationId xmlns:a16="http://schemas.microsoft.com/office/drawing/2014/main" id="{68FF1F48-3EB5-9C05-2F4D-96447061AD83}"/>
-                </a:ext>
-              </a:extLst>
-            </p:cNvPr>
-            <p:cNvSpPr txBox="1"/>
-            <p:nvPr/>
-          </p:nvSpPr>
-          <p:spPr>
-            <a:xfrm>
-              <a:off x="2224130" y="2811516"/>
-              <a:ext cx="972153" cy="472730"/>
-            </a:xfrm>
-            <a:prstGeom prst="rect">
-              <a:avLst/>
-            </a:prstGeom>
-            <a:noFill/>
-          </p:spPr>
-          <p:txBody>
-            <a:bodyPr wrap="square" rtlCol="0">
-              <a:spAutoFit/>
-            </a:bodyPr>
-            <a:lstStyle/>
-            <a:p>
-              <a:pPr algn="ctr"/>
-              <a:r>
-                <a:rPr lang="en-US" sz="600" dirty="0">
-                  <a:solidFill>
-                    <a:schemeClr val="tx1">
-                      <a:lumMod val="85000"/>
-                      <a:lumOff val="15000"/>
-                    </a:schemeClr>
-                  </a:solidFill>
-                  <a:latin typeface="Arial" panose="020B0604020202020204" pitchFamily="34" charset="0"/>
-                  <a:cs typeface="Arial" panose="020B0604020202020204" pitchFamily="34" charset="0"/>
-                </a:rPr>
-                <a:t>CTL</a:t>
-              </a:r>
-            </a:p>
-          </p:txBody>
-        </p:sp>
-        <p:sp>
-          <p:nvSpPr>
-            <p:cNvPr id="43" name="Rounded Rectangle 42">
-              <a:extLst>
-                <a:ext uri="{FF2B5EF4-FFF2-40B4-BE49-F238E27FC236}">
-                  <a16:creationId xmlns:a16="http://schemas.microsoft.com/office/drawing/2014/main" id="{8603338B-41E1-D1B9-9512-F54DD6FA8D3A}"/>
-                </a:ext>
-              </a:extLst>
-            </p:cNvPr>
-            <p:cNvSpPr/>
-            <p:nvPr/>
-          </p:nvSpPr>
-          <p:spPr>
-            <a:xfrm>
-              <a:off x="1794888" y="2389850"/>
-              <a:ext cx="1828590" cy="1469132"/>
-            </a:xfrm>
-            <a:prstGeom prst="roundRect">
-              <a:avLst>
-                <a:gd name="adj" fmla="val 50000"/>
-              </a:avLst>
-            </a:prstGeom>
-            <a:noFill/>
-            <a:ln w="12700">
-              <a:solidFill>
-                <a:schemeClr val="tx1"/>
-              </a:solidFill>
-            </a:ln>
-            <a:effectLst/>
-          </p:spPr>
-          <p:style>
-            <a:lnRef idx="1">
-              <a:schemeClr val="accent1"/>
-            </a:lnRef>
-            <a:fillRef idx="3">
-              <a:schemeClr val="accent1"/>
-            </a:fillRef>
-            <a:effectRef idx="2">
-              <a:schemeClr val="accent1"/>
-            </a:effectRef>
-            <a:fontRef idx="minor">
-              <a:schemeClr val="lt1"/>
-            </a:fontRef>
-          </p:style>
-          <p:txBody>
-            <a:bodyPr rtlCol="0" anchor="ctr"/>
-            <a:lstStyle/>
-            <a:p>
-              <a:pPr algn="ctr"/>
-              <a:endParaRPr lang="en-US" sz="600">
-                <a:latin typeface="Arial" panose="020B0604020202020204" pitchFamily="34" charset="0"/>
-                <a:cs typeface="Arial" panose="020B0604020202020204" pitchFamily="34" charset="0"/>
-              </a:endParaRPr>
-            </a:p>
-          </p:txBody>
-        </p:sp>
-      </p:grpSp>
-      <p:sp>
-        <p:nvSpPr>
-          <p:cNvPr id="44" name="Rectangle 43">
-            <a:extLst>
-              <a:ext uri="{FF2B5EF4-FFF2-40B4-BE49-F238E27FC236}">
-                <a16:creationId xmlns:a16="http://schemas.microsoft.com/office/drawing/2014/main" id="{04807B99-EA7B-6861-B5C7-C413DC637FDB}"/>
-              </a:ext>
-            </a:extLst>
-          </p:cNvPr>
-          <p:cNvSpPr/>
-          <p:nvPr/>
-        </p:nvSpPr>
-        <p:spPr>
-          <a:xfrm>
-            <a:off x="1178744" y="538178"/>
-            <a:ext cx="45719" cy="45719"/>
-          </a:xfrm>
-          <a:prstGeom prst="rect">
-            <a:avLst/>
-          </a:prstGeom>
-          <a:solidFill>
-            <a:srgbClr val="F1AB00"/>
-          </a:solidFill>
-          <a:ln>
-            <a:noFill/>
-          </a:ln>
-        </p:spPr>
-        <p:style>
-          <a:lnRef idx="2">
-            <a:schemeClr val="accent1">
-              <a:shade val="15000"/>
-            </a:schemeClr>
-          </a:lnRef>
-          <a:fillRef idx="1">
-            <a:schemeClr val="accent1"/>
-          </a:fillRef>
-          <a:effectRef idx="0">
-            <a:schemeClr val="accent1"/>
-          </a:effectRef>
-          <a:fontRef idx="minor">
-            <a:schemeClr val="lt1"/>
-          </a:fontRef>
-        </p:style>
-        <p:txBody>
-          <a:bodyPr rtlCol="0" anchor="ctr"/>
-          <a:lstStyle/>
-          <a:p>
-            <a:pPr algn="ctr"/>
-            <a:endParaRPr lang="en-US"/>
-          </a:p>
-        </p:txBody>
-      </p:sp>
-      <p:cxnSp>
-        <p:nvCxnSpPr>
-          <p:cNvPr id="45" name="Straight Connector 44">
-            <a:extLst>
-              <a:ext uri="{FF2B5EF4-FFF2-40B4-BE49-F238E27FC236}">
-                <a16:creationId xmlns:a16="http://schemas.microsoft.com/office/drawing/2014/main" id="{7917A63F-642B-82FA-A407-781025FD8781}"/>
-              </a:ext>
-            </a:extLst>
-          </p:cNvPr>
-          <p:cNvCxnSpPr>
-            <a:cxnSpLocks/>
-          </p:cNvCxnSpPr>
-          <p:nvPr/>
-        </p:nvCxnSpPr>
-        <p:spPr>
-          <a:xfrm>
-            <a:off x="1198670" y="344810"/>
-            <a:ext cx="0" cy="155731"/>
-          </a:xfrm>
-          <a:prstGeom prst="line">
-            <a:avLst/>
-          </a:prstGeom>
-          <a:ln w="19050">
-            <a:solidFill>
-              <a:schemeClr val="tx1">
-                <a:lumMod val="75000"/>
-                <a:lumOff val="25000"/>
-              </a:schemeClr>
-            </a:solidFill>
-            <a:headEnd type="none"/>
-            <a:tailEnd type="triangle" w="sm" len="sm"/>
-          </a:ln>
-          <a:effectLst/>
-        </p:spPr>
-        <p:style>
-          <a:lnRef idx="2">
-            <a:schemeClr val="accent1"/>
-          </a:lnRef>
-          <a:fillRef idx="0">
-            <a:schemeClr val="accent1"/>
-          </a:fillRef>
-          <a:effectRef idx="1">
-            <a:schemeClr val="accent1"/>
-          </a:effectRef>
-          <a:fontRef idx="minor">
-            <a:schemeClr val="tx1"/>
-          </a:fontRef>
-        </p:style>
-      </p:cxnSp>
-      <p:sp>
-        <p:nvSpPr>
-          <p:cNvPr id="46" name="TextBox 45">
-            <a:extLst>
-              <a:ext uri="{FF2B5EF4-FFF2-40B4-BE49-F238E27FC236}">
-                <a16:creationId xmlns:a16="http://schemas.microsoft.com/office/drawing/2014/main" id="{18DD8B94-3570-8A56-FE85-69C6CB5C67CB}"/>
-              </a:ext>
-            </a:extLst>
-          </p:cNvPr>
-          <p:cNvSpPr txBox="1"/>
-          <p:nvPr/>
-        </p:nvSpPr>
-        <p:spPr>
-          <a:xfrm>
-            <a:off x="971816" y="161614"/>
-            <a:ext cx="447559" cy="184666"/>
-          </a:xfrm>
-          <a:prstGeom prst="rect">
-            <a:avLst/>
-          </a:prstGeom>
-          <a:noFill/>
-        </p:spPr>
-        <p:txBody>
-          <a:bodyPr wrap="none" rtlCol="0">
-            <a:spAutoFit/>
-          </a:bodyPr>
-          <a:lstStyle/>
-          <a:p>
-            <a:pPr algn="ctr"/>
-            <a:r>
-              <a:rPr lang="en-US" sz="600" dirty="0">
-                <a:latin typeface="Arial" panose="020B0604020202020204" pitchFamily="34" charset="0"/>
-                <a:cs typeface="Arial" panose="020B0604020202020204" pitchFamily="34" charset="0"/>
-              </a:rPr>
-              <a:t>Epitope</a:t>
-            </a:r>
-          </a:p>
-        </p:txBody>
-      </p:sp>
-      <p:sp>
-        <p:nvSpPr>
-          <p:cNvPr id="47" name="Oval 46">
-            <a:extLst>
-              <a:ext uri="{FF2B5EF4-FFF2-40B4-BE49-F238E27FC236}">
-                <a16:creationId xmlns:a16="http://schemas.microsoft.com/office/drawing/2014/main" id="{D8795FB2-5F70-5496-5C4B-18663F6B3C88}"/>
-              </a:ext>
-            </a:extLst>
-          </p:cNvPr>
-          <p:cNvSpPr/>
-          <p:nvPr/>
-        </p:nvSpPr>
-        <p:spPr>
-          <a:xfrm>
-            <a:off x="2587520" y="243637"/>
-            <a:ext cx="154212" cy="154212"/>
-          </a:xfrm>
-          <a:prstGeom prst="ellipse">
-            <a:avLst/>
-          </a:prstGeom>
-          <a:noFill/>
-          <a:ln w="6350">
-            <a:solidFill>
-              <a:schemeClr val="tx1"/>
-            </a:solidFill>
-          </a:ln>
-        </p:spPr>
-        <p:style>
-          <a:lnRef idx="2">
-            <a:schemeClr val="accent1">
-              <a:shade val="15000"/>
-            </a:schemeClr>
-          </a:lnRef>
-          <a:fillRef idx="1">
-            <a:schemeClr val="accent1"/>
-          </a:fillRef>
-          <a:effectRef idx="0">
-            <a:schemeClr val="accent1"/>
-          </a:effectRef>
-          <a:fontRef idx="minor">
-            <a:schemeClr val="lt1"/>
-          </a:fontRef>
-        </p:style>
-        <p:txBody>
-          <a:bodyPr rtlCol="0" anchor="ctr"/>
-          <a:lstStyle/>
-          <a:p>
-            <a:pPr algn="ctr"/>
-            <a:endParaRPr lang="en-US"/>
-          </a:p>
-        </p:txBody>
-      </p:sp>
-      <p:sp>
-        <p:nvSpPr>
-          <p:cNvPr id="48" name="TextBox 47">
-            <a:extLst>
-              <a:ext uri="{FF2B5EF4-FFF2-40B4-BE49-F238E27FC236}">
-                <a16:creationId xmlns:a16="http://schemas.microsoft.com/office/drawing/2014/main" id="{92000DE9-AE79-9092-AD1F-2F4DE55DC8C6}"/>
-              </a:ext>
-            </a:extLst>
-          </p:cNvPr>
-          <p:cNvSpPr txBox="1"/>
-          <p:nvPr/>
-        </p:nvSpPr>
-        <p:spPr>
-          <a:xfrm>
-            <a:off x="2551136" y="222229"/>
-            <a:ext cx="227947" cy="184666"/>
-          </a:xfrm>
-          <a:prstGeom prst="rect">
-            <a:avLst/>
-          </a:prstGeom>
-          <a:noFill/>
-        </p:spPr>
-        <p:txBody>
-          <a:bodyPr wrap="none" rtlCol="0">
-            <a:spAutoFit/>
-          </a:bodyPr>
-          <a:lstStyle/>
-          <a:p>
-            <a:pPr algn="ctr"/>
-            <a:r>
-              <a:rPr lang="en-US" sz="600" dirty="0">
-                <a:latin typeface="Arial" panose="020B0604020202020204" pitchFamily="34" charset="0"/>
-                <a:cs typeface="Arial" panose="020B0604020202020204" pitchFamily="34" charset="0"/>
-              </a:rPr>
-              <a:t>1</a:t>
-            </a:r>
-          </a:p>
-        </p:txBody>
-      </p:sp>
-      <p:sp>
-        <p:nvSpPr>
-          <p:cNvPr id="49" name="Oval 48">
-            <a:extLst>
-              <a:ext uri="{FF2B5EF4-FFF2-40B4-BE49-F238E27FC236}">
-                <a16:creationId xmlns:a16="http://schemas.microsoft.com/office/drawing/2014/main" id="{11C1808D-D1BC-A387-A302-B89E77FE776D}"/>
-              </a:ext>
-            </a:extLst>
-          </p:cNvPr>
-          <p:cNvSpPr/>
-          <p:nvPr/>
-        </p:nvSpPr>
-        <p:spPr>
-          <a:xfrm>
-            <a:off x="2761339" y="709149"/>
-            <a:ext cx="154212" cy="154212"/>
-          </a:xfrm>
-          <a:prstGeom prst="ellipse">
-            <a:avLst/>
-          </a:prstGeom>
-          <a:noFill/>
-          <a:ln w="6350">
-            <a:solidFill>
-              <a:schemeClr val="tx1"/>
-            </a:solidFill>
-          </a:ln>
-        </p:spPr>
-        <p:style>
-          <a:lnRef idx="2">
-            <a:schemeClr val="accent1">
-              <a:shade val="15000"/>
-            </a:schemeClr>
-          </a:lnRef>
-          <a:fillRef idx="1">
-            <a:schemeClr val="accent1"/>
-          </a:fillRef>
-          <a:effectRef idx="0">
-            <a:schemeClr val="accent1"/>
-          </a:effectRef>
-          <a:fontRef idx="minor">
-            <a:schemeClr val="lt1"/>
-          </a:fontRef>
-        </p:style>
-        <p:txBody>
-          <a:bodyPr rtlCol="0" anchor="ctr"/>
-          <a:lstStyle/>
-          <a:p>
-            <a:pPr algn="ctr"/>
-            <a:endParaRPr lang="en-US"/>
-          </a:p>
-        </p:txBody>
-      </p:sp>
-      <p:sp>
-        <p:nvSpPr>
-          <p:cNvPr id="50" name="TextBox 49">
-            <a:extLst>
-              <a:ext uri="{FF2B5EF4-FFF2-40B4-BE49-F238E27FC236}">
-                <a16:creationId xmlns:a16="http://schemas.microsoft.com/office/drawing/2014/main" id="{B474FB40-4721-2EC1-F1EF-491D5DCCF496}"/>
-              </a:ext>
-            </a:extLst>
-          </p:cNvPr>
-          <p:cNvSpPr txBox="1"/>
-          <p:nvPr/>
-        </p:nvSpPr>
-        <p:spPr>
-          <a:xfrm>
-            <a:off x="2726612" y="691283"/>
-            <a:ext cx="227947" cy="184666"/>
-          </a:xfrm>
-          <a:prstGeom prst="rect">
-            <a:avLst/>
-          </a:prstGeom>
-          <a:noFill/>
-        </p:spPr>
-        <p:txBody>
-          <a:bodyPr wrap="none" rtlCol="0">
-            <a:spAutoFit/>
-          </a:bodyPr>
-          <a:lstStyle/>
-          <a:p>
-            <a:pPr algn="ctr"/>
-            <a:r>
-              <a:rPr lang="en-US" sz="600" dirty="0">
-                <a:latin typeface="Arial" panose="020B0604020202020204" pitchFamily="34" charset="0"/>
-                <a:cs typeface="Arial" panose="020B0604020202020204" pitchFamily="34" charset="0"/>
-              </a:rPr>
-              <a:t>2</a:t>
-            </a:r>
-          </a:p>
-        </p:txBody>
-      </p:sp>
-      <p:sp>
-        <p:nvSpPr>
-          <p:cNvPr id="51" name="Oval 50">
-            <a:extLst>
-              <a:ext uri="{FF2B5EF4-FFF2-40B4-BE49-F238E27FC236}">
-                <a16:creationId xmlns:a16="http://schemas.microsoft.com/office/drawing/2014/main" id="{24318836-F52C-6EDF-88E6-2BBDE60753DB}"/>
-              </a:ext>
-            </a:extLst>
-          </p:cNvPr>
-          <p:cNvSpPr/>
-          <p:nvPr/>
-        </p:nvSpPr>
-        <p:spPr>
-          <a:xfrm>
-            <a:off x="621132" y="922042"/>
-            <a:ext cx="154212" cy="154212"/>
-          </a:xfrm>
-          <a:prstGeom prst="ellipse">
-            <a:avLst/>
-          </a:prstGeom>
-          <a:noFill/>
-          <a:ln w="6350">
-            <a:solidFill>
-              <a:schemeClr val="tx1"/>
-            </a:solidFill>
-          </a:ln>
-        </p:spPr>
-        <p:style>
-          <a:lnRef idx="2">
-            <a:schemeClr val="accent1">
-              <a:shade val="15000"/>
-            </a:schemeClr>
-          </a:lnRef>
-          <a:fillRef idx="1">
-            <a:schemeClr val="accent1"/>
-          </a:fillRef>
-          <a:effectRef idx="0">
-            <a:schemeClr val="accent1"/>
-          </a:effectRef>
-          <a:fontRef idx="minor">
-            <a:schemeClr val="lt1"/>
-          </a:fontRef>
-        </p:style>
-        <p:txBody>
-          <a:bodyPr rtlCol="0" anchor="ctr"/>
-          <a:lstStyle/>
-          <a:p>
-            <a:pPr algn="ctr"/>
-            <a:endParaRPr lang="en-US"/>
-          </a:p>
-        </p:txBody>
-      </p:sp>
-      <p:sp>
-        <p:nvSpPr>
-          <p:cNvPr id="52" name="TextBox 51">
-            <a:extLst>
-              <a:ext uri="{FF2B5EF4-FFF2-40B4-BE49-F238E27FC236}">
-                <a16:creationId xmlns:a16="http://schemas.microsoft.com/office/drawing/2014/main" id="{80C17052-8EF8-04EA-5BA7-7C629E51E52C}"/>
-              </a:ext>
-            </a:extLst>
-          </p:cNvPr>
-          <p:cNvSpPr txBox="1"/>
-          <p:nvPr/>
-        </p:nvSpPr>
-        <p:spPr>
-          <a:xfrm>
-            <a:off x="587107" y="905851"/>
-            <a:ext cx="227947" cy="184666"/>
-          </a:xfrm>
-          <a:prstGeom prst="rect">
-            <a:avLst/>
-          </a:prstGeom>
-          <a:noFill/>
-        </p:spPr>
-        <p:txBody>
-          <a:bodyPr wrap="none" rtlCol="0">
-            <a:spAutoFit/>
-          </a:bodyPr>
-          <a:lstStyle/>
-          <a:p>
-            <a:pPr algn="ctr"/>
-            <a:r>
-              <a:rPr lang="en-US" sz="600" dirty="0">
-                <a:latin typeface="Arial" panose="020B0604020202020204" pitchFamily="34" charset="0"/>
-                <a:cs typeface="Arial" panose="020B0604020202020204" pitchFamily="34" charset="0"/>
-              </a:rPr>
-              <a:t>3</a:t>
-            </a:r>
-          </a:p>
-        </p:txBody>
-      </p:sp>
-      <p:grpSp>
-        <p:nvGrpSpPr>
-          <p:cNvPr id="53" name="Group 52">
-            <a:extLst>
-              <a:ext uri="{FF2B5EF4-FFF2-40B4-BE49-F238E27FC236}">
-                <a16:creationId xmlns:a16="http://schemas.microsoft.com/office/drawing/2014/main" id="{8758566D-6BC5-1004-9AAD-4629678B6C33}"/>
-              </a:ext>
-            </a:extLst>
-          </p:cNvPr>
-          <p:cNvGrpSpPr/>
-          <p:nvPr/>
-        </p:nvGrpSpPr>
-        <p:grpSpPr>
-          <a:xfrm>
-            <a:off x="2719182" y="944085"/>
-            <a:ext cx="143736" cy="143734"/>
-            <a:chOff x="2719182" y="944085"/>
-            <a:chExt cx="143736" cy="143734"/>
-          </a:xfrm>
-        </p:grpSpPr>
-        <p:sp>
-          <p:nvSpPr>
-            <p:cNvPr id="54" name="Oval 53">
-              <a:extLst>
-                <a:ext uri="{FF2B5EF4-FFF2-40B4-BE49-F238E27FC236}">
-                  <a16:creationId xmlns:a16="http://schemas.microsoft.com/office/drawing/2014/main" id="{37E0B76D-43D4-C00E-54DA-DD594543D074}"/>
-                </a:ext>
-              </a:extLst>
-            </p:cNvPr>
-            <p:cNvSpPr/>
-            <p:nvPr/>
-          </p:nvSpPr>
-          <p:spPr>
-            <a:xfrm>
-              <a:off x="2719183" y="944085"/>
-              <a:ext cx="143735" cy="143734"/>
-            </a:xfrm>
-            <a:prstGeom prst="ellipse">
-              <a:avLst/>
-            </a:prstGeom>
-            <a:solidFill>
-              <a:srgbClr val="F1AB00"/>
-            </a:solidFill>
-            <a:ln w="12700">
-              <a:solidFill>
-                <a:schemeClr val="tx1"/>
-              </a:solidFill>
-            </a:ln>
-            <a:effectLst/>
-          </p:spPr>
-          <p:style>
-            <a:lnRef idx="1">
-              <a:schemeClr val="accent1"/>
-            </a:lnRef>
-            <a:fillRef idx="3">
-              <a:schemeClr val="accent1"/>
-            </a:fillRef>
-            <a:effectRef idx="2">
-              <a:schemeClr val="accent1"/>
-            </a:effectRef>
-            <a:fontRef idx="minor">
-              <a:schemeClr val="lt1"/>
-            </a:fontRef>
-          </p:style>
-          <p:txBody>
-            <a:bodyPr rtlCol="0" anchor="ctr"/>
-            <a:lstStyle/>
-            <a:p>
-              <a:pPr algn="ctr"/>
-              <a:endParaRPr lang="en-US" sz="800" dirty="0">
-                <a:latin typeface="Arial" panose="020B0604020202020204" pitchFamily="34" charset="0"/>
-                <a:cs typeface="Arial" panose="020B0604020202020204" pitchFamily="34" charset="0"/>
-              </a:endParaRPr>
-            </a:p>
-          </p:txBody>
-        </p:sp>
-        <p:sp>
-          <p:nvSpPr>
-            <p:cNvPr id="55" name="Freeform 54">
-              <a:extLst>
-                <a:ext uri="{FF2B5EF4-FFF2-40B4-BE49-F238E27FC236}">
-                  <a16:creationId xmlns:a16="http://schemas.microsoft.com/office/drawing/2014/main" id="{E1224C85-D31C-741F-C64E-633A86ECDAF2}"/>
-                </a:ext>
-              </a:extLst>
-            </p:cNvPr>
-            <p:cNvSpPr/>
-            <p:nvPr/>
-          </p:nvSpPr>
-          <p:spPr>
-            <a:xfrm>
-              <a:off x="2748346" y="948240"/>
-              <a:ext cx="114346" cy="113472"/>
-            </a:xfrm>
-            <a:custGeom>
-              <a:avLst/>
-              <a:gdLst>
-                <a:gd name="connsiteX0" fmla="*/ 108741 w 292716"/>
-                <a:gd name="connsiteY0" fmla="*/ 0 h 290478"/>
-                <a:gd name="connsiteX1" fmla="*/ 292716 w 292716"/>
-                <a:gd name="connsiteY1" fmla="*/ 183974 h 290478"/>
-                <a:gd name="connsiteX2" fmla="*/ 278259 w 292716"/>
-                <a:gd name="connsiteY2" fmla="*/ 255585 h 290478"/>
-                <a:gd name="connsiteX3" fmla="*/ 271893 w 292716"/>
-                <a:gd name="connsiteY3" fmla="*/ 265027 h 290478"/>
-                <a:gd name="connsiteX4" fmla="*/ 255587 w 292716"/>
-                <a:gd name="connsiteY4" fmla="*/ 276021 h 290478"/>
-                <a:gd name="connsiteX5" fmla="*/ 183975 w 292716"/>
-                <a:gd name="connsiteY5" fmla="*/ 290478 h 290478"/>
-                <a:gd name="connsiteX6" fmla="*/ 0 w 292716"/>
-                <a:gd name="connsiteY6" fmla="*/ 106504 h 290478"/>
-                <a:gd name="connsiteX7" fmla="*/ 14458 w 292716"/>
-                <a:gd name="connsiteY7" fmla="*/ 34893 h 290478"/>
-                <a:gd name="connsiteX8" fmla="*/ 20824 w 292716"/>
-                <a:gd name="connsiteY8" fmla="*/ 25452 h 290478"/>
-                <a:gd name="connsiteX9" fmla="*/ 37130 w 292716"/>
-                <a:gd name="connsiteY9" fmla="*/ 14458 h 290478"/>
-                <a:gd name="connsiteX10" fmla="*/ 108741 w 292716"/>
-                <a:gd name="connsiteY10" fmla="*/ 0 h 290478"/>
-              </a:gdLst>
-              <a:ahLst/>
-              <a:cxnLst>
-                <a:cxn ang="0">
-                  <a:pos x="connsiteX0" y="connsiteY0"/>
-                </a:cxn>
-                <a:cxn ang="0">
-                  <a:pos x="connsiteX1" y="connsiteY1"/>
-                </a:cxn>
-                <a:cxn ang="0">
-                  <a:pos x="connsiteX2" y="connsiteY2"/>
-                </a:cxn>
-                <a:cxn ang="0">
-                  <a:pos x="connsiteX3" y="connsiteY3"/>
-                </a:cxn>
-                <a:cxn ang="0">
-                  <a:pos x="connsiteX4" y="connsiteY4"/>
-                </a:cxn>
-                <a:cxn ang="0">
-                  <a:pos x="connsiteX5" y="connsiteY5"/>
-                </a:cxn>
-                <a:cxn ang="0">
-                  <a:pos x="connsiteX6" y="connsiteY6"/>
-                </a:cxn>
-                <a:cxn ang="0">
-                  <a:pos x="connsiteX7" y="connsiteY7"/>
-                </a:cxn>
-                <a:cxn ang="0">
-                  <a:pos x="connsiteX8" y="connsiteY8"/>
-                </a:cxn>
-                <a:cxn ang="0">
-                  <a:pos x="connsiteX9" y="connsiteY9"/>
-                </a:cxn>
-                <a:cxn ang="0">
-                  <a:pos x="connsiteX10" y="connsiteY10"/>
-                </a:cxn>
-              </a:cxnLst>
-              <a:rect l="l" t="t" r="r" b="b"/>
-              <a:pathLst>
-                <a:path w="292716" h="290478">
-                  <a:moveTo>
-                    <a:pt x="108741" y="0"/>
-                  </a:moveTo>
-                  <a:cubicBezTo>
-                    <a:pt x="210348" y="0"/>
-                    <a:pt x="292716" y="82368"/>
-                    <a:pt x="292716" y="183974"/>
-                  </a:cubicBezTo>
-                  <a:cubicBezTo>
-                    <a:pt x="292716" y="209376"/>
-                    <a:pt x="287568" y="233575"/>
-                    <a:pt x="278259" y="255585"/>
-                  </a:cubicBezTo>
-                  <a:lnTo>
-                    <a:pt x="271893" y="265027"/>
-                  </a:lnTo>
-                  <a:lnTo>
-                    <a:pt x="255587" y="276021"/>
-                  </a:lnTo>
-                  <a:cubicBezTo>
-                    <a:pt x="233576" y="285330"/>
-                    <a:pt x="209377" y="290478"/>
-                    <a:pt x="183975" y="290478"/>
-                  </a:cubicBezTo>
-                  <a:cubicBezTo>
-                    <a:pt x="82368" y="290478"/>
-                    <a:pt x="0" y="208110"/>
-                    <a:pt x="0" y="106504"/>
-                  </a:cubicBezTo>
-                  <a:cubicBezTo>
-                    <a:pt x="0" y="81103"/>
-                    <a:pt x="5148" y="56904"/>
-                    <a:pt x="14458" y="34893"/>
-                  </a:cubicBezTo>
-                  <a:lnTo>
-                    <a:pt x="20824" y="25452"/>
-                  </a:lnTo>
-                  <a:lnTo>
-                    <a:pt x="37130" y="14458"/>
-                  </a:lnTo>
-                  <a:cubicBezTo>
-                    <a:pt x="59140" y="5148"/>
-                    <a:pt x="83340" y="0"/>
-                    <a:pt x="108741" y="0"/>
-                  </a:cubicBezTo>
-                  <a:close/>
-                </a:path>
-              </a:pathLst>
-            </a:custGeom>
-            <a:solidFill>
-              <a:schemeClr val="accent4">
-                <a:lumMod val="60000"/>
-                <a:lumOff val="40000"/>
-                <a:alpha val="50196"/>
-              </a:schemeClr>
-            </a:solidFill>
-            <a:ln>
-              <a:noFill/>
-            </a:ln>
-            <a:effectLst/>
-          </p:spPr>
-          <p:style>
-            <a:lnRef idx="1">
-              <a:schemeClr val="accent1"/>
-            </a:lnRef>
-            <a:fillRef idx="3">
-              <a:schemeClr val="accent1"/>
-            </a:fillRef>
-            <a:effectRef idx="2">
-              <a:schemeClr val="accent1"/>
-            </a:effectRef>
-            <a:fontRef idx="minor">
-              <a:schemeClr val="lt1"/>
-            </a:fontRef>
-          </p:style>
-          <p:txBody>
-            <a:bodyPr wrap="square" rtlCol="0" anchor="ctr">
-              <a:noAutofit/>
-            </a:bodyPr>
-            <a:lstStyle/>
-            <a:p>
-              <a:pPr algn="ctr"/>
-              <a:endParaRPr lang="en-US" sz="800" dirty="0">
-                <a:latin typeface="Arial" panose="020B0604020202020204" pitchFamily="34" charset="0"/>
-                <a:cs typeface="Arial" panose="020B0604020202020204" pitchFamily="34" charset="0"/>
-              </a:endParaRPr>
-            </a:p>
-          </p:txBody>
-        </p:sp>
-        <p:sp>
-          <p:nvSpPr>
-            <p:cNvPr id="56" name="Oval 55">
-              <a:extLst>
-                <a:ext uri="{FF2B5EF4-FFF2-40B4-BE49-F238E27FC236}">
-                  <a16:creationId xmlns:a16="http://schemas.microsoft.com/office/drawing/2014/main" id="{75BEFC47-5100-8176-4548-121AAA0057B9}"/>
-                </a:ext>
-              </a:extLst>
-            </p:cNvPr>
-            <p:cNvSpPr/>
-            <p:nvPr/>
-          </p:nvSpPr>
-          <p:spPr>
-            <a:xfrm>
-              <a:off x="2719182" y="944085"/>
-              <a:ext cx="143735" cy="143734"/>
-            </a:xfrm>
-            <a:prstGeom prst="ellipse">
-              <a:avLst/>
-            </a:prstGeom>
-            <a:noFill/>
-            <a:ln w="12700">
-              <a:solidFill>
-                <a:schemeClr val="tx1"/>
-              </a:solidFill>
-            </a:ln>
-            <a:effectLst/>
-          </p:spPr>
-          <p:style>
-            <a:lnRef idx="1">
-              <a:schemeClr val="accent1"/>
-            </a:lnRef>
-            <a:fillRef idx="3">
-              <a:schemeClr val="accent1"/>
-            </a:fillRef>
-            <a:effectRef idx="2">
-              <a:schemeClr val="accent1"/>
-            </a:effectRef>
-            <a:fontRef idx="minor">
-              <a:schemeClr val="lt1"/>
-            </a:fontRef>
-          </p:style>
-          <p:txBody>
-            <a:bodyPr rtlCol="0" anchor="ctr"/>
-            <a:lstStyle/>
-            <a:p>
-              <a:pPr algn="ctr"/>
-              <a:endParaRPr lang="en-US" sz="800" dirty="0">
-                <a:latin typeface="Arial" panose="020B0604020202020204" pitchFamily="34" charset="0"/>
-                <a:cs typeface="Arial" panose="020B0604020202020204" pitchFamily="34" charset="0"/>
-              </a:endParaRPr>
-            </a:p>
-          </p:txBody>
-        </p:sp>
-      </p:grpSp>
-      <p:grpSp>
-        <p:nvGrpSpPr>
-          <p:cNvPr id="57" name="Group 56">
-            <a:extLst>
-              <a:ext uri="{FF2B5EF4-FFF2-40B4-BE49-F238E27FC236}">
-                <a16:creationId xmlns:a16="http://schemas.microsoft.com/office/drawing/2014/main" id="{A993B810-F63E-DFC4-E6F5-7CB681FF40C3}"/>
-              </a:ext>
-            </a:extLst>
-          </p:cNvPr>
-          <p:cNvGrpSpPr/>
-          <p:nvPr/>
-        </p:nvGrpSpPr>
-        <p:grpSpPr>
-          <a:xfrm>
-            <a:off x="2536438" y="811329"/>
-            <a:ext cx="143736" cy="143734"/>
-            <a:chOff x="2719182" y="944085"/>
-            <a:chExt cx="143736" cy="143734"/>
-          </a:xfrm>
-        </p:grpSpPr>
-        <p:sp>
-          <p:nvSpPr>
-            <p:cNvPr id="58" name="Oval 57">
-              <a:extLst>
-                <a:ext uri="{FF2B5EF4-FFF2-40B4-BE49-F238E27FC236}">
-                  <a16:creationId xmlns:a16="http://schemas.microsoft.com/office/drawing/2014/main" id="{FD1B4B31-FB89-BC8F-541F-05B88F046748}"/>
-                </a:ext>
-              </a:extLst>
-            </p:cNvPr>
-            <p:cNvSpPr/>
-            <p:nvPr/>
-          </p:nvSpPr>
-          <p:spPr>
-            <a:xfrm>
-              <a:off x="2719183" y="944085"/>
-              <a:ext cx="143735" cy="143734"/>
-            </a:xfrm>
-            <a:prstGeom prst="ellipse">
-              <a:avLst/>
-            </a:prstGeom>
-            <a:solidFill>
-              <a:srgbClr val="F1AB00"/>
-            </a:solidFill>
-            <a:ln w="12700">
-              <a:solidFill>
-                <a:schemeClr val="tx1"/>
-              </a:solidFill>
-            </a:ln>
-            <a:effectLst/>
-          </p:spPr>
-          <p:style>
-            <a:lnRef idx="1">
-              <a:schemeClr val="accent1"/>
-            </a:lnRef>
-            <a:fillRef idx="3">
-              <a:schemeClr val="accent1"/>
-            </a:fillRef>
-            <a:effectRef idx="2">
-              <a:schemeClr val="accent1"/>
-            </a:effectRef>
-            <a:fontRef idx="minor">
-              <a:schemeClr val="lt1"/>
-            </a:fontRef>
-          </p:style>
-          <p:txBody>
-            <a:bodyPr rtlCol="0" anchor="ctr"/>
-            <a:lstStyle/>
-            <a:p>
-              <a:pPr algn="ctr"/>
-              <a:endParaRPr lang="en-US" sz="800" dirty="0">
-                <a:latin typeface="Arial" panose="020B0604020202020204" pitchFamily="34" charset="0"/>
-                <a:cs typeface="Arial" panose="020B0604020202020204" pitchFamily="34" charset="0"/>
-              </a:endParaRPr>
-            </a:p>
-          </p:txBody>
-        </p:sp>
-        <p:sp>
-          <p:nvSpPr>
-            <p:cNvPr id="59" name="Freeform 58">
-              <a:extLst>
-                <a:ext uri="{FF2B5EF4-FFF2-40B4-BE49-F238E27FC236}">
-                  <a16:creationId xmlns:a16="http://schemas.microsoft.com/office/drawing/2014/main" id="{11E309A3-4AE3-9297-A1C0-78C9E50B5FA9}"/>
-                </a:ext>
-              </a:extLst>
-            </p:cNvPr>
-            <p:cNvSpPr/>
-            <p:nvPr/>
-          </p:nvSpPr>
-          <p:spPr>
-            <a:xfrm>
-              <a:off x="2748346" y="948240"/>
-              <a:ext cx="114346" cy="113472"/>
-            </a:xfrm>
-            <a:custGeom>
-              <a:avLst/>
-              <a:gdLst>
-                <a:gd name="connsiteX0" fmla="*/ 108741 w 292716"/>
-                <a:gd name="connsiteY0" fmla="*/ 0 h 290478"/>
-                <a:gd name="connsiteX1" fmla="*/ 292716 w 292716"/>
-                <a:gd name="connsiteY1" fmla="*/ 183974 h 290478"/>
-                <a:gd name="connsiteX2" fmla="*/ 278259 w 292716"/>
-                <a:gd name="connsiteY2" fmla="*/ 255585 h 290478"/>
-                <a:gd name="connsiteX3" fmla="*/ 271893 w 292716"/>
-                <a:gd name="connsiteY3" fmla="*/ 265027 h 290478"/>
-                <a:gd name="connsiteX4" fmla="*/ 255587 w 292716"/>
-                <a:gd name="connsiteY4" fmla="*/ 276021 h 290478"/>
-                <a:gd name="connsiteX5" fmla="*/ 183975 w 292716"/>
-                <a:gd name="connsiteY5" fmla="*/ 290478 h 290478"/>
-                <a:gd name="connsiteX6" fmla="*/ 0 w 292716"/>
-                <a:gd name="connsiteY6" fmla="*/ 106504 h 290478"/>
-                <a:gd name="connsiteX7" fmla="*/ 14458 w 292716"/>
-                <a:gd name="connsiteY7" fmla="*/ 34893 h 290478"/>
-                <a:gd name="connsiteX8" fmla="*/ 20824 w 292716"/>
-                <a:gd name="connsiteY8" fmla="*/ 25452 h 290478"/>
-                <a:gd name="connsiteX9" fmla="*/ 37130 w 292716"/>
-                <a:gd name="connsiteY9" fmla="*/ 14458 h 290478"/>
-                <a:gd name="connsiteX10" fmla="*/ 108741 w 292716"/>
-                <a:gd name="connsiteY10" fmla="*/ 0 h 290478"/>
-              </a:gdLst>
-              <a:ahLst/>
-              <a:cxnLst>
-                <a:cxn ang="0">
-                  <a:pos x="connsiteX0" y="connsiteY0"/>
-                </a:cxn>
-                <a:cxn ang="0">
-                  <a:pos x="connsiteX1" y="connsiteY1"/>
-                </a:cxn>
-                <a:cxn ang="0">
-                  <a:pos x="connsiteX2" y="connsiteY2"/>
-                </a:cxn>
-                <a:cxn ang="0">
-                  <a:pos x="connsiteX3" y="connsiteY3"/>
-                </a:cxn>
-                <a:cxn ang="0">
-                  <a:pos x="connsiteX4" y="connsiteY4"/>
-                </a:cxn>
-                <a:cxn ang="0">
-                  <a:pos x="connsiteX5" y="connsiteY5"/>
-                </a:cxn>
-                <a:cxn ang="0">
-                  <a:pos x="connsiteX6" y="connsiteY6"/>
-                </a:cxn>
-                <a:cxn ang="0">
-                  <a:pos x="connsiteX7" y="connsiteY7"/>
-                </a:cxn>
-                <a:cxn ang="0">
-                  <a:pos x="connsiteX8" y="connsiteY8"/>
-                </a:cxn>
-                <a:cxn ang="0">
-                  <a:pos x="connsiteX9" y="connsiteY9"/>
-                </a:cxn>
-                <a:cxn ang="0">
-                  <a:pos x="connsiteX10" y="connsiteY10"/>
-                </a:cxn>
-              </a:cxnLst>
-              <a:rect l="l" t="t" r="r" b="b"/>
-              <a:pathLst>
-                <a:path w="292716" h="290478">
-                  <a:moveTo>
-                    <a:pt x="108741" y="0"/>
-                  </a:moveTo>
-                  <a:cubicBezTo>
-                    <a:pt x="210348" y="0"/>
-                    <a:pt x="292716" y="82368"/>
-                    <a:pt x="292716" y="183974"/>
-                  </a:cubicBezTo>
-                  <a:cubicBezTo>
-                    <a:pt x="292716" y="209376"/>
-                    <a:pt x="287568" y="233575"/>
-                    <a:pt x="278259" y="255585"/>
-                  </a:cubicBezTo>
-                  <a:lnTo>
-                    <a:pt x="271893" y="265027"/>
-                  </a:lnTo>
-                  <a:lnTo>
-                    <a:pt x="255587" y="276021"/>
-                  </a:lnTo>
-                  <a:cubicBezTo>
-                    <a:pt x="233576" y="285330"/>
-                    <a:pt x="209377" y="290478"/>
-                    <a:pt x="183975" y="290478"/>
-                  </a:cubicBezTo>
-                  <a:cubicBezTo>
-                    <a:pt x="82368" y="290478"/>
-                    <a:pt x="0" y="208110"/>
-                    <a:pt x="0" y="106504"/>
-                  </a:cubicBezTo>
-                  <a:cubicBezTo>
-                    <a:pt x="0" y="81103"/>
-                    <a:pt x="5148" y="56904"/>
-                    <a:pt x="14458" y="34893"/>
-                  </a:cubicBezTo>
-                  <a:lnTo>
-                    <a:pt x="20824" y="25452"/>
-                  </a:lnTo>
-                  <a:lnTo>
-                    <a:pt x="37130" y="14458"/>
-                  </a:lnTo>
-                  <a:cubicBezTo>
-                    <a:pt x="59140" y="5148"/>
-                    <a:pt x="83340" y="0"/>
-                    <a:pt x="108741" y="0"/>
-                  </a:cubicBezTo>
-                  <a:close/>
-                </a:path>
-              </a:pathLst>
-            </a:custGeom>
-            <a:solidFill>
-              <a:schemeClr val="accent4">
-                <a:lumMod val="60000"/>
-                <a:lumOff val="40000"/>
-                <a:alpha val="50196"/>
-              </a:schemeClr>
-            </a:solidFill>
-            <a:ln>
-              <a:noFill/>
-            </a:ln>
-            <a:effectLst/>
-          </p:spPr>
-          <p:style>
-            <a:lnRef idx="1">
-              <a:schemeClr val="accent1"/>
-            </a:lnRef>
-            <a:fillRef idx="3">
-              <a:schemeClr val="accent1"/>
-            </a:fillRef>
-            <a:effectRef idx="2">
-              <a:schemeClr val="accent1"/>
-            </a:effectRef>
-            <a:fontRef idx="minor">
-              <a:schemeClr val="lt1"/>
-            </a:fontRef>
-          </p:style>
-          <p:txBody>
-            <a:bodyPr wrap="square" rtlCol="0" anchor="ctr">
-              <a:noAutofit/>
-            </a:bodyPr>
-            <a:lstStyle/>
-            <a:p>
-              <a:pPr algn="ctr"/>
-              <a:endParaRPr lang="en-US" sz="800" dirty="0">
-                <a:latin typeface="Arial" panose="020B0604020202020204" pitchFamily="34" charset="0"/>
-                <a:cs typeface="Arial" panose="020B0604020202020204" pitchFamily="34" charset="0"/>
-              </a:endParaRPr>
-            </a:p>
-          </p:txBody>
-        </p:sp>
-        <p:sp>
-          <p:nvSpPr>
-            <p:cNvPr id="60" name="Oval 59">
-              <a:extLst>
-                <a:ext uri="{FF2B5EF4-FFF2-40B4-BE49-F238E27FC236}">
-                  <a16:creationId xmlns:a16="http://schemas.microsoft.com/office/drawing/2014/main" id="{C9A9A9CB-B60E-E2BB-8493-440E1FC67AE2}"/>
-                </a:ext>
-              </a:extLst>
-            </p:cNvPr>
-            <p:cNvSpPr/>
-            <p:nvPr/>
-          </p:nvSpPr>
-          <p:spPr>
-            <a:xfrm>
-              <a:off x="2719182" y="944085"/>
-              <a:ext cx="143735" cy="143734"/>
-            </a:xfrm>
-            <a:prstGeom prst="ellipse">
-              <a:avLst/>
-            </a:prstGeom>
-            <a:noFill/>
-            <a:ln w="12700">
-              <a:solidFill>
-                <a:schemeClr val="tx1"/>
-              </a:solidFill>
-            </a:ln>
-            <a:effectLst/>
-          </p:spPr>
-          <p:style>
-            <a:lnRef idx="1">
-              <a:schemeClr val="accent1"/>
-            </a:lnRef>
-            <a:fillRef idx="3">
-              <a:schemeClr val="accent1"/>
-            </a:fillRef>
-            <a:effectRef idx="2">
-              <a:schemeClr val="accent1"/>
-            </a:effectRef>
-            <a:fontRef idx="minor">
-              <a:schemeClr val="lt1"/>
-            </a:fontRef>
-          </p:style>
-          <p:txBody>
-            <a:bodyPr rtlCol="0" anchor="ctr"/>
-            <a:lstStyle/>
-            <a:p>
-              <a:pPr algn="ctr"/>
-              <a:endParaRPr lang="en-US" sz="800" dirty="0">
-                <a:latin typeface="Arial" panose="020B0604020202020204" pitchFamily="34" charset="0"/>
-                <a:cs typeface="Arial" panose="020B0604020202020204" pitchFamily="34" charset="0"/>
-              </a:endParaRPr>
-            </a:p>
-          </p:txBody>
-        </p:sp>
-      </p:grpSp>
-      <p:grpSp>
-        <p:nvGrpSpPr>
-          <p:cNvPr id="61" name="Group 60">
-            <a:extLst>
-              <a:ext uri="{FF2B5EF4-FFF2-40B4-BE49-F238E27FC236}">
-                <a16:creationId xmlns:a16="http://schemas.microsoft.com/office/drawing/2014/main" id="{8D23630B-EA37-C098-44BA-EDDB6DBE5B9D}"/>
-              </a:ext>
-            </a:extLst>
-          </p:cNvPr>
-          <p:cNvGrpSpPr/>
-          <p:nvPr/>
-        </p:nvGrpSpPr>
-        <p:grpSpPr>
-          <a:xfrm>
-            <a:off x="2519813" y="1061712"/>
-            <a:ext cx="143736" cy="143734"/>
-            <a:chOff x="2719182" y="944085"/>
-            <a:chExt cx="143736" cy="143734"/>
-          </a:xfrm>
-        </p:grpSpPr>
-        <p:sp>
-          <p:nvSpPr>
-            <p:cNvPr id="62" name="Oval 61">
-              <a:extLst>
-                <a:ext uri="{FF2B5EF4-FFF2-40B4-BE49-F238E27FC236}">
-                  <a16:creationId xmlns:a16="http://schemas.microsoft.com/office/drawing/2014/main" id="{5EE323C6-4D5D-028F-9070-312DF183B3BE}"/>
-                </a:ext>
-              </a:extLst>
-            </p:cNvPr>
-            <p:cNvSpPr/>
-            <p:nvPr/>
-          </p:nvSpPr>
-          <p:spPr>
-            <a:xfrm>
-              <a:off x="2719183" y="944085"/>
-              <a:ext cx="143735" cy="143734"/>
-            </a:xfrm>
-            <a:prstGeom prst="ellipse">
-              <a:avLst/>
-            </a:prstGeom>
-            <a:solidFill>
-              <a:srgbClr val="F1AB00"/>
-            </a:solidFill>
-            <a:ln w="12700">
-              <a:solidFill>
-                <a:schemeClr val="tx1"/>
-              </a:solidFill>
-            </a:ln>
-            <a:effectLst/>
-          </p:spPr>
-          <p:style>
-            <a:lnRef idx="1">
-              <a:schemeClr val="accent1"/>
-            </a:lnRef>
-            <a:fillRef idx="3">
-              <a:schemeClr val="accent1"/>
-            </a:fillRef>
-            <a:effectRef idx="2">
-              <a:schemeClr val="accent1"/>
-            </a:effectRef>
-            <a:fontRef idx="minor">
-              <a:schemeClr val="lt1"/>
-            </a:fontRef>
-          </p:style>
-          <p:txBody>
-            <a:bodyPr rtlCol="0" anchor="ctr"/>
-            <a:lstStyle/>
-            <a:p>
-              <a:pPr algn="ctr"/>
-              <a:endParaRPr lang="en-US" sz="800" dirty="0">
-                <a:latin typeface="Arial" panose="020B0604020202020204" pitchFamily="34" charset="0"/>
-                <a:cs typeface="Arial" panose="020B0604020202020204" pitchFamily="34" charset="0"/>
-              </a:endParaRPr>
-            </a:p>
-          </p:txBody>
-        </p:sp>
-        <p:sp>
-          <p:nvSpPr>
-            <p:cNvPr id="63" name="Freeform 62">
-              <a:extLst>
-                <a:ext uri="{FF2B5EF4-FFF2-40B4-BE49-F238E27FC236}">
-                  <a16:creationId xmlns:a16="http://schemas.microsoft.com/office/drawing/2014/main" id="{69A3334E-49C5-6067-791F-5815C10B86EA}"/>
-                </a:ext>
-              </a:extLst>
-            </p:cNvPr>
-            <p:cNvSpPr/>
-            <p:nvPr/>
-          </p:nvSpPr>
-          <p:spPr>
-            <a:xfrm>
-              <a:off x="2748346" y="948240"/>
-              <a:ext cx="114346" cy="113472"/>
-            </a:xfrm>
-            <a:custGeom>
-              <a:avLst/>
-              <a:gdLst>
-                <a:gd name="connsiteX0" fmla="*/ 108741 w 292716"/>
-                <a:gd name="connsiteY0" fmla="*/ 0 h 290478"/>
-                <a:gd name="connsiteX1" fmla="*/ 292716 w 292716"/>
-                <a:gd name="connsiteY1" fmla="*/ 183974 h 290478"/>
-                <a:gd name="connsiteX2" fmla="*/ 278259 w 292716"/>
-                <a:gd name="connsiteY2" fmla="*/ 255585 h 290478"/>
-                <a:gd name="connsiteX3" fmla="*/ 271893 w 292716"/>
-                <a:gd name="connsiteY3" fmla="*/ 265027 h 290478"/>
-                <a:gd name="connsiteX4" fmla="*/ 255587 w 292716"/>
-                <a:gd name="connsiteY4" fmla="*/ 276021 h 290478"/>
-                <a:gd name="connsiteX5" fmla="*/ 183975 w 292716"/>
-                <a:gd name="connsiteY5" fmla="*/ 290478 h 290478"/>
-                <a:gd name="connsiteX6" fmla="*/ 0 w 292716"/>
-                <a:gd name="connsiteY6" fmla="*/ 106504 h 290478"/>
-                <a:gd name="connsiteX7" fmla="*/ 14458 w 292716"/>
-                <a:gd name="connsiteY7" fmla="*/ 34893 h 290478"/>
-                <a:gd name="connsiteX8" fmla="*/ 20824 w 292716"/>
-                <a:gd name="connsiteY8" fmla="*/ 25452 h 290478"/>
-                <a:gd name="connsiteX9" fmla="*/ 37130 w 292716"/>
-                <a:gd name="connsiteY9" fmla="*/ 14458 h 290478"/>
-                <a:gd name="connsiteX10" fmla="*/ 108741 w 292716"/>
-                <a:gd name="connsiteY10" fmla="*/ 0 h 290478"/>
-              </a:gdLst>
-              <a:ahLst/>
-              <a:cxnLst>
-                <a:cxn ang="0">
-                  <a:pos x="connsiteX0" y="connsiteY0"/>
-                </a:cxn>
-                <a:cxn ang="0">
-                  <a:pos x="connsiteX1" y="connsiteY1"/>
-                </a:cxn>
-                <a:cxn ang="0">
-                  <a:pos x="connsiteX2" y="connsiteY2"/>
-                </a:cxn>
-                <a:cxn ang="0">
-                  <a:pos x="connsiteX3" y="connsiteY3"/>
-                </a:cxn>
-                <a:cxn ang="0">
-                  <a:pos x="connsiteX4" y="connsiteY4"/>
-                </a:cxn>
-                <a:cxn ang="0">
-                  <a:pos x="connsiteX5" y="connsiteY5"/>
-                </a:cxn>
-                <a:cxn ang="0">
-                  <a:pos x="connsiteX6" y="connsiteY6"/>
-                </a:cxn>
-                <a:cxn ang="0">
-                  <a:pos x="connsiteX7" y="connsiteY7"/>
-                </a:cxn>
-                <a:cxn ang="0">
-                  <a:pos x="connsiteX8" y="connsiteY8"/>
-                </a:cxn>
-                <a:cxn ang="0">
-                  <a:pos x="connsiteX9" y="connsiteY9"/>
-                </a:cxn>
-                <a:cxn ang="0">
-                  <a:pos x="connsiteX10" y="connsiteY10"/>
-                </a:cxn>
-              </a:cxnLst>
-              <a:rect l="l" t="t" r="r" b="b"/>
-              <a:pathLst>
-                <a:path w="292716" h="290478">
-                  <a:moveTo>
-                    <a:pt x="108741" y="0"/>
-                  </a:moveTo>
-                  <a:cubicBezTo>
-                    <a:pt x="210348" y="0"/>
-                    <a:pt x="292716" y="82368"/>
-                    <a:pt x="292716" y="183974"/>
-                  </a:cubicBezTo>
-                  <a:cubicBezTo>
-                    <a:pt x="292716" y="209376"/>
-                    <a:pt x="287568" y="233575"/>
-                    <a:pt x="278259" y="255585"/>
-                  </a:cubicBezTo>
-                  <a:lnTo>
-                    <a:pt x="271893" y="265027"/>
-                  </a:lnTo>
-                  <a:lnTo>
-                    <a:pt x="255587" y="276021"/>
-                  </a:lnTo>
-                  <a:cubicBezTo>
-                    <a:pt x="233576" y="285330"/>
-                    <a:pt x="209377" y="290478"/>
-                    <a:pt x="183975" y="290478"/>
-                  </a:cubicBezTo>
-                  <a:cubicBezTo>
-                    <a:pt x="82368" y="290478"/>
-                    <a:pt x="0" y="208110"/>
-                    <a:pt x="0" y="106504"/>
-                  </a:cubicBezTo>
-                  <a:cubicBezTo>
-                    <a:pt x="0" y="81103"/>
-                    <a:pt x="5148" y="56904"/>
-                    <a:pt x="14458" y="34893"/>
-                  </a:cubicBezTo>
-                  <a:lnTo>
-                    <a:pt x="20824" y="25452"/>
-                  </a:lnTo>
-                  <a:lnTo>
-                    <a:pt x="37130" y="14458"/>
-                  </a:lnTo>
-                  <a:cubicBezTo>
-                    <a:pt x="59140" y="5148"/>
-                    <a:pt x="83340" y="0"/>
-                    <a:pt x="108741" y="0"/>
-                  </a:cubicBezTo>
-                  <a:close/>
-                </a:path>
-              </a:pathLst>
-            </a:custGeom>
-            <a:solidFill>
-              <a:schemeClr val="accent4">
-                <a:lumMod val="60000"/>
-                <a:lumOff val="40000"/>
-                <a:alpha val="50196"/>
-              </a:schemeClr>
-            </a:solidFill>
-            <a:ln>
-              <a:noFill/>
-            </a:ln>
-            <a:effectLst/>
-          </p:spPr>
-          <p:style>
-            <a:lnRef idx="1">
-              <a:schemeClr val="accent1"/>
-            </a:lnRef>
-            <a:fillRef idx="3">
-              <a:schemeClr val="accent1"/>
-            </a:fillRef>
-            <a:effectRef idx="2">
-              <a:schemeClr val="accent1"/>
-            </a:effectRef>
-            <a:fontRef idx="minor">
-              <a:schemeClr val="lt1"/>
-            </a:fontRef>
-          </p:style>
-          <p:txBody>
-            <a:bodyPr wrap="square" rtlCol="0" anchor="ctr">
-              <a:noAutofit/>
-            </a:bodyPr>
-            <a:lstStyle/>
-            <a:p>
-              <a:pPr algn="ctr"/>
-              <a:endParaRPr lang="en-US" sz="800" dirty="0">
-                <a:latin typeface="Arial" panose="020B0604020202020204" pitchFamily="34" charset="0"/>
-                <a:cs typeface="Arial" panose="020B0604020202020204" pitchFamily="34" charset="0"/>
-              </a:endParaRPr>
-            </a:p>
-          </p:txBody>
-        </p:sp>
-        <p:sp>
-          <p:nvSpPr>
-            <p:cNvPr id="64" name="Oval 63">
-              <a:extLst>
-                <a:ext uri="{FF2B5EF4-FFF2-40B4-BE49-F238E27FC236}">
-                  <a16:creationId xmlns:a16="http://schemas.microsoft.com/office/drawing/2014/main" id="{91D591ED-86DC-1D83-F058-FBB8C6B4FC03}"/>
-                </a:ext>
-              </a:extLst>
-            </p:cNvPr>
-            <p:cNvSpPr/>
-            <p:nvPr/>
-          </p:nvSpPr>
-          <p:spPr>
-            <a:xfrm>
-              <a:off x="2719182" y="944085"/>
-              <a:ext cx="143735" cy="143734"/>
-            </a:xfrm>
-            <a:prstGeom prst="ellipse">
-              <a:avLst/>
-            </a:prstGeom>
-            <a:noFill/>
-            <a:ln w="12700">
-              <a:solidFill>
-                <a:schemeClr val="tx1"/>
-              </a:solidFill>
-            </a:ln>
-            <a:effectLst/>
-          </p:spPr>
-          <p:style>
-            <a:lnRef idx="1">
-              <a:schemeClr val="accent1"/>
-            </a:lnRef>
-            <a:fillRef idx="3">
-              <a:schemeClr val="accent1"/>
-            </a:fillRef>
-            <a:effectRef idx="2">
-              <a:schemeClr val="accent1"/>
-            </a:effectRef>
-            <a:fontRef idx="minor">
-              <a:schemeClr val="lt1"/>
-            </a:fontRef>
-          </p:style>
-          <p:txBody>
-            <a:bodyPr rtlCol="0" anchor="ctr"/>
-            <a:lstStyle/>
-            <a:p>
-              <a:pPr algn="ctr"/>
-              <a:endParaRPr lang="en-US" sz="800" dirty="0">
-                <a:latin typeface="Arial" panose="020B0604020202020204" pitchFamily="34" charset="0"/>
-                <a:cs typeface="Arial" panose="020B0604020202020204" pitchFamily="34" charset="0"/>
-              </a:endParaRPr>
-            </a:p>
-          </p:txBody>
-        </p:sp>
-      </p:grpSp>
-      <p:grpSp>
-        <p:nvGrpSpPr>
-          <p:cNvPr id="65" name="Group 64">
-            <a:extLst>
-              <a:ext uri="{FF2B5EF4-FFF2-40B4-BE49-F238E27FC236}">
-                <a16:creationId xmlns:a16="http://schemas.microsoft.com/office/drawing/2014/main" id="{FE86316A-9891-6A26-28A9-37210C3593E5}"/>
-              </a:ext>
-            </a:extLst>
-          </p:cNvPr>
-          <p:cNvGrpSpPr/>
-          <p:nvPr/>
-        </p:nvGrpSpPr>
-        <p:grpSpPr>
-          <a:xfrm>
-            <a:off x="2268777" y="976084"/>
-            <a:ext cx="143736" cy="143734"/>
-            <a:chOff x="2719182" y="944085"/>
-            <a:chExt cx="143736" cy="143734"/>
-          </a:xfrm>
-        </p:grpSpPr>
-        <p:sp>
-          <p:nvSpPr>
-            <p:cNvPr id="66" name="Oval 65">
-              <a:extLst>
-                <a:ext uri="{FF2B5EF4-FFF2-40B4-BE49-F238E27FC236}">
-                  <a16:creationId xmlns:a16="http://schemas.microsoft.com/office/drawing/2014/main" id="{5E0B987C-0A13-A458-A7DF-61088CF221DC}"/>
-                </a:ext>
-              </a:extLst>
-            </p:cNvPr>
-            <p:cNvSpPr/>
-            <p:nvPr/>
-          </p:nvSpPr>
-          <p:spPr>
-            <a:xfrm>
-              <a:off x="2719183" y="944085"/>
-              <a:ext cx="143735" cy="143734"/>
-            </a:xfrm>
-            <a:prstGeom prst="ellipse">
-              <a:avLst/>
-            </a:prstGeom>
-            <a:solidFill>
-              <a:srgbClr val="F1AB00"/>
-            </a:solidFill>
-            <a:ln w="12700">
-              <a:solidFill>
-                <a:schemeClr val="tx1"/>
-              </a:solidFill>
-            </a:ln>
-            <a:effectLst/>
-          </p:spPr>
-          <p:style>
-            <a:lnRef idx="1">
-              <a:schemeClr val="accent1"/>
-            </a:lnRef>
-            <a:fillRef idx="3">
-              <a:schemeClr val="accent1"/>
-            </a:fillRef>
-            <a:effectRef idx="2">
-              <a:schemeClr val="accent1"/>
-            </a:effectRef>
-            <a:fontRef idx="minor">
-              <a:schemeClr val="lt1"/>
-            </a:fontRef>
-          </p:style>
-          <p:txBody>
-            <a:bodyPr rtlCol="0" anchor="ctr"/>
-            <a:lstStyle/>
-            <a:p>
-              <a:pPr algn="ctr"/>
-              <a:endParaRPr lang="en-US" sz="800" dirty="0">
-                <a:latin typeface="Arial" panose="020B0604020202020204" pitchFamily="34" charset="0"/>
-                <a:cs typeface="Arial" panose="020B0604020202020204" pitchFamily="34" charset="0"/>
-              </a:endParaRPr>
-            </a:p>
-          </p:txBody>
-        </p:sp>
-        <p:sp>
-          <p:nvSpPr>
-            <p:cNvPr id="67" name="Freeform 66">
-              <a:extLst>
-                <a:ext uri="{FF2B5EF4-FFF2-40B4-BE49-F238E27FC236}">
-                  <a16:creationId xmlns:a16="http://schemas.microsoft.com/office/drawing/2014/main" id="{E06DDAB0-8A3C-30E9-A1B2-CD20505FC904}"/>
-                </a:ext>
-              </a:extLst>
-            </p:cNvPr>
-            <p:cNvSpPr/>
-            <p:nvPr/>
-          </p:nvSpPr>
-          <p:spPr>
-            <a:xfrm>
-              <a:off x="2748346" y="948240"/>
-              <a:ext cx="114346" cy="113472"/>
-            </a:xfrm>
-            <a:custGeom>
-              <a:avLst/>
-              <a:gdLst>
-                <a:gd name="connsiteX0" fmla="*/ 108741 w 292716"/>
-                <a:gd name="connsiteY0" fmla="*/ 0 h 290478"/>
-                <a:gd name="connsiteX1" fmla="*/ 292716 w 292716"/>
-                <a:gd name="connsiteY1" fmla="*/ 183974 h 290478"/>
-                <a:gd name="connsiteX2" fmla="*/ 278259 w 292716"/>
-                <a:gd name="connsiteY2" fmla="*/ 255585 h 290478"/>
-                <a:gd name="connsiteX3" fmla="*/ 271893 w 292716"/>
-                <a:gd name="connsiteY3" fmla="*/ 265027 h 290478"/>
-                <a:gd name="connsiteX4" fmla="*/ 255587 w 292716"/>
-                <a:gd name="connsiteY4" fmla="*/ 276021 h 290478"/>
-                <a:gd name="connsiteX5" fmla="*/ 183975 w 292716"/>
-                <a:gd name="connsiteY5" fmla="*/ 290478 h 290478"/>
-                <a:gd name="connsiteX6" fmla="*/ 0 w 292716"/>
-                <a:gd name="connsiteY6" fmla="*/ 106504 h 290478"/>
-                <a:gd name="connsiteX7" fmla="*/ 14458 w 292716"/>
-                <a:gd name="connsiteY7" fmla="*/ 34893 h 290478"/>
-                <a:gd name="connsiteX8" fmla="*/ 20824 w 292716"/>
-                <a:gd name="connsiteY8" fmla="*/ 25452 h 290478"/>
-                <a:gd name="connsiteX9" fmla="*/ 37130 w 292716"/>
-                <a:gd name="connsiteY9" fmla="*/ 14458 h 290478"/>
-                <a:gd name="connsiteX10" fmla="*/ 108741 w 292716"/>
-                <a:gd name="connsiteY10" fmla="*/ 0 h 290478"/>
-              </a:gdLst>
-              <a:ahLst/>
-              <a:cxnLst>
-                <a:cxn ang="0">
-                  <a:pos x="connsiteX0" y="connsiteY0"/>
-                </a:cxn>
-                <a:cxn ang="0">
-                  <a:pos x="connsiteX1" y="connsiteY1"/>
-                </a:cxn>
-                <a:cxn ang="0">
-                  <a:pos x="connsiteX2" y="connsiteY2"/>
-                </a:cxn>
-                <a:cxn ang="0">
-                  <a:pos x="connsiteX3" y="connsiteY3"/>
-                </a:cxn>
-                <a:cxn ang="0">
-                  <a:pos x="connsiteX4" y="connsiteY4"/>
-                </a:cxn>
-                <a:cxn ang="0">
-                  <a:pos x="connsiteX5" y="connsiteY5"/>
-                </a:cxn>
-                <a:cxn ang="0">
-                  <a:pos x="connsiteX6" y="connsiteY6"/>
-                </a:cxn>
-                <a:cxn ang="0">
-                  <a:pos x="connsiteX7" y="connsiteY7"/>
-                </a:cxn>
-                <a:cxn ang="0">
-                  <a:pos x="connsiteX8" y="connsiteY8"/>
-                </a:cxn>
-                <a:cxn ang="0">
-                  <a:pos x="connsiteX9" y="connsiteY9"/>
-                </a:cxn>
-                <a:cxn ang="0">
-                  <a:pos x="connsiteX10" y="connsiteY10"/>
-                </a:cxn>
-              </a:cxnLst>
-              <a:rect l="l" t="t" r="r" b="b"/>
-              <a:pathLst>
-                <a:path w="292716" h="290478">
-                  <a:moveTo>
-                    <a:pt x="108741" y="0"/>
-                  </a:moveTo>
-                  <a:cubicBezTo>
-                    <a:pt x="210348" y="0"/>
-                    <a:pt x="292716" y="82368"/>
-                    <a:pt x="292716" y="183974"/>
-                  </a:cubicBezTo>
-                  <a:cubicBezTo>
-                    <a:pt x="292716" y="209376"/>
-                    <a:pt x="287568" y="233575"/>
-                    <a:pt x="278259" y="255585"/>
-                  </a:cubicBezTo>
-                  <a:lnTo>
-                    <a:pt x="271893" y="265027"/>
-                  </a:lnTo>
-                  <a:lnTo>
-                    <a:pt x="255587" y="276021"/>
-                  </a:lnTo>
-                  <a:cubicBezTo>
-                    <a:pt x="233576" y="285330"/>
-                    <a:pt x="209377" y="290478"/>
-                    <a:pt x="183975" y="290478"/>
-                  </a:cubicBezTo>
-                  <a:cubicBezTo>
-                    <a:pt x="82368" y="290478"/>
-                    <a:pt x="0" y="208110"/>
-                    <a:pt x="0" y="106504"/>
-                  </a:cubicBezTo>
-                  <a:cubicBezTo>
-                    <a:pt x="0" y="81103"/>
-                    <a:pt x="5148" y="56904"/>
-                    <a:pt x="14458" y="34893"/>
-                  </a:cubicBezTo>
-                  <a:lnTo>
-                    <a:pt x="20824" y="25452"/>
-                  </a:lnTo>
-                  <a:lnTo>
-                    <a:pt x="37130" y="14458"/>
-                  </a:lnTo>
-                  <a:cubicBezTo>
-                    <a:pt x="59140" y="5148"/>
-                    <a:pt x="83340" y="0"/>
-                    <a:pt x="108741" y="0"/>
-                  </a:cubicBezTo>
-                  <a:close/>
-                </a:path>
-              </a:pathLst>
-            </a:custGeom>
-            <a:solidFill>
-              <a:schemeClr val="accent4">
-                <a:lumMod val="60000"/>
-                <a:lumOff val="40000"/>
-                <a:alpha val="50196"/>
-              </a:schemeClr>
-            </a:solidFill>
-            <a:ln>
-              <a:noFill/>
-            </a:ln>
-            <a:effectLst/>
-          </p:spPr>
-          <p:style>
-            <a:lnRef idx="1">
-              <a:schemeClr val="accent1"/>
-            </a:lnRef>
-            <a:fillRef idx="3">
-              <a:schemeClr val="accent1"/>
-            </a:fillRef>
-            <a:effectRef idx="2">
-              <a:schemeClr val="accent1"/>
-            </a:effectRef>
-            <a:fontRef idx="minor">
-              <a:schemeClr val="lt1"/>
-            </a:fontRef>
-          </p:style>
-          <p:txBody>
-            <a:bodyPr wrap="square" rtlCol="0" anchor="ctr">
-              <a:noAutofit/>
-            </a:bodyPr>
-            <a:lstStyle/>
-            <a:p>
-              <a:pPr algn="ctr"/>
-              <a:endParaRPr lang="en-US" sz="800" dirty="0">
-                <a:latin typeface="Arial" panose="020B0604020202020204" pitchFamily="34" charset="0"/>
-                <a:cs typeface="Arial" panose="020B0604020202020204" pitchFamily="34" charset="0"/>
-              </a:endParaRPr>
-            </a:p>
-          </p:txBody>
-        </p:sp>
-        <p:sp>
-          <p:nvSpPr>
-            <p:cNvPr id="68" name="Oval 67">
-              <a:extLst>
-                <a:ext uri="{FF2B5EF4-FFF2-40B4-BE49-F238E27FC236}">
-                  <a16:creationId xmlns:a16="http://schemas.microsoft.com/office/drawing/2014/main" id="{CDB76E7C-5946-3697-4D1D-D47F005E94C0}"/>
-                </a:ext>
-              </a:extLst>
-            </p:cNvPr>
-            <p:cNvSpPr/>
-            <p:nvPr/>
-          </p:nvSpPr>
-          <p:spPr>
-            <a:xfrm>
-              <a:off x="2719182" y="944085"/>
-              <a:ext cx="143735" cy="143734"/>
-            </a:xfrm>
-            <a:prstGeom prst="ellipse">
-              <a:avLst/>
-            </a:prstGeom>
-            <a:noFill/>
-            <a:ln w="12700">
-              <a:solidFill>
-                <a:schemeClr val="tx1"/>
-              </a:solidFill>
-            </a:ln>
-            <a:effectLst/>
-          </p:spPr>
-          <p:style>
-            <a:lnRef idx="1">
-              <a:schemeClr val="accent1"/>
-            </a:lnRef>
-            <a:fillRef idx="3">
-              <a:schemeClr val="accent1"/>
-            </a:fillRef>
-            <a:effectRef idx="2">
-              <a:schemeClr val="accent1"/>
-            </a:effectRef>
-            <a:fontRef idx="minor">
-              <a:schemeClr val="lt1"/>
-            </a:fontRef>
-          </p:style>
-          <p:txBody>
-            <a:bodyPr rtlCol="0" anchor="ctr"/>
-            <a:lstStyle/>
-            <a:p>
-              <a:pPr algn="ctr"/>
-              <a:endParaRPr lang="en-US" sz="800" dirty="0">
-                <a:latin typeface="Arial" panose="020B0604020202020204" pitchFamily="34" charset="0"/>
-                <a:cs typeface="Arial" panose="020B0604020202020204" pitchFamily="34" charset="0"/>
-              </a:endParaRPr>
-            </a:p>
-          </p:txBody>
-        </p:sp>
-      </p:grpSp>
-      <p:grpSp>
-        <p:nvGrpSpPr>
-          <p:cNvPr id="69" name="Group 68">
-            <a:extLst>
-              <a:ext uri="{FF2B5EF4-FFF2-40B4-BE49-F238E27FC236}">
-                <a16:creationId xmlns:a16="http://schemas.microsoft.com/office/drawing/2014/main" id="{0053B9B5-E088-E64F-B287-AF147D31E1ED}"/>
-              </a:ext>
-            </a:extLst>
-          </p:cNvPr>
-          <p:cNvGrpSpPr/>
-          <p:nvPr/>
-        </p:nvGrpSpPr>
-        <p:grpSpPr>
-          <a:xfrm>
-            <a:off x="2010759" y="1061712"/>
-            <a:ext cx="143736" cy="143734"/>
-            <a:chOff x="2719182" y="944085"/>
-            <a:chExt cx="143736" cy="143734"/>
-          </a:xfrm>
-        </p:grpSpPr>
-        <p:sp>
-          <p:nvSpPr>
-            <p:cNvPr id="70" name="Oval 69">
-              <a:extLst>
-                <a:ext uri="{FF2B5EF4-FFF2-40B4-BE49-F238E27FC236}">
-                  <a16:creationId xmlns:a16="http://schemas.microsoft.com/office/drawing/2014/main" id="{2EB9451A-BB32-24CD-77CF-0D19EF489E1C}"/>
-                </a:ext>
-              </a:extLst>
-            </p:cNvPr>
-            <p:cNvSpPr/>
-            <p:nvPr/>
-          </p:nvSpPr>
-          <p:spPr>
-            <a:xfrm>
-              <a:off x="2719183" y="944085"/>
-              <a:ext cx="143735" cy="143734"/>
-            </a:xfrm>
-            <a:prstGeom prst="ellipse">
-              <a:avLst/>
-            </a:prstGeom>
-            <a:solidFill>
-              <a:srgbClr val="F1AB00"/>
-            </a:solidFill>
-            <a:ln w="12700">
-              <a:solidFill>
-                <a:schemeClr val="tx1"/>
-              </a:solidFill>
-            </a:ln>
-            <a:effectLst/>
-          </p:spPr>
-          <p:style>
-            <a:lnRef idx="1">
-              <a:schemeClr val="accent1"/>
-            </a:lnRef>
-            <a:fillRef idx="3">
-              <a:schemeClr val="accent1"/>
-            </a:fillRef>
-            <a:effectRef idx="2">
-              <a:schemeClr val="accent1"/>
-            </a:effectRef>
-            <a:fontRef idx="minor">
-              <a:schemeClr val="lt1"/>
-            </a:fontRef>
-          </p:style>
-          <p:txBody>
-            <a:bodyPr rtlCol="0" anchor="ctr"/>
-            <a:lstStyle/>
-            <a:p>
-              <a:pPr algn="ctr"/>
-              <a:endParaRPr lang="en-US" sz="800" dirty="0">
-                <a:latin typeface="Arial" panose="020B0604020202020204" pitchFamily="34" charset="0"/>
-                <a:cs typeface="Arial" panose="020B0604020202020204" pitchFamily="34" charset="0"/>
-              </a:endParaRPr>
-            </a:p>
-          </p:txBody>
-        </p:sp>
-        <p:sp>
-          <p:nvSpPr>
-            <p:cNvPr id="71" name="Freeform 70">
-              <a:extLst>
-                <a:ext uri="{FF2B5EF4-FFF2-40B4-BE49-F238E27FC236}">
-                  <a16:creationId xmlns:a16="http://schemas.microsoft.com/office/drawing/2014/main" id="{D36FDB1B-6501-824B-3604-9F792314FA51}"/>
-                </a:ext>
-              </a:extLst>
-            </p:cNvPr>
-            <p:cNvSpPr/>
-            <p:nvPr/>
-          </p:nvSpPr>
-          <p:spPr>
-            <a:xfrm>
-              <a:off x="2748346" y="948240"/>
-              <a:ext cx="114346" cy="113472"/>
-            </a:xfrm>
-            <a:custGeom>
-              <a:avLst/>
-              <a:gdLst>
-                <a:gd name="connsiteX0" fmla="*/ 108741 w 292716"/>
-                <a:gd name="connsiteY0" fmla="*/ 0 h 290478"/>
-                <a:gd name="connsiteX1" fmla="*/ 292716 w 292716"/>
-                <a:gd name="connsiteY1" fmla="*/ 183974 h 290478"/>
-                <a:gd name="connsiteX2" fmla="*/ 278259 w 292716"/>
-                <a:gd name="connsiteY2" fmla="*/ 255585 h 290478"/>
-                <a:gd name="connsiteX3" fmla="*/ 271893 w 292716"/>
-                <a:gd name="connsiteY3" fmla="*/ 265027 h 290478"/>
-                <a:gd name="connsiteX4" fmla="*/ 255587 w 292716"/>
-                <a:gd name="connsiteY4" fmla="*/ 276021 h 290478"/>
-                <a:gd name="connsiteX5" fmla="*/ 183975 w 292716"/>
-                <a:gd name="connsiteY5" fmla="*/ 290478 h 290478"/>
-                <a:gd name="connsiteX6" fmla="*/ 0 w 292716"/>
-                <a:gd name="connsiteY6" fmla="*/ 106504 h 290478"/>
-                <a:gd name="connsiteX7" fmla="*/ 14458 w 292716"/>
-                <a:gd name="connsiteY7" fmla="*/ 34893 h 290478"/>
-                <a:gd name="connsiteX8" fmla="*/ 20824 w 292716"/>
-                <a:gd name="connsiteY8" fmla="*/ 25452 h 290478"/>
-                <a:gd name="connsiteX9" fmla="*/ 37130 w 292716"/>
-                <a:gd name="connsiteY9" fmla="*/ 14458 h 290478"/>
-                <a:gd name="connsiteX10" fmla="*/ 108741 w 292716"/>
-                <a:gd name="connsiteY10" fmla="*/ 0 h 290478"/>
-              </a:gdLst>
-              <a:ahLst/>
-              <a:cxnLst>
-                <a:cxn ang="0">
-                  <a:pos x="connsiteX0" y="connsiteY0"/>
-                </a:cxn>
-                <a:cxn ang="0">
-                  <a:pos x="connsiteX1" y="connsiteY1"/>
-                </a:cxn>
-                <a:cxn ang="0">
-                  <a:pos x="connsiteX2" y="connsiteY2"/>
-                </a:cxn>
-                <a:cxn ang="0">
-                  <a:pos x="connsiteX3" y="connsiteY3"/>
-                </a:cxn>
-                <a:cxn ang="0">
-                  <a:pos x="connsiteX4" y="connsiteY4"/>
-                </a:cxn>
-                <a:cxn ang="0">
-                  <a:pos x="connsiteX5" y="connsiteY5"/>
-                </a:cxn>
-                <a:cxn ang="0">
-                  <a:pos x="connsiteX6" y="connsiteY6"/>
-                </a:cxn>
-                <a:cxn ang="0">
-                  <a:pos x="connsiteX7" y="connsiteY7"/>
-                </a:cxn>
-                <a:cxn ang="0">
-                  <a:pos x="connsiteX8" y="connsiteY8"/>
-                </a:cxn>
-                <a:cxn ang="0">
-                  <a:pos x="connsiteX9" y="connsiteY9"/>
-                </a:cxn>
-                <a:cxn ang="0">
-                  <a:pos x="connsiteX10" y="connsiteY10"/>
-                </a:cxn>
-              </a:cxnLst>
-              <a:rect l="l" t="t" r="r" b="b"/>
-              <a:pathLst>
-                <a:path w="292716" h="290478">
-                  <a:moveTo>
-                    <a:pt x="108741" y="0"/>
-                  </a:moveTo>
-                  <a:cubicBezTo>
-                    <a:pt x="210348" y="0"/>
-                    <a:pt x="292716" y="82368"/>
-                    <a:pt x="292716" y="183974"/>
-                  </a:cubicBezTo>
-                  <a:cubicBezTo>
-                    <a:pt x="292716" y="209376"/>
-                    <a:pt x="287568" y="233575"/>
-                    <a:pt x="278259" y="255585"/>
-                  </a:cubicBezTo>
-                  <a:lnTo>
-                    <a:pt x="271893" y="265027"/>
-                  </a:lnTo>
-                  <a:lnTo>
-                    <a:pt x="255587" y="276021"/>
-                  </a:lnTo>
-                  <a:cubicBezTo>
-                    <a:pt x="233576" y="285330"/>
-                    <a:pt x="209377" y="290478"/>
-                    <a:pt x="183975" y="290478"/>
-                  </a:cubicBezTo>
-                  <a:cubicBezTo>
-                    <a:pt x="82368" y="290478"/>
-                    <a:pt x="0" y="208110"/>
-                    <a:pt x="0" y="106504"/>
-                  </a:cubicBezTo>
-                  <a:cubicBezTo>
-                    <a:pt x="0" y="81103"/>
-                    <a:pt x="5148" y="56904"/>
-                    <a:pt x="14458" y="34893"/>
-                  </a:cubicBezTo>
-                  <a:lnTo>
-                    <a:pt x="20824" y="25452"/>
-                  </a:lnTo>
-                  <a:lnTo>
-                    <a:pt x="37130" y="14458"/>
-                  </a:lnTo>
-                  <a:cubicBezTo>
-                    <a:pt x="59140" y="5148"/>
-                    <a:pt x="83340" y="0"/>
-                    <a:pt x="108741" y="0"/>
-                  </a:cubicBezTo>
-                  <a:close/>
-                </a:path>
-              </a:pathLst>
-            </a:custGeom>
-            <a:solidFill>
-              <a:schemeClr val="accent4">
-                <a:lumMod val="60000"/>
-                <a:lumOff val="40000"/>
-                <a:alpha val="50196"/>
-              </a:schemeClr>
-            </a:solidFill>
-            <a:ln>
-              <a:noFill/>
-            </a:ln>
-            <a:effectLst/>
-          </p:spPr>
-          <p:style>
-            <a:lnRef idx="1">
-              <a:schemeClr val="accent1"/>
-            </a:lnRef>
-            <a:fillRef idx="3">
-              <a:schemeClr val="accent1"/>
-            </a:fillRef>
-            <a:effectRef idx="2">
-              <a:schemeClr val="accent1"/>
-            </a:effectRef>
-            <a:fontRef idx="minor">
-              <a:schemeClr val="lt1"/>
-            </a:fontRef>
-          </p:style>
-          <p:txBody>
-            <a:bodyPr wrap="square" rtlCol="0" anchor="ctr">
-              <a:noAutofit/>
-            </a:bodyPr>
-            <a:lstStyle/>
-            <a:p>
-              <a:pPr algn="ctr"/>
-              <a:endParaRPr lang="en-US" sz="800" dirty="0">
-                <a:latin typeface="Arial" panose="020B0604020202020204" pitchFamily="34" charset="0"/>
-                <a:cs typeface="Arial" panose="020B0604020202020204" pitchFamily="34" charset="0"/>
-              </a:endParaRPr>
-            </a:p>
-          </p:txBody>
-        </p:sp>
-        <p:sp>
-          <p:nvSpPr>
-            <p:cNvPr id="72" name="Oval 71">
-              <a:extLst>
-                <a:ext uri="{FF2B5EF4-FFF2-40B4-BE49-F238E27FC236}">
-                  <a16:creationId xmlns:a16="http://schemas.microsoft.com/office/drawing/2014/main" id="{8062C75B-142E-6604-F1CD-0DF6C199F6C1}"/>
-                </a:ext>
-              </a:extLst>
-            </p:cNvPr>
-            <p:cNvSpPr/>
-            <p:nvPr/>
-          </p:nvSpPr>
-          <p:spPr>
-            <a:xfrm>
-              <a:off x="2719182" y="944085"/>
-              <a:ext cx="143735" cy="143734"/>
-            </a:xfrm>
-            <a:prstGeom prst="ellipse">
-              <a:avLst/>
-            </a:prstGeom>
-            <a:noFill/>
-            <a:ln w="12700">
-              <a:solidFill>
-                <a:schemeClr val="tx1"/>
-              </a:solidFill>
-            </a:ln>
-            <a:effectLst/>
-          </p:spPr>
-          <p:style>
-            <a:lnRef idx="1">
-              <a:schemeClr val="accent1"/>
-            </a:lnRef>
-            <a:fillRef idx="3">
-              <a:schemeClr val="accent1"/>
-            </a:fillRef>
-            <a:effectRef idx="2">
-              <a:schemeClr val="accent1"/>
-            </a:effectRef>
-            <a:fontRef idx="minor">
-              <a:schemeClr val="lt1"/>
-            </a:fontRef>
-          </p:style>
-          <p:txBody>
-            <a:bodyPr rtlCol="0" anchor="ctr"/>
-            <a:lstStyle/>
-            <a:p>
-              <a:pPr algn="ctr"/>
-              <a:endParaRPr lang="en-US" sz="800" dirty="0">
-                <a:latin typeface="Arial" panose="020B0604020202020204" pitchFamily="34" charset="0"/>
-                <a:cs typeface="Arial" panose="020B0604020202020204" pitchFamily="34" charset="0"/>
-              </a:endParaRPr>
-            </a:p>
-          </p:txBody>
-        </p:sp>
-      </p:grpSp>
-      <p:grpSp>
-        <p:nvGrpSpPr>
-          <p:cNvPr id="73" name="Group 72">
-            <a:extLst>
-              <a:ext uri="{FF2B5EF4-FFF2-40B4-BE49-F238E27FC236}">
-                <a16:creationId xmlns:a16="http://schemas.microsoft.com/office/drawing/2014/main" id="{D52CF812-1C55-39F0-98AA-2BB3F56C7A72}"/>
-              </a:ext>
-            </a:extLst>
-          </p:cNvPr>
-          <p:cNvGrpSpPr/>
-          <p:nvPr/>
-        </p:nvGrpSpPr>
-        <p:grpSpPr>
-          <a:xfrm>
-            <a:off x="2320834" y="756022"/>
-            <a:ext cx="143736" cy="143734"/>
-            <a:chOff x="2719182" y="944085"/>
-            <a:chExt cx="143736" cy="143734"/>
-          </a:xfrm>
-        </p:grpSpPr>
-        <p:sp>
-          <p:nvSpPr>
-            <p:cNvPr id="74" name="Oval 73">
-              <a:extLst>
-                <a:ext uri="{FF2B5EF4-FFF2-40B4-BE49-F238E27FC236}">
-                  <a16:creationId xmlns:a16="http://schemas.microsoft.com/office/drawing/2014/main" id="{32DB922E-F862-04F3-1D9C-B6A86D0D7261}"/>
-                </a:ext>
-              </a:extLst>
-            </p:cNvPr>
-            <p:cNvSpPr/>
-            <p:nvPr/>
-          </p:nvSpPr>
-          <p:spPr>
-            <a:xfrm>
-              <a:off x="2719183" y="944085"/>
-              <a:ext cx="143735" cy="143734"/>
-            </a:xfrm>
-            <a:prstGeom prst="ellipse">
-              <a:avLst/>
-            </a:prstGeom>
-            <a:solidFill>
-              <a:srgbClr val="F1AB00"/>
-            </a:solidFill>
-            <a:ln w="12700">
-              <a:solidFill>
-                <a:schemeClr val="tx1"/>
-              </a:solidFill>
-            </a:ln>
-            <a:effectLst/>
-          </p:spPr>
-          <p:style>
-            <a:lnRef idx="1">
-              <a:schemeClr val="accent1"/>
-            </a:lnRef>
-            <a:fillRef idx="3">
-              <a:schemeClr val="accent1"/>
-            </a:fillRef>
-            <a:effectRef idx="2">
-              <a:schemeClr val="accent1"/>
-            </a:effectRef>
-            <a:fontRef idx="minor">
-              <a:schemeClr val="lt1"/>
-            </a:fontRef>
-          </p:style>
-          <p:txBody>
-            <a:bodyPr rtlCol="0" anchor="ctr"/>
-            <a:lstStyle/>
-            <a:p>
-              <a:pPr algn="ctr"/>
-              <a:endParaRPr lang="en-US" sz="800" dirty="0">
-                <a:latin typeface="Arial" panose="020B0604020202020204" pitchFamily="34" charset="0"/>
-                <a:cs typeface="Arial" panose="020B0604020202020204" pitchFamily="34" charset="0"/>
-              </a:endParaRPr>
-            </a:p>
-          </p:txBody>
-        </p:sp>
-        <p:sp>
-          <p:nvSpPr>
-            <p:cNvPr id="75" name="Freeform 74">
-              <a:extLst>
-                <a:ext uri="{FF2B5EF4-FFF2-40B4-BE49-F238E27FC236}">
-                  <a16:creationId xmlns:a16="http://schemas.microsoft.com/office/drawing/2014/main" id="{A80ED62A-944F-A18A-9959-B83BF3A63089}"/>
-                </a:ext>
-              </a:extLst>
-            </p:cNvPr>
-            <p:cNvSpPr/>
-            <p:nvPr/>
-          </p:nvSpPr>
-          <p:spPr>
-            <a:xfrm>
-              <a:off x="2748346" y="948240"/>
-              <a:ext cx="114346" cy="113472"/>
-            </a:xfrm>
-            <a:custGeom>
-              <a:avLst/>
-              <a:gdLst>
-                <a:gd name="connsiteX0" fmla="*/ 108741 w 292716"/>
-                <a:gd name="connsiteY0" fmla="*/ 0 h 290478"/>
-                <a:gd name="connsiteX1" fmla="*/ 292716 w 292716"/>
-                <a:gd name="connsiteY1" fmla="*/ 183974 h 290478"/>
-                <a:gd name="connsiteX2" fmla="*/ 278259 w 292716"/>
-                <a:gd name="connsiteY2" fmla="*/ 255585 h 290478"/>
-                <a:gd name="connsiteX3" fmla="*/ 271893 w 292716"/>
-                <a:gd name="connsiteY3" fmla="*/ 265027 h 290478"/>
-                <a:gd name="connsiteX4" fmla="*/ 255587 w 292716"/>
-                <a:gd name="connsiteY4" fmla="*/ 276021 h 290478"/>
-                <a:gd name="connsiteX5" fmla="*/ 183975 w 292716"/>
-                <a:gd name="connsiteY5" fmla="*/ 290478 h 290478"/>
-                <a:gd name="connsiteX6" fmla="*/ 0 w 292716"/>
-                <a:gd name="connsiteY6" fmla="*/ 106504 h 290478"/>
-                <a:gd name="connsiteX7" fmla="*/ 14458 w 292716"/>
-                <a:gd name="connsiteY7" fmla="*/ 34893 h 290478"/>
-                <a:gd name="connsiteX8" fmla="*/ 20824 w 292716"/>
-                <a:gd name="connsiteY8" fmla="*/ 25452 h 290478"/>
-                <a:gd name="connsiteX9" fmla="*/ 37130 w 292716"/>
-                <a:gd name="connsiteY9" fmla="*/ 14458 h 290478"/>
-                <a:gd name="connsiteX10" fmla="*/ 108741 w 292716"/>
-                <a:gd name="connsiteY10" fmla="*/ 0 h 290478"/>
-              </a:gdLst>
-              <a:ahLst/>
-              <a:cxnLst>
-                <a:cxn ang="0">
-                  <a:pos x="connsiteX0" y="connsiteY0"/>
-                </a:cxn>
-                <a:cxn ang="0">
-                  <a:pos x="connsiteX1" y="connsiteY1"/>
-                </a:cxn>
-                <a:cxn ang="0">
-                  <a:pos x="connsiteX2" y="connsiteY2"/>
-                </a:cxn>
-                <a:cxn ang="0">
-                  <a:pos x="connsiteX3" y="connsiteY3"/>
-                </a:cxn>
-                <a:cxn ang="0">
-                  <a:pos x="connsiteX4" y="connsiteY4"/>
-                </a:cxn>
-                <a:cxn ang="0">
-                  <a:pos x="connsiteX5" y="connsiteY5"/>
-                </a:cxn>
-                <a:cxn ang="0">
-                  <a:pos x="connsiteX6" y="connsiteY6"/>
-                </a:cxn>
-                <a:cxn ang="0">
-                  <a:pos x="connsiteX7" y="connsiteY7"/>
-                </a:cxn>
-                <a:cxn ang="0">
-                  <a:pos x="connsiteX8" y="connsiteY8"/>
-                </a:cxn>
-                <a:cxn ang="0">
-                  <a:pos x="connsiteX9" y="connsiteY9"/>
-                </a:cxn>
-                <a:cxn ang="0">
-                  <a:pos x="connsiteX10" y="connsiteY10"/>
-                </a:cxn>
-              </a:cxnLst>
-              <a:rect l="l" t="t" r="r" b="b"/>
-              <a:pathLst>
-                <a:path w="292716" h="290478">
-                  <a:moveTo>
-                    <a:pt x="108741" y="0"/>
-                  </a:moveTo>
-                  <a:cubicBezTo>
-                    <a:pt x="210348" y="0"/>
-                    <a:pt x="292716" y="82368"/>
-                    <a:pt x="292716" y="183974"/>
-                  </a:cubicBezTo>
-                  <a:cubicBezTo>
-                    <a:pt x="292716" y="209376"/>
-                    <a:pt x="287568" y="233575"/>
-                    <a:pt x="278259" y="255585"/>
-                  </a:cubicBezTo>
-                  <a:lnTo>
-                    <a:pt x="271893" y="265027"/>
-                  </a:lnTo>
-                  <a:lnTo>
-                    <a:pt x="255587" y="276021"/>
-                  </a:lnTo>
-                  <a:cubicBezTo>
-                    <a:pt x="233576" y="285330"/>
-                    <a:pt x="209377" y="290478"/>
-                    <a:pt x="183975" y="290478"/>
-                  </a:cubicBezTo>
-                  <a:cubicBezTo>
-                    <a:pt x="82368" y="290478"/>
-                    <a:pt x="0" y="208110"/>
-                    <a:pt x="0" y="106504"/>
-                  </a:cubicBezTo>
-                  <a:cubicBezTo>
-                    <a:pt x="0" y="81103"/>
-                    <a:pt x="5148" y="56904"/>
-                    <a:pt x="14458" y="34893"/>
-                  </a:cubicBezTo>
-                  <a:lnTo>
-                    <a:pt x="20824" y="25452"/>
-                  </a:lnTo>
-                  <a:lnTo>
-                    <a:pt x="37130" y="14458"/>
-                  </a:lnTo>
-                  <a:cubicBezTo>
-                    <a:pt x="59140" y="5148"/>
-                    <a:pt x="83340" y="0"/>
-                    <a:pt x="108741" y="0"/>
-                  </a:cubicBezTo>
-                  <a:close/>
-                </a:path>
-              </a:pathLst>
-            </a:custGeom>
-            <a:solidFill>
-              <a:schemeClr val="accent4">
-                <a:lumMod val="60000"/>
-                <a:lumOff val="40000"/>
-                <a:alpha val="50196"/>
-              </a:schemeClr>
-            </a:solidFill>
-            <a:ln>
-              <a:noFill/>
-            </a:ln>
-            <a:effectLst/>
-          </p:spPr>
-          <p:style>
-            <a:lnRef idx="1">
-              <a:schemeClr val="accent1"/>
-            </a:lnRef>
-            <a:fillRef idx="3">
-              <a:schemeClr val="accent1"/>
-            </a:fillRef>
-            <a:effectRef idx="2">
-              <a:schemeClr val="accent1"/>
-            </a:effectRef>
-            <a:fontRef idx="minor">
-              <a:schemeClr val="lt1"/>
-            </a:fontRef>
-          </p:style>
-          <p:txBody>
-            <a:bodyPr wrap="square" rtlCol="0" anchor="ctr">
-              <a:noAutofit/>
-            </a:bodyPr>
-            <a:lstStyle/>
-            <a:p>
-              <a:pPr algn="ctr"/>
-              <a:endParaRPr lang="en-US" sz="800" dirty="0">
-                <a:latin typeface="Arial" panose="020B0604020202020204" pitchFamily="34" charset="0"/>
-                <a:cs typeface="Arial" panose="020B0604020202020204" pitchFamily="34" charset="0"/>
-              </a:endParaRPr>
-            </a:p>
-          </p:txBody>
-        </p:sp>
-        <p:sp>
-          <p:nvSpPr>
-            <p:cNvPr id="76" name="Oval 75">
-              <a:extLst>
-                <a:ext uri="{FF2B5EF4-FFF2-40B4-BE49-F238E27FC236}">
-                  <a16:creationId xmlns:a16="http://schemas.microsoft.com/office/drawing/2014/main" id="{86AC9801-37DB-EE5E-CD87-DA7097FEC24E}"/>
-                </a:ext>
-              </a:extLst>
-            </p:cNvPr>
-            <p:cNvSpPr/>
-            <p:nvPr/>
-          </p:nvSpPr>
-          <p:spPr>
-            <a:xfrm>
-              <a:off x="2719182" y="944085"/>
-              <a:ext cx="143735" cy="143734"/>
-            </a:xfrm>
-            <a:prstGeom prst="ellipse">
-              <a:avLst/>
-            </a:prstGeom>
-            <a:noFill/>
-            <a:ln w="12700">
-              <a:solidFill>
-                <a:schemeClr val="tx1"/>
-              </a:solidFill>
-            </a:ln>
-            <a:effectLst/>
-          </p:spPr>
-          <p:style>
-            <a:lnRef idx="1">
-              <a:schemeClr val="accent1"/>
-            </a:lnRef>
-            <a:fillRef idx="3">
-              <a:schemeClr val="accent1"/>
-            </a:fillRef>
-            <a:effectRef idx="2">
-              <a:schemeClr val="accent1"/>
-            </a:effectRef>
-            <a:fontRef idx="minor">
-              <a:schemeClr val="lt1"/>
-            </a:fontRef>
-          </p:style>
-          <p:txBody>
-            <a:bodyPr rtlCol="0" anchor="ctr"/>
-            <a:lstStyle/>
-            <a:p>
-              <a:pPr algn="ctr"/>
-              <a:endParaRPr lang="en-US" sz="800" dirty="0">
-                <a:latin typeface="Arial" panose="020B0604020202020204" pitchFamily="34" charset="0"/>
-                <a:cs typeface="Arial" panose="020B0604020202020204" pitchFamily="34" charset="0"/>
-              </a:endParaRPr>
-            </a:p>
-          </p:txBody>
-        </p:sp>
-      </p:grpSp>
-      <p:grpSp>
-        <p:nvGrpSpPr>
-          <p:cNvPr id="77" name="Group 76">
-            <a:extLst>
-              <a:ext uri="{FF2B5EF4-FFF2-40B4-BE49-F238E27FC236}">
-                <a16:creationId xmlns:a16="http://schemas.microsoft.com/office/drawing/2014/main" id="{67F69A5C-CAD2-C195-389F-919B640EB718}"/>
-              </a:ext>
-            </a:extLst>
-          </p:cNvPr>
-          <p:cNvGrpSpPr/>
-          <p:nvPr/>
-        </p:nvGrpSpPr>
-        <p:grpSpPr>
-          <a:xfrm>
-            <a:off x="2087566" y="842134"/>
-            <a:ext cx="143736" cy="143734"/>
-            <a:chOff x="2719182" y="944085"/>
-            <a:chExt cx="143736" cy="143734"/>
-          </a:xfrm>
-        </p:grpSpPr>
-        <p:sp>
-          <p:nvSpPr>
-            <p:cNvPr id="78" name="Oval 77">
-              <a:extLst>
-                <a:ext uri="{FF2B5EF4-FFF2-40B4-BE49-F238E27FC236}">
-                  <a16:creationId xmlns:a16="http://schemas.microsoft.com/office/drawing/2014/main" id="{0DCDF677-4F55-7616-DBA1-760D5BB0C54B}"/>
-                </a:ext>
-              </a:extLst>
-            </p:cNvPr>
-            <p:cNvSpPr/>
-            <p:nvPr/>
-          </p:nvSpPr>
-          <p:spPr>
-            <a:xfrm>
-              <a:off x="2719183" y="944085"/>
-              <a:ext cx="143735" cy="143734"/>
-            </a:xfrm>
-            <a:prstGeom prst="ellipse">
-              <a:avLst/>
-            </a:prstGeom>
-            <a:solidFill>
-              <a:srgbClr val="F1AB00"/>
-            </a:solidFill>
-            <a:ln w="12700">
-              <a:solidFill>
-                <a:schemeClr val="tx1"/>
-              </a:solidFill>
-            </a:ln>
-            <a:effectLst/>
-          </p:spPr>
-          <p:style>
-            <a:lnRef idx="1">
-              <a:schemeClr val="accent1"/>
-            </a:lnRef>
-            <a:fillRef idx="3">
-              <a:schemeClr val="accent1"/>
-            </a:fillRef>
-            <a:effectRef idx="2">
-              <a:schemeClr val="accent1"/>
-            </a:effectRef>
-            <a:fontRef idx="minor">
-              <a:schemeClr val="lt1"/>
-            </a:fontRef>
-          </p:style>
-          <p:txBody>
-            <a:bodyPr rtlCol="0" anchor="ctr"/>
-            <a:lstStyle/>
-            <a:p>
-              <a:pPr algn="ctr"/>
-              <a:endParaRPr lang="en-US" sz="800" dirty="0">
-                <a:latin typeface="Arial" panose="020B0604020202020204" pitchFamily="34" charset="0"/>
-                <a:cs typeface="Arial" panose="020B0604020202020204" pitchFamily="34" charset="0"/>
-              </a:endParaRPr>
-            </a:p>
-          </p:txBody>
-        </p:sp>
-        <p:sp>
-          <p:nvSpPr>
-            <p:cNvPr id="79" name="Freeform 78">
-              <a:extLst>
-                <a:ext uri="{FF2B5EF4-FFF2-40B4-BE49-F238E27FC236}">
-                  <a16:creationId xmlns:a16="http://schemas.microsoft.com/office/drawing/2014/main" id="{D08A6B36-B4BE-D61D-7EB7-A74E458EFEA6}"/>
-                </a:ext>
-              </a:extLst>
-            </p:cNvPr>
-            <p:cNvSpPr/>
-            <p:nvPr/>
-          </p:nvSpPr>
-          <p:spPr>
-            <a:xfrm>
-              <a:off x="2748346" y="948240"/>
-              <a:ext cx="114346" cy="113472"/>
-            </a:xfrm>
-            <a:custGeom>
-              <a:avLst/>
-              <a:gdLst>
-                <a:gd name="connsiteX0" fmla="*/ 108741 w 292716"/>
-                <a:gd name="connsiteY0" fmla="*/ 0 h 290478"/>
-                <a:gd name="connsiteX1" fmla="*/ 292716 w 292716"/>
-                <a:gd name="connsiteY1" fmla="*/ 183974 h 290478"/>
-                <a:gd name="connsiteX2" fmla="*/ 278259 w 292716"/>
-                <a:gd name="connsiteY2" fmla="*/ 255585 h 290478"/>
-                <a:gd name="connsiteX3" fmla="*/ 271893 w 292716"/>
-                <a:gd name="connsiteY3" fmla="*/ 265027 h 290478"/>
-                <a:gd name="connsiteX4" fmla="*/ 255587 w 292716"/>
-                <a:gd name="connsiteY4" fmla="*/ 276021 h 290478"/>
-                <a:gd name="connsiteX5" fmla="*/ 183975 w 292716"/>
-                <a:gd name="connsiteY5" fmla="*/ 290478 h 290478"/>
-                <a:gd name="connsiteX6" fmla="*/ 0 w 292716"/>
-                <a:gd name="connsiteY6" fmla="*/ 106504 h 290478"/>
-                <a:gd name="connsiteX7" fmla="*/ 14458 w 292716"/>
-                <a:gd name="connsiteY7" fmla="*/ 34893 h 290478"/>
-                <a:gd name="connsiteX8" fmla="*/ 20824 w 292716"/>
-                <a:gd name="connsiteY8" fmla="*/ 25452 h 290478"/>
-                <a:gd name="connsiteX9" fmla="*/ 37130 w 292716"/>
-                <a:gd name="connsiteY9" fmla="*/ 14458 h 290478"/>
-                <a:gd name="connsiteX10" fmla="*/ 108741 w 292716"/>
-                <a:gd name="connsiteY10" fmla="*/ 0 h 290478"/>
-              </a:gdLst>
-              <a:ahLst/>
-              <a:cxnLst>
-                <a:cxn ang="0">
-                  <a:pos x="connsiteX0" y="connsiteY0"/>
-                </a:cxn>
-                <a:cxn ang="0">
-                  <a:pos x="connsiteX1" y="connsiteY1"/>
-                </a:cxn>
-                <a:cxn ang="0">
-                  <a:pos x="connsiteX2" y="connsiteY2"/>
-                </a:cxn>
-                <a:cxn ang="0">
-                  <a:pos x="connsiteX3" y="connsiteY3"/>
-                </a:cxn>
-                <a:cxn ang="0">
-                  <a:pos x="connsiteX4" y="connsiteY4"/>
-                </a:cxn>
-                <a:cxn ang="0">
-                  <a:pos x="connsiteX5" y="connsiteY5"/>
-                </a:cxn>
-                <a:cxn ang="0">
-                  <a:pos x="connsiteX6" y="connsiteY6"/>
-                </a:cxn>
-                <a:cxn ang="0">
-                  <a:pos x="connsiteX7" y="connsiteY7"/>
-                </a:cxn>
-                <a:cxn ang="0">
-                  <a:pos x="connsiteX8" y="connsiteY8"/>
-                </a:cxn>
-                <a:cxn ang="0">
-                  <a:pos x="connsiteX9" y="connsiteY9"/>
-                </a:cxn>
-                <a:cxn ang="0">
-                  <a:pos x="connsiteX10" y="connsiteY10"/>
-                </a:cxn>
-              </a:cxnLst>
-              <a:rect l="l" t="t" r="r" b="b"/>
-              <a:pathLst>
-                <a:path w="292716" h="290478">
-                  <a:moveTo>
-                    <a:pt x="108741" y="0"/>
-                  </a:moveTo>
-                  <a:cubicBezTo>
-                    <a:pt x="210348" y="0"/>
-                    <a:pt x="292716" y="82368"/>
-                    <a:pt x="292716" y="183974"/>
-                  </a:cubicBezTo>
-                  <a:cubicBezTo>
-                    <a:pt x="292716" y="209376"/>
-                    <a:pt x="287568" y="233575"/>
-                    <a:pt x="278259" y="255585"/>
-                  </a:cubicBezTo>
-                  <a:lnTo>
-                    <a:pt x="271893" y="265027"/>
-                  </a:lnTo>
-                  <a:lnTo>
-                    <a:pt x="255587" y="276021"/>
-                  </a:lnTo>
-                  <a:cubicBezTo>
-                    <a:pt x="233576" y="285330"/>
-                    <a:pt x="209377" y="290478"/>
-                    <a:pt x="183975" y="290478"/>
-                  </a:cubicBezTo>
-                  <a:cubicBezTo>
-                    <a:pt x="82368" y="290478"/>
-                    <a:pt x="0" y="208110"/>
-                    <a:pt x="0" y="106504"/>
-                  </a:cubicBezTo>
-                  <a:cubicBezTo>
-                    <a:pt x="0" y="81103"/>
-                    <a:pt x="5148" y="56904"/>
-                    <a:pt x="14458" y="34893"/>
-                  </a:cubicBezTo>
-                  <a:lnTo>
-                    <a:pt x="20824" y="25452"/>
-                  </a:lnTo>
-                  <a:lnTo>
-                    <a:pt x="37130" y="14458"/>
-                  </a:lnTo>
-                  <a:cubicBezTo>
-                    <a:pt x="59140" y="5148"/>
-                    <a:pt x="83340" y="0"/>
-                    <a:pt x="108741" y="0"/>
-                  </a:cubicBezTo>
-                  <a:close/>
-                </a:path>
-              </a:pathLst>
-            </a:custGeom>
-            <a:solidFill>
-              <a:schemeClr val="accent4">
-                <a:lumMod val="60000"/>
-                <a:lumOff val="40000"/>
-                <a:alpha val="50196"/>
-              </a:schemeClr>
-            </a:solidFill>
-            <a:ln>
-              <a:noFill/>
-            </a:ln>
-            <a:effectLst/>
-          </p:spPr>
-          <p:style>
-            <a:lnRef idx="1">
-              <a:schemeClr val="accent1"/>
-            </a:lnRef>
-            <a:fillRef idx="3">
-              <a:schemeClr val="accent1"/>
-            </a:fillRef>
-            <a:effectRef idx="2">
-              <a:schemeClr val="accent1"/>
-            </a:effectRef>
-            <a:fontRef idx="minor">
-              <a:schemeClr val="lt1"/>
-            </a:fontRef>
-          </p:style>
-          <p:txBody>
-            <a:bodyPr wrap="square" rtlCol="0" anchor="ctr">
-              <a:noAutofit/>
-            </a:bodyPr>
-            <a:lstStyle/>
-            <a:p>
-              <a:pPr algn="ctr"/>
-              <a:endParaRPr lang="en-US" sz="800" dirty="0">
-                <a:latin typeface="Arial" panose="020B0604020202020204" pitchFamily="34" charset="0"/>
-                <a:cs typeface="Arial" panose="020B0604020202020204" pitchFamily="34" charset="0"/>
-              </a:endParaRPr>
-            </a:p>
-          </p:txBody>
-        </p:sp>
-        <p:sp>
-          <p:nvSpPr>
-            <p:cNvPr id="80" name="Oval 79">
-              <a:extLst>
-                <a:ext uri="{FF2B5EF4-FFF2-40B4-BE49-F238E27FC236}">
-                  <a16:creationId xmlns:a16="http://schemas.microsoft.com/office/drawing/2014/main" id="{CD5A7027-ACAE-1C7A-B315-06C1285D94CC}"/>
-                </a:ext>
-              </a:extLst>
-            </p:cNvPr>
-            <p:cNvSpPr/>
-            <p:nvPr/>
-          </p:nvSpPr>
-          <p:spPr>
-            <a:xfrm>
-              <a:off x="2719182" y="944085"/>
-              <a:ext cx="143735" cy="143734"/>
-            </a:xfrm>
-            <a:prstGeom prst="ellipse">
-              <a:avLst/>
-            </a:prstGeom>
-            <a:noFill/>
-            <a:ln w="12700">
-              <a:solidFill>
-                <a:schemeClr val="tx1"/>
-              </a:solidFill>
-            </a:ln>
-            <a:effectLst/>
-          </p:spPr>
-          <p:style>
-            <a:lnRef idx="1">
-              <a:schemeClr val="accent1"/>
-            </a:lnRef>
-            <a:fillRef idx="3">
-              <a:schemeClr val="accent1"/>
-            </a:fillRef>
-            <a:effectRef idx="2">
-              <a:schemeClr val="accent1"/>
-            </a:effectRef>
-            <a:fontRef idx="minor">
-              <a:schemeClr val="lt1"/>
-            </a:fontRef>
-          </p:style>
-          <p:txBody>
-            <a:bodyPr rtlCol="0" anchor="ctr"/>
-            <a:lstStyle/>
-            <a:p>
-              <a:pPr algn="ctr"/>
-              <a:endParaRPr lang="en-US" sz="800" dirty="0">
-                <a:latin typeface="Arial" panose="020B0604020202020204" pitchFamily="34" charset="0"/>
-                <a:cs typeface="Arial" panose="020B0604020202020204" pitchFamily="34" charset="0"/>
-              </a:endParaRPr>
-            </a:p>
-          </p:txBody>
-        </p:sp>
-      </p:grpSp>
-    </p:spTree>
-    <p:extLst>
-      <p:ext uri="{BB962C8B-B14F-4D97-AF65-F5344CB8AC3E}">
-        <p14:creationId xmlns:p14="http://schemas.microsoft.com/office/powerpoint/2010/main" val="2364872360"/>
-      </p:ext>
-    </p:extLst>
-  </p:cSld>
-  <p:clrMapOvr>
-    <a:masterClrMapping/>
-  </p:clrMapOvr>
-</p:sld>
-</file>
-
 <file path=ppt/theme/theme1.xml><?xml version="1.0" encoding="utf-8"?>
 <a:theme xmlns:a="http://schemas.openxmlformats.org/drawingml/2006/main" name="Office 2013 - 2022 Theme">
   <a:themeElements>

--- a/figures/figure-HIV-small.pptx
+++ b/figures/figure-HIV-small.pptx
@@ -309,7 +309,7 @@
           <a:p>
             <a:fld id="{CB3CF827-E184-EA44-906F-7572569D29C6}" type="datetimeFigureOut">
               <a:rPr lang="en-US" smtClean="0"/>
-              <a:t>5/9/25</a:t>
+              <a:t>5/11/25</a:t>
             </a:fld>
             <a:endParaRPr lang="en-US"/>
           </a:p>
@@ -479,7 +479,7 @@
           <a:p>
             <a:fld id="{CB3CF827-E184-EA44-906F-7572569D29C6}" type="datetimeFigureOut">
               <a:rPr lang="en-US" smtClean="0"/>
-              <a:t>5/9/25</a:t>
+              <a:t>5/11/25</a:t>
             </a:fld>
             <a:endParaRPr lang="en-US"/>
           </a:p>
@@ -659,7 +659,7 @@
           <a:p>
             <a:fld id="{CB3CF827-E184-EA44-906F-7572569D29C6}" type="datetimeFigureOut">
               <a:rPr lang="en-US" smtClean="0"/>
-              <a:t>5/9/25</a:t>
+              <a:t>5/11/25</a:t>
             </a:fld>
             <a:endParaRPr lang="en-US"/>
           </a:p>
@@ -829,7 +829,7 @@
           <a:p>
             <a:fld id="{CB3CF827-E184-EA44-906F-7572569D29C6}" type="datetimeFigureOut">
               <a:rPr lang="en-US" smtClean="0"/>
-              <a:t>5/9/25</a:t>
+              <a:t>5/11/25</a:t>
             </a:fld>
             <a:endParaRPr lang="en-US"/>
           </a:p>
@@ -1073,7 +1073,7 @@
           <a:p>
             <a:fld id="{CB3CF827-E184-EA44-906F-7572569D29C6}" type="datetimeFigureOut">
               <a:rPr lang="en-US" smtClean="0"/>
-              <a:t>5/9/25</a:t>
+              <a:t>5/11/25</a:t>
             </a:fld>
             <a:endParaRPr lang="en-US"/>
           </a:p>
@@ -1305,7 +1305,7 @@
           <a:p>
             <a:fld id="{CB3CF827-E184-EA44-906F-7572569D29C6}" type="datetimeFigureOut">
               <a:rPr lang="en-US" smtClean="0"/>
-              <a:t>5/9/25</a:t>
+              <a:t>5/11/25</a:t>
             </a:fld>
             <a:endParaRPr lang="en-US"/>
           </a:p>
@@ -1672,7 +1672,7 @@
           <a:p>
             <a:fld id="{CB3CF827-E184-EA44-906F-7572569D29C6}" type="datetimeFigureOut">
               <a:rPr lang="en-US" smtClean="0"/>
-              <a:t>5/9/25</a:t>
+              <a:t>5/11/25</a:t>
             </a:fld>
             <a:endParaRPr lang="en-US"/>
           </a:p>
@@ -1790,7 +1790,7 @@
           <a:p>
             <a:fld id="{CB3CF827-E184-EA44-906F-7572569D29C6}" type="datetimeFigureOut">
               <a:rPr lang="en-US" smtClean="0"/>
-              <a:t>5/9/25</a:t>
+              <a:t>5/11/25</a:t>
             </a:fld>
             <a:endParaRPr lang="en-US"/>
           </a:p>
@@ -1885,7 +1885,7 @@
           <a:p>
             <a:fld id="{CB3CF827-E184-EA44-906F-7572569D29C6}" type="datetimeFigureOut">
               <a:rPr lang="en-US" smtClean="0"/>
-              <a:t>5/9/25</a:t>
+              <a:t>5/11/25</a:t>
             </a:fld>
             <a:endParaRPr lang="en-US"/>
           </a:p>
@@ -2162,7 +2162,7 @@
           <a:p>
             <a:fld id="{CB3CF827-E184-EA44-906F-7572569D29C6}" type="datetimeFigureOut">
               <a:rPr lang="en-US" smtClean="0"/>
-              <a:t>5/9/25</a:t>
+              <a:t>5/11/25</a:t>
             </a:fld>
             <a:endParaRPr lang="en-US"/>
           </a:p>
@@ -2419,7 +2419,7 @@
           <a:p>
             <a:fld id="{CB3CF827-E184-EA44-906F-7572569D29C6}" type="datetimeFigureOut">
               <a:rPr lang="en-US" smtClean="0"/>
-              <a:t>5/9/25</a:t>
+              <a:t>5/11/25</a:t>
             </a:fld>
             <a:endParaRPr lang="en-US"/>
           </a:p>
@@ -2632,7 +2632,7 @@
           <a:p>
             <a:fld id="{CB3CF827-E184-EA44-906F-7572569D29C6}" type="datetimeFigureOut">
               <a:rPr lang="en-US" smtClean="0"/>
-              <a:t>5/9/25</a:t>
+              <a:t>5/11/25</a:t>
             </a:fld>
             <a:endParaRPr lang="en-US"/>
           </a:p>
@@ -3059,9 +3059,8 @@
         </p:nvPicPr>
         <p:blipFill>
           <a:blip r:embed="rId2"/>
-          <a:stretch>
-            <a:fillRect/>
-          </a:stretch>
+          <a:srcRect/>
+          <a:stretch/>
         </p:blipFill>
         <p:spPr>
           <a:xfrm>

--- a/figures/figure-HIV-small.pptx
+++ b/figures/figure-HIV-small.pptx
@@ -309,7 +309,7 @@
           <a:p>
             <a:fld id="{CB3CF827-E184-EA44-906F-7572569D29C6}" type="datetimeFigureOut">
               <a:rPr lang="en-US" smtClean="0"/>
-              <a:t>5/11/25</a:t>
+              <a:t>5/20/25</a:t>
             </a:fld>
             <a:endParaRPr lang="en-US"/>
           </a:p>
@@ -479,7 +479,7 @@
           <a:p>
             <a:fld id="{CB3CF827-E184-EA44-906F-7572569D29C6}" type="datetimeFigureOut">
               <a:rPr lang="en-US" smtClean="0"/>
-              <a:t>5/11/25</a:t>
+              <a:t>5/20/25</a:t>
             </a:fld>
             <a:endParaRPr lang="en-US"/>
           </a:p>
@@ -659,7 +659,7 @@
           <a:p>
             <a:fld id="{CB3CF827-E184-EA44-906F-7572569D29C6}" type="datetimeFigureOut">
               <a:rPr lang="en-US" smtClean="0"/>
-              <a:t>5/11/25</a:t>
+              <a:t>5/20/25</a:t>
             </a:fld>
             <a:endParaRPr lang="en-US"/>
           </a:p>
@@ -829,7 +829,7 @@
           <a:p>
             <a:fld id="{CB3CF827-E184-EA44-906F-7572569D29C6}" type="datetimeFigureOut">
               <a:rPr lang="en-US" smtClean="0"/>
-              <a:t>5/11/25</a:t>
+              <a:t>5/20/25</a:t>
             </a:fld>
             <a:endParaRPr lang="en-US"/>
           </a:p>
@@ -1073,7 +1073,7 @@
           <a:p>
             <a:fld id="{CB3CF827-E184-EA44-906F-7572569D29C6}" type="datetimeFigureOut">
               <a:rPr lang="en-US" smtClean="0"/>
-              <a:t>5/11/25</a:t>
+              <a:t>5/20/25</a:t>
             </a:fld>
             <a:endParaRPr lang="en-US"/>
           </a:p>
@@ -1305,7 +1305,7 @@
           <a:p>
             <a:fld id="{CB3CF827-E184-EA44-906F-7572569D29C6}" type="datetimeFigureOut">
               <a:rPr lang="en-US" smtClean="0"/>
-              <a:t>5/11/25</a:t>
+              <a:t>5/20/25</a:t>
             </a:fld>
             <a:endParaRPr lang="en-US"/>
           </a:p>
@@ -1672,7 +1672,7 @@
           <a:p>
             <a:fld id="{CB3CF827-E184-EA44-906F-7572569D29C6}" type="datetimeFigureOut">
               <a:rPr lang="en-US" smtClean="0"/>
-              <a:t>5/11/25</a:t>
+              <a:t>5/20/25</a:t>
             </a:fld>
             <a:endParaRPr lang="en-US"/>
           </a:p>
@@ -1790,7 +1790,7 @@
           <a:p>
             <a:fld id="{CB3CF827-E184-EA44-906F-7572569D29C6}" type="datetimeFigureOut">
               <a:rPr lang="en-US" smtClean="0"/>
-              <a:t>5/11/25</a:t>
+              <a:t>5/20/25</a:t>
             </a:fld>
             <a:endParaRPr lang="en-US"/>
           </a:p>
@@ -1885,7 +1885,7 @@
           <a:p>
             <a:fld id="{CB3CF827-E184-EA44-906F-7572569D29C6}" type="datetimeFigureOut">
               <a:rPr lang="en-US" smtClean="0"/>
-              <a:t>5/11/25</a:t>
+              <a:t>5/20/25</a:t>
             </a:fld>
             <a:endParaRPr lang="en-US"/>
           </a:p>
@@ -2162,7 +2162,7 @@
           <a:p>
             <a:fld id="{CB3CF827-E184-EA44-906F-7572569D29C6}" type="datetimeFigureOut">
               <a:rPr lang="en-US" smtClean="0"/>
-              <a:t>5/11/25</a:t>
+              <a:t>5/20/25</a:t>
             </a:fld>
             <a:endParaRPr lang="en-US"/>
           </a:p>
@@ -2419,7 +2419,7 @@
           <a:p>
             <a:fld id="{CB3CF827-E184-EA44-906F-7572569D29C6}" type="datetimeFigureOut">
               <a:rPr lang="en-US" smtClean="0"/>
-              <a:t>5/11/25</a:t>
+              <a:t>5/20/25</a:t>
             </a:fld>
             <a:endParaRPr lang="en-US"/>
           </a:p>
@@ -2632,7 +2632,7 @@
           <a:p>
             <a:fld id="{CB3CF827-E184-EA44-906F-7572569D29C6}" type="datetimeFigureOut">
               <a:rPr lang="en-US" smtClean="0"/>
-              <a:t>5/11/25</a:t>
+              <a:t>5/20/25</a:t>
             </a:fld>
             <a:endParaRPr lang="en-US"/>
           </a:p>
@@ -3045,10 +3045,10 @@
       </p:grpSpPr>
       <p:pic>
         <p:nvPicPr>
-          <p:cNvPr id="6" name="Picture 5">
+          <p:cNvPr id="5" name="Picture 4">
             <a:extLst>
               <a:ext uri="{FF2B5EF4-FFF2-40B4-BE49-F238E27FC236}">
-                <a16:creationId xmlns:a16="http://schemas.microsoft.com/office/drawing/2014/main" id="{A70A4864-27E7-7E67-B58D-E0EC3517BAA4}"/>
+                <a16:creationId xmlns:a16="http://schemas.microsoft.com/office/drawing/2014/main" id="{F5898F14-E35C-7816-1802-88BA8F5CB6F9}"/>
               </a:ext>
             </a:extLst>
           </p:cNvPr>
@@ -3059,12 +3059,13 @@
         </p:nvPicPr>
         <p:blipFill>
           <a:blip r:embed="rId2"/>
-          <a:srcRect/>
-          <a:stretch/>
+          <a:stretch>
+            <a:fillRect/>
+          </a:stretch>
         </p:blipFill>
         <p:spPr>
           <a:xfrm>
-            <a:off x="1587" y="22930"/>
+            <a:off x="1587" y="4762"/>
             <a:ext cx="3060700" cy="4013200"/>
           </a:xfrm>
           <a:prstGeom prst="rect">
